--- a/the_defense.pptx
+++ b/the_defense.pptx
@@ -771,7 +771,7 @@
             <a:fld id="{A49D504B-9B0C-4FC4-88A1-E434BC3E90F8}" type="datetimeFigureOut">
               <a:rPr lang="en-US" smtClean="0"/>
               <a:pPr/>
-              <a:t>4/9/2014</a:t>
+              <a:t>4/10/2014</a:t>
             </a:fld>
             <a:endParaRPr lang="en-US"/>
           </a:p>
@@ -969,7 +969,7 @@
             <a:fld id="{A49D504B-9B0C-4FC4-88A1-E434BC3E90F8}" type="datetimeFigureOut">
               <a:rPr lang="en-US" smtClean="0"/>
               <a:pPr/>
-              <a:t>4/9/2014</a:t>
+              <a:t>4/10/2014</a:t>
             </a:fld>
             <a:endParaRPr lang="en-US"/>
           </a:p>
@@ -1156,7 +1156,7 @@
             <a:fld id="{A49D504B-9B0C-4FC4-88A1-E434BC3E90F8}" type="datetimeFigureOut">
               <a:rPr lang="en-US" smtClean="0"/>
               <a:pPr/>
-              <a:t>4/9/2014</a:t>
+              <a:t>4/10/2014</a:t>
             </a:fld>
             <a:endParaRPr lang="en-US"/>
           </a:p>
@@ -1308,7 +1308,7 @@
             <a:fld id="{A49D504B-9B0C-4FC4-88A1-E434BC3E90F8}" type="datetimeFigureOut">
               <a:rPr lang="en-US" smtClean="0"/>
               <a:pPr/>
-              <a:t>4/9/2014</a:t>
+              <a:t>4/10/2014</a:t>
             </a:fld>
             <a:endParaRPr lang="en-US"/>
           </a:p>
@@ -1560,7 +1560,7 @@
             <a:fld id="{A49D504B-9B0C-4FC4-88A1-E434BC3E90F8}" type="datetimeFigureOut">
               <a:rPr lang="en-US" smtClean="0"/>
               <a:pPr/>
-              <a:t>4/9/2014</a:t>
+              <a:t>4/10/2014</a:t>
             </a:fld>
             <a:endParaRPr lang="en-US"/>
           </a:p>
@@ -1966,7 +1966,7 @@
             <a:fld id="{A49D504B-9B0C-4FC4-88A1-E434BC3E90F8}" type="datetimeFigureOut">
               <a:rPr lang="en-US" smtClean="0"/>
               <a:pPr/>
-              <a:t>4/9/2014</a:t>
+              <a:t>4/10/2014</a:t>
             </a:fld>
             <a:endParaRPr lang="en-US"/>
           </a:p>
@@ -2409,7 +2409,7 @@
             <a:fld id="{A49D504B-9B0C-4FC4-88A1-E434BC3E90F8}" type="datetimeFigureOut">
               <a:rPr lang="en-US" smtClean="0"/>
               <a:pPr/>
-              <a:t>4/9/2014</a:t>
+              <a:t>4/10/2014</a:t>
             </a:fld>
             <a:endParaRPr lang="en-US"/>
           </a:p>
@@ -2507,7 +2507,7 @@
             <a:fld id="{A49D504B-9B0C-4FC4-88A1-E434BC3E90F8}" type="datetimeFigureOut">
               <a:rPr lang="en-US" smtClean="0"/>
               <a:pPr/>
-              <a:t>4/9/2014</a:t>
+              <a:t>4/10/2014</a:t>
             </a:fld>
             <a:endParaRPr lang="en-US"/>
           </a:p>
@@ -2630,7 +2630,7 @@
             <a:fld id="{A49D504B-9B0C-4FC4-88A1-E434BC3E90F8}" type="datetimeFigureOut">
               <a:rPr lang="en-US" smtClean="0"/>
               <a:pPr/>
-              <a:t>4/9/2014</a:t>
+              <a:t>4/10/2014</a:t>
             </a:fld>
             <a:endParaRPr lang="en-US"/>
           </a:p>
@@ -2901,7 +2901,7 @@
             <a:fld id="{A49D504B-9B0C-4FC4-88A1-E434BC3E90F8}" type="datetimeFigureOut">
               <a:rPr lang="en-US" smtClean="0"/>
               <a:pPr/>
-              <a:t>4/9/2014</a:t>
+              <a:t>4/10/2014</a:t>
             </a:fld>
             <a:endParaRPr lang="en-US"/>
           </a:p>
@@ -3103,7 +3103,7 @@
             <a:fld id="{A49D504B-9B0C-4FC4-88A1-E434BC3E90F8}" type="datetimeFigureOut">
               <a:rPr lang="en-US" smtClean="0"/>
               <a:pPr/>
-              <a:t>4/9/2014</a:t>
+              <a:t>4/10/2014</a:t>
             </a:fld>
             <a:endParaRPr lang="en-US"/>
           </a:p>
@@ -4214,7 +4214,7 @@
             <a:fld id="{A49D504B-9B0C-4FC4-88A1-E434BC3E90F8}" type="datetimeFigureOut">
               <a:rPr lang="en-US" smtClean="0"/>
               <a:pPr/>
-              <a:t>4/9/2014</a:t>
+              <a:t>4/10/2014</a:t>
             </a:fld>
             <a:endParaRPr lang="en-US"/>
           </a:p>
@@ -4650,15 +4650,7 @@
                   <a:schemeClr val="accent3"/>
                 </a:solidFill>
               </a:rPr>
-              <a:t>a</a:t>
-            </a:r>
-            <a:r>
-              <a:rPr lang="en-US" dirty="0" smtClean="0">
-                <a:solidFill>
-                  <a:schemeClr val="accent3"/>
-                </a:solidFill>
-              </a:rPr>
-              <a:t>nalog driven development</a:t>
+              <a:t>analog driven development</a:t>
             </a:r>
             <a:br>
               <a:rPr lang="en-US" dirty="0" smtClean="0">
@@ -4709,6 +4701,48 @@
               </a:rPr>
               <a:t>2014-04-15</a:t>
             </a:r>
+          </a:p>
+          <a:p>
+            <a:r>
+              <a:rPr lang="en-US" sz="2400" dirty="0" err="1" smtClean="0">
+                <a:solidFill>
+                  <a:schemeClr val="accent3"/>
+                </a:solidFill>
+              </a:rPr>
+              <a:t>matthew</a:t>
+            </a:r>
+            <a:r>
+              <a:rPr lang="en-US" sz="2400" dirty="0" smtClean="0">
+                <a:solidFill>
+                  <a:schemeClr val="accent3"/>
+                </a:solidFill>
+              </a:rPr>
+              <a:t> </a:t>
+            </a:r>
+            <a:r>
+              <a:rPr lang="en-US" sz="2400" dirty="0" err="1" smtClean="0">
+                <a:solidFill>
+                  <a:schemeClr val="accent3"/>
+                </a:solidFill>
+              </a:rPr>
+              <a:t>james</a:t>
+            </a:r>
+            <a:r>
+              <a:rPr lang="en-US" sz="2400" dirty="0" smtClean="0">
+                <a:solidFill>
+                  <a:schemeClr val="accent3"/>
+                </a:solidFill>
+              </a:rPr>
+              <a:t> </a:t>
+            </a:r>
+            <a:r>
+              <a:rPr lang="en-US" sz="2400" dirty="0" err="1" smtClean="0">
+                <a:solidFill>
+                  <a:schemeClr val="accent3"/>
+                </a:solidFill>
+              </a:rPr>
+              <a:t>swann</a:t>
+            </a:r>
             <a:endParaRPr lang="en-US" sz="2400" dirty="0" smtClean="0">
               <a:solidFill>
                 <a:schemeClr val="accent3"/>
@@ -4717,73 +4751,13 @@
           </a:p>
           <a:p>
             <a:r>
-              <a:rPr lang="en-US" sz="2400" dirty="0" err="1" smtClean="0">
+              <a:rPr lang="en-US" sz="2400" dirty="0" smtClean="0">
                 <a:solidFill>
                   <a:schemeClr val="accent3"/>
                 </a:solidFill>
               </a:rPr>
-              <a:t>matthew</a:t>
-            </a:r>
-            <a:r>
-              <a:rPr lang="en-US" sz="2400" dirty="0" smtClean="0">
-                <a:solidFill>
-                  <a:schemeClr val="accent3"/>
-                </a:solidFill>
-              </a:rPr>
-              <a:t> </a:t>
-            </a:r>
-            <a:r>
-              <a:rPr lang="en-US" sz="2400" dirty="0" err="1" smtClean="0">
-                <a:solidFill>
-                  <a:schemeClr val="accent3"/>
-                </a:solidFill>
-              </a:rPr>
-              <a:t>james</a:t>
-            </a:r>
-            <a:r>
-              <a:rPr lang="en-US" sz="2400" dirty="0" smtClean="0">
-                <a:solidFill>
-                  <a:schemeClr val="accent3"/>
-                </a:solidFill>
-              </a:rPr>
-              <a:t> </a:t>
-            </a:r>
-            <a:r>
-              <a:rPr lang="en-US" sz="2400" dirty="0" err="1" smtClean="0">
-                <a:solidFill>
-                  <a:schemeClr val="accent3"/>
-                </a:solidFill>
-              </a:rPr>
-              <a:t>swann</a:t>
-            </a:r>
-            <a:endParaRPr lang="en-US" sz="2400" dirty="0" smtClean="0">
-              <a:solidFill>
-                <a:schemeClr val="accent3"/>
-              </a:solidFill>
-            </a:endParaRPr>
-          </a:p>
-          <a:p>
-            <a:r>
-              <a:rPr lang="en-US" sz="2400" dirty="0" smtClean="0">
-                <a:solidFill>
-                  <a:schemeClr val="accent3"/>
-                </a:solidFill>
-              </a:rPr>
-              <a:t>a</a:t>
-            </a:r>
-            <a:r>
-              <a:rPr lang="en-US" sz="2400" dirty="0" smtClean="0">
-                <a:solidFill>
-                  <a:schemeClr val="accent3"/>
-                </a:solidFill>
-              </a:rPr>
-              <a:t>uburn university</a:t>
-            </a:r>
-            <a:endParaRPr lang="en-US" sz="2400" dirty="0" smtClean="0">
-              <a:solidFill>
-                <a:schemeClr val="accent3"/>
-              </a:solidFill>
-            </a:endParaRPr>
+              <a:t>auburn university</a:t>
+            </a:r>
           </a:p>
           <a:p>
             <a:endParaRPr lang="en-US" dirty="0"/>
@@ -4793,7 +4767,7 @@
     </p:spTree>
     <p:extLst>
       <p:ext uri="{BB962C8B-B14F-4D97-AF65-F5344CB8AC3E}">
-        <p14:creationId xmlns:p14="http://schemas.microsoft.com/office/powerpoint/2010/main" xmlns="" val="2182576695"/>
+        <p14:creationId xmlns="" xmlns:p14="http://schemas.microsoft.com/office/powerpoint/2010/main" val="2182576695"/>
       </p:ext>
     </p:extLst>
   </p:cSld>
@@ -5110,7 +5084,7 @@
     </p:spTree>
     <p:extLst>
       <p:ext uri="{BB962C8B-B14F-4D97-AF65-F5344CB8AC3E}">
-        <p14:creationId xmlns:p14="http://schemas.microsoft.com/office/powerpoint/2010/main" xmlns="" val="4060565670"/>
+        <p14:creationId xmlns="" xmlns:p14="http://schemas.microsoft.com/office/powerpoint/2010/main" val="4060565670"/>
       </p:ext>
     </p:extLst>
   </p:cSld>
@@ -5539,7 +5513,7 @@
     </p:spTree>
     <p:extLst>
       <p:ext uri="{BB962C8B-B14F-4D97-AF65-F5344CB8AC3E}">
-        <p14:creationId xmlns:p14="http://schemas.microsoft.com/office/powerpoint/2010/main" xmlns="" val="3202665683"/>
+        <p14:creationId xmlns="" xmlns:p14="http://schemas.microsoft.com/office/powerpoint/2010/main" val="3202665683"/>
       </p:ext>
     </p:extLst>
   </p:cSld>
@@ -5975,7 +5949,7 @@
     </p:spTree>
     <p:extLst>
       <p:ext uri="{BB962C8B-B14F-4D97-AF65-F5344CB8AC3E}">
-        <p14:creationId xmlns:p14="http://schemas.microsoft.com/office/powerpoint/2010/main" xmlns="" val="2271454515"/>
+        <p14:creationId xmlns="" xmlns:p14="http://schemas.microsoft.com/office/powerpoint/2010/main" val="2271454515"/>
       </p:ext>
     </p:extLst>
   </p:cSld>
@@ -6259,7 +6233,7 @@
           <a:blip r:embed="rId2" cstate="print">
             <a:extLst>
               <a:ext uri="{28A0092B-C50C-407E-A947-70E740481C1C}">
-                <a14:useLocalDpi xmlns:a14="http://schemas.microsoft.com/office/drawing/2010/main" xmlns="" val="0"/>
+                <a14:useLocalDpi xmlns="" xmlns:a14="http://schemas.microsoft.com/office/drawing/2010/main" val="0"/>
               </a:ext>
             </a:extLst>
           </a:blip>
@@ -6280,7 +6254,7 @@
     </p:spTree>
     <p:extLst>
       <p:ext uri="{BB962C8B-B14F-4D97-AF65-F5344CB8AC3E}">
-        <p14:creationId xmlns:p14="http://schemas.microsoft.com/office/powerpoint/2010/main" xmlns="" val="1526162158"/>
+        <p14:creationId xmlns="" xmlns:p14="http://schemas.microsoft.com/office/powerpoint/2010/main" val="1526162158"/>
       </p:ext>
     </p:extLst>
   </p:cSld>
@@ -6571,7 +6545,7 @@
           <a:blip r:embed="rId2" cstate="print">
             <a:extLst>
               <a:ext uri="{28A0092B-C50C-407E-A947-70E740481C1C}">
-                <a14:useLocalDpi xmlns:a14="http://schemas.microsoft.com/office/drawing/2010/main" xmlns="" val="0"/>
+                <a14:useLocalDpi xmlns="" xmlns:a14="http://schemas.microsoft.com/office/drawing/2010/main" val="0"/>
               </a:ext>
             </a:extLst>
           </a:blip>
@@ -6591,7 +6565,7 @@
           <a:noFill/>
           <a:extLst>
             <a:ext uri="{909E8E84-426E-40DD-AFC4-6F175D3DCCD1}">
-              <a14:hiddenFill xmlns:a14="http://schemas.microsoft.com/office/drawing/2010/main" xmlns="">
+              <a14:hiddenFill xmlns="" xmlns:a14="http://schemas.microsoft.com/office/drawing/2010/main">
                 <a:solidFill>
                   <a:srgbClr val="FFFFFF"/>
                 </a:solidFill>
@@ -6603,7 +6577,7 @@
     </p:spTree>
     <p:extLst>
       <p:ext uri="{BB962C8B-B14F-4D97-AF65-F5344CB8AC3E}">
-        <p14:creationId xmlns:p14="http://schemas.microsoft.com/office/powerpoint/2010/main" xmlns="" val="20002346"/>
+        <p14:creationId xmlns="" xmlns:p14="http://schemas.microsoft.com/office/powerpoint/2010/main" val="20002346"/>
       </p:ext>
     </p:extLst>
   </p:cSld>
@@ -6927,7 +6901,7 @@
     </p:spTree>
     <p:extLst>
       <p:ext uri="{BB962C8B-B14F-4D97-AF65-F5344CB8AC3E}">
-        <p14:creationId xmlns:p14="http://schemas.microsoft.com/office/powerpoint/2010/main" xmlns="" val="3207573990"/>
+        <p14:creationId xmlns="" xmlns:p14="http://schemas.microsoft.com/office/powerpoint/2010/main" val="3207573990"/>
       </p:ext>
     </p:extLst>
   </p:cSld>
@@ -7229,7 +7203,7 @@
           <a:blip r:embed="rId2" cstate="print">
             <a:extLst>
               <a:ext uri="{28A0092B-C50C-407E-A947-70E740481C1C}">
-                <a14:useLocalDpi xmlns:a14="http://schemas.microsoft.com/office/drawing/2010/main" xmlns="" val="0"/>
+                <a14:useLocalDpi xmlns="" xmlns:a14="http://schemas.microsoft.com/office/drawing/2010/main" val="0"/>
               </a:ext>
             </a:extLst>
           </a:blip>
@@ -7249,7 +7223,7 @@
           <a:noFill/>
           <a:extLst>
             <a:ext uri="{909E8E84-426E-40DD-AFC4-6F175D3DCCD1}">
-              <a14:hiddenFill xmlns:a14="http://schemas.microsoft.com/office/drawing/2010/main" xmlns="">
+              <a14:hiddenFill xmlns="" xmlns:a14="http://schemas.microsoft.com/office/drawing/2010/main">
                 <a:solidFill>
                   <a:srgbClr val="FFFFFF"/>
                 </a:solidFill>
@@ -7261,7 +7235,7 @@
     </p:spTree>
     <p:extLst>
       <p:ext uri="{BB962C8B-B14F-4D97-AF65-F5344CB8AC3E}">
-        <p14:creationId xmlns:p14="http://schemas.microsoft.com/office/powerpoint/2010/main" xmlns="" val="2334763458"/>
+        <p14:creationId xmlns="" xmlns:p14="http://schemas.microsoft.com/office/powerpoint/2010/main" val="2334763458"/>
       </p:ext>
     </p:extLst>
   </p:cSld>
@@ -7582,7 +7556,7 @@
     </p:spTree>
     <p:extLst>
       <p:ext uri="{BB962C8B-B14F-4D97-AF65-F5344CB8AC3E}">
-        <p14:creationId xmlns:p14="http://schemas.microsoft.com/office/powerpoint/2010/main" xmlns="" val="2586141129"/>
+        <p14:creationId xmlns="" xmlns:p14="http://schemas.microsoft.com/office/powerpoint/2010/main" val="2586141129"/>
       </p:ext>
     </p:extLst>
   </p:cSld>
@@ -7968,7 +7942,7 @@
     </p:spTree>
     <p:extLst>
       <p:ext uri="{BB962C8B-B14F-4D97-AF65-F5344CB8AC3E}">
-        <p14:creationId xmlns:p14="http://schemas.microsoft.com/office/powerpoint/2010/main" xmlns="" val="1490830931"/>
+        <p14:creationId xmlns="" xmlns:p14="http://schemas.microsoft.com/office/powerpoint/2010/main" val="1490830931"/>
       </p:ext>
     </p:extLst>
   </p:cSld>
@@ -8283,7 +8257,7 @@
           <a:blip r:embed="rId2" cstate="print">
             <a:extLst>
               <a:ext uri="{28A0092B-C50C-407E-A947-70E740481C1C}">
-                <a14:useLocalDpi xmlns:a14="http://schemas.microsoft.com/office/drawing/2010/main" xmlns="" val="0"/>
+                <a14:useLocalDpi xmlns="" xmlns:a14="http://schemas.microsoft.com/office/drawing/2010/main" val="0"/>
               </a:ext>
             </a:extLst>
           </a:blip>
@@ -8303,7 +8277,7 @@
           <a:noFill/>
           <a:extLst>
             <a:ext uri="{909E8E84-426E-40DD-AFC4-6F175D3DCCD1}">
-              <a14:hiddenFill xmlns:a14="http://schemas.microsoft.com/office/drawing/2010/main" xmlns="">
+              <a14:hiddenFill xmlns="" xmlns:a14="http://schemas.microsoft.com/office/drawing/2010/main">
                 <a:solidFill>
                   <a:srgbClr val="FFFFFF"/>
                 </a:solidFill>
@@ -8315,7 +8289,7 @@
     </p:spTree>
     <p:extLst>
       <p:ext uri="{BB962C8B-B14F-4D97-AF65-F5344CB8AC3E}">
-        <p14:creationId xmlns:p14="http://schemas.microsoft.com/office/powerpoint/2010/main" xmlns="" val="1868529230"/>
+        <p14:creationId xmlns="" xmlns:p14="http://schemas.microsoft.com/office/powerpoint/2010/main" val="1868529230"/>
       </p:ext>
     </p:extLst>
   </p:cSld>
@@ -8427,6 +8401,8 @@
               </a:rPr>
               <a:t> – the venue of advancement</a:t>
             </a:r>
+          </a:p>
+          <a:p>
             <a:endParaRPr lang="en-US" dirty="0" smtClean="0">
               <a:solidFill>
                 <a:schemeClr val="accent4">
@@ -8437,6 +8413,42 @@
             </a:endParaRPr>
           </a:p>
           <a:p>
+            <a:r>
+              <a:rPr lang="en-US" dirty="0" smtClean="0">
+                <a:solidFill>
+                  <a:schemeClr val="accent4">
+                    <a:lumMod val="40000"/>
+                    <a:lumOff val="60000"/>
+                  </a:schemeClr>
+                </a:solidFill>
+              </a:rPr>
+              <a:t>( </a:t>
+            </a:r>
+            <a:r>
+              <a:rPr lang="en-US" dirty="0" smtClean="0">
+                <a:solidFill>
+                  <a:schemeClr val="accent4">
+                    <a:lumMod val="40000"/>
+                    <a:lumOff val="60000"/>
+                  </a:schemeClr>
+                </a:solidFill>
+                <a:latin typeface="Symbol" pitchFamily="18" charset="2"/>
+              </a:rPr>
+              <a:t>b </a:t>
+            </a:r>
+            <a:r>
+              <a:rPr lang="en-US" dirty="0" smtClean="0">
+                <a:solidFill>
+                  <a:schemeClr val="accent4">
+                    <a:lumMod val="40000"/>
+                    <a:lumOff val="60000"/>
+                  </a:schemeClr>
+                </a:solidFill>
+              </a:rPr>
+              <a:t>) test driven development discourse</a:t>
+            </a:r>
+          </a:p>
+          <a:p>
             <a:endParaRPr lang="en-US" dirty="0" smtClean="0">
               <a:solidFill>
                 <a:schemeClr val="accent4">
@@ -8468,41 +8480,21 @@
                 </a:solidFill>
                 <a:latin typeface="Symbol" pitchFamily="18" charset="2"/>
               </a:rPr>
-              <a:t>b </a:t>
-            </a:r>
-            <a:r>
-              <a:rPr lang="en-US" dirty="0" smtClean="0">
-                <a:solidFill>
-                  <a:schemeClr val="accent4">
-                    <a:lumMod val="40000"/>
-                    <a:lumOff val="60000"/>
-                  </a:schemeClr>
-                </a:solidFill>
-              </a:rPr>
-              <a:t>) test </a:t>
-            </a:r>
-            <a:r>
-              <a:rPr lang="en-US" dirty="0" smtClean="0">
-                <a:solidFill>
-                  <a:schemeClr val="accent4">
-                    <a:lumMod val="40000"/>
-                    <a:lumOff val="60000"/>
-                  </a:schemeClr>
-                </a:solidFill>
-              </a:rPr>
-              <a:t>driven development </a:t>
-            </a:r>
-            <a:r>
-              <a:rPr lang="en-US" dirty="0" smtClean="0">
-                <a:solidFill>
-                  <a:schemeClr val="accent4">
-                    <a:lumMod val="40000"/>
-                    <a:lumOff val="60000"/>
-                  </a:schemeClr>
-                </a:solidFill>
-              </a:rPr>
-              <a:t>discourse</a:t>
-            </a:r>
+              <a:t>g </a:t>
+            </a:r>
+            <a:r>
+              <a:rPr lang="en-US" dirty="0" smtClean="0">
+                <a:solidFill>
+                  <a:schemeClr val="accent4">
+                    <a:lumMod val="40000"/>
+                    <a:lumOff val="60000"/>
+                  </a:schemeClr>
+                </a:solidFill>
+              </a:rPr>
+              <a:t>) conceptualization discourse</a:t>
+            </a:r>
+          </a:p>
+          <a:p>
             <a:endParaRPr lang="en-US" dirty="0" smtClean="0">
               <a:solidFill>
                 <a:schemeClr val="accent4">
@@ -8513,16 +8505,6 @@
             </a:endParaRPr>
           </a:p>
           <a:p>
-            <a:endParaRPr lang="en-US" dirty="0" smtClean="0">
-              <a:solidFill>
-                <a:schemeClr val="accent4">
-                  <a:lumMod val="40000"/>
-                  <a:lumOff val="60000"/>
-                </a:schemeClr>
-              </a:solidFill>
-            </a:endParaRPr>
-          </a:p>
-          <a:p>
             <a:r>
               <a:rPr lang="en-US" dirty="0" smtClean="0">
                 <a:solidFill>
@@ -8544,60 +8526,6 @@
                 </a:solidFill>
                 <a:latin typeface="Symbol" pitchFamily="18" charset="2"/>
               </a:rPr>
-              <a:t>g </a:t>
-            </a:r>
-            <a:r>
-              <a:rPr lang="en-US" dirty="0" smtClean="0">
-                <a:solidFill>
-                  <a:schemeClr val="accent4">
-                    <a:lumMod val="40000"/>
-                    <a:lumOff val="60000"/>
-                  </a:schemeClr>
-                </a:solidFill>
-              </a:rPr>
-              <a:t>) conceptualization discourse</a:t>
-            </a:r>
-            <a:endParaRPr lang="en-US" dirty="0" smtClean="0">
-              <a:solidFill>
-                <a:schemeClr val="accent4">
-                  <a:lumMod val="40000"/>
-                  <a:lumOff val="60000"/>
-                </a:schemeClr>
-              </a:solidFill>
-            </a:endParaRPr>
-          </a:p>
-          <a:p>
-            <a:endParaRPr lang="en-US" dirty="0" smtClean="0">
-              <a:solidFill>
-                <a:schemeClr val="accent4">
-                  <a:lumMod val="40000"/>
-                  <a:lumOff val="60000"/>
-                </a:schemeClr>
-              </a:solidFill>
-            </a:endParaRPr>
-          </a:p>
-          <a:p>
-            <a:r>
-              <a:rPr lang="en-US" dirty="0" smtClean="0">
-                <a:solidFill>
-                  <a:schemeClr val="accent4">
-                    <a:lumMod val="40000"/>
-                    <a:lumOff val="60000"/>
-                  </a:schemeClr>
-                </a:solidFill>
-              </a:rPr>
-              <a:t>( </a:t>
-            </a:r>
-            <a:r>
-              <a:rPr lang="en-US" dirty="0" smtClean="0">
-                <a:solidFill>
-                  <a:schemeClr val="accent4">
-                    <a:lumMod val="40000"/>
-                    <a:lumOff val="60000"/>
-                  </a:schemeClr>
-                </a:solidFill>
-                <a:latin typeface="Symbol" pitchFamily="18" charset="2"/>
-              </a:rPr>
               <a:t>d </a:t>
             </a:r>
             <a:r>
@@ -8609,18 +8537,7 @@
                   </a:schemeClr>
                 </a:solidFill>
               </a:rPr>
-              <a:t>) analog driven </a:t>
-            </a:r>
-            <a:r>
-              <a:rPr lang="en-US" dirty="0" smtClean="0">
-                <a:solidFill>
-                  <a:schemeClr val="accent4">
-                    <a:lumMod val="40000"/>
-                    <a:lumOff val="60000"/>
-                  </a:schemeClr>
-                </a:solidFill>
-              </a:rPr>
-              <a:t>development discourse and execution</a:t>
+              <a:t>) analog driven development discourse and execution</a:t>
             </a:r>
           </a:p>
           <a:p>
@@ -8668,14 +8585,6 @@
               </a:rPr>
               <a:t>) conclusions</a:t>
             </a:r>
-            <a:endParaRPr lang="en-US" dirty="0" smtClean="0">
-              <a:solidFill>
-                <a:schemeClr val="accent4">
-                  <a:lumMod val="40000"/>
-                  <a:lumOff val="60000"/>
-                </a:schemeClr>
-              </a:solidFill>
-            </a:endParaRPr>
           </a:p>
           <a:p>
             <a:endParaRPr lang="en-US" dirty="0">
@@ -8789,7 +8698,7 @@
     </p:spTree>
     <p:extLst>
       <p:ext uri="{BB962C8B-B14F-4D97-AF65-F5344CB8AC3E}">
-        <p14:creationId xmlns:p14="http://schemas.microsoft.com/office/powerpoint/2010/main" xmlns="" val="1147154572"/>
+        <p14:creationId xmlns="" xmlns:p14="http://schemas.microsoft.com/office/powerpoint/2010/main" val="1147154572"/>
       </p:ext>
     </p:extLst>
   </p:cSld>
@@ -8835,7 +8744,7 @@
           <a:blip r:embed="rId2" cstate="print">
             <a:extLst>
               <a:ext uri="{28A0092B-C50C-407E-A947-70E740481C1C}">
-                <a14:useLocalDpi xmlns:a14="http://schemas.microsoft.com/office/drawing/2010/main" xmlns="" val="0"/>
+                <a14:useLocalDpi xmlns="" xmlns:a14="http://schemas.microsoft.com/office/drawing/2010/main" val="0"/>
               </a:ext>
             </a:extLst>
           </a:blip>
@@ -8855,7 +8764,7 @@
           <a:noFill/>
           <a:extLst>
             <a:ext uri="{909E8E84-426E-40DD-AFC4-6F175D3DCCD1}">
-              <a14:hiddenFill xmlns:a14="http://schemas.microsoft.com/office/drawing/2010/main" xmlns="">
+              <a14:hiddenFill xmlns="" xmlns:a14="http://schemas.microsoft.com/office/drawing/2010/main">
                 <a:solidFill>
                   <a:srgbClr val="FFFFFF"/>
                 </a:solidFill>
@@ -9032,7 +8941,7 @@
     </p:spTree>
     <p:extLst>
       <p:ext uri="{BB962C8B-B14F-4D97-AF65-F5344CB8AC3E}">
-        <p14:creationId xmlns:p14="http://schemas.microsoft.com/office/powerpoint/2010/main" xmlns="" val="1270813973"/>
+        <p14:creationId xmlns="" xmlns:p14="http://schemas.microsoft.com/office/powerpoint/2010/main" val="1270813973"/>
       </p:ext>
     </p:extLst>
   </p:cSld>
@@ -9339,7 +9248,7 @@
     </p:spTree>
     <p:extLst>
       <p:ext uri="{BB962C8B-B14F-4D97-AF65-F5344CB8AC3E}">
-        <p14:creationId xmlns:p14="http://schemas.microsoft.com/office/powerpoint/2010/main" xmlns="" val="1771488006"/>
+        <p14:creationId xmlns="" xmlns:p14="http://schemas.microsoft.com/office/powerpoint/2010/main" val="1771488006"/>
       </p:ext>
     </p:extLst>
   </p:cSld>
@@ -9621,7 +9530,7 @@
     </p:spTree>
     <p:extLst>
       <p:ext uri="{BB962C8B-B14F-4D97-AF65-F5344CB8AC3E}">
-        <p14:creationId xmlns:p14="http://schemas.microsoft.com/office/powerpoint/2010/main" xmlns="" val="523439885"/>
+        <p14:creationId xmlns="" xmlns:p14="http://schemas.microsoft.com/office/powerpoint/2010/main" val="523439885"/>
       </p:ext>
     </p:extLst>
   </p:cSld>
@@ -10079,7 +9988,7 @@
     </p:spTree>
     <p:extLst>
       <p:ext uri="{BB962C8B-B14F-4D97-AF65-F5344CB8AC3E}">
-        <p14:creationId xmlns:p14="http://schemas.microsoft.com/office/powerpoint/2010/main" xmlns="" val="198026560"/>
+        <p14:creationId xmlns="" xmlns:p14="http://schemas.microsoft.com/office/powerpoint/2010/main" val="198026560"/>
       </p:ext>
     </p:extLst>
   </p:cSld>
@@ -10431,7 +10340,7 @@
     </p:spTree>
     <p:extLst>
       <p:ext uri="{BB962C8B-B14F-4D97-AF65-F5344CB8AC3E}">
-        <p14:creationId xmlns:p14="http://schemas.microsoft.com/office/powerpoint/2010/main" xmlns="" val="2548763446"/>
+        <p14:creationId xmlns="" xmlns:p14="http://schemas.microsoft.com/office/powerpoint/2010/main" val="2548763446"/>
       </p:ext>
     </p:extLst>
   </p:cSld>
@@ -10688,7 +10597,7 @@
     </p:spTree>
     <p:extLst>
       <p:ext uri="{BB962C8B-B14F-4D97-AF65-F5344CB8AC3E}">
-        <p14:creationId xmlns:p14="http://schemas.microsoft.com/office/powerpoint/2010/main" xmlns="" val="1502255609"/>
+        <p14:creationId xmlns="" xmlns:p14="http://schemas.microsoft.com/office/powerpoint/2010/main" val="1502255609"/>
       </p:ext>
     </p:extLst>
   </p:cSld>
@@ -11025,7 +10934,7 @@
     </p:spTree>
     <p:extLst>
       <p:ext uri="{BB962C8B-B14F-4D97-AF65-F5344CB8AC3E}">
-        <p14:creationId xmlns:p14="http://schemas.microsoft.com/office/powerpoint/2010/main" xmlns="" val="3849091202"/>
+        <p14:creationId xmlns="" xmlns:p14="http://schemas.microsoft.com/office/powerpoint/2010/main" val="3849091202"/>
       </p:ext>
     </p:extLst>
   </p:cSld>
@@ -11329,7 +11238,7 @@
     </p:spTree>
     <p:extLst>
       <p:ext uri="{BB962C8B-B14F-4D97-AF65-F5344CB8AC3E}">
-        <p14:creationId xmlns:p14="http://schemas.microsoft.com/office/powerpoint/2010/main" xmlns="" val="2456908327"/>
+        <p14:creationId xmlns="" xmlns:p14="http://schemas.microsoft.com/office/powerpoint/2010/main" val="2456908327"/>
       </p:ext>
     </p:extLst>
   </p:cSld>
@@ -11660,7 +11569,7 @@
     </p:spTree>
     <p:extLst>
       <p:ext uri="{BB962C8B-B14F-4D97-AF65-F5344CB8AC3E}">
-        <p14:creationId xmlns:p14="http://schemas.microsoft.com/office/powerpoint/2010/main" xmlns="" val="2211932468"/>
+        <p14:creationId xmlns="" xmlns:p14="http://schemas.microsoft.com/office/powerpoint/2010/main" val="2211932468"/>
       </p:ext>
     </p:extLst>
   </p:cSld>
@@ -11986,7 +11895,7 @@
           <a:blip r:embed="rId2" cstate="print">
             <a:extLst>
               <a:ext uri="{28A0092B-C50C-407E-A947-70E740481C1C}">
-                <a14:useLocalDpi xmlns:a14="http://schemas.microsoft.com/office/drawing/2010/main" xmlns="" val="0"/>
+                <a14:useLocalDpi xmlns="" xmlns:a14="http://schemas.microsoft.com/office/drawing/2010/main" val="0"/>
               </a:ext>
             </a:extLst>
           </a:blip>
@@ -12006,7 +11915,7 @@
           <a:noFill/>
           <a:extLst>
             <a:ext uri="{909E8E84-426E-40DD-AFC4-6F175D3DCCD1}">
-              <a14:hiddenFill xmlns:a14="http://schemas.microsoft.com/office/drawing/2010/main" xmlns="">
+              <a14:hiddenFill xmlns="" xmlns:a14="http://schemas.microsoft.com/office/drawing/2010/main">
                 <a:solidFill>
                   <a:srgbClr val="FFFFFF"/>
                 </a:solidFill>
@@ -12018,7 +11927,7 @@
     </p:spTree>
     <p:extLst>
       <p:ext uri="{BB962C8B-B14F-4D97-AF65-F5344CB8AC3E}">
-        <p14:creationId xmlns:p14="http://schemas.microsoft.com/office/powerpoint/2010/main" xmlns="" val="2321868668"/>
+        <p14:creationId xmlns="" xmlns:p14="http://schemas.microsoft.com/office/powerpoint/2010/main" val="2321868668"/>
       </p:ext>
     </p:extLst>
   </p:cSld>
@@ -12069,11 +11978,7 @@
           <a:p>
             <a:r>
               <a:rPr lang="en-US" dirty="0" smtClean="0"/>
-              <a:t>h</a:t>
-            </a:r>
-            <a:r>
-              <a:rPr lang="en-US" dirty="0" smtClean="0"/>
-              <a:t>istory</a:t>
+              <a:t>history</a:t>
             </a:r>
           </a:p>
           <a:p>
@@ -12095,11 +12000,7 @@
             <a:pPr lvl="1"/>
             <a:r>
               <a:rPr lang="en-US" dirty="0" smtClean="0"/>
-              <a:t>t</a:t>
-            </a:r>
-            <a:r>
-              <a:rPr lang="en-US" dirty="0" smtClean="0"/>
-              <a:t>eam of scientists</a:t>
+              <a:t>team of scientists</a:t>
             </a:r>
           </a:p>
           <a:p>
@@ -12123,22 +12024,14 @@
           <a:p>
             <a:r>
               <a:rPr lang="en-US" dirty="0" smtClean="0"/>
-              <a:t>c</a:t>
-            </a:r>
+              <a:t>current</a:t>
+            </a:r>
+          </a:p>
+          <a:p>
+            <a:pPr lvl="1"/>
             <a:r>
               <a:rPr lang="en-US" dirty="0" smtClean="0"/>
-              <a:t>urrent</a:t>
-            </a:r>
-          </a:p>
-          <a:p>
-            <a:pPr lvl="1"/>
-            <a:r>
-              <a:rPr lang="en-US" dirty="0" smtClean="0"/>
-              <a:t>t</a:t>
-            </a:r>
-            <a:r>
-              <a:rPr lang="en-US" dirty="0" smtClean="0"/>
-              <a:t>eam of students</a:t>
+              <a:t>team of students</a:t>
             </a:r>
           </a:p>
           <a:p>
@@ -12509,7 +12402,7 @@
           <a:blip r:embed="rId2" cstate="print">
             <a:extLst>
               <a:ext uri="{28A0092B-C50C-407E-A947-70E740481C1C}">
-                <a14:useLocalDpi xmlns:a14="http://schemas.microsoft.com/office/drawing/2010/main" xmlns="" val="0"/>
+                <a14:useLocalDpi xmlns="" xmlns:a14="http://schemas.microsoft.com/office/drawing/2010/main" val="0"/>
               </a:ext>
             </a:extLst>
           </a:blip>
@@ -12529,7 +12422,7 @@
           <a:noFill/>
           <a:extLst>
             <a:ext uri="{909E8E84-426E-40DD-AFC4-6F175D3DCCD1}">
-              <a14:hiddenFill xmlns:a14="http://schemas.microsoft.com/office/drawing/2010/main" xmlns="">
+              <a14:hiddenFill xmlns="" xmlns:a14="http://schemas.microsoft.com/office/drawing/2010/main">
                 <a:solidFill>
                   <a:srgbClr val="FFFFFF"/>
                 </a:solidFill>
@@ -12541,7 +12434,7 @@
     </p:spTree>
     <p:extLst>
       <p:ext uri="{BB962C8B-B14F-4D97-AF65-F5344CB8AC3E}">
-        <p14:creationId xmlns:p14="http://schemas.microsoft.com/office/powerpoint/2010/main" xmlns="" val="695099443"/>
+        <p14:creationId xmlns="" xmlns:p14="http://schemas.microsoft.com/office/powerpoint/2010/main" val="695099443"/>
       </p:ext>
     </p:extLst>
   </p:cSld>
@@ -12829,7 +12722,7 @@
           <a:blip r:embed="rId2" cstate="print">
             <a:extLst>
               <a:ext uri="{28A0092B-C50C-407E-A947-70E740481C1C}">
-                <a14:useLocalDpi xmlns:a14="http://schemas.microsoft.com/office/drawing/2010/main" xmlns="" val="0"/>
+                <a14:useLocalDpi xmlns="" xmlns:a14="http://schemas.microsoft.com/office/drawing/2010/main" val="0"/>
               </a:ext>
             </a:extLst>
           </a:blip>
@@ -12849,7 +12742,7 @@
           <a:noFill/>
           <a:extLst>
             <a:ext uri="{909E8E84-426E-40DD-AFC4-6F175D3DCCD1}">
-              <a14:hiddenFill xmlns:a14="http://schemas.microsoft.com/office/drawing/2010/main" xmlns="">
+              <a14:hiddenFill xmlns="" xmlns:a14="http://schemas.microsoft.com/office/drawing/2010/main">
                 <a:solidFill>
                   <a:srgbClr val="FFFFFF"/>
                 </a:solidFill>
@@ -12861,7 +12754,7 @@
     </p:spTree>
     <p:extLst>
       <p:ext uri="{BB962C8B-B14F-4D97-AF65-F5344CB8AC3E}">
-        <p14:creationId xmlns:p14="http://schemas.microsoft.com/office/powerpoint/2010/main" xmlns="" val="55645538"/>
+        <p14:creationId xmlns="" xmlns:p14="http://schemas.microsoft.com/office/powerpoint/2010/main" val="55645538"/>
       </p:ext>
     </p:extLst>
   </p:cSld>
@@ -13222,7 +13115,7 @@
     </p:spTree>
     <p:extLst>
       <p:ext uri="{BB962C8B-B14F-4D97-AF65-F5344CB8AC3E}">
-        <p14:creationId xmlns:p14="http://schemas.microsoft.com/office/powerpoint/2010/main" xmlns="" val="432994252"/>
+        <p14:creationId xmlns="" xmlns:p14="http://schemas.microsoft.com/office/powerpoint/2010/main" val="432994252"/>
       </p:ext>
     </p:extLst>
   </p:cSld>
@@ -13518,7 +13411,7 @@
           <a:blip r:embed="rId2" cstate="print">
             <a:extLst>
               <a:ext uri="{28A0092B-C50C-407E-A947-70E740481C1C}">
-                <a14:useLocalDpi xmlns:a14="http://schemas.microsoft.com/office/drawing/2010/main" xmlns="" val="0"/>
+                <a14:useLocalDpi xmlns="" xmlns:a14="http://schemas.microsoft.com/office/drawing/2010/main" val="0"/>
               </a:ext>
             </a:extLst>
           </a:blip>
@@ -13538,7 +13431,7 @@
           <a:noFill/>
           <a:extLst>
             <a:ext uri="{909E8E84-426E-40DD-AFC4-6F175D3DCCD1}">
-              <a14:hiddenFill xmlns:a14="http://schemas.microsoft.com/office/drawing/2010/main" xmlns="">
+              <a14:hiddenFill xmlns="" xmlns:a14="http://schemas.microsoft.com/office/drawing/2010/main">
                 <a:solidFill>
                   <a:srgbClr val="FFFFFF"/>
                 </a:solidFill>
@@ -13550,7 +13443,7 @@
     </p:spTree>
     <p:extLst>
       <p:ext uri="{BB962C8B-B14F-4D97-AF65-F5344CB8AC3E}">
-        <p14:creationId xmlns:p14="http://schemas.microsoft.com/office/powerpoint/2010/main" xmlns="" val="2200069733"/>
+        <p14:creationId xmlns="" xmlns:p14="http://schemas.microsoft.com/office/powerpoint/2010/main" val="2200069733"/>
       </p:ext>
     </p:extLst>
   </p:cSld>
@@ -13851,7 +13744,7 @@
           <a:blip r:embed="rId2" cstate="print">
             <a:extLst>
               <a:ext uri="{28A0092B-C50C-407E-A947-70E740481C1C}">
-                <a14:useLocalDpi xmlns:a14="http://schemas.microsoft.com/office/drawing/2010/main" xmlns="" val="0"/>
+                <a14:useLocalDpi xmlns="" xmlns:a14="http://schemas.microsoft.com/office/drawing/2010/main" val="0"/>
               </a:ext>
             </a:extLst>
           </a:blip>
@@ -13871,7 +13764,7 @@
           <a:noFill/>
           <a:extLst>
             <a:ext uri="{909E8E84-426E-40DD-AFC4-6F175D3DCCD1}">
-              <a14:hiddenFill xmlns:a14="http://schemas.microsoft.com/office/drawing/2010/main" xmlns="">
+              <a14:hiddenFill xmlns="" xmlns:a14="http://schemas.microsoft.com/office/drawing/2010/main">
                 <a:solidFill>
                   <a:srgbClr val="FFFFFF"/>
                 </a:solidFill>
@@ -13883,7 +13776,7 @@
     </p:spTree>
     <p:extLst>
       <p:ext uri="{BB962C8B-B14F-4D97-AF65-F5344CB8AC3E}">
-        <p14:creationId xmlns:p14="http://schemas.microsoft.com/office/powerpoint/2010/main" xmlns="" val="1253997283"/>
+        <p14:creationId xmlns="" xmlns:p14="http://schemas.microsoft.com/office/powerpoint/2010/main" val="1253997283"/>
       </p:ext>
     </p:extLst>
   </p:cSld>
@@ -14172,7 +14065,7 @@
           <a:blip r:embed="rId2" cstate="print">
             <a:extLst>
               <a:ext uri="{28A0092B-C50C-407E-A947-70E740481C1C}">
-                <a14:useLocalDpi xmlns:a14="http://schemas.microsoft.com/office/drawing/2010/main" xmlns="" val="0"/>
+                <a14:useLocalDpi xmlns="" xmlns:a14="http://schemas.microsoft.com/office/drawing/2010/main" val="0"/>
               </a:ext>
             </a:extLst>
           </a:blip>
@@ -14192,7 +14085,7 @@
           <a:noFill/>
           <a:extLst>
             <a:ext uri="{909E8E84-426E-40DD-AFC4-6F175D3DCCD1}">
-              <a14:hiddenFill xmlns:a14="http://schemas.microsoft.com/office/drawing/2010/main" xmlns="">
+              <a14:hiddenFill xmlns="" xmlns:a14="http://schemas.microsoft.com/office/drawing/2010/main">
                 <a:solidFill>
                   <a:srgbClr val="FFFFFF"/>
                 </a:solidFill>
@@ -14204,7 +14097,7 @@
     </p:spTree>
     <p:extLst>
       <p:ext uri="{BB962C8B-B14F-4D97-AF65-F5344CB8AC3E}">
-        <p14:creationId xmlns:p14="http://schemas.microsoft.com/office/powerpoint/2010/main" xmlns="" val="50008349"/>
+        <p14:creationId xmlns="" xmlns:p14="http://schemas.microsoft.com/office/powerpoint/2010/main" val="50008349"/>
       </p:ext>
     </p:extLst>
   </p:cSld>
@@ -14593,7 +14486,7 @@
     </p:spTree>
     <p:extLst>
       <p:ext uri="{BB962C8B-B14F-4D97-AF65-F5344CB8AC3E}">
-        <p14:creationId xmlns:p14="http://schemas.microsoft.com/office/powerpoint/2010/main" xmlns="" val="3211640344"/>
+        <p14:creationId xmlns="" xmlns:p14="http://schemas.microsoft.com/office/powerpoint/2010/main" val="3211640344"/>
       </p:ext>
     </p:extLst>
   </p:cSld>
@@ -15006,7 +14899,7 @@
     </p:spTree>
     <p:extLst>
       <p:ext uri="{BB962C8B-B14F-4D97-AF65-F5344CB8AC3E}">
-        <p14:creationId xmlns:p14="http://schemas.microsoft.com/office/powerpoint/2010/main" xmlns="" val="1951265445"/>
+        <p14:creationId xmlns="" xmlns:p14="http://schemas.microsoft.com/office/powerpoint/2010/main" val="1951265445"/>
       </p:ext>
     </p:extLst>
   </p:cSld>
@@ -15114,7 +15007,7 @@
     </p:spTree>
     <p:extLst>
       <p:ext uri="{BB962C8B-B14F-4D97-AF65-F5344CB8AC3E}">
-        <p14:creationId xmlns:p14="http://schemas.microsoft.com/office/powerpoint/2010/main" xmlns="" val="1121234610"/>
+        <p14:creationId xmlns="" xmlns:p14="http://schemas.microsoft.com/office/powerpoint/2010/main" val="1121234610"/>
       </p:ext>
     </p:extLst>
   </p:cSld>
@@ -15612,7 +15505,7 @@
     </p:spTree>
     <p:extLst>
       <p:ext uri="{BB962C8B-B14F-4D97-AF65-F5344CB8AC3E}">
-        <p14:creationId xmlns:p14="http://schemas.microsoft.com/office/powerpoint/2010/main" xmlns="" val="726014997"/>
+        <p14:creationId xmlns="" xmlns:p14="http://schemas.microsoft.com/office/powerpoint/2010/main" val="726014997"/>
       </p:ext>
     </p:extLst>
   </p:cSld>
@@ -15670,40 +15563,7 @@
                   </a:schemeClr>
                 </a:solidFill>
               </a:rPr>
-              <a:t>test </a:t>
-            </a:r>
-            <a:r>
-              <a:rPr lang="en-US" dirty="0" smtClean="0">
-                <a:solidFill>
-                  <a:schemeClr val="accent4">
-                    <a:lumMod val="40000"/>
-                    <a:lumOff val="60000"/>
-                  </a:schemeClr>
-                </a:solidFill>
-              </a:rPr>
-              <a:t>driven </a:t>
-            </a:r>
-            <a:r>
-              <a:rPr lang="en-US" dirty="0" smtClean="0">
-                <a:solidFill>
-                  <a:schemeClr val="accent4">
-                    <a:lumMod val="40000"/>
-                    <a:lumOff val="60000"/>
-                  </a:schemeClr>
-                </a:solidFill>
-              </a:rPr>
-              <a:t>design </a:t>
-            </a:r>
-            <a:r>
-              <a:rPr lang="en-US" dirty="0" smtClean="0">
-                <a:solidFill>
-                  <a:schemeClr val="accent4">
-                    <a:lumMod val="40000"/>
-                    <a:lumOff val="60000"/>
-                  </a:schemeClr>
-                </a:solidFill>
-              </a:rPr>
-              <a:t>paradigm</a:t>
+              <a:t>test driven design paradigm</a:t>
             </a:r>
             <a:r>
               <a:rPr lang="en-US" dirty="0" smtClean="0"/>
@@ -15761,18 +15621,7 @@
                   </a:schemeClr>
                 </a:solidFill>
               </a:rPr>
-              <a:t>t</a:t>
-            </a:r>
-            <a:r>
-              <a:rPr lang="en-US" dirty="0" smtClean="0">
-                <a:solidFill>
-                  <a:schemeClr val="accent4">
-                    <a:lumMod val="40000"/>
-                    <a:lumOff val="60000"/>
-                  </a:schemeClr>
-                </a:solidFill>
-              </a:rPr>
-              <a:t>est-first concepts in ’99</a:t>
+              <a:t>test-first concepts in ’99</a:t>
             </a:r>
           </a:p>
           <a:p>
@@ -15812,18 +15661,7 @@
                   </a:schemeClr>
                 </a:solidFill>
               </a:rPr>
-              <a:t>c</a:t>
-            </a:r>
-            <a:r>
-              <a:rPr lang="en-US" dirty="0" smtClean="0">
-                <a:solidFill>
-                  <a:schemeClr val="accent4">
-                    <a:lumMod val="40000"/>
-                    <a:lumOff val="60000"/>
-                  </a:schemeClr>
-                </a:solidFill>
-              </a:rPr>
-              <a:t>redited patron of the process</a:t>
+              <a:t>credited patron of the process</a:t>
             </a:r>
           </a:p>
           <a:p>
@@ -15894,18 +15732,7 @@
                   </a:schemeClr>
                 </a:solidFill>
               </a:rPr>
-              <a:t>) test driven development </a:t>
-            </a:r>
-            <a:r>
-              <a:rPr lang="en-US" dirty="0" smtClean="0">
-                <a:solidFill>
-                  <a:schemeClr val="accent4">
-                    <a:lumMod val="40000"/>
-                    <a:lumOff val="60000"/>
-                  </a:schemeClr>
-                </a:solidFill>
-              </a:rPr>
-              <a:t>discourse</a:t>
+              <a:t>) test driven development discourse</a:t>
             </a:r>
             <a:endParaRPr lang="en-US" dirty="0"/>
           </a:p>
@@ -15995,6 +15822,17 @@
           </a:p>
           <a:p>
             <a:pPr lvl="2"/>
+            <a:endParaRPr lang="en-US" dirty="0" smtClean="0">
+              <a:solidFill>
+                <a:schemeClr val="accent4">
+                  <a:lumMod val="40000"/>
+                  <a:lumOff val="60000"/>
+                </a:schemeClr>
+              </a:solidFill>
+            </a:endParaRPr>
+          </a:p>
+          <a:p>
+            <a:pPr lvl="2"/>
             <a:r>
               <a:rPr lang="en-US" dirty="0" smtClean="0">
                 <a:solidFill>
@@ -16062,6 +15900,17 @@
               </a:rPr>
               <a:t>output verification		algorithmic return ( black box )</a:t>
             </a:r>
+          </a:p>
+          <a:p>
+            <a:pPr lvl="2"/>
+            <a:endParaRPr lang="en-US" dirty="0" smtClean="0">
+              <a:solidFill>
+                <a:schemeClr val="accent4">
+                  <a:lumMod val="40000"/>
+                  <a:lumOff val="60000"/>
+                </a:schemeClr>
+              </a:solidFill>
+            </a:endParaRPr>
           </a:p>
           <a:p>
             <a:pPr lvl="2"/>
@@ -16442,7 +16291,7 @@
     </p:spTree>
     <p:extLst>
       <p:ext uri="{BB962C8B-B14F-4D97-AF65-F5344CB8AC3E}">
-        <p14:creationId xmlns:p14="http://schemas.microsoft.com/office/powerpoint/2010/main" xmlns="" val="4070341723"/>
+        <p14:creationId xmlns="" xmlns:p14="http://schemas.microsoft.com/office/powerpoint/2010/main" val="4070341723"/>
       </p:ext>
     </p:extLst>
   </p:cSld>
@@ -16786,7 +16635,7 @@
     </p:spTree>
     <p:extLst>
       <p:ext uri="{BB962C8B-B14F-4D97-AF65-F5344CB8AC3E}">
-        <p14:creationId xmlns:p14="http://schemas.microsoft.com/office/powerpoint/2010/main" xmlns="" val="1323232852"/>
+        <p14:creationId xmlns="" xmlns:p14="http://schemas.microsoft.com/office/powerpoint/2010/main" val="1323232852"/>
       </p:ext>
     </p:extLst>
   </p:cSld>
@@ -17029,7 +16878,7 @@
           <a:blip r:embed="rId2" cstate="print">
             <a:extLst>
               <a:ext uri="{28A0092B-C50C-407E-A947-70E740481C1C}">
-                <a14:useLocalDpi xmlns:a14="http://schemas.microsoft.com/office/drawing/2010/main" xmlns="" val="0"/>
+                <a14:useLocalDpi xmlns="" xmlns:a14="http://schemas.microsoft.com/office/drawing/2010/main" val="0"/>
               </a:ext>
             </a:extLst>
           </a:blip>
@@ -17049,7 +16898,7 @@
           <a:noFill/>
           <a:extLst>
             <a:ext uri="{909E8E84-426E-40DD-AFC4-6F175D3DCCD1}">
-              <a14:hiddenFill xmlns:a14="http://schemas.microsoft.com/office/drawing/2010/main" xmlns="">
+              <a14:hiddenFill xmlns="" xmlns:a14="http://schemas.microsoft.com/office/drawing/2010/main">
                 <a:solidFill>
                   <a:srgbClr val="FFFFFF"/>
                 </a:solidFill>
@@ -17130,7 +16979,7 @@
     </p:spTree>
     <p:extLst>
       <p:ext uri="{BB962C8B-B14F-4D97-AF65-F5344CB8AC3E}">
-        <p14:creationId xmlns:p14="http://schemas.microsoft.com/office/powerpoint/2010/main" xmlns="" val="130827278"/>
+        <p14:creationId xmlns="" xmlns:p14="http://schemas.microsoft.com/office/powerpoint/2010/main" val="130827278"/>
       </p:ext>
     </p:extLst>
   </p:cSld>

--- a/the_defense.pptx
+++ b/the_defense.pptx
@@ -13,31 +13,28 @@
     <p:sldId id="304" r:id="rId7"/>
     <p:sldId id="294" r:id="rId8"/>
     <p:sldId id="299" r:id="rId9"/>
-    <p:sldId id="300" r:id="rId10"/>
-    <p:sldId id="298" r:id="rId11"/>
-    <p:sldId id="301" r:id="rId12"/>
-    <p:sldId id="302" r:id="rId13"/>
-    <p:sldId id="303" r:id="rId14"/>
-    <p:sldId id="306" r:id="rId15"/>
-    <p:sldId id="307" r:id="rId16"/>
-    <p:sldId id="308" r:id="rId17"/>
-    <p:sldId id="311" r:id="rId18"/>
-    <p:sldId id="312" r:id="rId19"/>
-    <p:sldId id="309" r:id="rId20"/>
-    <p:sldId id="310" r:id="rId21"/>
-    <p:sldId id="313" r:id="rId22"/>
-    <p:sldId id="314" r:id="rId23"/>
-    <p:sldId id="315" r:id="rId24"/>
-    <p:sldId id="318" r:id="rId25"/>
-    <p:sldId id="317" r:id="rId26"/>
-    <p:sldId id="295" r:id="rId27"/>
-    <p:sldId id="320" r:id="rId28"/>
-    <p:sldId id="321" r:id="rId29"/>
-    <p:sldId id="322" r:id="rId30"/>
-    <p:sldId id="323" r:id="rId31"/>
-    <p:sldId id="324" r:id="rId32"/>
-    <p:sldId id="325" r:id="rId33"/>
-    <p:sldId id="280" r:id="rId34"/>
+    <p:sldId id="298" r:id="rId10"/>
+    <p:sldId id="301" r:id="rId11"/>
+    <p:sldId id="302" r:id="rId12"/>
+    <p:sldId id="303" r:id="rId13"/>
+    <p:sldId id="306" r:id="rId14"/>
+    <p:sldId id="307" r:id="rId15"/>
+    <p:sldId id="308" r:id="rId16"/>
+    <p:sldId id="311" r:id="rId17"/>
+    <p:sldId id="312" r:id="rId18"/>
+    <p:sldId id="309" r:id="rId19"/>
+    <p:sldId id="310" r:id="rId20"/>
+    <p:sldId id="313" r:id="rId21"/>
+    <p:sldId id="314" r:id="rId22"/>
+    <p:sldId id="315" r:id="rId23"/>
+    <p:sldId id="318" r:id="rId24"/>
+    <p:sldId id="317" r:id="rId25"/>
+    <p:sldId id="295" r:id="rId26"/>
+    <p:sldId id="321" r:id="rId27"/>
+    <p:sldId id="322" r:id="rId28"/>
+    <p:sldId id="323" r:id="rId29"/>
+    <p:sldId id="324" r:id="rId30"/>
+    <p:sldId id="325" r:id="rId31"/>
   </p:sldIdLst>
   <p:sldSz cx="9144000" cy="6858000" type="screen4x3"/>
   <p:notesSz cx="6858000" cy="9144000"/>
@@ -765,7 +762,7 @@
             <a:fld id="{A49D504B-9B0C-4FC4-88A1-E434BC3E90F8}" type="datetimeFigureOut">
               <a:rPr lang="en-US" smtClean="0"/>
               <a:pPr/>
-              <a:t>4/16/2014</a:t>
+              <a:t>4/22/2014</a:t>
             </a:fld>
             <a:endParaRPr lang="en-US"/>
           </a:p>
@@ -963,7 +960,7 @@
             <a:fld id="{A49D504B-9B0C-4FC4-88A1-E434BC3E90F8}" type="datetimeFigureOut">
               <a:rPr lang="en-US" smtClean="0"/>
               <a:pPr/>
-              <a:t>4/16/2014</a:t>
+              <a:t>4/22/2014</a:t>
             </a:fld>
             <a:endParaRPr lang="en-US"/>
           </a:p>
@@ -1150,7 +1147,7 @@
             <a:fld id="{A49D504B-9B0C-4FC4-88A1-E434BC3E90F8}" type="datetimeFigureOut">
               <a:rPr lang="en-US" smtClean="0"/>
               <a:pPr/>
-              <a:t>4/16/2014</a:t>
+              <a:t>4/22/2014</a:t>
             </a:fld>
             <a:endParaRPr lang="en-US"/>
           </a:p>
@@ -1302,7 +1299,7 @@
             <a:fld id="{A49D504B-9B0C-4FC4-88A1-E434BC3E90F8}" type="datetimeFigureOut">
               <a:rPr lang="en-US" smtClean="0"/>
               <a:pPr/>
-              <a:t>4/16/2014</a:t>
+              <a:t>4/22/2014</a:t>
             </a:fld>
             <a:endParaRPr lang="en-US"/>
           </a:p>
@@ -1554,7 +1551,7 @@
             <a:fld id="{A49D504B-9B0C-4FC4-88A1-E434BC3E90F8}" type="datetimeFigureOut">
               <a:rPr lang="en-US" smtClean="0"/>
               <a:pPr/>
-              <a:t>4/16/2014</a:t>
+              <a:t>4/22/2014</a:t>
             </a:fld>
             <a:endParaRPr lang="en-US"/>
           </a:p>
@@ -1960,7 +1957,7 @@
             <a:fld id="{A49D504B-9B0C-4FC4-88A1-E434BC3E90F8}" type="datetimeFigureOut">
               <a:rPr lang="en-US" smtClean="0"/>
               <a:pPr/>
-              <a:t>4/16/2014</a:t>
+              <a:t>4/22/2014</a:t>
             </a:fld>
             <a:endParaRPr lang="en-US"/>
           </a:p>
@@ -2403,7 +2400,7 @@
             <a:fld id="{A49D504B-9B0C-4FC4-88A1-E434BC3E90F8}" type="datetimeFigureOut">
               <a:rPr lang="en-US" smtClean="0"/>
               <a:pPr/>
-              <a:t>4/16/2014</a:t>
+              <a:t>4/22/2014</a:t>
             </a:fld>
             <a:endParaRPr lang="en-US"/>
           </a:p>
@@ -2501,7 +2498,7 @@
             <a:fld id="{A49D504B-9B0C-4FC4-88A1-E434BC3E90F8}" type="datetimeFigureOut">
               <a:rPr lang="en-US" smtClean="0"/>
               <a:pPr/>
-              <a:t>4/16/2014</a:t>
+              <a:t>4/22/2014</a:t>
             </a:fld>
             <a:endParaRPr lang="en-US"/>
           </a:p>
@@ -2624,7 +2621,7 @@
             <a:fld id="{A49D504B-9B0C-4FC4-88A1-E434BC3E90F8}" type="datetimeFigureOut">
               <a:rPr lang="en-US" smtClean="0"/>
               <a:pPr/>
-              <a:t>4/16/2014</a:t>
+              <a:t>4/22/2014</a:t>
             </a:fld>
             <a:endParaRPr lang="en-US"/>
           </a:p>
@@ -2895,7 +2892,7 @@
             <a:fld id="{A49D504B-9B0C-4FC4-88A1-E434BC3E90F8}" type="datetimeFigureOut">
               <a:rPr lang="en-US" smtClean="0"/>
               <a:pPr/>
-              <a:t>4/16/2014</a:t>
+              <a:t>4/22/2014</a:t>
             </a:fld>
             <a:endParaRPr lang="en-US"/>
           </a:p>
@@ -3097,7 +3094,7 @@
             <a:fld id="{A49D504B-9B0C-4FC4-88A1-E434BC3E90F8}" type="datetimeFigureOut">
               <a:rPr lang="en-US" smtClean="0"/>
               <a:pPr/>
-              <a:t>4/16/2014</a:t>
+              <a:t>4/22/2014</a:t>
             </a:fld>
             <a:endParaRPr lang="en-US"/>
           </a:p>
@@ -4208,7 +4205,7 @@
             <a:fld id="{A49D504B-9B0C-4FC4-88A1-E434BC3E90F8}" type="datetimeFigureOut">
               <a:rPr lang="en-US" smtClean="0"/>
               <a:pPr/>
-              <a:t>4/16/2014</a:t>
+              <a:t>4/22/2014</a:t>
             </a:fld>
             <a:endParaRPr lang="en-US"/>
           </a:p>
@@ -4697,49 +4694,7 @@
                   <a:schemeClr val="accent2"/>
                 </a:solidFill>
               </a:rPr>
-              <a:t>2014-04-15</a:t>
-            </a:r>
-          </a:p>
-          <a:p>
-            <a:r>
-              <a:rPr lang="en-US" sz="2400" dirty="0" err="1" smtClean="0">
-                <a:solidFill>
-                  <a:schemeClr val="accent2"/>
-                </a:solidFill>
-              </a:rPr>
-              <a:t>matthew</a:t>
-            </a:r>
-            <a:r>
-              <a:rPr lang="en-US" sz="2400" dirty="0" smtClean="0">
-                <a:solidFill>
-                  <a:schemeClr val="accent2"/>
-                </a:solidFill>
-              </a:rPr>
-              <a:t> </a:t>
-            </a:r>
-            <a:r>
-              <a:rPr lang="en-US" sz="2400" dirty="0" err="1" smtClean="0">
-                <a:solidFill>
-                  <a:schemeClr val="accent2"/>
-                </a:solidFill>
-              </a:rPr>
-              <a:t>james</a:t>
-            </a:r>
-            <a:r>
-              <a:rPr lang="en-US" sz="2400" dirty="0" smtClean="0">
-                <a:solidFill>
-                  <a:schemeClr val="accent2"/>
-                </a:solidFill>
-              </a:rPr>
-              <a:t> </a:t>
-            </a:r>
-            <a:r>
-              <a:rPr lang="en-US" sz="2400" dirty="0" err="1" smtClean="0">
-                <a:solidFill>
-                  <a:schemeClr val="accent2"/>
-                </a:solidFill>
-              </a:rPr>
-              <a:t>swann</a:t>
+              <a:t>2014-04-29</a:t>
             </a:r>
             <a:endParaRPr lang="en-US" sz="2400" dirty="0" smtClean="0">
               <a:solidFill>
@@ -4749,6 +4704,53 @@
           </a:p>
           <a:p>
             <a:r>
+              <a:rPr lang="en-US" sz="2400" dirty="0" err="1" smtClean="0">
+                <a:solidFill>
+                  <a:schemeClr val="accent2"/>
+                </a:solidFill>
+              </a:rPr>
+              <a:t>matthew</a:t>
+            </a:r>
+            <a:r>
+              <a:rPr lang="en-US" sz="2400" dirty="0" smtClean="0">
+                <a:solidFill>
+                  <a:schemeClr val="accent2"/>
+                </a:solidFill>
+              </a:rPr>
+              <a:t> </a:t>
+            </a:r>
+            <a:r>
+              <a:rPr lang="en-US" sz="2400" dirty="0" err="1" smtClean="0">
+                <a:solidFill>
+                  <a:schemeClr val="accent2"/>
+                </a:solidFill>
+              </a:rPr>
+              <a:t>james</a:t>
+            </a:r>
+            <a:r>
+              <a:rPr lang="en-US" sz="2400" dirty="0" smtClean="0">
+                <a:solidFill>
+                  <a:schemeClr val="accent2"/>
+                </a:solidFill>
+              </a:rPr>
+              <a:t> </a:t>
+            </a:r>
+            <a:r>
+              <a:rPr lang="en-US" sz="2400" dirty="0" err="1" smtClean="0">
+                <a:solidFill>
+                  <a:schemeClr val="accent2"/>
+                </a:solidFill>
+              </a:rPr>
+              <a:t>swann</a:t>
+            </a:r>
+            <a:endParaRPr lang="en-US" sz="2400" dirty="0" smtClean="0">
+              <a:solidFill>
+                <a:schemeClr val="accent2"/>
+              </a:solidFill>
+            </a:endParaRPr>
+          </a:p>
+          <a:p>
+            <a:r>
               <a:rPr lang="en-US" sz="2400" dirty="0" smtClean="0">
                 <a:solidFill>
                   <a:schemeClr val="accent2"/>
@@ -4769,7 +4771,7 @@
     </p:spTree>
     <p:extLst>
       <p:ext uri="{BB962C8B-B14F-4D97-AF65-F5344CB8AC3E}">
-        <p14:creationId xmlns:p14="http://schemas.microsoft.com/office/powerpoint/2010/main" xmlns="" val="2182576695"/>
+        <p14:creationId xmlns="" xmlns:p14="http://schemas.microsoft.com/office/powerpoint/2010/main" val="2182576695"/>
       </p:ext>
     </p:extLst>
   </p:cSld>
@@ -4816,39 +4818,35 @@
         <p:spPr/>
         <p:txBody>
           <a:bodyPr>
-            <a:normAutofit fontScale="92500" lnSpcReduction="10000"/>
+            <a:normAutofit lnSpcReduction="10000"/>
           </a:bodyPr>
           <a:lstStyle/>
           <a:p>
             <a:r>
-              <a:rPr lang="en-US" sz="2600" dirty="0">
-                <a:solidFill>
-                  <a:schemeClr val="accent4">
-                    <a:lumMod val="40000"/>
-                    <a:lumOff val="60000"/>
-                  </a:schemeClr>
-                </a:solidFill>
-              </a:rPr>
-              <a:t>greater purpose</a:t>
-            </a:r>
-          </a:p>
-          <a:p>
-            <a:pPr lvl="2"/>
-            <a:r>
-              <a:rPr lang="en-US" sz="1900" dirty="0">
-                <a:solidFill>
-                  <a:schemeClr val="accent4">
-                    <a:lumMod val="40000"/>
-                    <a:lumOff val="60000"/>
-                  </a:schemeClr>
-                </a:solidFill>
-              </a:rPr>
-              <a:t>to answer questions regarding development status</a:t>
-            </a:r>
-          </a:p>
-          <a:p>
-            <a:pPr lvl="2"/>
-            <a:endParaRPr lang="en-US" dirty="0">
+              <a:rPr lang="en-US" sz="2400" dirty="0">
+                <a:solidFill>
+                  <a:schemeClr val="accent4">
+                    <a:lumMod val="40000"/>
+                    <a:lumOff val="60000"/>
+                  </a:schemeClr>
+                </a:solidFill>
+              </a:rPr>
+              <a:t>i</a:t>
+            </a:r>
+            <a:r>
+              <a:rPr lang="en-US" sz="2400" dirty="0" smtClean="0">
+                <a:solidFill>
+                  <a:schemeClr val="accent4">
+                    <a:lumMod val="40000"/>
+                    <a:lumOff val="60000"/>
+                  </a:schemeClr>
+                </a:solidFill>
+              </a:rPr>
+              <a:t>nquiry – structured and disciplined discovery</a:t>
+            </a:r>
+          </a:p>
+          <a:p>
+            <a:endParaRPr lang="en-US" sz="1400" dirty="0">
               <a:solidFill>
                 <a:schemeClr val="accent4">
                   <a:lumMod val="40000"/>
@@ -4858,8 +4856,160 @@
             </a:endParaRPr>
           </a:p>
           <a:p>
+            <a:r>
+              <a:rPr lang="en-US" sz="2400" dirty="0" smtClean="0">
+                <a:solidFill>
+                  <a:schemeClr val="accent4">
+                    <a:lumMod val="40000"/>
+                    <a:lumOff val="60000"/>
+                  </a:schemeClr>
+                </a:solidFill>
+              </a:rPr>
+              <a:t>concepts</a:t>
+            </a:r>
+          </a:p>
+          <a:p>
+            <a:pPr lvl="1"/>
+            <a:r>
+              <a:rPr lang="en-US" sz="1800" dirty="0">
+                <a:solidFill>
+                  <a:schemeClr val="accent4">
+                    <a:lumMod val="40000"/>
+                    <a:lumOff val="60000"/>
+                  </a:schemeClr>
+                </a:solidFill>
+              </a:rPr>
+              <a:t>s</a:t>
+            </a:r>
+            <a:r>
+              <a:rPr lang="en-US" sz="1800" dirty="0" smtClean="0">
+                <a:solidFill>
+                  <a:schemeClr val="accent4">
+                    <a:lumMod val="40000"/>
+                    <a:lumOff val="60000"/>
+                  </a:schemeClr>
+                </a:solidFill>
+              </a:rPr>
+              <a:t>ymbolic representations mapped to other symbolic representations</a:t>
+            </a:r>
+          </a:p>
+          <a:p>
             <a:pPr lvl="2"/>
-            <a:endParaRPr lang="en-US" dirty="0">
+            <a:r>
+              <a:rPr lang="en-US" sz="1600" dirty="0">
+                <a:solidFill>
+                  <a:schemeClr val="accent4">
+                    <a:lumMod val="40000"/>
+                    <a:lumOff val="60000"/>
+                  </a:schemeClr>
+                </a:solidFill>
+              </a:rPr>
+              <a:t>p</a:t>
+            </a:r>
+            <a:r>
+              <a:rPr lang="en-US" sz="1600" dirty="0" smtClean="0">
+                <a:solidFill>
+                  <a:schemeClr val="accent4">
+                    <a:lumMod val="40000"/>
+                    <a:lumOff val="60000"/>
+                  </a:schemeClr>
+                </a:solidFill>
+              </a:rPr>
+              <a:t>hysical manifestation versus functional usage</a:t>
+            </a:r>
+          </a:p>
+          <a:p>
+            <a:pPr lvl="3"/>
+            <a:r>
+              <a:rPr lang="en-US" sz="1400" dirty="0" smtClean="0">
+                <a:solidFill>
+                  <a:schemeClr val="accent4">
+                    <a:lumMod val="40000"/>
+                    <a:lumOff val="60000"/>
+                  </a:schemeClr>
+                </a:solidFill>
+              </a:rPr>
+              <a:t>chair :: used for single person seating</a:t>
+            </a:r>
+          </a:p>
+          <a:p>
+            <a:pPr lvl="3"/>
+            <a:r>
+              <a:rPr lang="en-US" sz="1400" dirty="0" smtClean="0">
+                <a:solidFill>
+                  <a:schemeClr val="accent4">
+                    <a:lumMod val="40000"/>
+                    <a:lumOff val="60000"/>
+                  </a:schemeClr>
+                </a:solidFill>
+              </a:rPr>
+              <a:t>sofa  :: used for multiple person seating, or napping while laying down</a:t>
+            </a:r>
+          </a:p>
+          <a:p>
+            <a:pPr lvl="1"/>
+            <a:r>
+              <a:rPr lang="en-US" sz="1800" dirty="0">
+                <a:solidFill>
+                  <a:schemeClr val="accent4">
+                    <a:lumMod val="40000"/>
+                    <a:lumOff val="60000"/>
+                  </a:schemeClr>
+                </a:solidFill>
+              </a:rPr>
+              <a:t>s</a:t>
+            </a:r>
+            <a:r>
+              <a:rPr lang="en-US" sz="1800" dirty="0" smtClean="0">
+                <a:solidFill>
+                  <a:schemeClr val="accent4">
+                    <a:lumMod val="40000"/>
+                    <a:lumOff val="60000"/>
+                  </a:schemeClr>
+                </a:solidFill>
+              </a:rPr>
+              <a:t>ymbolic layering</a:t>
+            </a:r>
+          </a:p>
+          <a:p>
+            <a:pPr lvl="2"/>
+            <a:r>
+              <a:rPr lang="en-US" sz="1600" dirty="0">
+                <a:solidFill>
+                  <a:schemeClr val="accent4">
+                    <a:lumMod val="40000"/>
+                    <a:lumOff val="60000"/>
+                  </a:schemeClr>
+                </a:solidFill>
+              </a:rPr>
+              <a:t>l</a:t>
+            </a:r>
+            <a:r>
+              <a:rPr lang="en-US" sz="1600" dirty="0" smtClean="0">
+                <a:solidFill>
+                  <a:schemeClr val="accent4">
+                    <a:lumMod val="40000"/>
+                    <a:lumOff val="60000"/>
+                  </a:schemeClr>
+                </a:solidFill>
+              </a:rPr>
+              <a:t>ogical chain of abstraction, from general to specific</a:t>
+            </a:r>
+          </a:p>
+          <a:p>
+            <a:pPr lvl="3"/>
+            <a:r>
+              <a:rPr lang="en-US" sz="1400" dirty="0" smtClean="0">
+                <a:solidFill>
+                  <a:schemeClr val="accent4">
+                    <a:lumMod val="40000"/>
+                    <a:lumOff val="60000"/>
+                  </a:schemeClr>
+                </a:solidFill>
+              </a:rPr>
+              <a:t>furniture :: chair :: comfy chair :: comfy office chair with wheels and a heated seat</a:t>
+            </a:r>
+            <a:endParaRPr lang="en-US" sz="1400" dirty="0">
               <a:solidFill>
                 <a:schemeClr val="accent4">
                   <a:lumMod val="40000"/>
@@ -4869,44 +5019,7 @@
             </a:endParaRPr>
           </a:p>
           <a:p>
-            <a:pPr lvl="2"/>
-            <a:r>
-              <a:rPr lang="en-US" sz="1900" dirty="0">
-                <a:solidFill>
-                  <a:schemeClr val="accent4">
-                    <a:lumMod val="40000"/>
-                    <a:lumOff val="60000"/>
-                  </a:schemeClr>
-                </a:solidFill>
-              </a:rPr>
-              <a:t>“ how confident am I that this piece of code actually works? ”</a:t>
-            </a:r>
-          </a:p>
-          <a:p>
-            <a:pPr lvl="4"/>
-            <a:r>
-              <a:rPr lang="en-US" sz="1700" dirty="0">
-                <a:solidFill>
-                  <a:schemeClr val="accent4">
-                    <a:lumMod val="40000"/>
-                    <a:lumOff val="60000"/>
-                  </a:schemeClr>
-                </a:solidFill>
-              </a:rPr>
-              <a:t>input verification		</a:t>
-            </a:r>
-            <a:r>
-              <a:rPr lang="en-US" sz="1700" dirty="0" smtClean="0">
-                <a:solidFill>
-                  <a:schemeClr val="accent4">
-                    <a:lumMod val="40000"/>
-                    <a:lumOff val="60000"/>
-                  </a:schemeClr>
-                </a:solidFill>
-              </a:rPr>
-              <a:t>	initialization</a:t>
-            </a:r>
-            <a:endParaRPr lang="en-US" sz="1700" dirty="0">
+            <a:endParaRPr lang="en-US" sz="1400" dirty="0">
               <a:solidFill>
                 <a:schemeClr val="accent4">
                   <a:lumMod val="40000"/>
@@ -4916,50 +5029,68 @@
             </a:endParaRPr>
           </a:p>
           <a:p>
-            <a:pPr lvl="4"/>
-            <a:r>
-              <a:rPr lang="en-US" sz="1700" dirty="0">
-                <a:solidFill>
-                  <a:schemeClr val="accent4">
-                    <a:lumMod val="40000"/>
-                    <a:lumOff val="60000"/>
-                  </a:schemeClr>
-                </a:solidFill>
-              </a:rPr>
-              <a:t>internal logic mechanics 		algorithmic behavior ( white box )</a:t>
-            </a:r>
-          </a:p>
-          <a:p>
-            <a:pPr lvl="4"/>
-            <a:r>
-              <a:rPr lang="en-US" sz="1700" dirty="0">
-                <a:solidFill>
-                  <a:schemeClr val="accent4">
-                    <a:lumMod val="40000"/>
-                    <a:lumOff val="60000"/>
-                  </a:schemeClr>
-                </a:solidFill>
-              </a:rPr>
-              <a:t>error handling logic 		graceful failures</a:t>
-            </a:r>
-          </a:p>
-          <a:p>
-            <a:pPr lvl="4"/>
-            <a:r>
-              <a:rPr lang="en-US" sz="1700" dirty="0">
-                <a:solidFill>
-                  <a:schemeClr val="accent4">
-                    <a:lumMod val="40000"/>
-                    <a:lumOff val="60000"/>
-                  </a:schemeClr>
-                </a:solidFill>
-              </a:rPr>
-              <a:t>output verification		algorithmic return ( black box )</a:t>
-            </a:r>
-          </a:p>
-          <a:p>
-            <a:pPr lvl="2"/>
-            <a:endParaRPr lang="en-US" dirty="0">
+            <a:r>
+              <a:rPr lang="en-US" sz="2400" dirty="0">
+                <a:solidFill>
+                  <a:schemeClr val="accent4">
+                    <a:lumMod val="40000"/>
+                    <a:lumOff val="60000"/>
+                  </a:schemeClr>
+                </a:solidFill>
+              </a:rPr>
+              <a:t>t</a:t>
+            </a:r>
+            <a:r>
+              <a:rPr lang="en-US" sz="2400" dirty="0" smtClean="0">
+                <a:solidFill>
+                  <a:schemeClr val="accent4">
+                    <a:lumMod val="40000"/>
+                    <a:lumOff val="60000"/>
+                  </a:schemeClr>
+                </a:solidFill>
+              </a:rPr>
+              <a:t>emporal relationship of thought and expression</a:t>
+            </a:r>
+          </a:p>
+          <a:p>
+            <a:pPr lvl="1"/>
+            <a:r>
+              <a:rPr lang="en-US" sz="1800" dirty="0">
+                <a:solidFill>
+                  <a:schemeClr val="accent4">
+                    <a:lumMod val="40000"/>
+                    <a:lumOff val="60000"/>
+                  </a:schemeClr>
+                </a:solidFill>
+              </a:rPr>
+              <a:t>non-reflexive, non-spontaneous, and entirely </a:t>
+            </a:r>
+            <a:r>
+              <a:rPr lang="en-US" sz="1800" dirty="0" smtClean="0">
+                <a:solidFill>
+                  <a:schemeClr val="accent4">
+                    <a:lumMod val="40000"/>
+                    <a:lumOff val="60000"/>
+                  </a:schemeClr>
+                </a:solidFill>
+              </a:rPr>
+              <a:t>volitional</a:t>
+            </a:r>
+          </a:p>
+          <a:p>
+            <a:pPr lvl="1"/>
+            <a:r>
+              <a:rPr lang="en-US" sz="1800" i="1" dirty="0" smtClean="0">
+                <a:solidFill>
+                  <a:schemeClr val="accent4">
+                    <a:lumMod val="40000"/>
+                    <a:lumOff val="60000"/>
+                  </a:schemeClr>
+                </a:solidFill>
+              </a:rPr>
+              <a:t>“what to have for lunch?”</a:t>
+            </a:r>
+            <a:endParaRPr lang="en-US" sz="1800" dirty="0" smtClean="0">
               <a:solidFill>
                 <a:schemeClr val="accent4">
                   <a:lumMod val="40000"/>
@@ -4969,62 +5100,18 @@
             </a:endParaRPr>
           </a:p>
           <a:p>
-            <a:pPr lvl="2"/>
-            <a:endParaRPr lang="en-US" dirty="0">
-              <a:solidFill>
-                <a:schemeClr val="accent4">
-                  <a:lumMod val="40000"/>
-                  <a:lumOff val="60000"/>
-                </a:schemeClr>
-              </a:solidFill>
-            </a:endParaRPr>
-          </a:p>
-          <a:p>
-            <a:pPr lvl="2"/>
-            <a:r>
-              <a:rPr lang="en-US" sz="1900" dirty="0">
-                <a:solidFill>
-                  <a:schemeClr val="accent4">
-                    <a:lumMod val="40000"/>
-                    <a:lumOff val="60000"/>
-                  </a:schemeClr>
-                </a:solidFill>
-              </a:rPr>
-              <a:t>“ is the piece of code actually finished? ”</a:t>
-            </a:r>
-          </a:p>
-          <a:p>
-            <a:pPr lvl="4"/>
-            <a:r>
-              <a:rPr lang="en-US" sz="1700" i="1" dirty="0">
-                <a:solidFill>
-                  <a:schemeClr val="accent4">
-                    <a:lumMod val="40000"/>
-                    <a:lumOff val="60000"/>
-                  </a:schemeClr>
-                </a:solidFill>
-              </a:rPr>
-              <a:t>… if I know I’ve built rigorous tests from use cases, </a:t>
-            </a:r>
-          </a:p>
-          <a:p>
-            <a:pPr marL="1371600" lvl="5" indent="0">
-              <a:buNone/>
-            </a:pPr>
-            <a:r>
-              <a:rPr lang="en-US" sz="1700" i="1" dirty="0">
-                <a:solidFill>
-                  <a:schemeClr val="accent4">
-                    <a:lumMod val="40000"/>
-                    <a:lumOff val="60000"/>
-                  </a:schemeClr>
-                </a:solidFill>
-              </a:rPr>
-              <a:t>				and my source passes those tests…</a:t>
-            </a:r>
-          </a:p>
-          <a:p>
-            <a:endParaRPr lang="en-US" dirty="0"/>
+            <a:pPr lvl="1"/>
+            <a:r>
+              <a:rPr lang="en-US" sz="1800" i="1" dirty="0" smtClean="0">
+                <a:solidFill>
+                  <a:schemeClr val="accent4">
+                    <a:lumMod val="40000"/>
+                    <a:lumOff val="60000"/>
+                  </a:schemeClr>
+                </a:solidFill>
+              </a:rPr>
+              <a:t>“what test to write for this source?”</a:t>
+            </a:r>
           </a:p>
         </p:txBody>
       </p:sp>
@@ -5041,12 +5128,12 @@
         <p:spPr/>
         <p:txBody>
           <a:bodyPr>
-            <a:normAutofit/>
+            <a:normAutofit fontScale="90000"/>
           </a:bodyPr>
           <a:lstStyle/>
           <a:p>
             <a:r>
-              <a:rPr lang="en-US" sz="3200" dirty="0" smtClean="0">
+              <a:rPr lang="en-US" sz="3600" dirty="0">
                 <a:solidFill>
                   <a:schemeClr val="accent2"/>
                 </a:solidFill>
@@ -5054,45 +5141,81 @@
               <a:t>( </a:t>
             </a:r>
             <a:r>
-              <a:rPr lang="en-US" sz="3200" dirty="0" smtClean="0">
+              <a:rPr lang="en-US" sz="3600" dirty="0">
                 <a:solidFill>
                   <a:schemeClr val="accent2"/>
                 </a:solidFill>
                 <a:latin typeface="Symbol" pitchFamily="18" charset="2"/>
               </a:rPr>
-              <a:t>b </a:t>
-            </a:r>
-            <a:r>
-              <a:rPr lang="en-US" sz="3200" dirty="0" smtClean="0">
-                <a:solidFill>
-                  <a:schemeClr val="accent2"/>
-                </a:solidFill>
-              </a:rPr>
-              <a:t>) test driven development discourse ::</a:t>
+              <a:t>g </a:t>
+            </a:r>
+            <a:r>
+              <a:rPr lang="en-US" sz="3600" dirty="0">
+                <a:solidFill>
+                  <a:schemeClr val="accent2"/>
+                </a:solidFill>
+              </a:rPr>
+              <a:t>) conceptualization </a:t>
+            </a:r>
+            <a:r>
+              <a:rPr lang="en-US" sz="3600" dirty="0" smtClean="0">
+                <a:solidFill>
+                  <a:schemeClr val="accent2"/>
+                </a:solidFill>
+              </a:rPr>
+              <a:t>discourse ::</a:t>
+            </a:r>
+            <a:r>
+              <a:rPr lang="en-US" sz="3800" dirty="0" smtClean="0">
+                <a:solidFill>
+                  <a:schemeClr val="accent2"/>
+                </a:solidFill>
+              </a:rPr>
+              <a:t/>
             </a:r>
             <a:br>
-              <a:rPr lang="en-US" sz="3200" dirty="0" smtClean="0">
+              <a:rPr lang="en-US" sz="3800" dirty="0" smtClean="0">
                 <a:solidFill>
                   <a:schemeClr val="accent2"/>
                 </a:solidFill>
               </a:rPr>
             </a:br>
             <a:r>
-              <a:rPr lang="en-US" sz="3200" dirty="0" smtClean="0">
-                <a:solidFill>
-                  <a:schemeClr val="accent2"/>
-                </a:solidFill>
-              </a:rPr>
-              <a:t>	    first baseline – structure and discipline</a:t>
-            </a:r>
-            <a:endParaRPr lang="en-US" sz="3200" dirty="0"/>
+              <a:rPr lang="en-US" sz="3800" dirty="0">
+                <a:solidFill>
+                  <a:schemeClr val="accent2"/>
+                </a:solidFill>
+              </a:rPr>
+              <a:t>	</a:t>
+            </a:r>
+            <a:r>
+              <a:rPr lang="en-US" sz="3800" dirty="0" smtClean="0">
+                <a:solidFill>
+                  <a:schemeClr val="accent2"/>
+                </a:solidFill>
+              </a:rPr>
+              <a:t>	 </a:t>
+            </a:r>
+            <a:r>
+              <a:rPr lang="en-US" sz="3600" dirty="0" smtClean="0">
+                <a:solidFill>
+                  <a:schemeClr val="accent2"/>
+                </a:solidFill>
+              </a:rPr>
+              <a:t>second baseline – nature of inquiry </a:t>
+            </a:r>
+            <a:endParaRPr lang="en-US" sz="3600" dirty="0">
+              <a:solidFill>
+                <a:schemeClr val="accent2"/>
+              </a:solidFill>
+            </a:endParaRPr>
           </a:p>
         </p:txBody>
       </p:sp>
     </p:spTree>
     <p:extLst>
       <p:ext uri="{BB962C8B-B14F-4D97-AF65-F5344CB8AC3E}">
-        <p14:creationId xmlns:p14="http://schemas.microsoft.com/office/powerpoint/2010/main" xmlns="" val="3063391366"/>
+        <p14:creationId xmlns="" xmlns:p14="http://schemas.microsoft.com/office/powerpoint/2010/main" val="584452262"/>
       </p:ext>
     </p:extLst>
   </p:cSld>
@@ -5152,7 +5275,7 @@
                   </a:schemeClr>
                 </a:solidFill>
               </a:rPr>
-              <a:t>i</a:t>
+              <a:t>s</a:t>
             </a:r>
             <a:r>
               <a:rPr lang="en-US" sz="2400" dirty="0" smtClean="0">
@@ -5163,7 +5286,277 @@
                   </a:schemeClr>
                 </a:solidFill>
               </a:rPr>
-              <a:t>nquiry – structured and disciplined discovery</a:t>
+              <a:t>poken language as conceptual encoding</a:t>
+            </a:r>
+          </a:p>
+          <a:p>
+            <a:pPr lvl="1"/>
+            <a:r>
+              <a:rPr lang="en-US" sz="1800" i="1" dirty="0" smtClean="0">
+                <a:solidFill>
+                  <a:schemeClr val="accent4">
+                    <a:lumMod val="40000"/>
+                    <a:lumOff val="60000"/>
+                  </a:schemeClr>
+                </a:solidFill>
+              </a:rPr>
+              <a:t>Don Quixote</a:t>
+            </a:r>
+            <a:r>
+              <a:rPr lang="en-US" sz="1800" dirty="0" smtClean="0">
+                <a:solidFill>
+                  <a:schemeClr val="accent4">
+                    <a:lumMod val="40000"/>
+                    <a:lumOff val="60000"/>
+                  </a:schemeClr>
+                </a:solidFill>
+              </a:rPr>
+              <a:t> by Miguel de </a:t>
+            </a:r>
+            <a:r>
+              <a:rPr lang="en-US" sz="1800" dirty="0">
+                <a:solidFill>
+                  <a:schemeClr val="accent4">
+                    <a:lumMod val="40000"/>
+                    <a:lumOff val="60000"/>
+                  </a:schemeClr>
+                </a:solidFill>
+              </a:rPr>
+              <a:t>Cervantes </a:t>
+            </a:r>
+            <a:r>
+              <a:rPr lang="en-US" sz="1800" dirty="0" err="1">
+                <a:solidFill>
+                  <a:schemeClr val="accent4">
+                    <a:lumMod val="40000"/>
+                    <a:lumOff val="60000"/>
+                  </a:schemeClr>
+                </a:solidFill>
+              </a:rPr>
+              <a:t>Saavendra</a:t>
+            </a:r>
+            <a:r>
+              <a:rPr lang="en-US" sz="1800" dirty="0">
+                <a:solidFill>
+                  <a:schemeClr val="accent4">
+                    <a:lumMod val="40000"/>
+                    <a:lumOff val="60000"/>
+                  </a:schemeClr>
+                </a:solidFill>
+              </a:rPr>
+              <a:t> </a:t>
+            </a:r>
+            <a:endParaRPr lang="en-US" sz="1800" dirty="0" smtClean="0">
+              <a:solidFill>
+                <a:schemeClr val="accent4">
+                  <a:lumMod val="40000"/>
+                  <a:lumOff val="60000"/>
+                </a:schemeClr>
+              </a:solidFill>
+            </a:endParaRPr>
+          </a:p>
+          <a:p>
+            <a:pPr lvl="2"/>
+            <a:r>
+              <a:rPr lang="en-US" sz="1600" dirty="0">
+                <a:solidFill>
+                  <a:schemeClr val="accent4">
+                    <a:lumMod val="40000"/>
+                    <a:lumOff val="60000"/>
+                  </a:schemeClr>
+                </a:solidFill>
+              </a:rPr>
+              <a:t>a</a:t>
+            </a:r>
+            <a:r>
+              <a:rPr lang="en-US" sz="1600" dirty="0" smtClean="0">
+                <a:solidFill>
+                  <a:schemeClr val="accent4">
+                    <a:lumMod val="40000"/>
+                    <a:lumOff val="60000"/>
+                  </a:schemeClr>
+                </a:solidFill>
+              </a:rPr>
+              <a:t> </a:t>
+            </a:r>
+            <a:r>
+              <a:rPr lang="en-US" sz="1600" dirty="0" err="1" smtClean="0">
+                <a:solidFill>
+                  <a:schemeClr val="accent4">
+                    <a:lumMod val="40000"/>
+                    <a:lumOff val="60000"/>
+                  </a:schemeClr>
+                </a:solidFill>
+              </a:rPr>
+              <a:t>spanish</a:t>
+            </a:r>
+            <a:r>
+              <a:rPr lang="en-US" sz="1600" dirty="0" smtClean="0">
+                <a:solidFill>
+                  <a:schemeClr val="accent4">
+                    <a:lumMod val="40000"/>
+                    <a:lumOff val="60000"/>
+                  </a:schemeClr>
+                </a:solidFill>
+              </a:rPr>
+              <a:t> story versus a story in </a:t>
+            </a:r>
+            <a:r>
+              <a:rPr lang="en-US" sz="1600" dirty="0" err="1" smtClean="0">
+                <a:solidFill>
+                  <a:schemeClr val="accent4">
+                    <a:lumMod val="40000"/>
+                    <a:lumOff val="60000"/>
+                  </a:schemeClr>
+                </a:solidFill>
+              </a:rPr>
+              <a:t>spanish</a:t>
+            </a:r>
+            <a:endParaRPr lang="en-US" sz="1600" dirty="0" smtClean="0">
+              <a:solidFill>
+                <a:schemeClr val="accent4">
+                  <a:lumMod val="40000"/>
+                  <a:lumOff val="60000"/>
+                </a:schemeClr>
+              </a:solidFill>
+            </a:endParaRPr>
+          </a:p>
+          <a:p>
+            <a:pPr lvl="1"/>
+            <a:r>
+              <a:rPr lang="en-US" sz="1800" dirty="0" err="1">
+                <a:solidFill>
+                  <a:schemeClr val="accent4">
+                    <a:lumMod val="40000"/>
+                    <a:lumOff val="60000"/>
+                  </a:schemeClr>
+                </a:solidFill>
+              </a:rPr>
+              <a:t>s</a:t>
+            </a:r>
+            <a:r>
+              <a:rPr lang="en-US" sz="1800" dirty="0" err="1" smtClean="0">
+                <a:solidFill>
+                  <a:schemeClr val="accent4">
+                    <a:lumMod val="40000"/>
+                    <a:lumOff val="60000"/>
+                  </a:schemeClr>
+                </a:solidFill>
+              </a:rPr>
+              <a:t>panish</a:t>
+            </a:r>
+            <a:r>
+              <a:rPr lang="en-US" sz="1800" dirty="0" smtClean="0">
+                <a:solidFill>
+                  <a:schemeClr val="accent4">
+                    <a:lumMod val="40000"/>
+                    <a:lumOff val="60000"/>
+                  </a:schemeClr>
+                </a:solidFill>
+              </a:rPr>
+              <a:t> versus </a:t>
+            </a:r>
+            <a:r>
+              <a:rPr lang="en-US" sz="1800" dirty="0" err="1" smtClean="0">
+                <a:solidFill>
+                  <a:schemeClr val="accent4">
+                    <a:lumMod val="40000"/>
+                    <a:lumOff val="60000"/>
+                  </a:schemeClr>
+                </a:solidFill>
+              </a:rPr>
+              <a:t>english</a:t>
+            </a:r>
+            <a:endParaRPr lang="en-US" sz="1800" dirty="0" smtClean="0">
+              <a:solidFill>
+                <a:schemeClr val="accent4">
+                  <a:lumMod val="40000"/>
+                  <a:lumOff val="60000"/>
+                </a:schemeClr>
+              </a:solidFill>
+            </a:endParaRPr>
+          </a:p>
+          <a:p>
+            <a:pPr lvl="2"/>
+            <a:r>
+              <a:rPr lang="en-US" sz="1600" dirty="0" smtClean="0">
+                <a:solidFill>
+                  <a:schemeClr val="accent4">
+                    <a:lumMod val="40000"/>
+                    <a:lumOff val="60000"/>
+                  </a:schemeClr>
+                </a:solidFill>
+              </a:rPr>
+              <a:t>bound literary work </a:t>
+            </a:r>
+            <a:r>
+              <a:rPr lang="en-US" sz="1600" dirty="0" smtClean="0">
+                <a:solidFill>
+                  <a:schemeClr val="accent4">
+                    <a:lumMod val="40000"/>
+                    <a:lumOff val="60000"/>
+                  </a:schemeClr>
+                </a:solidFill>
+              </a:rPr>
+              <a:t>comprised </a:t>
+            </a:r>
+            <a:r>
+              <a:rPr lang="en-US" sz="1600" dirty="0" smtClean="0">
+                <a:solidFill>
+                  <a:schemeClr val="accent4">
+                    <a:lumMod val="40000"/>
+                    <a:lumOff val="60000"/>
+                  </a:schemeClr>
+                </a:solidFill>
+              </a:rPr>
+              <a:t>of printed words on paper </a:t>
+            </a:r>
+          </a:p>
+          <a:p>
+            <a:pPr lvl="3"/>
+            <a:r>
+              <a:rPr lang="en-US" sz="1400" dirty="0" err="1">
+                <a:solidFill>
+                  <a:schemeClr val="accent4">
+                    <a:lumMod val="40000"/>
+                    <a:lumOff val="60000"/>
+                  </a:schemeClr>
+                </a:solidFill>
+              </a:rPr>
+              <a:t>l</a:t>
+            </a:r>
+            <a:r>
+              <a:rPr lang="en-US" sz="1400" dirty="0" err="1" smtClean="0">
+                <a:solidFill>
+                  <a:schemeClr val="accent4">
+                    <a:lumMod val="40000"/>
+                    <a:lumOff val="60000"/>
+                  </a:schemeClr>
+                </a:solidFill>
+              </a:rPr>
+              <a:t>ibro</a:t>
+            </a:r>
+            <a:endParaRPr lang="en-US" sz="1400" dirty="0" smtClean="0">
+              <a:solidFill>
+                <a:schemeClr val="accent4">
+                  <a:lumMod val="40000"/>
+                  <a:lumOff val="60000"/>
+                </a:schemeClr>
+              </a:solidFill>
+            </a:endParaRPr>
+          </a:p>
+          <a:p>
+            <a:pPr lvl="3"/>
+            <a:r>
+              <a:rPr lang="en-US" sz="1400" dirty="0" smtClean="0">
+                <a:solidFill>
+                  <a:schemeClr val="accent4">
+                    <a:lumMod val="40000"/>
+                    <a:lumOff val="60000"/>
+                  </a:schemeClr>
+                </a:solidFill>
+              </a:rPr>
+              <a:t>book</a:t>
             </a:r>
           </a:p>
           <a:p>
@@ -5186,32 +5579,130 @@
                   </a:schemeClr>
                 </a:solidFill>
               </a:rPr>
-              <a:t>concepts</a:t>
+              <a:t>programming language as conceptual encoding</a:t>
             </a:r>
           </a:p>
           <a:p>
             <a:pPr lvl="1"/>
             <a:r>
-              <a:rPr lang="en-US" sz="1800" dirty="0">
-                <a:solidFill>
-                  <a:schemeClr val="accent4">
-                    <a:lumMod val="40000"/>
-                    <a:lumOff val="60000"/>
-                  </a:schemeClr>
-                </a:solidFill>
+              <a:rPr lang="en-US" sz="2000" dirty="0" smtClean="0">
+                <a:solidFill>
+                  <a:schemeClr val="accent4">
+                    <a:lumMod val="40000"/>
+                    <a:lumOff val="60000"/>
+                  </a:schemeClr>
+                </a:solidFill>
+              </a:rPr>
+              <a:t>java versus python</a:t>
+            </a:r>
+          </a:p>
+          <a:p>
+            <a:pPr lvl="2"/>
+            <a:r>
+              <a:rPr lang="en-US" sz="1600" dirty="0">
+                <a:solidFill>
+                  <a:schemeClr val="accent4">
+                    <a:lumMod val="40000"/>
+                    <a:lumOff val="60000"/>
+                  </a:schemeClr>
+                </a:solidFill>
+              </a:rPr>
+              <a:t>v</a:t>
+            </a:r>
+            <a:r>
+              <a:rPr lang="en-US" sz="1600" dirty="0" smtClean="0">
+                <a:solidFill>
+                  <a:schemeClr val="accent4">
+                    <a:lumMod val="40000"/>
+                    <a:lumOff val="60000"/>
+                  </a:schemeClr>
+                </a:solidFill>
+              </a:rPr>
+              <a:t>alue assignment</a:t>
+            </a:r>
+          </a:p>
+          <a:p>
+            <a:pPr lvl="3"/>
+            <a:r>
+              <a:rPr lang="en-US" sz="1400" dirty="0" err="1">
+                <a:solidFill>
+                  <a:srgbClr val="7030A0"/>
+                </a:solidFill>
+                <a:cs typeface="Courier New" panose="02070309020205020404" pitchFamily="49" charset="0"/>
+              </a:rPr>
+              <a:t>t</a:t>
+            </a:r>
+            <a:r>
+              <a:rPr lang="en-US" sz="1400" dirty="0" err="1" smtClean="0">
+                <a:solidFill>
+                  <a:srgbClr val="7030A0"/>
+                </a:solidFill>
+                <a:cs typeface="Courier New" panose="02070309020205020404" pitchFamily="49" charset="0"/>
+              </a:rPr>
+              <a:t>his</a:t>
+            </a:r>
+            <a:r>
+              <a:rPr lang="en-US" sz="1400" dirty="0" err="1" smtClean="0">
+                <a:solidFill>
+                  <a:schemeClr val="accent4">
+                    <a:lumMod val="40000"/>
+                    <a:lumOff val="60000"/>
+                  </a:schemeClr>
+                </a:solidFill>
+                <a:cs typeface="Courier New" panose="02070309020205020404" pitchFamily="49" charset="0"/>
+              </a:rPr>
+              <a:t>.value</a:t>
+            </a:r>
+            <a:r>
+              <a:rPr lang="en-US" sz="1400" dirty="0" smtClean="0">
+                <a:solidFill>
+                  <a:schemeClr val="accent4">
+                    <a:lumMod val="40000"/>
+                    <a:lumOff val="60000"/>
+                  </a:schemeClr>
+                </a:solidFill>
+                <a:cs typeface="Courier New" panose="02070309020205020404" pitchFamily="49" charset="0"/>
+              </a:rPr>
+              <a:t> = 4;</a:t>
+            </a:r>
+          </a:p>
+          <a:p>
+            <a:pPr lvl="3"/>
+            <a:r>
+              <a:rPr lang="en-US" sz="1400" dirty="0" err="1">
+                <a:solidFill>
+                  <a:schemeClr val="accent4">
+                    <a:lumMod val="40000"/>
+                    <a:lumOff val="60000"/>
+                  </a:schemeClr>
+                </a:solidFill>
+                <a:cs typeface="Courier New" panose="02070309020205020404" pitchFamily="49" charset="0"/>
               </a:rPr>
               <a:t>s</a:t>
             </a:r>
             <a:r>
-              <a:rPr lang="en-US" sz="1800" dirty="0" smtClean="0">
-                <a:solidFill>
-                  <a:schemeClr val="accent4">
-                    <a:lumMod val="40000"/>
-                    <a:lumOff val="60000"/>
-                  </a:schemeClr>
-                </a:solidFill>
-              </a:rPr>
-              <a:t>ymbolic representations mapped to other symbolic representations</a:t>
+              <a:rPr lang="en-US" sz="1400" dirty="0" err="1" smtClean="0">
+                <a:solidFill>
+                  <a:schemeClr val="accent4">
+                    <a:lumMod val="40000"/>
+                    <a:lumOff val="60000"/>
+                  </a:schemeClr>
+                </a:solidFill>
+                <a:cs typeface="Courier New" panose="02070309020205020404" pitchFamily="49" charset="0"/>
+              </a:rPr>
+              <a:t>elf.value</a:t>
+            </a:r>
+            <a:r>
+              <a:rPr lang="en-US" sz="1400" dirty="0" smtClean="0">
+                <a:solidFill>
+                  <a:schemeClr val="accent4">
+                    <a:lumMod val="40000"/>
+                    <a:lumOff val="60000"/>
+                  </a:schemeClr>
+                </a:solidFill>
+                <a:cs typeface="Courier New" panose="02070309020205020404" pitchFamily="49" charset="0"/>
+              </a:rPr>
+              <a:t> = 4</a:t>
             </a:r>
           </a:p>
           <a:p>
@@ -5225,7 +5716,7 @@
                   </a:schemeClr>
                 </a:solidFill>
               </a:rPr>
-              <a:t>p</a:t>
+              <a:t>l</a:t>
             </a:r>
             <a:r>
               <a:rPr lang="en-US" sz="1600" dirty="0" smtClean="0">
@@ -5236,89 +5727,202 @@
                   </a:schemeClr>
                 </a:solidFill>
               </a:rPr>
-              <a:t>hysical manifestation versus functional usage</a:t>
+              <a:t>ooping</a:t>
             </a:r>
           </a:p>
           <a:p>
             <a:pPr lvl="3"/>
             <a:r>
+              <a:rPr lang="en-US" sz="1400" dirty="0">
+                <a:solidFill>
+                  <a:srgbClr val="7030A0"/>
+                </a:solidFill>
+              </a:rPr>
+              <a:t>f</a:t>
+            </a:r>
+            <a:r>
               <a:rPr lang="en-US" sz="1400" dirty="0" smtClean="0">
                 <a:solidFill>
-                  <a:schemeClr val="accent4">
-                    <a:lumMod val="40000"/>
-                    <a:lumOff val="60000"/>
-                  </a:schemeClr>
-                </a:solidFill>
-              </a:rPr>
-              <a:t>chair :: used for single person seating</a:t>
+                  <a:srgbClr val="7030A0"/>
+                </a:solidFill>
+              </a:rPr>
+              <a:t>or</a:t>
+            </a:r>
+            <a:r>
+              <a:rPr lang="en-US" sz="1400" dirty="0" smtClean="0">
+                <a:solidFill>
+                  <a:schemeClr val="accent4">
+                    <a:lumMod val="40000"/>
+                    <a:lumOff val="60000"/>
+                  </a:schemeClr>
+                </a:solidFill>
+              </a:rPr>
+              <a:t> ( </a:t>
+            </a:r>
+            <a:r>
+              <a:rPr lang="en-US" sz="1400" dirty="0" err="1" smtClean="0">
+                <a:solidFill>
+                  <a:srgbClr val="7030A0"/>
+                </a:solidFill>
+              </a:rPr>
+              <a:t>int</a:t>
+            </a:r>
+            <a:r>
+              <a:rPr lang="en-US" sz="1400" dirty="0" smtClean="0">
+                <a:solidFill>
+                  <a:schemeClr val="accent4">
+                    <a:lumMod val="40000"/>
+                    <a:lumOff val="60000"/>
+                  </a:schemeClr>
+                </a:solidFill>
+              </a:rPr>
+              <a:t> </a:t>
+            </a:r>
+            <a:r>
+              <a:rPr lang="en-US" sz="1400" dirty="0" err="1" smtClean="0">
+                <a:solidFill>
+                  <a:schemeClr val="accent4">
+                    <a:lumMod val="40000"/>
+                    <a:lumOff val="60000"/>
+                  </a:schemeClr>
+                </a:solidFill>
+              </a:rPr>
+              <a:t>i</a:t>
+            </a:r>
+            <a:r>
+              <a:rPr lang="en-US" sz="1400" dirty="0" smtClean="0">
+                <a:solidFill>
+                  <a:schemeClr val="accent4">
+                    <a:lumMod val="40000"/>
+                    <a:lumOff val="60000"/>
+                  </a:schemeClr>
+                </a:solidFill>
+              </a:rPr>
+              <a:t> = </a:t>
+            </a:r>
+            <a:r>
+              <a:rPr lang="en-US" sz="1400" dirty="0" smtClean="0">
+                <a:solidFill>
+                  <a:srgbClr val="00B0F0"/>
+                </a:solidFill>
+              </a:rPr>
+              <a:t>zero</a:t>
+            </a:r>
+            <a:r>
+              <a:rPr lang="en-US" sz="1400" dirty="0" smtClean="0">
+                <a:solidFill>
+                  <a:schemeClr val="accent4">
+                    <a:lumMod val="40000"/>
+                    <a:lumOff val="60000"/>
+                  </a:schemeClr>
+                </a:solidFill>
+              </a:rPr>
+              <a:t> ; </a:t>
+            </a:r>
+            <a:r>
+              <a:rPr lang="en-US" sz="1400" dirty="0" err="1" smtClean="0">
+                <a:solidFill>
+                  <a:schemeClr val="accent4">
+                    <a:lumMod val="40000"/>
+                    <a:lumOff val="60000"/>
+                  </a:schemeClr>
+                </a:solidFill>
+              </a:rPr>
+              <a:t>i</a:t>
+            </a:r>
+            <a:r>
+              <a:rPr lang="en-US" sz="1400" dirty="0" smtClean="0">
+                <a:solidFill>
+                  <a:schemeClr val="accent4">
+                    <a:lumMod val="40000"/>
+                    <a:lumOff val="60000"/>
+                  </a:schemeClr>
+                </a:solidFill>
+              </a:rPr>
+              <a:t> &lt; </a:t>
+            </a:r>
+            <a:r>
+              <a:rPr lang="en-US" sz="1400" dirty="0" err="1" smtClean="0">
+                <a:solidFill>
+                  <a:schemeClr val="accent4">
+                    <a:lumMod val="40000"/>
+                    <a:lumOff val="60000"/>
+                  </a:schemeClr>
+                </a:solidFill>
+              </a:rPr>
+              <a:t>list.size</a:t>
+            </a:r>
+            <a:r>
+              <a:rPr lang="en-US" sz="1400" dirty="0" smtClean="0">
+                <a:solidFill>
+                  <a:schemeClr val="accent4">
+                    <a:lumMod val="40000"/>
+                    <a:lumOff val="60000"/>
+                  </a:schemeClr>
+                </a:solidFill>
+              </a:rPr>
+              <a:t>( ) ; </a:t>
+            </a:r>
+            <a:r>
+              <a:rPr lang="en-US" sz="1400" dirty="0" err="1" smtClean="0">
+                <a:solidFill>
+                  <a:schemeClr val="accent4">
+                    <a:lumMod val="40000"/>
+                    <a:lumOff val="60000"/>
+                  </a:schemeClr>
+                </a:solidFill>
+              </a:rPr>
+              <a:t>i</a:t>
+            </a:r>
+            <a:r>
+              <a:rPr lang="en-US" sz="1400" dirty="0" smtClean="0">
+                <a:solidFill>
+                  <a:schemeClr val="accent4">
+                    <a:lumMod val="40000"/>
+                    <a:lumOff val="60000"/>
+                  </a:schemeClr>
+                </a:solidFill>
+              </a:rPr>
+              <a:t>++ ) { </a:t>
+            </a:r>
+            <a:r>
+              <a:rPr lang="en-US" sz="1400" dirty="0" smtClean="0">
+                <a:solidFill>
+                  <a:srgbClr val="92D050"/>
+                </a:solidFill>
+              </a:rPr>
+              <a:t>//do some cool things here </a:t>
+            </a:r>
+            <a:r>
+              <a:rPr lang="en-US" sz="1400" dirty="0" smtClean="0">
+                <a:solidFill>
+                  <a:schemeClr val="accent4">
+                    <a:lumMod val="40000"/>
+                    <a:lumOff val="60000"/>
+                  </a:schemeClr>
+                </a:solidFill>
+              </a:rPr>
+              <a:t>}</a:t>
             </a:r>
           </a:p>
           <a:p>
             <a:pPr lvl="3"/>
             <a:r>
+              <a:rPr lang="en-US" sz="1400" dirty="0">
+                <a:solidFill>
+                  <a:srgbClr val="00B0F0"/>
+                </a:solidFill>
+              </a:rPr>
+              <a:t>f</a:t>
+            </a:r>
+            <a:r>
               <a:rPr lang="en-US" sz="1400" dirty="0" smtClean="0">
                 <a:solidFill>
-                  <a:schemeClr val="accent4">
-                    <a:lumMod val="40000"/>
-                    <a:lumOff val="60000"/>
-                  </a:schemeClr>
-                </a:solidFill>
-              </a:rPr>
-              <a:t>sofa  :: used for multiple person seating, or napping while laying down</a:t>
-            </a:r>
-          </a:p>
-          <a:p>
-            <a:pPr lvl="1"/>
-            <a:r>
-              <a:rPr lang="en-US" sz="1800" dirty="0">
-                <a:solidFill>
-                  <a:schemeClr val="accent4">
-                    <a:lumMod val="40000"/>
-                    <a:lumOff val="60000"/>
-                  </a:schemeClr>
-                </a:solidFill>
-              </a:rPr>
-              <a:t>s</a:t>
-            </a:r>
-            <a:r>
-              <a:rPr lang="en-US" sz="1800" dirty="0" smtClean="0">
-                <a:solidFill>
-                  <a:schemeClr val="accent4">
-                    <a:lumMod val="40000"/>
-                    <a:lumOff val="60000"/>
-                  </a:schemeClr>
-                </a:solidFill>
-              </a:rPr>
-              <a:t>ymbolic layering</a:t>
-            </a:r>
-          </a:p>
-          <a:p>
-            <a:pPr lvl="2"/>
-            <a:r>
-              <a:rPr lang="en-US" sz="1600" dirty="0">
-                <a:solidFill>
-                  <a:schemeClr val="accent4">
-                    <a:lumMod val="40000"/>
-                    <a:lumOff val="60000"/>
-                  </a:schemeClr>
-                </a:solidFill>
-              </a:rPr>
-              <a:t>l</a:t>
-            </a:r>
-            <a:r>
-              <a:rPr lang="en-US" sz="1600" dirty="0" smtClean="0">
-                <a:solidFill>
-                  <a:schemeClr val="accent4">
-                    <a:lumMod val="40000"/>
-                    <a:lumOff val="60000"/>
-                  </a:schemeClr>
-                </a:solidFill>
-              </a:rPr>
-              <a:t>ogical chain of abstraction, from general to specific</a:t>
-            </a:r>
-          </a:p>
-          <a:p>
-            <a:pPr lvl="3"/>
+                  <a:srgbClr val="00B0F0"/>
+                </a:solidFill>
+              </a:rPr>
+              <a:t>or</a:t>
+            </a:r>
             <a:r>
               <a:rPr lang="en-US" sz="1400" dirty="0" smtClean="0">
                 <a:solidFill>
@@ -5328,111 +5932,60 @@
                   </a:schemeClr>
                 </a:solidFill>
               </a:rPr>
-              <a:t>furniture :: chair :: comfy chair :: comfy office chair with wheels and a heated seat</a:t>
-            </a:r>
-            <a:endParaRPr lang="en-US" sz="1400" dirty="0">
-              <a:solidFill>
-                <a:schemeClr val="accent4">
-                  <a:lumMod val="40000"/>
-                  <a:lumOff val="60000"/>
-                </a:schemeClr>
-              </a:solidFill>
-            </a:endParaRPr>
-          </a:p>
-          <a:p>
-            <a:endParaRPr lang="en-US" sz="1400" dirty="0">
-              <a:solidFill>
-                <a:schemeClr val="accent4">
-                  <a:lumMod val="40000"/>
-                  <a:lumOff val="60000"/>
-                </a:schemeClr>
-              </a:solidFill>
-            </a:endParaRPr>
-          </a:p>
-          <a:p>
-            <a:r>
-              <a:rPr lang="en-US" sz="2400" dirty="0">
-                <a:solidFill>
-                  <a:schemeClr val="accent4">
-                    <a:lumMod val="40000"/>
-                    <a:lumOff val="60000"/>
-                  </a:schemeClr>
-                </a:solidFill>
-              </a:rPr>
-              <a:t>t</a:t>
-            </a:r>
-            <a:r>
-              <a:rPr lang="en-US" sz="2400" dirty="0" smtClean="0">
-                <a:solidFill>
-                  <a:schemeClr val="accent4">
-                    <a:lumMod val="40000"/>
-                    <a:lumOff val="60000"/>
-                  </a:schemeClr>
-                </a:solidFill>
-              </a:rPr>
-              <a:t>emporal relationship of thought and expression</a:t>
-            </a:r>
-          </a:p>
-          <a:p>
-            <a:pPr lvl="1"/>
-            <a:r>
-              <a:rPr lang="en-US" sz="1800" dirty="0">
-                <a:solidFill>
-                  <a:schemeClr val="accent4">
-                    <a:lumMod val="40000"/>
-                    <a:lumOff val="60000"/>
-                  </a:schemeClr>
-                </a:solidFill>
-              </a:rPr>
-              <a:t>non-reflexive, non-spontaneous, and entirely </a:t>
-            </a:r>
-            <a:r>
-              <a:rPr lang="en-US" sz="1800" dirty="0" smtClean="0">
-                <a:solidFill>
-                  <a:schemeClr val="accent4">
-                    <a:lumMod val="40000"/>
-                    <a:lumOff val="60000"/>
-                  </a:schemeClr>
-                </a:solidFill>
-              </a:rPr>
-              <a:t>volitional</a:t>
-            </a:r>
-          </a:p>
-          <a:p>
-            <a:pPr lvl="1"/>
-            <a:r>
-              <a:rPr lang="en-US" sz="1800" i="1" dirty="0" smtClean="0">
-                <a:solidFill>
-                  <a:schemeClr val="accent4">
-                    <a:lumMod val="40000"/>
-                    <a:lumOff val="60000"/>
-                  </a:schemeClr>
-                </a:solidFill>
-              </a:rPr>
-              <a:t>“what to have for lunch?”</a:t>
-            </a:r>
-            <a:endParaRPr lang="en-US" sz="1800" dirty="0" smtClean="0">
-              <a:solidFill>
-                <a:schemeClr val="accent4">
-                  <a:lumMod val="40000"/>
-                  <a:lumOff val="60000"/>
-                </a:schemeClr>
-              </a:solidFill>
-            </a:endParaRPr>
-          </a:p>
-          <a:p>
-            <a:pPr lvl="1"/>
-            <a:r>
-              <a:rPr lang="en-US" sz="1800" i="1" dirty="0" smtClean="0">
-                <a:solidFill>
-                  <a:schemeClr val="accent4">
-                    <a:lumMod val="40000"/>
-                    <a:lumOff val="60000"/>
-                  </a:schemeClr>
-                </a:solidFill>
-              </a:rPr>
-              <a:t>“what test to write for this source?”</a:t>
-            </a:r>
+              <a:t> </a:t>
+            </a:r>
+            <a:r>
+              <a:rPr lang="en-US" sz="1400" dirty="0" err="1" smtClean="0">
+                <a:solidFill>
+                  <a:schemeClr val="accent4">
+                    <a:lumMod val="40000"/>
+                    <a:lumOff val="60000"/>
+                  </a:schemeClr>
+                </a:solidFill>
+              </a:rPr>
+              <a:t>i</a:t>
+            </a:r>
+            <a:r>
+              <a:rPr lang="en-US" sz="1400" dirty="0" smtClean="0">
+                <a:solidFill>
+                  <a:schemeClr val="accent4">
+                    <a:lumMod val="40000"/>
+                    <a:lumOff val="60000"/>
+                  </a:schemeClr>
+                </a:solidFill>
+              </a:rPr>
+              <a:t> </a:t>
+            </a:r>
+            <a:r>
+              <a:rPr lang="en-US" sz="1400" dirty="0" smtClean="0">
+                <a:solidFill>
+                  <a:srgbClr val="00B0F0"/>
+                </a:solidFill>
+              </a:rPr>
+              <a:t>in</a:t>
+            </a:r>
+            <a:r>
+              <a:rPr lang="en-US" sz="1400" dirty="0" smtClean="0">
+                <a:solidFill>
+                  <a:schemeClr val="accent4">
+                    <a:lumMod val="40000"/>
+                    <a:lumOff val="60000"/>
+                  </a:schemeClr>
+                </a:solidFill>
+              </a:rPr>
+              <a:t> list : </a:t>
+            </a:r>
+            <a:r>
+              <a:rPr lang="en-US" sz="1400" dirty="0" smtClean="0">
+                <a:solidFill>
+                  <a:srgbClr val="92D050"/>
+                </a:solidFill>
+              </a:rPr>
+              <a:t>#do the very same cool things here</a:t>
+            </a:r>
+          </a:p>
+          <a:p>
+            <a:endParaRPr lang="en-US" dirty="0"/>
           </a:p>
         </p:txBody>
       </p:sp>
@@ -5449,12 +6002,12 @@
         <p:spPr/>
         <p:txBody>
           <a:bodyPr>
-            <a:normAutofit fontScale="90000"/>
+            <a:normAutofit/>
           </a:bodyPr>
           <a:lstStyle/>
           <a:p>
             <a:r>
-              <a:rPr lang="en-US" sz="3600" dirty="0">
+              <a:rPr lang="en-US" sz="3200" dirty="0">
                 <a:solidFill>
                   <a:schemeClr val="accent2"/>
                 </a:solidFill>
@@ -5462,7 +6015,7 @@
               <a:t>( </a:t>
             </a:r>
             <a:r>
-              <a:rPr lang="en-US" sz="3600" dirty="0">
+              <a:rPr lang="en-US" sz="3200" dirty="0">
                 <a:solidFill>
                   <a:schemeClr val="accent2"/>
                 </a:solidFill>
@@ -5471,7 +6024,7 @@
               <a:t>g </a:t>
             </a:r>
             <a:r>
-              <a:rPr lang="en-US" sz="3600" dirty="0">
+              <a:rPr lang="en-US" sz="3200" dirty="0">
                 <a:solidFill>
                   <a:schemeClr val="accent2"/>
                 </a:solidFill>
@@ -5479,30 +6032,22 @@
               <a:t>) conceptualization </a:t>
             </a:r>
             <a:r>
-              <a:rPr lang="en-US" sz="3600" dirty="0" smtClean="0">
+              <a:rPr lang="en-US" sz="3200" dirty="0" smtClean="0">
                 <a:solidFill>
                   <a:schemeClr val="accent2"/>
                 </a:solidFill>
               </a:rPr>
               <a:t>discourse ::</a:t>
             </a:r>
-            <a:r>
-              <a:rPr lang="en-US" sz="3800" dirty="0" smtClean="0">
-                <a:solidFill>
-                  <a:schemeClr val="accent2"/>
-                </a:solidFill>
-              </a:rPr>
-              <a:t/>
-            </a:r>
             <a:br>
-              <a:rPr lang="en-US" sz="3800" dirty="0" smtClean="0">
+              <a:rPr lang="en-US" sz="3200" dirty="0" smtClean="0">
                 <a:solidFill>
                   <a:schemeClr val="accent2"/>
                 </a:solidFill>
               </a:rPr>
             </a:br>
             <a:r>
-              <a:rPr lang="en-US" sz="3800" dirty="0">
+              <a:rPr lang="en-US" sz="3200" dirty="0">
                 <a:solidFill>
                   <a:schemeClr val="accent2"/>
                 </a:solidFill>
@@ -5510,49 +6055,21 @@
               <a:t>	</a:t>
             </a:r>
             <a:r>
-              <a:rPr lang="en-US" sz="3800" dirty="0" smtClean="0">
-                <a:solidFill>
-                  <a:schemeClr val="accent2"/>
-                </a:solidFill>
-              </a:rPr>
-              <a:t>	</a:t>
-            </a:r>
-            <a:r>
-              <a:rPr lang="en-US" sz="3800" dirty="0" smtClean="0">
-                <a:solidFill>
-                  <a:schemeClr val="accent2"/>
-                </a:solidFill>
-              </a:rPr>
-              <a:t> </a:t>
-            </a:r>
-            <a:r>
-              <a:rPr lang="en-US" sz="3600" dirty="0" smtClean="0">
-                <a:solidFill>
-                  <a:schemeClr val="accent2"/>
-                </a:solidFill>
-              </a:rPr>
-              <a:t>second </a:t>
-            </a:r>
-            <a:r>
-              <a:rPr lang="en-US" sz="3600" dirty="0" smtClean="0">
-                <a:solidFill>
-                  <a:schemeClr val="accent2"/>
-                </a:solidFill>
-              </a:rPr>
-              <a:t>baseline – nature of inquiry </a:t>
-            </a:r>
-            <a:endParaRPr lang="en-US" sz="3600" dirty="0">
-              <a:solidFill>
-                <a:schemeClr val="accent2"/>
-              </a:solidFill>
-            </a:endParaRPr>
+              <a:rPr lang="en-US" sz="3200" dirty="0" smtClean="0">
+                <a:solidFill>
+                  <a:schemeClr val="accent2"/>
+                </a:solidFill>
+              </a:rPr>
+              <a:t>      symbols reliant upon related concepts</a:t>
+            </a:r>
+            <a:endParaRPr lang="en-US" sz="3200" dirty="0"/>
           </a:p>
         </p:txBody>
       </p:sp>
     </p:spTree>
     <p:extLst>
       <p:ext uri="{BB962C8B-B14F-4D97-AF65-F5344CB8AC3E}">
-        <p14:creationId xmlns:p14="http://schemas.microsoft.com/office/powerpoint/2010/main" xmlns="" val="584452262"/>
+        <p14:creationId xmlns="" xmlns:p14="http://schemas.microsoft.com/office/powerpoint/2010/main" val="210330892"/>
       </p:ext>
     </p:extLst>
   </p:cSld>
@@ -5598,23 +6115,10 @@
         </p:nvSpPr>
         <p:spPr/>
         <p:txBody>
-          <a:bodyPr>
-            <a:normAutofit lnSpcReduction="10000"/>
-          </a:bodyPr>
+          <a:bodyPr/>
           <a:lstStyle/>
           <a:p>
             <a:r>
-              <a:rPr lang="en-US" sz="2400" dirty="0">
-                <a:solidFill>
-                  <a:schemeClr val="accent4">
-                    <a:lumMod val="40000"/>
-                    <a:lumOff val="60000"/>
-                  </a:schemeClr>
-                </a:solidFill>
-              </a:rPr>
-              <a:t>s</a:t>
-            </a:r>
-            <a:r>
               <a:rPr lang="en-US" sz="2400" dirty="0" smtClean="0">
                 <a:solidFill>
                   <a:schemeClr val="accent4">
@@ -5623,12 +6127,37 @@
                   </a:schemeClr>
                 </a:solidFill>
               </a:rPr>
-              <a:t>poken language as conceptual encoding</a:t>
+              <a:t>first order map – mechanism for intelligent discovery</a:t>
             </a:r>
           </a:p>
           <a:p>
             <a:pPr lvl="1"/>
             <a:r>
+              <a:rPr lang="en-US" sz="1800" dirty="0">
+                <a:solidFill>
+                  <a:schemeClr val="accent4">
+                    <a:lumMod val="40000"/>
+                    <a:lumOff val="60000"/>
+                  </a:schemeClr>
+                </a:solidFill>
+              </a:rPr>
+              <a:t>d</a:t>
+            </a:r>
+            <a:r>
+              <a:rPr lang="en-US" sz="1800" dirty="0" smtClean="0">
+                <a:solidFill>
+                  <a:schemeClr val="accent4">
+                    <a:lumMod val="40000"/>
+                    <a:lumOff val="60000"/>
+                  </a:schemeClr>
+                </a:solidFill>
+              </a:rPr>
+              <a:t>etermines a specific direction to travel when solving a problem</a:t>
+            </a:r>
+          </a:p>
+          <a:p>
+            <a:pPr lvl="1"/>
+            <a:r>
               <a:rPr lang="en-US" sz="1800" i="1" dirty="0" smtClean="0">
                 <a:solidFill>
                   <a:schemeClr val="accent4">
@@ -5637,7 +6166,7 @@
                   </a:schemeClr>
                 </a:solidFill>
               </a:rPr>
-              <a:t>Don Quixote</a:t>
+              <a:t>The Nature of Inquiry</a:t>
             </a:r>
             <a:r>
               <a:rPr lang="en-US" sz="1800" dirty="0" smtClean="0">
@@ -5648,42 +6177,31 @@
                   </a:schemeClr>
                 </a:solidFill>
               </a:rPr>
-              <a:t> by Miguel de </a:t>
-            </a:r>
-            <a:r>
-              <a:rPr lang="en-US" sz="1800" dirty="0">
-                <a:solidFill>
-                  <a:schemeClr val="accent4">
-                    <a:lumMod val="40000"/>
-                    <a:lumOff val="60000"/>
-                  </a:schemeClr>
-                </a:solidFill>
-              </a:rPr>
-              <a:t>Cervantes </a:t>
-            </a:r>
-            <a:r>
-              <a:rPr lang="en-US" sz="1800" dirty="0" err="1">
-                <a:solidFill>
-                  <a:schemeClr val="accent4">
-                    <a:lumMod val="40000"/>
-                    <a:lumOff val="60000"/>
-                  </a:schemeClr>
-                </a:solidFill>
-              </a:rPr>
-              <a:t>Saavendra</a:t>
-            </a:r>
-            <a:r>
-              <a:rPr lang="en-US" sz="1800" dirty="0">
-                <a:solidFill>
-                  <a:schemeClr val="accent4">
-                    <a:lumMod val="40000"/>
-                    <a:lumOff val="60000"/>
-                  </a:schemeClr>
-                </a:solidFill>
-              </a:rPr>
-              <a:t> </a:t>
-            </a:r>
-            <a:endParaRPr lang="en-US" sz="1800" dirty="0" smtClean="0">
+              <a:t>, James </a:t>
+            </a:r>
+            <a:r>
+              <a:rPr lang="en-US" sz="1800" dirty="0" err="1" smtClean="0">
+                <a:solidFill>
+                  <a:schemeClr val="accent4">
+                    <a:lumMod val="40000"/>
+                    <a:lumOff val="60000"/>
+                  </a:schemeClr>
+                </a:solidFill>
+              </a:rPr>
+              <a:t>Blachowicz</a:t>
+            </a:r>
+            <a:r>
+              <a:rPr lang="en-US" sz="1800" dirty="0" smtClean="0">
+                <a:solidFill>
+                  <a:schemeClr val="accent4">
+                    <a:lumMod val="40000"/>
+                    <a:lumOff val="60000"/>
+                  </a:schemeClr>
+                </a:solidFill>
+              </a:rPr>
+              <a:t>, PhD</a:t>
+            </a:r>
+            <a:endParaRPr lang="en-US" sz="1800" i="1" dirty="0">
               <a:solidFill>
                 <a:schemeClr val="accent4">
                   <a:lumMod val="40000"/>
@@ -5693,63 +6211,8 @@
             </a:endParaRPr>
           </a:p>
           <a:p>
-            <a:pPr lvl="2"/>
-            <a:r>
-              <a:rPr lang="en-US" sz="1600" dirty="0">
-                <a:solidFill>
-                  <a:schemeClr val="accent4">
-                    <a:lumMod val="40000"/>
-                    <a:lumOff val="60000"/>
-                  </a:schemeClr>
-                </a:solidFill>
-              </a:rPr>
-              <a:t>a</a:t>
-            </a:r>
-            <a:r>
-              <a:rPr lang="en-US" sz="1600" dirty="0" smtClean="0">
-                <a:solidFill>
-                  <a:schemeClr val="accent4">
-                    <a:lumMod val="40000"/>
-                    <a:lumOff val="60000"/>
-                  </a:schemeClr>
-                </a:solidFill>
-              </a:rPr>
-              <a:t> </a:t>
-            </a:r>
-            <a:r>
-              <a:rPr lang="en-US" sz="1600" dirty="0" err="1" smtClean="0">
-                <a:solidFill>
-                  <a:schemeClr val="accent4">
-                    <a:lumMod val="40000"/>
-                    <a:lumOff val="60000"/>
-                  </a:schemeClr>
-                </a:solidFill>
-              </a:rPr>
-              <a:t>spanish</a:t>
-            </a:r>
-            <a:r>
-              <a:rPr lang="en-US" sz="1600" dirty="0" smtClean="0">
-                <a:solidFill>
-                  <a:schemeClr val="accent4">
-                    <a:lumMod val="40000"/>
-                    <a:lumOff val="60000"/>
-                  </a:schemeClr>
-                </a:solidFill>
-              </a:rPr>
-              <a:t> story versus a story in </a:t>
-            </a:r>
-            <a:r>
-              <a:rPr lang="en-US" sz="1600" dirty="0" err="1" smtClean="0">
-                <a:solidFill>
-                  <a:schemeClr val="accent4">
-                    <a:lumMod val="40000"/>
-                    <a:lumOff val="60000"/>
-                  </a:schemeClr>
-                </a:solidFill>
-              </a:rPr>
-              <a:t>spanish</a:t>
-            </a:r>
-            <a:endParaRPr lang="en-US" sz="1600" dirty="0" smtClean="0">
+            <a:pPr lvl="1"/>
+            <a:endParaRPr lang="en-US" sz="1800" i="1" dirty="0" smtClean="0">
               <a:solidFill>
                 <a:schemeClr val="accent4">
                   <a:lumMod val="40000"/>
@@ -5759,9 +6222,86 @@
             </a:endParaRPr>
           </a:p>
           <a:p>
+            <a:r>
+              <a:rPr lang="en-US" sz="2200" dirty="0" smtClean="0">
+                <a:solidFill>
+                  <a:schemeClr val="accent4">
+                    <a:lumMod val="40000"/>
+                    <a:lumOff val="60000"/>
+                  </a:schemeClr>
+                </a:solidFill>
+              </a:rPr>
+              <a:t>map examples</a:t>
+            </a:r>
+          </a:p>
+          <a:p>
             <a:pPr lvl="1"/>
             <a:r>
-              <a:rPr lang="en-US" sz="1800" dirty="0" err="1">
+              <a:rPr lang="en-US" sz="1800" dirty="0">
+                <a:solidFill>
+                  <a:schemeClr val="accent4">
+                    <a:lumMod val="40000"/>
+                    <a:lumOff val="60000"/>
+                  </a:schemeClr>
+                </a:solidFill>
+              </a:rPr>
+              <a:t>t</a:t>
+            </a:r>
+            <a:r>
+              <a:rPr lang="en-US" sz="1800" dirty="0" smtClean="0">
+                <a:solidFill>
+                  <a:schemeClr val="accent4">
+                    <a:lumMod val="40000"/>
+                    <a:lumOff val="60000"/>
+                  </a:schemeClr>
+                </a:solidFill>
+              </a:rPr>
+              <a:t>he kitten and the fireplace</a:t>
+            </a:r>
+          </a:p>
+          <a:p>
+            <a:pPr lvl="2"/>
+            <a:r>
+              <a:rPr lang="en-US" sz="1600" dirty="0" smtClean="0">
+                <a:solidFill>
+                  <a:schemeClr val="accent4">
+                    <a:lumMod val="40000"/>
+                    <a:lumOff val="60000"/>
+                  </a:schemeClr>
+                </a:solidFill>
+              </a:rPr>
+              <a:t>how to get warm without getting hot</a:t>
+            </a:r>
+          </a:p>
+          <a:p>
+            <a:pPr lvl="1"/>
+            <a:r>
+              <a:rPr lang="en-US" sz="1800" dirty="0" err="1" smtClean="0">
+                <a:solidFill>
+                  <a:schemeClr val="accent4">
+                    <a:lumMod val="40000"/>
+                    <a:lumOff val="60000"/>
+                  </a:schemeClr>
+                </a:solidFill>
+              </a:rPr>
+              <a:t>Kelper’s</a:t>
+            </a:r>
+            <a:r>
+              <a:rPr lang="en-US" sz="1800" dirty="0" smtClean="0">
+                <a:solidFill>
+                  <a:schemeClr val="accent4">
+                    <a:lumMod val="40000"/>
+                    <a:lumOff val="60000"/>
+                  </a:schemeClr>
+                </a:solidFill>
+              </a:rPr>
+              <a:t> study on elliptical orbit</a:t>
+            </a:r>
+          </a:p>
+          <a:p>
+            <a:pPr lvl="2"/>
+            <a:r>
+              <a:rPr lang="en-US" sz="1600" dirty="0">
                 <a:solidFill>
                   <a:schemeClr val="accent4">
                     <a:lumMod val="40000"/>
@@ -5772,46 +6312,41 @@
               <a:t>s</a:t>
             </a:r>
             <a:r>
-              <a:rPr lang="en-US" sz="1800" dirty="0" err="1" smtClean="0">
-                <a:solidFill>
-                  <a:schemeClr val="accent4">
-                    <a:lumMod val="40000"/>
-                    <a:lumOff val="60000"/>
-                  </a:schemeClr>
-                </a:solidFill>
-              </a:rPr>
-              <a:t>panish</a:t>
-            </a:r>
-            <a:r>
-              <a:rPr lang="en-US" sz="1800" dirty="0" smtClean="0">
-                <a:solidFill>
-                  <a:schemeClr val="accent4">
-                    <a:lumMod val="40000"/>
-                    <a:lumOff val="60000"/>
-                  </a:schemeClr>
-                </a:solidFill>
-              </a:rPr>
-              <a:t> versus </a:t>
-            </a:r>
-            <a:r>
-              <a:rPr lang="en-US" sz="1800" dirty="0" err="1" smtClean="0">
-                <a:solidFill>
-                  <a:schemeClr val="accent4">
-                    <a:lumMod val="40000"/>
-                    <a:lumOff val="60000"/>
-                  </a:schemeClr>
-                </a:solidFill>
-              </a:rPr>
-              <a:t>english</a:t>
-            </a:r>
-            <a:endParaRPr lang="en-US" sz="1800" dirty="0" smtClean="0">
-              <a:solidFill>
-                <a:schemeClr val="accent4">
-                  <a:lumMod val="40000"/>
-                  <a:lumOff val="60000"/>
-                </a:schemeClr>
-              </a:solidFill>
-            </a:endParaRPr>
+              <a:rPr lang="en-US" sz="1600" dirty="0" smtClean="0">
+                <a:solidFill>
+                  <a:schemeClr val="accent4">
+                    <a:lumMod val="40000"/>
+                    <a:lumOff val="60000"/>
+                  </a:schemeClr>
+                </a:solidFill>
+              </a:rPr>
+              <a:t>tart with a set hypotheses known to fail</a:t>
+            </a:r>
+          </a:p>
+          <a:p>
+            <a:pPr lvl="3"/>
+            <a:r>
+              <a:rPr lang="en-US" sz="1400" dirty="0">
+                <a:solidFill>
+                  <a:schemeClr val="accent4">
+                    <a:lumMod val="40000"/>
+                    <a:lumOff val="60000"/>
+                  </a:schemeClr>
+                </a:solidFill>
+              </a:rPr>
+              <a:t>c</a:t>
+            </a:r>
+            <a:r>
+              <a:rPr lang="en-US" sz="1400" dirty="0" smtClean="0">
+                <a:solidFill>
+                  <a:schemeClr val="accent4">
+                    <a:lumMod val="40000"/>
+                    <a:lumOff val="60000"/>
+                  </a:schemeClr>
+                </a:solidFill>
+              </a:rPr>
+              <a:t>ircle and oval</a:t>
+            </a:r>
           </a:p>
           <a:p>
             <a:pPr lvl="2"/>
@@ -5824,91 +6359,7 @@
                   </a:schemeClr>
                 </a:solidFill>
               </a:rPr>
-              <a:t>bound literary work constructed of printed words on paper </a:t>
-            </a:r>
-          </a:p>
-          <a:p>
-            <a:pPr lvl="3"/>
-            <a:r>
-              <a:rPr lang="en-US" sz="1400" dirty="0" err="1">
-                <a:solidFill>
-                  <a:schemeClr val="accent4">
-                    <a:lumMod val="40000"/>
-                    <a:lumOff val="60000"/>
-                  </a:schemeClr>
-                </a:solidFill>
-              </a:rPr>
-              <a:t>l</a:t>
-            </a:r>
-            <a:r>
-              <a:rPr lang="en-US" sz="1400" dirty="0" err="1" smtClean="0">
-                <a:solidFill>
-                  <a:schemeClr val="accent4">
-                    <a:lumMod val="40000"/>
-                    <a:lumOff val="60000"/>
-                  </a:schemeClr>
-                </a:solidFill>
-              </a:rPr>
-              <a:t>ibro</a:t>
-            </a:r>
-            <a:endParaRPr lang="en-US" sz="1400" dirty="0" smtClean="0">
-              <a:solidFill>
-                <a:schemeClr val="accent4">
-                  <a:lumMod val="40000"/>
-                  <a:lumOff val="60000"/>
-                </a:schemeClr>
-              </a:solidFill>
-            </a:endParaRPr>
-          </a:p>
-          <a:p>
-            <a:pPr lvl="3"/>
-            <a:r>
-              <a:rPr lang="en-US" sz="1400" dirty="0" smtClean="0">
-                <a:solidFill>
-                  <a:schemeClr val="accent4">
-                    <a:lumMod val="40000"/>
-                    <a:lumOff val="60000"/>
-                  </a:schemeClr>
-                </a:solidFill>
-              </a:rPr>
-              <a:t>book</a:t>
-            </a:r>
-          </a:p>
-          <a:p>
-            <a:endParaRPr lang="en-US" sz="1400" dirty="0">
-              <a:solidFill>
-                <a:schemeClr val="accent4">
-                  <a:lumMod val="40000"/>
-                  <a:lumOff val="60000"/>
-                </a:schemeClr>
-              </a:solidFill>
-            </a:endParaRPr>
-          </a:p>
-          <a:p>
-            <a:r>
-              <a:rPr lang="en-US" sz="2400" dirty="0" smtClean="0">
-                <a:solidFill>
-                  <a:schemeClr val="accent4">
-                    <a:lumMod val="40000"/>
-                    <a:lumOff val="60000"/>
-                  </a:schemeClr>
-                </a:solidFill>
-              </a:rPr>
-              <a:t>programming language as conceptual encoding</a:t>
-            </a:r>
-          </a:p>
-          <a:p>
-            <a:pPr lvl="1"/>
-            <a:r>
-              <a:rPr lang="en-US" sz="2000" dirty="0" smtClean="0">
-                <a:solidFill>
-                  <a:schemeClr val="accent4">
-                    <a:lumMod val="40000"/>
-                    <a:lumOff val="60000"/>
-                  </a:schemeClr>
-                </a:solidFill>
-              </a:rPr>
-              <a:t>java versus python</a:t>
+              <a:t>compare  these failures to observed results</a:t>
             </a:r>
           </a:p>
           <a:p>
@@ -5922,7 +6373,7 @@
                   </a:schemeClr>
                 </a:solidFill>
               </a:rPr>
-              <a:t>v</a:t>
+              <a:t>r</a:t>
             </a:r>
             <a:r>
               <a:rPr lang="en-US" sz="1600" dirty="0" smtClean="0">
@@ -5933,374 +6384,8 @@
                   </a:schemeClr>
                 </a:solidFill>
               </a:rPr>
-              <a:t>alue assignment</a:t>
-            </a:r>
-          </a:p>
-          <a:p>
-            <a:pPr lvl="3"/>
-            <a:r>
-              <a:rPr lang="en-US" sz="1400" dirty="0" err="1">
-                <a:solidFill>
-                  <a:srgbClr val="7030A0"/>
-                </a:solidFill>
-                <a:cs typeface="Courier New" panose="02070309020205020404" pitchFamily="49" charset="0"/>
-              </a:rPr>
-              <a:t>t</a:t>
-            </a:r>
-            <a:r>
-              <a:rPr lang="en-US" sz="1400" dirty="0" err="1" smtClean="0">
-                <a:solidFill>
-                  <a:srgbClr val="7030A0"/>
-                </a:solidFill>
-                <a:cs typeface="Courier New" panose="02070309020205020404" pitchFamily="49" charset="0"/>
-              </a:rPr>
-              <a:t>his</a:t>
-            </a:r>
-            <a:r>
-              <a:rPr lang="en-US" sz="1400" dirty="0" err="1" smtClean="0">
-                <a:solidFill>
-                  <a:schemeClr val="accent4">
-                    <a:lumMod val="40000"/>
-                    <a:lumOff val="60000"/>
-                  </a:schemeClr>
-                </a:solidFill>
-                <a:cs typeface="Courier New" panose="02070309020205020404" pitchFamily="49" charset="0"/>
-              </a:rPr>
-              <a:t>.value</a:t>
-            </a:r>
-            <a:r>
-              <a:rPr lang="en-US" sz="1400" dirty="0" smtClean="0">
-                <a:solidFill>
-                  <a:schemeClr val="accent4">
-                    <a:lumMod val="40000"/>
-                    <a:lumOff val="60000"/>
-                  </a:schemeClr>
-                </a:solidFill>
-                <a:cs typeface="Courier New" panose="02070309020205020404" pitchFamily="49" charset="0"/>
-              </a:rPr>
-              <a:t> = 4;</a:t>
-            </a:r>
-          </a:p>
-          <a:p>
-            <a:pPr lvl="3"/>
-            <a:r>
-              <a:rPr lang="en-US" sz="1400" dirty="0" err="1">
-                <a:solidFill>
-                  <a:schemeClr val="accent4">
-                    <a:lumMod val="40000"/>
-                    <a:lumOff val="60000"/>
-                  </a:schemeClr>
-                </a:solidFill>
-                <a:cs typeface="Courier New" panose="02070309020205020404" pitchFamily="49" charset="0"/>
-              </a:rPr>
-              <a:t>s</a:t>
-            </a:r>
-            <a:r>
-              <a:rPr lang="en-US" sz="1400" dirty="0" err="1" smtClean="0">
-                <a:solidFill>
-                  <a:schemeClr val="accent4">
-                    <a:lumMod val="40000"/>
-                    <a:lumOff val="60000"/>
-                  </a:schemeClr>
-                </a:solidFill>
-                <a:cs typeface="Courier New" panose="02070309020205020404" pitchFamily="49" charset="0"/>
-              </a:rPr>
-              <a:t>elf.value</a:t>
-            </a:r>
-            <a:r>
-              <a:rPr lang="en-US" sz="1400" dirty="0" smtClean="0">
-                <a:solidFill>
-                  <a:schemeClr val="accent4">
-                    <a:lumMod val="40000"/>
-                    <a:lumOff val="60000"/>
-                  </a:schemeClr>
-                </a:solidFill>
-                <a:cs typeface="Courier New" panose="02070309020205020404" pitchFamily="49" charset="0"/>
-              </a:rPr>
-              <a:t> = 4</a:t>
-            </a:r>
-          </a:p>
-          <a:p>
-            <a:pPr lvl="2"/>
-            <a:r>
-              <a:rPr lang="en-US" sz="1600" dirty="0">
-                <a:solidFill>
-                  <a:schemeClr val="accent4">
-                    <a:lumMod val="40000"/>
-                    <a:lumOff val="60000"/>
-                  </a:schemeClr>
-                </a:solidFill>
-              </a:rPr>
-              <a:t>l</a:t>
-            </a:r>
-            <a:r>
-              <a:rPr lang="en-US" sz="1600" dirty="0" smtClean="0">
-                <a:solidFill>
-                  <a:schemeClr val="accent4">
-                    <a:lumMod val="40000"/>
-                    <a:lumOff val="60000"/>
-                  </a:schemeClr>
-                </a:solidFill>
-              </a:rPr>
-              <a:t>ooping</a:t>
-            </a:r>
-          </a:p>
-          <a:p>
-            <a:pPr lvl="3"/>
-            <a:r>
-              <a:rPr lang="en-US" sz="1400" dirty="0">
-                <a:solidFill>
-                  <a:srgbClr val="7030A0"/>
-                </a:solidFill>
-              </a:rPr>
-              <a:t>f</a:t>
-            </a:r>
-            <a:r>
-              <a:rPr lang="en-US" sz="1400" dirty="0" smtClean="0">
-                <a:solidFill>
-                  <a:srgbClr val="7030A0"/>
-                </a:solidFill>
-              </a:rPr>
-              <a:t>or</a:t>
-            </a:r>
-            <a:r>
-              <a:rPr lang="en-US" sz="1400" dirty="0" smtClean="0">
-                <a:solidFill>
-                  <a:schemeClr val="accent4">
-                    <a:lumMod val="40000"/>
-                    <a:lumOff val="60000"/>
-                  </a:schemeClr>
-                </a:solidFill>
-              </a:rPr>
-              <a:t> ( </a:t>
-            </a:r>
-            <a:r>
-              <a:rPr lang="en-US" sz="1400" dirty="0" err="1" smtClean="0">
-                <a:solidFill>
-                  <a:srgbClr val="7030A0"/>
-                </a:solidFill>
-              </a:rPr>
-              <a:t>int</a:t>
-            </a:r>
-            <a:r>
-              <a:rPr lang="en-US" sz="1400" dirty="0" smtClean="0">
-                <a:solidFill>
-                  <a:schemeClr val="accent4">
-                    <a:lumMod val="40000"/>
-                    <a:lumOff val="60000"/>
-                  </a:schemeClr>
-                </a:solidFill>
-              </a:rPr>
-              <a:t> </a:t>
-            </a:r>
-            <a:r>
-              <a:rPr lang="en-US" sz="1400" dirty="0" err="1" smtClean="0">
-                <a:solidFill>
-                  <a:schemeClr val="accent4">
-                    <a:lumMod val="40000"/>
-                    <a:lumOff val="60000"/>
-                  </a:schemeClr>
-                </a:solidFill>
-              </a:rPr>
-              <a:t>i</a:t>
-            </a:r>
-            <a:r>
-              <a:rPr lang="en-US" sz="1400" dirty="0" smtClean="0">
-                <a:solidFill>
-                  <a:schemeClr val="accent4">
-                    <a:lumMod val="40000"/>
-                    <a:lumOff val="60000"/>
-                  </a:schemeClr>
-                </a:solidFill>
-              </a:rPr>
-              <a:t> = </a:t>
-            </a:r>
-            <a:r>
-              <a:rPr lang="en-US" sz="1400" dirty="0" smtClean="0">
-                <a:solidFill>
-                  <a:srgbClr val="00B0F0"/>
-                </a:solidFill>
-              </a:rPr>
-              <a:t>zero</a:t>
-            </a:r>
-            <a:r>
-              <a:rPr lang="en-US" sz="1400" dirty="0" smtClean="0">
-                <a:solidFill>
-                  <a:schemeClr val="accent4">
-                    <a:lumMod val="40000"/>
-                    <a:lumOff val="60000"/>
-                  </a:schemeClr>
-                </a:solidFill>
-              </a:rPr>
-              <a:t> ; </a:t>
-            </a:r>
-            <a:r>
-              <a:rPr lang="en-US" sz="1400" dirty="0" err="1" smtClean="0">
-                <a:solidFill>
-                  <a:schemeClr val="accent4">
-                    <a:lumMod val="40000"/>
-                    <a:lumOff val="60000"/>
-                  </a:schemeClr>
-                </a:solidFill>
-              </a:rPr>
-              <a:t>i</a:t>
-            </a:r>
-            <a:r>
-              <a:rPr lang="en-US" sz="1400" dirty="0" smtClean="0">
-                <a:solidFill>
-                  <a:schemeClr val="accent4">
-                    <a:lumMod val="40000"/>
-                    <a:lumOff val="60000"/>
-                  </a:schemeClr>
-                </a:solidFill>
-              </a:rPr>
-              <a:t> &lt; </a:t>
-            </a:r>
-            <a:r>
-              <a:rPr lang="en-US" sz="1400" dirty="0" err="1" smtClean="0">
-                <a:solidFill>
-                  <a:schemeClr val="accent4">
-                    <a:lumMod val="40000"/>
-                    <a:lumOff val="60000"/>
-                  </a:schemeClr>
-                </a:solidFill>
-              </a:rPr>
-              <a:t>list.size</a:t>
-            </a:r>
-            <a:r>
-              <a:rPr lang="en-US" sz="1400" dirty="0" smtClean="0">
-                <a:solidFill>
-                  <a:schemeClr val="accent4">
-                    <a:lumMod val="40000"/>
-                    <a:lumOff val="60000"/>
-                  </a:schemeClr>
-                </a:solidFill>
-              </a:rPr>
-              <a:t>( ) ; </a:t>
-            </a:r>
-            <a:r>
-              <a:rPr lang="en-US" sz="1400" dirty="0" err="1" smtClean="0">
-                <a:solidFill>
-                  <a:schemeClr val="accent4">
-                    <a:lumMod val="40000"/>
-                    <a:lumOff val="60000"/>
-                  </a:schemeClr>
-                </a:solidFill>
-              </a:rPr>
-              <a:t>i</a:t>
-            </a:r>
-            <a:r>
-              <a:rPr lang="en-US" sz="1400" dirty="0" smtClean="0">
-                <a:solidFill>
-                  <a:schemeClr val="accent4">
-                    <a:lumMod val="40000"/>
-                    <a:lumOff val="60000"/>
-                  </a:schemeClr>
-                </a:solidFill>
-              </a:rPr>
-              <a:t>++ ) { </a:t>
-            </a:r>
-            <a:r>
-              <a:rPr lang="en-US" sz="1400" dirty="0" smtClean="0">
-                <a:solidFill>
-                  <a:srgbClr val="92D050"/>
-                </a:solidFill>
-              </a:rPr>
-              <a:t>//do some cool things here </a:t>
-            </a:r>
-            <a:r>
-              <a:rPr lang="en-US" sz="1400" dirty="0" smtClean="0">
-                <a:solidFill>
-                  <a:schemeClr val="accent4">
-                    <a:lumMod val="40000"/>
-                    <a:lumOff val="60000"/>
-                  </a:schemeClr>
-                </a:solidFill>
-              </a:rPr>
-              <a:t>}</a:t>
-            </a:r>
-          </a:p>
-          <a:p>
-            <a:pPr lvl="3"/>
-            <a:r>
-              <a:rPr lang="en-US" sz="1400" dirty="0">
-                <a:solidFill>
-                  <a:srgbClr val="00B0F0"/>
-                </a:solidFill>
-              </a:rPr>
-              <a:t>f</a:t>
-            </a:r>
-            <a:r>
-              <a:rPr lang="en-US" sz="1400" dirty="0" smtClean="0">
-                <a:solidFill>
-                  <a:srgbClr val="00B0F0"/>
-                </a:solidFill>
-              </a:rPr>
-              <a:t>or</a:t>
-            </a:r>
-            <a:r>
-              <a:rPr lang="en-US" sz="1400" dirty="0" smtClean="0">
-                <a:solidFill>
-                  <a:schemeClr val="accent4">
-                    <a:lumMod val="40000"/>
-                    <a:lumOff val="60000"/>
-                  </a:schemeClr>
-                </a:solidFill>
-              </a:rPr>
-              <a:t> </a:t>
-            </a:r>
-            <a:r>
-              <a:rPr lang="en-US" sz="1400" dirty="0" err="1" smtClean="0">
-                <a:solidFill>
-                  <a:schemeClr val="accent4">
-                    <a:lumMod val="40000"/>
-                    <a:lumOff val="60000"/>
-                  </a:schemeClr>
-                </a:solidFill>
-              </a:rPr>
-              <a:t>i</a:t>
-            </a:r>
-            <a:r>
-              <a:rPr lang="en-US" sz="1400" dirty="0" smtClean="0">
-                <a:solidFill>
-                  <a:schemeClr val="accent4">
-                    <a:lumMod val="40000"/>
-                    <a:lumOff val="60000"/>
-                  </a:schemeClr>
-                </a:solidFill>
-              </a:rPr>
-              <a:t> </a:t>
-            </a:r>
-            <a:r>
-              <a:rPr lang="en-US" sz="1400" dirty="0" smtClean="0">
-                <a:solidFill>
-                  <a:srgbClr val="00B0F0"/>
-                </a:solidFill>
-              </a:rPr>
-              <a:t>in</a:t>
-            </a:r>
-            <a:r>
-              <a:rPr lang="en-US" sz="1400" dirty="0" smtClean="0">
-                <a:solidFill>
-                  <a:schemeClr val="accent4">
-                    <a:lumMod val="40000"/>
-                    <a:lumOff val="60000"/>
-                  </a:schemeClr>
-                </a:solidFill>
-              </a:rPr>
-              <a:t> list : </a:t>
-            </a:r>
-            <a:r>
-              <a:rPr lang="en-US" sz="1400" dirty="0" smtClean="0">
-                <a:solidFill>
-                  <a:srgbClr val="92D050"/>
-                </a:solidFill>
-              </a:rPr>
-              <a:t>#do the very same cool things here</a:t>
-            </a:r>
-          </a:p>
-          <a:p>
-            <a:endParaRPr lang="en-US" dirty="0"/>
+              <a:t>efine hypothesis in light of observations and comparisons</a:t>
+            </a:r>
           </a:p>
         </p:txBody>
       </p:sp>
@@ -6322,7 +6407,7 @@
           <a:lstStyle/>
           <a:p>
             <a:r>
-              <a:rPr lang="en-US" sz="3200" dirty="0">
+              <a:rPr lang="en-US" sz="3200" dirty="0" smtClean="0">
                 <a:solidFill>
                   <a:schemeClr val="accent2"/>
                 </a:solidFill>
@@ -6330,7 +6415,7 @@
               <a:t>( </a:t>
             </a:r>
             <a:r>
-              <a:rPr lang="en-US" sz="3200" dirty="0">
+              <a:rPr lang="en-US" sz="3200" dirty="0" smtClean="0">
                 <a:solidFill>
                   <a:schemeClr val="accent2"/>
                 </a:solidFill>
@@ -6339,20 +6424,12 @@
               <a:t>g </a:t>
             </a:r>
             <a:r>
-              <a:rPr lang="en-US" sz="3200" dirty="0">
-                <a:solidFill>
-                  <a:schemeClr val="accent2"/>
-                </a:solidFill>
-              </a:rPr>
-              <a:t>) conceptualization </a:t>
-            </a:r>
-            <a:r>
               <a:rPr lang="en-US" sz="3200" dirty="0" smtClean="0">
                 <a:solidFill>
                   <a:schemeClr val="accent2"/>
                 </a:solidFill>
               </a:rPr>
-              <a:t>discourse ::</a:t>
+              <a:t>) conceptualization discourse ::</a:t>
             </a:r>
             <a:br>
               <a:rPr lang="en-US" sz="3200" dirty="0" smtClean="0">
@@ -6362,28 +6439,12 @@
               </a:rPr>
             </a:br>
             <a:r>
-              <a:rPr lang="en-US" sz="3200" dirty="0">
-                <a:solidFill>
-                  <a:schemeClr val="accent2"/>
-                </a:solidFill>
-              </a:rPr>
-              <a:t>	</a:t>
-            </a:r>
-            <a:r>
               <a:rPr lang="en-US" sz="3200" dirty="0" smtClean="0">
                 <a:solidFill>
                   <a:schemeClr val="accent2"/>
                 </a:solidFill>
               </a:rPr>
-              <a:t>      symbols </a:t>
-            </a:r>
-            <a:r>
-              <a:rPr lang="en-US" sz="3200" dirty="0" smtClean="0">
-                <a:solidFill>
-                  <a:schemeClr val="accent2"/>
-                </a:solidFill>
-              </a:rPr>
-              <a:t>reliant upon related concepts</a:t>
+              <a:t>					first order mapping</a:t>
             </a:r>
             <a:endParaRPr lang="en-US" sz="3200" dirty="0"/>
           </a:p>
@@ -6392,7 +6453,7 @@
     </p:spTree>
     <p:extLst>
       <p:ext uri="{BB962C8B-B14F-4D97-AF65-F5344CB8AC3E}">
-        <p14:creationId xmlns:p14="http://schemas.microsoft.com/office/powerpoint/2010/main" xmlns="" val="210330892"/>
+        <p14:creationId xmlns="" xmlns:p14="http://schemas.microsoft.com/office/powerpoint/2010/main" val="1815301827"/>
       </p:ext>
     </p:extLst>
   </p:cSld>
@@ -6450,23 +6511,34 @@
                   </a:schemeClr>
                 </a:solidFill>
               </a:rPr>
-              <a:t>first order map – mechanism for intelligent discovery</a:t>
+              <a:t>similarities to </a:t>
+            </a:r>
+            <a:r>
+              <a:rPr lang="en-US" sz="2400" dirty="0" err="1" smtClean="0">
+                <a:solidFill>
+                  <a:schemeClr val="accent4">
+                    <a:lumMod val="40000"/>
+                    <a:lumOff val="60000"/>
+                  </a:schemeClr>
+                </a:solidFill>
+              </a:rPr>
+              <a:t>t.d.d</a:t>
+            </a:r>
+            <a:r>
+              <a:rPr lang="en-US" sz="2400" dirty="0" smtClean="0">
+                <a:solidFill>
+                  <a:schemeClr val="accent4">
+                    <a:lumMod val="40000"/>
+                    <a:lumOff val="60000"/>
+                  </a:schemeClr>
+                </a:solidFill>
+              </a:rPr>
+              <a:t>.</a:t>
             </a:r>
           </a:p>
           <a:p>
             <a:pPr lvl="1"/>
             <a:r>
-              <a:rPr lang="en-US" sz="1800" dirty="0">
-                <a:solidFill>
-                  <a:schemeClr val="accent4">
-                    <a:lumMod val="40000"/>
-                    <a:lumOff val="60000"/>
-                  </a:schemeClr>
-                </a:solidFill>
-              </a:rPr>
-              <a:t>d</a:t>
-            </a:r>
-            <a:r>
               <a:rPr lang="en-US" sz="1800" dirty="0" smtClean="0">
                 <a:solidFill>
                   <a:schemeClr val="accent4">
@@ -6475,23 +6547,54 @@
                   </a:schemeClr>
                 </a:solidFill>
               </a:rPr>
-              <a:t>etermines a specific direction to travel when solving a problem</a:t>
+              <a:t>structure of individual tests</a:t>
+            </a:r>
+          </a:p>
+          <a:p>
+            <a:pPr lvl="2"/>
+            <a:r>
+              <a:rPr lang="en-US" sz="1600" dirty="0" smtClean="0">
+                <a:solidFill>
+                  <a:schemeClr val="accent4">
+                    <a:lumMod val="40000"/>
+                    <a:lumOff val="60000"/>
+                  </a:schemeClr>
+                </a:solidFill>
+              </a:rPr>
+              <a:t>‘the setup’ 		– collection of actors</a:t>
+            </a:r>
+          </a:p>
+          <a:p>
+            <a:pPr lvl="2"/>
+            <a:r>
+              <a:rPr lang="en-US" sz="1600" dirty="0" smtClean="0">
+                <a:solidFill>
+                  <a:schemeClr val="accent4">
+                    <a:lumMod val="40000"/>
+                    <a:lumOff val="60000"/>
+                  </a:schemeClr>
+                </a:solidFill>
+              </a:rPr>
+              <a:t>target behavior 	– functional tested</a:t>
+            </a:r>
+          </a:p>
+          <a:p>
+            <a:pPr lvl="2"/>
+            <a:r>
+              <a:rPr lang="en-US" sz="1600" dirty="0" smtClean="0">
+                <a:solidFill>
+                  <a:schemeClr val="accent4">
+                    <a:lumMod val="40000"/>
+                    <a:lumOff val="60000"/>
+                  </a:schemeClr>
+                </a:solidFill>
+              </a:rPr>
+              <a:t>assertions 		– validity of output versus requirements</a:t>
             </a:r>
           </a:p>
           <a:p>
             <a:pPr lvl="1"/>
             <a:r>
-              <a:rPr lang="en-US" sz="1800" i="1" dirty="0" smtClean="0">
-                <a:solidFill>
-                  <a:schemeClr val="accent4">
-                    <a:lumMod val="40000"/>
-                    <a:lumOff val="60000"/>
-                  </a:schemeClr>
-                </a:solidFill>
-              </a:rPr>
-              <a:t>The Nature of Inquiry</a:t>
-            </a:r>
-            <a:r>
               <a:rPr lang="en-US" sz="1800" dirty="0" smtClean="0">
                 <a:solidFill>
                   <a:schemeClr val="accent4">
@@ -6500,86 +6603,7 @@
                   </a:schemeClr>
                 </a:solidFill>
               </a:rPr>
-              <a:t>, James </a:t>
-            </a:r>
-            <a:r>
-              <a:rPr lang="en-US" sz="1800" dirty="0" err="1" smtClean="0">
-                <a:solidFill>
-                  <a:schemeClr val="accent4">
-                    <a:lumMod val="40000"/>
-                    <a:lumOff val="60000"/>
-                  </a:schemeClr>
-                </a:solidFill>
-              </a:rPr>
-              <a:t>Blachowicz</a:t>
-            </a:r>
-            <a:r>
-              <a:rPr lang="en-US" sz="1800" dirty="0" smtClean="0">
-                <a:solidFill>
-                  <a:schemeClr val="accent4">
-                    <a:lumMod val="40000"/>
-                    <a:lumOff val="60000"/>
-                  </a:schemeClr>
-                </a:solidFill>
-              </a:rPr>
-              <a:t>, PhD</a:t>
-            </a:r>
-            <a:endParaRPr lang="en-US" sz="1800" i="1" dirty="0">
-              <a:solidFill>
-                <a:schemeClr val="accent4">
-                  <a:lumMod val="40000"/>
-                  <a:lumOff val="60000"/>
-                </a:schemeClr>
-              </a:solidFill>
-            </a:endParaRPr>
-          </a:p>
-          <a:p>
-            <a:pPr lvl="1"/>
-            <a:endParaRPr lang="en-US" sz="1800" i="1" dirty="0" smtClean="0">
-              <a:solidFill>
-                <a:schemeClr val="accent4">
-                  <a:lumMod val="40000"/>
-                  <a:lumOff val="60000"/>
-                </a:schemeClr>
-              </a:solidFill>
-            </a:endParaRPr>
-          </a:p>
-          <a:p>
-            <a:r>
-              <a:rPr lang="en-US" sz="2200" dirty="0" smtClean="0">
-                <a:solidFill>
-                  <a:schemeClr val="accent4">
-                    <a:lumMod val="40000"/>
-                    <a:lumOff val="60000"/>
-                  </a:schemeClr>
-                </a:solidFill>
-              </a:rPr>
-              <a:t>map examples</a:t>
-            </a:r>
-          </a:p>
-          <a:p>
-            <a:pPr lvl="1"/>
-            <a:r>
-              <a:rPr lang="en-US" sz="1800" dirty="0">
-                <a:solidFill>
-                  <a:schemeClr val="accent4">
-                    <a:lumMod val="40000"/>
-                    <a:lumOff val="60000"/>
-                  </a:schemeClr>
-                </a:solidFill>
-              </a:rPr>
-              <a:t>t</a:t>
-            </a:r>
-            <a:r>
-              <a:rPr lang="en-US" sz="1800" dirty="0" smtClean="0">
-                <a:solidFill>
-                  <a:schemeClr val="accent4">
-                    <a:lumMod val="40000"/>
-                    <a:lumOff val="60000"/>
-                  </a:schemeClr>
-                </a:solidFill>
-              </a:rPr>
-              <a:t>he kitten and the fireplace</a:t>
+              <a:t>structure of test harness</a:t>
             </a:r>
           </a:p>
           <a:p>
@@ -6593,48 +6617,12 @@
                   </a:schemeClr>
                 </a:solidFill>
               </a:rPr>
-              <a:t>how to get warm without getting hot</a:t>
-            </a:r>
-          </a:p>
-          <a:p>
-            <a:pPr lvl="1"/>
-            <a:r>
-              <a:rPr lang="en-US" sz="1800" dirty="0" err="1" smtClean="0">
-                <a:solidFill>
-                  <a:schemeClr val="accent4">
-                    <a:lumMod val="40000"/>
-                    <a:lumOff val="60000"/>
-                  </a:schemeClr>
-                </a:solidFill>
-              </a:rPr>
-              <a:t>Kelper’s</a:t>
-            </a:r>
-            <a:r>
-              <a:rPr lang="en-US" sz="1800" dirty="0" smtClean="0">
-                <a:solidFill>
-                  <a:schemeClr val="accent4">
-                    <a:lumMod val="40000"/>
-                    <a:lumOff val="60000"/>
-                  </a:schemeClr>
-                </a:solidFill>
-              </a:rPr>
-              <a:t> study on elliptical orbit</a:t>
+              <a:t>package by package; module by module</a:t>
             </a:r>
           </a:p>
           <a:p>
             <a:pPr lvl="2"/>
             <a:r>
-              <a:rPr lang="en-US" sz="1600" dirty="0">
-                <a:solidFill>
-                  <a:schemeClr val="accent4">
-                    <a:lumMod val="40000"/>
-                    <a:lumOff val="60000"/>
-                  </a:schemeClr>
-                </a:solidFill>
-              </a:rPr>
-              <a:t>s</a:t>
-            </a:r>
-            <a:r>
               <a:rPr lang="en-US" sz="1600" dirty="0" smtClean="0">
                 <a:solidFill>
                   <a:schemeClr val="accent4">
@@ -6643,23 +6631,12 @@
                   </a:schemeClr>
                 </a:solidFill>
               </a:rPr>
-              <a:t>tart with a set hypotheses known to fail</a:t>
+              <a:t>definitive  and obvious organization</a:t>
             </a:r>
           </a:p>
           <a:p>
             <a:pPr lvl="3"/>
             <a:r>
-              <a:rPr lang="en-US" sz="1400" dirty="0">
-                <a:solidFill>
-                  <a:schemeClr val="accent4">
-                    <a:lumMod val="40000"/>
-                    <a:lumOff val="60000"/>
-                  </a:schemeClr>
-                </a:solidFill>
-              </a:rPr>
-              <a:t>c</a:t>
-            </a:r>
-            <a:r>
               <a:rPr lang="en-US" sz="1400" dirty="0" smtClean="0">
                 <a:solidFill>
                   <a:schemeClr val="accent4">
@@ -6668,47 +6645,95 @@
                   </a:schemeClr>
                 </a:solidFill>
               </a:rPr>
-              <a:t>ircle and oval</a:t>
-            </a:r>
-          </a:p>
-          <a:p>
-            <a:pPr lvl="2"/>
-            <a:r>
-              <a:rPr lang="en-US" sz="1600" dirty="0" smtClean="0">
-                <a:solidFill>
-                  <a:schemeClr val="accent4">
-                    <a:lumMod val="40000"/>
-                    <a:lumOff val="60000"/>
-                  </a:schemeClr>
-                </a:solidFill>
-              </a:rPr>
-              <a:t>compare  these failures to observed results</a:t>
-            </a:r>
-          </a:p>
-          <a:p>
-            <a:pPr lvl="2"/>
-            <a:r>
-              <a:rPr lang="en-US" sz="1600" dirty="0">
-                <a:solidFill>
-                  <a:schemeClr val="accent4">
-                    <a:lumMod val="40000"/>
-                    <a:lumOff val="60000"/>
-                  </a:schemeClr>
-                </a:solidFill>
-              </a:rPr>
-              <a:t>r</a:t>
-            </a:r>
-            <a:r>
-              <a:rPr lang="en-US" sz="1600" dirty="0" smtClean="0">
-                <a:solidFill>
-                  <a:schemeClr val="accent4">
-                    <a:lumMod val="40000"/>
-                    <a:lumOff val="60000"/>
-                  </a:schemeClr>
-                </a:solidFill>
-              </a:rPr>
-              <a:t>efine hypothesis in light of observations and comparisons</a:t>
-            </a:r>
+              <a:t>happy path  – 00 block designations 	</a:t>
+            </a:r>
+          </a:p>
+          <a:p>
+            <a:pPr lvl="4"/>
+            <a:r>
+              <a:rPr lang="en-US" sz="1300" dirty="0" smtClean="0">
+                <a:solidFill>
+                  <a:schemeClr val="accent4">
+                    <a:lumMod val="40000"/>
+                    <a:lumOff val="60000"/>
+                  </a:schemeClr>
+                </a:solidFill>
+              </a:rPr>
+              <a:t>internal mechanics</a:t>
+            </a:r>
+          </a:p>
+          <a:p>
+            <a:pPr lvl="4"/>
+            <a:r>
+              <a:rPr lang="en-US" sz="1300" dirty="0" smtClean="0">
+                <a:solidFill>
+                  <a:schemeClr val="accent4">
+                    <a:lumMod val="40000"/>
+                    <a:lumOff val="60000"/>
+                  </a:schemeClr>
+                </a:solidFill>
+              </a:rPr>
+              <a:t>target behavior  </a:t>
+            </a:r>
+          </a:p>
+          <a:p>
+            <a:pPr lvl="4"/>
+            <a:r>
+              <a:rPr lang="en-US" sz="1300" dirty="0" smtClean="0">
+                <a:solidFill>
+                  <a:schemeClr val="accent4">
+                    <a:lumMod val="40000"/>
+                    <a:lumOff val="60000"/>
+                  </a:schemeClr>
+                </a:solidFill>
+              </a:rPr>
+              <a:t>assertions</a:t>
+            </a:r>
+          </a:p>
+          <a:p>
+            <a:pPr lvl="3"/>
+            <a:r>
+              <a:rPr lang="en-US" sz="1400" dirty="0" smtClean="0">
+                <a:solidFill>
+                  <a:schemeClr val="accent4">
+                    <a:lumMod val="40000"/>
+                    <a:lumOff val="60000"/>
+                  </a:schemeClr>
+                </a:solidFill>
+              </a:rPr>
+              <a:t>sad path      – 99 block designations	</a:t>
+            </a:r>
+          </a:p>
+          <a:p>
+            <a:pPr lvl="4"/>
+            <a:r>
+              <a:rPr lang="en-US" sz="1300" dirty="0" smtClean="0">
+                <a:solidFill>
+                  <a:schemeClr val="accent4">
+                    <a:lumMod val="40000"/>
+                    <a:lumOff val="60000"/>
+                  </a:schemeClr>
+                </a:solidFill>
+              </a:rPr>
+              <a:t>error handling</a:t>
+            </a:r>
+          </a:p>
+          <a:p>
+            <a:pPr lvl="4"/>
+            <a:r>
+              <a:rPr lang="en-US" sz="1300" dirty="0" smtClean="0">
+                <a:solidFill>
+                  <a:schemeClr val="accent4">
+                    <a:lumMod val="40000"/>
+                    <a:lumOff val="60000"/>
+                  </a:schemeClr>
+                </a:solidFill>
+              </a:rPr>
+              <a:t> input validation </a:t>
+            </a:r>
+          </a:p>
+          <a:p>
+            <a:endParaRPr lang="en-US" dirty="0"/>
           </a:p>
         </p:txBody>
       </p:sp>
@@ -6725,7 +6750,7 @@
         <p:spPr/>
         <p:txBody>
           <a:bodyPr>
-            <a:normAutofit/>
+            <a:noAutofit/>
           </a:bodyPr>
           <a:lstStyle/>
           <a:p>
@@ -6744,7 +6769,7 @@
                 </a:solidFill>
                 <a:latin typeface="Symbol" pitchFamily="18" charset="2"/>
               </a:rPr>
-              <a:t>g </a:t>
+              <a:t>d </a:t>
             </a:r>
             <a:r>
               <a:rPr lang="en-US" sz="3200" dirty="0" smtClean="0">
@@ -6752,7 +6777,7 @@
                   <a:schemeClr val="accent2"/>
                 </a:solidFill>
               </a:rPr>
-              <a:t>) conceptualization discourse ::</a:t>
+              <a:t>) analog development discourse ::</a:t>
             </a:r>
             <a:br>
               <a:rPr lang="en-US" sz="3200" dirty="0" smtClean="0">
@@ -6767,29 +6792,37 @@
                   <a:schemeClr val="accent2"/>
                 </a:solidFill>
               </a:rPr>
-              <a:t>					first order mapping</a:t>
-            </a:r>
-            <a:endParaRPr lang="en-US" sz="3200" dirty="0"/>
+              <a:t>				          similarities to </a:t>
+            </a:r>
+            <a:r>
+              <a:rPr lang="en-US" sz="3200" dirty="0" err="1" smtClean="0">
+                <a:solidFill>
+                  <a:schemeClr val="accent2"/>
+                </a:solidFill>
+              </a:rPr>
+              <a:t>t.d.d</a:t>
+            </a:r>
+            <a:r>
+              <a:rPr lang="en-US" sz="3200" dirty="0" smtClean="0">
+                <a:solidFill>
+                  <a:schemeClr val="accent2"/>
+                </a:solidFill>
+              </a:rPr>
+              <a:t>.</a:t>
+            </a:r>
+            <a:endParaRPr lang="en-US" sz="3200" dirty="0">
+              <a:solidFill>
+                <a:schemeClr val="accent2"/>
+              </a:solidFill>
+            </a:endParaRPr>
           </a:p>
         </p:txBody>
       </p:sp>
     </p:spTree>
-    <p:extLst>
-      <p:ext uri="{BB962C8B-B14F-4D97-AF65-F5344CB8AC3E}">
-        <p14:creationId xmlns:p14="http://schemas.microsoft.com/office/powerpoint/2010/main" xmlns="" val="1815301827"/>
-      </p:ext>
-    </p:extLst>
   </p:cSld>
   <p:clrMapOvr>
     <a:masterClrMapping/>
   </p:clrMapOvr>
-  <p:timing>
-    <p:tnLst>
-      <p:par>
-        <p:cTn id="1" dur="indefinite" restart="never" nodeType="tmRoot"/>
-      </p:par>
-    </p:tnLst>
-  </p:timing>
 </p:sld>
 </file>
 
@@ -6822,7 +6855,9 @@
         </p:nvSpPr>
         <p:spPr/>
         <p:txBody>
-          <a:bodyPr/>
+          <a:bodyPr>
+            <a:normAutofit/>
+          </a:bodyPr>
           <a:lstStyle/>
           <a:p>
             <a:r>
@@ -6834,8 +6869,71 @@
                   </a:schemeClr>
                 </a:solidFill>
               </a:rPr>
-              <a:t>s</a:t>
-            </a:r>
+              <a:t>purpose</a:t>
+            </a:r>
+          </a:p>
+          <a:p>
+            <a:pPr lvl="1"/>
+            <a:r>
+              <a:rPr lang="en-US" sz="1800" dirty="0" err="1" smtClean="0">
+                <a:solidFill>
+                  <a:schemeClr val="accent4">
+                    <a:lumMod val="40000"/>
+                    <a:lumOff val="60000"/>
+                  </a:schemeClr>
+                </a:solidFill>
+              </a:rPr>
+              <a:t>t.d.d</a:t>
+            </a:r>
+            <a:r>
+              <a:rPr lang="en-US" sz="1800" dirty="0" smtClean="0">
+                <a:solidFill>
+                  <a:schemeClr val="accent4">
+                    <a:lumMod val="40000"/>
+                    <a:lumOff val="60000"/>
+                  </a:schemeClr>
+                </a:solidFill>
+              </a:rPr>
+              <a:t>.  	:: “speed over efficiency” 	:: greedy heuristic ‘a’ </a:t>
+            </a:r>
+          </a:p>
+          <a:p>
+            <a:pPr lvl="1"/>
+            <a:r>
+              <a:rPr lang="en-US" sz="1800" dirty="0" err="1" smtClean="0">
+                <a:solidFill>
+                  <a:schemeClr val="accent4">
+                    <a:lumMod val="40000"/>
+                    <a:lumOff val="60000"/>
+                  </a:schemeClr>
+                </a:solidFill>
+              </a:rPr>
+              <a:t>a.d.d</a:t>
+            </a:r>
+            <a:r>
+              <a:rPr lang="en-US" sz="1800" dirty="0" smtClean="0">
+                <a:solidFill>
+                  <a:schemeClr val="accent4">
+                    <a:lumMod val="40000"/>
+                    <a:lumOff val="60000"/>
+                  </a:schemeClr>
+                </a:solidFill>
+              </a:rPr>
+              <a:t>. 	:: efficiency over speed	:: greedy heuristic ‘b’</a:t>
+            </a:r>
+          </a:p>
+          <a:p>
+            <a:pPr lvl="1"/>
+            <a:endParaRPr lang="en-US" sz="1800" dirty="0" smtClean="0">
+              <a:solidFill>
+                <a:schemeClr val="accent4">
+                  <a:lumMod val="40000"/>
+                  <a:lumOff val="60000"/>
+                </a:schemeClr>
+              </a:solidFill>
+            </a:endParaRPr>
+          </a:p>
+          <a:p>
             <a:r>
               <a:rPr lang="en-US" sz="2400" dirty="0" smtClean="0">
                 <a:solidFill>
@@ -6845,10 +6943,32 @@
                   </a:schemeClr>
                 </a:solidFill>
               </a:rPr>
-              <a:t>imilarities to </a:t>
-            </a:r>
-            <a:r>
-              <a:rPr lang="en-US" sz="2400" dirty="0" err="1" smtClean="0">
+              <a:t>i</a:t>
+            </a:r>
+            <a:r>
+              <a:rPr lang="en-US" sz="2400" dirty="0" smtClean="0">
+                <a:solidFill>
+                  <a:schemeClr val="accent4">
+                    <a:lumMod val="40000"/>
+                    <a:lumOff val="60000"/>
+                  </a:schemeClr>
+                </a:solidFill>
+              </a:rPr>
+              <a:t>nsight – sight: to see</a:t>
+            </a:r>
+            <a:endParaRPr lang="en-US" sz="2400" dirty="0" smtClean="0">
+              <a:solidFill>
+                <a:schemeClr val="accent4">
+                  <a:lumMod val="40000"/>
+                  <a:lumOff val="60000"/>
+                </a:schemeClr>
+              </a:solidFill>
+            </a:endParaRPr>
+          </a:p>
+          <a:p>
+            <a:pPr lvl="1"/>
+            <a:r>
+              <a:rPr lang="en-US" sz="1800" dirty="0" err="1" smtClean="0">
                 <a:solidFill>
                   <a:schemeClr val="accent4">
                     <a:lumMod val="40000"/>
@@ -6859,6 +6979,55 @@
               <a:t>t.d.d</a:t>
             </a:r>
             <a:r>
+              <a:rPr lang="en-US" sz="1800" dirty="0" smtClean="0">
+                <a:solidFill>
+                  <a:schemeClr val="accent4">
+                    <a:lumMod val="40000"/>
+                    <a:lumOff val="60000"/>
+                  </a:schemeClr>
+                </a:solidFill>
+              </a:rPr>
+              <a:t>.  :: cannot harness insight, so abandon the thought</a:t>
+            </a:r>
+          </a:p>
+          <a:p>
+            <a:pPr lvl="1"/>
+            <a:r>
+              <a:rPr lang="en-US" sz="1800" dirty="0" err="1" smtClean="0">
+                <a:solidFill>
+                  <a:schemeClr val="accent4">
+                    <a:lumMod val="40000"/>
+                    <a:lumOff val="60000"/>
+                  </a:schemeClr>
+                </a:solidFill>
+              </a:rPr>
+              <a:t>a.d.d</a:t>
+            </a:r>
+            <a:r>
+              <a:rPr lang="en-US" sz="1800" dirty="0" smtClean="0">
+                <a:solidFill>
+                  <a:schemeClr val="accent4">
+                    <a:lumMod val="40000"/>
+                    <a:lumOff val="60000"/>
+                  </a:schemeClr>
+                </a:solidFill>
+              </a:rPr>
+              <a:t>   :: kick start insight using natural strengths of the human mind; visualizations</a:t>
+            </a:r>
+          </a:p>
+          <a:p>
+            <a:pPr lvl="1"/>
+            <a:endParaRPr lang="en-US" sz="1800" dirty="0" smtClean="0">
+              <a:solidFill>
+                <a:schemeClr val="accent4">
+                  <a:lumMod val="40000"/>
+                  <a:lumOff val="60000"/>
+                </a:schemeClr>
+              </a:solidFill>
+            </a:endParaRPr>
+          </a:p>
+          <a:p>
+            <a:r>
               <a:rPr lang="en-US" sz="2400" dirty="0" smtClean="0">
                 <a:solidFill>
                   <a:schemeClr val="accent4">
@@ -6867,12 +7036,23 @@
                   </a:schemeClr>
                 </a:solidFill>
               </a:rPr>
-              <a:t>.</a:t>
+              <a:t>scope</a:t>
             </a:r>
           </a:p>
           <a:p>
             <a:pPr lvl="1"/>
             <a:r>
+              <a:rPr lang="en-US" sz="1800" dirty="0" err="1" smtClean="0">
+                <a:solidFill>
+                  <a:schemeClr val="accent4">
+                    <a:lumMod val="40000"/>
+                    <a:lumOff val="60000"/>
+                  </a:schemeClr>
+                </a:solidFill>
+              </a:rPr>
+              <a:t>t.d.d</a:t>
+            </a:r>
+            <a:r>
               <a:rPr lang="en-US" sz="1800" dirty="0" smtClean="0">
                 <a:solidFill>
                   <a:schemeClr val="accent4">
@@ -6881,7 +7061,21 @@
                   </a:schemeClr>
                 </a:solidFill>
               </a:rPr>
-              <a:t>s</a:t>
+              <a:t>. 	:: one test at a time		:: focus on atomic behavior</a:t>
+            </a:r>
+          </a:p>
+          <a:p>
+            <a:pPr lvl="1"/>
+            <a:r>
+              <a:rPr lang="en-US" sz="1800" dirty="0" err="1" smtClean="0">
+                <a:solidFill>
+                  <a:schemeClr val="accent4">
+                    <a:lumMod val="40000"/>
+                    <a:lumOff val="60000"/>
+                  </a:schemeClr>
+                </a:solidFill>
+              </a:rPr>
+              <a:t>a.d.d</a:t>
             </a:r>
             <a:r>
               <a:rPr lang="en-US" sz="1800" dirty="0" smtClean="0">
@@ -6892,248 +7086,28 @@
                   </a:schemeClr>
                 </a:solidFill>
               </a:rPr>
-              <a:t>tructure of individual tests</a:t>
-            </a:r>
-          </a:p>
-          <a:p>
-            <a:pPr lvl="2"/>
-            <a:r>
-              <a:rPr lang="en-US" sz="1600" dirty="0" smtClean="0">
-                <a:solidFill>
-                  <a:schemeClr val="accent4">
-                    <a:lumMod val="40000"/>
-                    <a:lumOff val="60000"/>
-                  </a:schemeClr>
-                </a:solidFill>
-              </a:rPr>
-              <a:t>‘the setup’ 		– collection of actors</a:t>
-            </a:r>
-          </a:p>
-          <a:p>
-            <a:pPr lvl="2"/>
-            <a:r>
-              <a:rPr lang="en-US" sz="1600" dirty="0" smtClean="0">
-                <a:solidFill>
-                  <a:schemeClr val="accent4">
-                    <a:lumMod val="40000"/>
-                    <a:lumOff val="60000"/>
-                  </a:schemeClr>
-                </a:solidFill>
-              </a:rPr>
-              <a:t>t</a:t>
-            </a:r>
-            <a:r>
-              <a:rPr lang="en-US" sz="1600" dirty="0" smtClean="0">
-                <a:solidFill>
-                  <a:schemeClr val="accent4">
-                    <a:lumMod val="40000"/>
-                    <a:lumOff val="60000"/>
-                  </a:schemeClr>
-                </a:solidFill>
-              </a:rPr>
-              <a:t>arget behavior 	– functional tested</a:t>
-            </a:r>
-          </a:p>
-          <a:p>
-            <a:pPr lvl="2"/>
-            <a:r>
-              <a:rPr lang="en-US" sz="1600" dirty="0" smtClean="0">
-                <a:solidFill>
-                  <a:schemeClr val="accent4">
-                    <a:lumMod val="40000"/>
-                    <a:lumOff val="60000"/>
-                  </a:schemeClr>
-                </a:solidFill>
-              </a:rPr>
-              <a:t>a</a:t>
-            </a:r>
-            <a:r>
-              <a:rPr lang="en-US" sz="1600" dirty="0" smtClean="0">
-                <a:solidFill>
-                  <a:schemeClr val="accent4">
-                    <a:lumMod val="40000"/>
-                    <a:lumOff val="60000"/>
-                  </a:schemeClr>
-                </a:solidFill>
-              </a:rPr>
-              <a:t>ssertions 		– validity of output versus requirements</a:t>
-            </a:r>
-          </a:p>
-          <a:p>
-            <a:pPr lvl="1"/>
-            <a:r>
-              <a:rPr lang="en-US" sz="1800" dirty="0" smtClean="0">
-                <a:solidFill>
-                  <a:schemeClr val="accent4">
-                    <a:lumMod val="40000"/>
-                    <a:lumOff val="60000"/>
-                  </a:schemeClr>
-                </a:solidFill>
-              </a:rPr>
-              <a:t>s</a:t>
-            </a:r>
-            <a:r>
-              <a:rPr lang="en-US" sz="1800" dirty="0" smtClean="0">
-                <a:solidFill>
-                  <a:schemeClr val="accent4">
-                    <a:lumMod val="40000"/>
-                    <a:lumOff val="60000"/>
-                  </a:schemeClr>
-                </a:solidFill>
-              </a:rPr>
-              <a:t>tructure of test harness</a:t>
-            </a:r>
-          </a:p>
-          <a:p>
-            <a:pPr lvl="2"/>
-            <a:r>
-              <a:rPr lang="en-US" sz="1600" dirty="0" smtClean="0">
-                <a:solidFill>
-                  <a:schemeClr val="accent4">
-                    <a:lumMod val="40000"/>
-                    <a:lumOff val="60000"/>
-                  </a:schemeClr>
-                </a:solidFill>
-              </a:rPr>
-              <a:t>p</a:t>
-            </a:r>
-            <a:r>
-              <a:rPr lang="en-US" sz="1600" dirty="0" smtClean="0">
-                <a:solidFill>
-                  <a:schemeClr val="accent4">
-                    <a:lumMod val="40000"/>
-                    <a:lumOff val="60000"/>
-                  </a:schemeClr>
-                </a:solidFill>
-              </a:rPr>
-              <a:t>ackage by package; module by module</a:t>
-            </a:r>
-          </a:p>
-          <a:p>
-            <a:pPr lvl="2"/>
-            <a:r>
-              <a:rPr lang="en-US" sz="1600" dirty="0" smtClean="0">
-                <a:solidFill>
-                  <a:schemeClr val="accent4">
-                    <a:lumMod val="40000"/>
-                    <a:lumOff val="60000"/>
-                  </a:schemeClr>
-                </a:solidFill>
-              </a:rPr>
-              <a:t>d</a:t>
-            </a:r>
-            <a:r>
-              <a:rPr lang="en-US" sz="1600" dirty="0" smtClean="0">
-                <a:solidFill>
-                  <a:schemeClr val="accent4">
-                    <a:lumMod val="40000"/>
-                    <a:lumOff val="60000"/>
-                  </a:schemeClr>
-                </a:solidFill>
-              </a:rPr>
-              <a:t>efinitive  and obvious organization</a:t>
-            </a:r>
-          </a:p>
-          <a:p>
-            <a:pPr lvl="3"/>
-            <a:r>
-              <a:rPr lang="en-US" sz="1400" dirty="0" smtClean="0">
-                <a:solidFill>
-                  <a:schemeClr val="accent4">
-                    <a:lumMod val="40000"/>
-                    <a:lumOff val="60000"/>
-                  </a:schemeClr>
-                </a:solidFill>
-              </a:rPr>
-              <a:t>happy path  – 00 block designations 	</a:t>
-            </a:r>
-          </a:p>
-          <a:p>
-            <a:pPr lvl="4"/>
-            <a:r>
-              <a:rPr lang="en-US" sz="1300" dirty="0" smtClean="0">
-                <a:solidFill>
-                  <a:schemeClr val="accent4">
-                    <a:lumMod val="40000"/>
-                    <a:lumOff val="60000"/>
-                  </a:schemeClr>
-                </a:solidFill>
-              </a:rPr>
-              <a:t>internal mechanics</a:t>
-            </a:r>
-          </a:p>
-          <a:p>
-            <a:pPr lvl="4"/>
-            <a:r>
-              <a:rPr lang="en-US" sz="1300" dirty="0" smtClean="0">
-                <a:solidFill>
-                  <a:schemeClr val="accent4">
-                    <a:lumMod val="40000"/>
-                    <a:lumOff val="60000"/>
-                  </a:schemeClr>
-                </a:solidFill>
-              </a:rPr>
-              <a:t>target behavior  </a:t>
-            </a:r>
-          </a:p>
-          <a:p>
-            <a:pPr lvl="4"/>
-            <a:r>
-              <a:rPr lang="en-US" sz="1300" dirty="0" smtClean="0">
-                <a:solidFill>
-                  <a:schemeClr val="accent4">
-                    <a:lumMod val="40000"/>
-                    <a:lumOff val="60000"/>
-                  </a:schemeClr>
-                </a:solidFill>
-              </a:rPr>
-              <a:t>assertions</a:t>
-            </a:r>
-          </a:p>
-          <a:p>
-            <a:pPr lvl="3"/>
-            <a:r>
-              <a:rPr lang="en-US" sz="1400" dirty="0" smtClean="0">
-                <a:solidFill>
-                  <a:schemeClr val="accent4">
-                    <a:lumMod val="40000"/>
-                    <a:lumOff val="60000"/>
-                  </a:schemeClr>
-                </a:solidFill>
-              </a:rPr>
-              <a:t>sad path      – 99 block designations	</a:t>
-            </a:r>
-          </a:p>
-          <a:p>
-            <a:pPr lvl="4"/>
-            <a:r>
-              <a:rPr lang="en-US" sz="1300" dirty="0" smtClean="0">
-                <a:solidFill>
-                  <a:schemeClr val="accent4">
-                    <a:lumMod val="40000"/>
-                    <a:lumOff val="60000"/>
-                  </a:schemeClr>
-                </a:solidFill>
-              </a:rPr>
-              <a:t>error handling</a:t>
-            </a:r>
-          </a:p>
-          <a:p>
-            <a:pPr lvl="4"/>
-            <a:r>
-              <a:rPr lang="en-US" sz="1300" dirty="0" smtClean="0">
-                <a:solidFill>
-                  <a:schemeClr val="accent4">
-                    <a:lumMod val="40000"/>
-                    <a:lumOff val="60000"/>
-                  </a:schemeClr>
-                </a:solidFill>
-              </a:rPr>
-              <a:t> input validation </a:t>
-            </a:r>
-          </a:p>
-          <a:p>
-            <a:endParaRPr lang="en-US" dirty="0"/>
+              <a:t>.	:: as many tests as needed	:: focus on environmental behavior</a:t>
+            </a:r>
+          </a:p>
+          <a:p>
+            <a:endParaRPr lang="en-US" sz="2400" dirty="0" smtClean="0">
+              <a:solidFill>
+                <a:schemeClr val="accent4">
+                  <a:lumMod val="40000"/>
+                  <a:lumOff val="60000"/>
+                </a:schemeClr>
+              </a:solidFill>
+            </a:endParaRPr>
+          </a:p>
+          <a:p>
+            <a:endParaRPr lang="en-US" sz="2400" dirty="0">
+              <a:solidFill>
+                <a:schemeClr val="accent4">
+                  <a:lumMod val="40000"/>
+                  <a:lumOff val="60000"/>
+                </a:schemeClr>
+              </a:solidFill>
+            </a:endParaRPr>
           </a:p>
         </p:txBody>
       </p:sp>
@@ -7177,31 +7151,7 @@
                   <a:schemeClr val="accent2"/>
                 </a:solidFill>
               </a:rPr>
-              <a:t>) </a:t>
-            </a:r>
-            <a:r>
-              <a:rPr lang="en-US" sz="3200" dirty="0" smtClean="0">
-                <a:solidFill>
-                  <a:schemeClr val="accent2"/>
-                </a:solidFill>
-              </a:rPr>
-              <a:t>analog </a:t>
-            </a:r>
-            <a:r>
-              <a:rPr lang="en-US" sz="3200" dirty="0" smtClean="0">
-                <a:solidFill>
-                  <a:schemeClr val="accent2"/>
-                </a:solidFill>
-              </a:rPr>
-              <a:t>development </a:t>
-            </a:r>
-            <a:r>
-              <a:rPr lang="en-US" sz="3200" dirty="0" smtClean="0">
-                <a:solidFill>
-                  <a:schemeClr val="accent2"/>
-                </a:solidFill>
-              </a:rPr>
-              <a:t>discourse ::</a:t>
+              <a:t>) analog development discourse ::</a:t>
             </a:r>
             <a:br>
               <a:rPr lang="en-US" sz="3200" dirty="0" smtClean="0">
@@ -7216,7 +7166,7 @@
                   <a:schemeClr val="accent2"/>
                 </a:solidFill>
               </a:rPr>
-              <a:t>				          similarities to </a:t>
+              <a:t>			              differences from </a:t>
             </a:r>
             <a:r>
               <a:rPr lang="en-US" sz="3200" dirty="0" err="1" smtClean="0">
@@ -7234,11 +7184,7 @@
               </a:rPr>
               <a:t>.</a:t>
             </a:r>
-            <a:endParaRPr lang="en-US" sz="3200" dirty="0">
-              <a:solidFill>
-                <a:schemeClr val="accent2"/>
-              </a:solidFill>
-            </a:endParaRPr>
+            <a:endParaRPr lang="en-US" sz="3200" dirty="0"/>
           </a:p>
         </p:txBody>
       </p:sp>
@@ -7280,119 +7226,36 @@
         <p:spPr/>
         <p:txBody>
           <a:bodyPr>
-            <a:normAutofit/>
+            <a:normAutofit fontScale="92500" lnSpcReduction="10000"/>
           </a:bodyPr>
           <a:lstStyle/>
           <a:p>
             <a:r>
-              <a:rPr lang="en-US" sz="2400" dirty="0" smtClean="0">
-                <a:solidFill>
-                  <a:schemeClr val="accent4">
-                    <a:lumMod val="40000"/>
-                    <a:lumOff val="60000"/>
-                  </a:schemeClr>
-                </a:solidFill>
-              </a:rPr>
-              <a:t>purpose</a:t>
+              <a:rPr lang="en-US" sz="2600" dirty="0" smtClean="0">
+                <a:solidFill>
+                  <a:schemeClr val="accent4">
+                    <a:lumMod val="40000"/>
+                    <a:lumOff val="60000"/>
+                  </a:schemeClr>
+                </a:solidFill>
+              </a:rPr>
+              <a:t>initial question</a:t>
             </a:r>
           </a:p>
           <a:p>
             <a:pPr lvl="1"/>
             <a:r>
-              <a:rPr lang="en-US" sz="1800" dirty="0" err="1" smtClean="0">
-                <a:solidFill>
-                  <a:schemeClr val="accent4">
-                    <a:lumMod val="40000"/>
-                    <a:lumOff val="60000"/>
-                  </a:schemeClr>
-                </a:solidFill>
-              </a:rPr>
-              <a:t>t</a:t>
-            </a:r>
-            <a:r>
-              <a:rPr lang="en-US" sz="1800" dirty="0" err="1" smtClean="0">
-                <a:solidFill>
-                  <a:schemeClr val="accent4">
-                    <a:lumMod val="40000"/>
-                    <a:lumOff val="60000"/>
-                  </a:schemeClr>
-                </a:solidFill>
-              </a:rPr>
-              <a:t>.d.d</a:t>
-            </a:r>
-            <a:r>
-              <a:rPr lang="en-US" sz="1800" dirty="0" smtClean="0">
-                <a:solidFill>
-                  <a:schemeClr val="accent4">
-                    <a:lumMod val="40000"/>
-                    <a:lumOff val="60000"/>
-                  </a:schemeClr>
-                </a:solidFill>
-              </a:rPr>
-              <a:t>.  	:: “speed over efficiency” 	:: greedy heuristic ‘a’ </a:t>
-            </a:r>
-          </a:p>
-          <a:p>
-            <a:pPr lvl="1"/>
-            <a:r>
-              <a:rPr lang="en-US" sz="1800" dirty="0" err="1" smtClean="0">
-                <a:solidFill>
-                  <a:schemeClr val="accent4">
-                    <a:lumMod val="40000"/>
-                    <a:lumOff val="60000"/>
-                  </a:schemeClr>
-                </a:solidFill>
-              </a:rPr>
-              <a:t>a</a:t>
-            </a:r>
-            <a:r>
-              <a:rPr lang="en-US" sz="1800" dirty="0" err="1" smtClean="0">
-                <a:solidFill>
-                  <a:schemeClr val="accent4">
-                    <a:lumMod val="40000"/>
-                    <a:lumOff val="60000"/>
-                  </a:schemeClr>
-                </a:solidFill>
-              </a:rPr>
-              <a:t>.d.d</a:t>
-            </a:r>
-            <a:r>
-              <a:rPr lang="en-US" sz="1800" dirty="0" smtClean="0">
-                <a:solidFill>
-                  <a:schemeClr val="accent4">
-                    <a:lumMod val="40000"/>
-                    <a:lumOff val="60000"/>
-                  </a:schemeClr>
-                </a:solidFill>
-              </a:rPr>
-              <a:t>. </a:t>
-            </a:r>
-            <a:r>
-              <a:rPr lang="en-US" sz="1800" dirty="0" smtClean="0">
-                <a:solidFill>
-                  <a:schemeClr val="accent4">
-                    <a:lumMod val="40000"/>
-                    <a:lumOff val="60000"/>
-                  </a:schemeClr>
-                </a:solidFill>
-              </a:rPr>
-              <a:t>	</a:t>
-            </a:r>
-            <a:r>
-              <a:rPr lang="en-US" sz="1800" dirty="0" smtClean="0">
-                <a:solidFill>
-                  <a:schemeClr val="accent4">
-                    <a:lumMod val="40000"/>
-                    <a:lumOff val="60000"/>
-                  </a:schemeClr>
-                </a:solidFill>
-              </a:rPr>
-              <a:t>:: efficiency over speed	:: greedy heuristic ‘b’</a:t>
-            </a:r>
-          </a:p>
-          <a:p>
-            <a:pPr lvl="1"/>
-            <a:endParaRPr lang="en-US" sz="1800" dirty="0" smtClean="0">
+              <a:rPr lang="en-US" sz="1900" i="1" dirty="0" smtClean="0">
+                <a:solidFill>
+                  <a:schemeClr val="accent4">
+                    <a:lumMod val="40000"/>
+                    <a:lumOff val="60000"/>
+                  </a:schemeClr>
+                </a:solidFill>
+              </a:rPr>
+              <a:t>“how to an idea out of that guy’s head… and into this phone?”</a:t>
+            </a:r>
+            <a:endParaRPr lang="en-US" sz="1900" b="1" i="1" u="sng" dirty="0" smtClean="0">
               <a:solidFill>
                 <a:schemeClr val="accent4">
                   <a:lumMod val="40000"/>
@@ -7402,115 +7265,90 @@
             </a:endParaRPr>
           </a:p>
           <a:p>
-            <a:r>
-              <a:rPr lang="en-US" sz="2400" dirty="0" smtClean="0">
-                <a:solidFill>
-                  <a:schemeClr val="accent4">
-                    <a:lumMod val="40000"/>
-                    <a:lumOff val="60000"/>
-                  </a:schemeClr>
-                </a:solidFill>
-              </a:rPr>
-              <a:t>i</a:t>
-            </a:r>
-            <a:r>
-              <a:rPr lang="en-US" sz="2400" dirty="0" smtClean="0">
-                <a:solidFill>
-                  <a:schemeClr val="accent4">
-                    <a:lumMod val="40000"/>
-                    <a:lumOff val="60000"/>
-                  </a:schemeClr>
-                </a:solidFill>
-              </a:rPr>
-              <a:t>nsight</a:t>
-            </a:r>
-          </a:p>
-          <a:p>
-            <a:pPr lvl="1"/>
-            <a:r>
-              <a:rPr lang="en-US" sz="1800" dirty="0" err="1" smtClean="0">
-                <a:solidFill>
-                  <a:schemeClr val="accent4">
-                    <a:lumMod val="40000"/>
-                    <a:lumOff val="60000"/>
-                  </a:schemeClr>
-                </a:solidFill>
-              </a:rPr>
-              <a:t>t</a:t>
-            </a:r>
-            <a:r>
-              <a:rPr lang="en-US" sz="1800" dirty="0" err="1" smtClean="0">
-                <a:solidFill>
-                  <a:schemeClr val="accent4">
-                    <a:lumMod val="40000"/>
-                    <a:lumOff val="60000"/>
-                  </a:schemeClr>
-                </a:solidFill>
-              </a:rPr>
-              <a:t>.d.d</a:t>
-            </a:r>
-            <a:r>
-              <a:rPr lang="en-US" sz="1800" dirty="0" smtClean="0">
-                <a:solidFill>
-                  <a:schemeClr val="accent4">
-                    <a:lumMod val="40000"/>
-                    <a:lumOff val="60000"/>
-                  </a:schemeClr>
-                </a:solidFill>
-              </a:rPr>
-              <a:t>. </a:t>
-            </a:r>
-            <a:r>
-              <a:rPr lang="en-US" sz="1800" dirty="0" smtClean="0">
-                <a:solidFill>
-                  <a:schemeClr val="accent4">
-                    <a:lumMod val="40000"/>
-                    <a:lumOff val="60000"/>
-                  </a:schemeClr>
-                </a:solidFill>
-              </a:rPr>
-              <a:t> </a:t>
-            </a:r>
-            <a:r>
-              <a:rPr lang="en-US" sz="1800" dirty="0" smtClean="0">
-                <a:solidFill>
-                  <a:schemeClr val="accent4">
-                    <a:lumMod val="40000"/>
-                    <a:lumOff val="60000"/>
-                  </a:schemeClr>
-                </a:solidFill>
-              </a:rPr>
-              <a:t>:: cannot harness insight, so abandon the thought</a:t>
-            </a:r>
-          </a:p>
-          <a:p>
-            <a:pPr lvl="1"/>
-            <a:r>
-              <a:rPr lang="en-US" sz="1800" dirty="0" err="1" smtClean="0">
-                <a:solidFill>
-                  <a:schemeClr val="accent4">
-                    <a:lumMod val="40000"/>
-                    <a:lumOff val="60000"/>
-                  </a:schemeClr>
-                </a:solidFill>
-              </a:rPr>
-              <a:t>a.d.d</a:t>
-            </a:r>
-            <a:r>
-              <a:rPr lang="en-US" sz="1800" dirty="0" smtClean="0">
-                <a:solidFill>
-                  <a:schemeClr val="accent4">
-                    <a:lumMod val="40000"/>
-                    <a:lumOff val="60000"/>
-                  </a:schemeClr>
-                </a:solidFill>
-              </a:rPr>
-              <a:t>   :: kick start insight using natural strengths of the human mind; visualizations</a:t>
-            </a:r>
-          </a:p>
-          <a:p>
-            <a:pPr lvl="1"/>
-            <a:endParaRPr lang="en-US" sz="1800" dirty="0" smtClean="0">
+            <a:pPr lvl="2"/>
+            <a:r>
+              <a:rPr lang="en-US" sz="1700" b="1" u="sng" dirty="0" smtClean="0">
+                <a:solidFill>
+                  <a:schemeClr val="accent4">
+                    <a:lumMod val="40000"/>
+                    <a:lumOff val="60000"/>
+                  </a:schemeClr>
+                </a:solidFill>
+              </a:rPr>
+              <a:t>what</a:t>
+            </a:r>
+            <a:r>
+              <a:rPr lang="en-US" sz="1700" dirty="0" smtClean="0">
+                <a:solidFill>
+                  <a:schemeClr val="accent4">
+                    <a:lumMod val="40000"/>
+                    <a:lumOff val="60000"/>
+                  </a:schemeClr>
+                </a:solidFill>
+              </a:rPr>
+              <a:t> are we building? </a:t>
+            </a:r>
+            <a:r>
+              <a:rPr lang="en-US" sz="1700" b="1" i="1" u="sng" dirty="0" smtClean="0">
+                <a:solidFill>
+                  <a:schemeClr val="accent4">
+                    <a:lumMod val="40000"/>
+                    <a:lumOff val="60000"/>
+                  </a:schemeClr>
+                </a:solidFill>
+              </a:rPr>
+              <a:t>why</a:t>
+            </a:r>
+            <a:r>
+              <a:rPr lang="en-US" sz="1700" b="1" i="1" dirty="0" smtClean="0">
+                <a:solidFill>
+                  <a:schemeClr val="accent4">
+                    <a:lumMod val="40000"/>
+                    <a:lumOff val="60000"/>
+                  </a:schemeClr>
+                </a:solidFill>
+              </a:rPr>
+              <a:t>, </a:t>
+            </a:r>
+            <a:r>
+              <a:rPr lang="en-US" sz="1700" b="1" i="1" u="sng" dirty="0" smtClean="0">
+                <a:solidFill>
+                  <a:schemeClr val="accent4">
+                    <a:lumMod val="40000"/>
+                    <a:lumOff val="60000"/>
+                  </a:schemeClr>
+                </a:solidFill>
+              </a:rPr>
+              <a:t>why</a:t>
+            </a:r>
+            <a:r>
+              <a:rPr lang="en-US" sz="1700" dirty="0" smtClean="0">
+                <a:solidFill>
+                  <a:schemeClr val="accent4">
+                    <a:lumMod val="40000"/>
+                    <a:lumOff val="60000"/>
+                  </a:schemeClr>
+                </a:solidFill>
+              </a:rPr>
+              <a:t> are we building that? </a:t>
+            </a:r>
+          </a:p>
+          <a:p>
+            <a:pPr lvl="2"/>
+            <a:r>
+              <a:rPr lang="en-US" sz="1700" dirty="0" smtClean="0">
+                <a:solidFill>
+                  <a:schemeClr val="accent4">
+                    <a:lumMod val="40000"/>
+                    <a:lumOff val="60000"/>
+                  </a:schemeClr>
+                </a:solidFill>
+              </a:rPr>
+              <a:t>the bridge analogy</a:t>
+            </a:r>
+          </a:p>
+          <a:p>
+            <a:endParaRPr lang="en-US" sz="1700" i="1" dirty="0" smtClean="0">
               <a:solidFill>
                 <a:schemeClr val="accent4">
                   <a:lumMod val="40000"/>
@@ -7521,113 +7359,98 @@
           </a:p>
           <a:p>
             <a:r>
-              <a:rPr lang="en-US" sz="2400" dirty="0" smtClean="0">
-                <a:solidFill>
-                  <a:schemeClr val="accent4">
-                    <a:lumMod val="40000"/>
-                    <a:lumOff val="60000"/>
-                  </a:schemeClr>
-                </a:solidFill>
-              </a:rPr>
-              <a:t>scope</a:t>
+              <a:rPr lang="en-US" sz="2600" dirty="0" smtClean="0">
+                <a:solidFill>
+                  <a:schemeClr val="accent4">
+                    <a:lumMod val="40000"/>
+                    <a:lumOff val="60000"/>
+                  </a:schemeClr>
+                </a:solidFill>
+              </a:rPr>
+              <a:t>secondary question</a:t>
             </a:r>
           </a:p>
           <a:p>
             <a:pPr lvl="1"/>
             <a:r>
-              <a:rPr lang="en-US" sz="1800" dirty="0" err="1" smtClean="0">
-                <a:solidFill>
-                  <a:schemeClr val="accent4">
-                    <a:lumMod val="40000"/>
-                    <a:lumOff val="60000"/>
-                  </a:schemeClr>
-                </a:solidFill>
-              </a:rPr>
-              <a:t>t</a:t>
-            </a:r>
-            <a:r>
-              <a:rPr lang="en-US" sz="1800" dirty="0" err="1" smtClean="0">
-                <a:solidFill>
-                  <a:schemeClr val="accent4">
-                    <a:lumMod val="40000"/>
-                    <a:lumOff val="60000"/>
-                  </a:schemeClr>
-                </a:solidFill>
-              </a:rPr>
-              <a:t>.d.d</a:t>
-            </a:r>
-            <a:r>
-              <a:rPr lang="en-US" sz="1800" dirty="0" smtClean="0">
-                <a:solidFill>
-                  <a:schemeClr val="accent4">
-                    <a:lumMod val="40000"/>
-                    <a:lumOff val="60000"/>
-                  </a:schemeClr>
-                </a:solidFill>
-              </a:rPr>
-              <a:t>. </a:t>
-            </a:r>
-            <a:r>
-              <a:rPr lang="en-US" sz="1800" dirty="0" smtClean="0">
-                <a:solidFill>
-                  <a:schemeClr val="accent4">
-                    <a:lumMod val="40000"/>
-                    <a:lumOff val="60000"/>
-                  </a:schemeClr>
-                </a:solidFill>
-              </a:rPr>
-              <a:t>	</a:t>
-            </a:r>
-            <a:r>
-              <a:rPr lang="en-US" sz="1800" dirty="0" smtClean="0">
-                <a:solidFill>
-                  <a:schemeClr val="accent4">
-                    <a:lumMod val="40000"/>
-                    <a:lumOff val="60000"/>
-                  </a:schemeClr>
-                </a:solidFill>
-              </a:rPr>
-              <a:t>:: one test at a time		:: focus on atomic behavior</a:t>
-            </a:r>
-          </a:p>
-          <a:p>
-            <a:pPr lvl="1"/>
-            <a:r>
-              <a:rPr lang="en-US" sz="1800" dirty="0" err="1" smtClean="0">
-                <a:solidFill>
-                  <a:schemeClr val="accent4">
-                    <a:lumMod val="40000"/>
-                    <a:lumOff val="60000"/>
-                  </a:schemeClr>
-                </a:solidFill>
-              </a:rPr>
-              <a:t>a</a:t>
-            </a:r>
-            <a:r>
-              <a:rPr lang="en-US" sz="1800" dirty="0" err="1" smtClean="0">
-                <a:solidFill>
-                  <a:schemeClr val="accent4">
-                    <a:lumMod val="40000"/>
-                    <a:lumOff val="60000"/>
-                  </a:schemeClr>
-                </a:solidFill>
-              </a:rPr>
-              <a:t>.d.d</a:t>
-            </a:r>
-            <a:r>
-              <a:rPr lang="en-US" sz="1800" dirty="0" smtClean="0">
-                <a:solidFill>
-                  <a:schemeClr val="accent4">
-                    <a:lumMod val="40000"/>
-                    <a:lumOff val="60000"/>
-                  </a:schemeClr>
-                </a:solidFill>
-              </a:rPr>
-              <a:t>.	:: as many tests as needed	:: focus on environmental behavior</a:t>
-            </a:r>
-          </a:p>
-          <a:p>
-            <a:endParaRPr lang="en-US" sz="2400" dirty="0" smtClean="0">
+              <a:rPr lang="en-US" sz="1900" i="1" dirty="0" smtClean="0">
+                <a:solidFill>
+                  <a:schemeClr val="accent4">
+                    <a:lumMod val="40000"/>
+                    <a:lumOff val="60000"/>
+                  </a:schemeClr>
+                </a:solidFill>
+              </a:rPr>
+              <a:t>“what tools and materials do we have… and what do we need?”</a:t>
+            </a:r>
+          </a:p>
+          <a:p>
+            <a:pPr lvl="2"/>
+            <a:r>
+              <a:rPr lang="en-US" sz="1700" dirty="0" smtClean="0">
+                <a:solidFill>
+                  <a:schemeClr val="accent4">
+                    <a:lumMod val="40000"/>
+                    <a:lumOff val="60000"/>
+                  </a:schemeClr>
+                </a:solidFill>
+              </a:rPr>
+              <a:t>language(s) and </a:t>
+            </a:r>
+            <a:r>
+              <a:rPr lang="en-US" sz="1700" dirty="0" err="1" smtClean="0">
+                <a:solidFill>
+                  <a:schemeClr val="accent4">
+                    <a:lumMod val="40000"/>
+                    <a:lumOff val="60000"/>
+                  </a:schemeClr>
+                </a:solidFill>
+              </a:rPr>
+              <a:t>a.p.i</a:t>
+            </a:r>
+            <a:r>
+              <a:rPr lang="en-US" sz="1700" dirty="0" smtClean="0">
+                <a:solidFill>
+                  <a:schemeClr val="accent4">
+                    <a:lumMod val="40000"/>
+                    <a:lumOff val="60000"/>
+                  </a:schemeClr>
+                </a:solidFill>
+              </a:rPr>
+              <a:t>.</a:t>
+            </a:r>
+          </a:p>
+          <a:p>
+            <a:pPr lvl="2"/>
+            <a:r>
+              <a:rPr lang="en-US" sz="1700" dirty="0" smtClean="0">
+                <a:solidFill>
+                  <a:schemeClr val="accent4">
+                    <a:lumMod val="40000"/>
+                    <a:lumOff val="60000"/>
+                  </a:schemeClr>
+                </a:solidFill>
+              </a:rPr>
+              <a:t>existing artifact and prototypes</a:t>
+            </a:r>
+          </a:p>
+          <a:p>
+            <a:pPr lvl="2"/>
+            <a:r>
+              <a:rPr lang="en-US" sz="1700" dirty="0" smtClean="0">
+                <a:solidFill>
+                  <a:schemeClr val="accent4">
+                    <a:lumMod val="40000"/>
+                    <a:lumOff val="60000"/>
+                  </a:schemeClr>
+                </a:solidFill>
+              </a:rPr>
+              <a:t>current project status</a:t>
+            </a:r>
+          </a:p>
+          <a:p>
+            <a:pPr lvl="2"/>
+            <a:endParaRPr lang="en-US" sz="1700" dirty="0" smtClean="0">
               <a:solidFill>
                 <a:schemeClr val="accent4">
                   <a:lumMod val="40000"/>
@@ -7637,7 +7460,60 @@
             </a:endParaRPr>
           </a:p>
           <a:p>
-            <a:endParaRPr lang="en-US" sz="2400" dirty="0">
+            <a:r>
+              <a:rPr lang="en-US" sz="2600" dirty="0" smtClean="0">
+                <a:solidFill>
+                  <a:schemeClr val="accent4">
+                    <a:lumMod val="40000"/>
+                    <a:lumOff val="60000"/>
+                  </a:schemeClr>
+                </a:solidFill>
+              </a:rPr>
+              <a:t>tertiary question</a:t>
+            </a:r>
+          </a:p>
+          <a:p>
+            <a:pPr lvl="1"/>
+            <a:r>
+              <a:rPr lang="en-US" sz="1900" i="1" dirty="0" smtClean="0">
+                <a:solidFill>
+                  <a:schemeClr val="accent4">
+                    <a:lumMod val="40000"/>
+                    <a:lumOff val="60000"/>
+                  </a:schemeClr>
+                </a:solidFill>
+              </a:rPr>
+              <a:t>“how do we get from our current status to where we need to be?”</a:t>
+            </a:r>
+          </a:p>
+          <a:p>
+            <a:pPr lvl="2"/>
+            <a:r>
+              <a:rPr lang="en-US" sz="1700" dirty="0" smtClean="0">
+                <a:solidFill>
+                  <a:schemeClr val="accent4">
+                    <a:lumMod val="40000"/>
+                    <a:lumOff val="60000"/>
+                  </a:schemeClr>
+                </a:solidFill>
+              </a:rPr>
+              <a:t>via first order mapping</a:t>
+            </a:r>
+          </a:p>
+          <a:p>
+            <a:pPr lvl="2"/>
+            <a:r>
+              <a:rPr lang="en-US" sz="1700" dirty="0" smtClean="0">
+                <a:solidFill>
+                  <a:schemeClr val="accent4">
+                    <a:lumMod val="40000"/>
+                    <a:lumOff val="60000"/>
+                  </a:schemeClr>
+                </a:solidFill>
+              </a:rPr>
+              <a:t>via physical visualization and tinkering</a:t>
+            </a:r>
+            <a:endParaRPr lang="en-US" sz="1700" dirty="0">
               <a:solidFill>
                 <a:schemeClr val="accent4">
                   <a:lumMod val="40000"/>
@@ -7688,7 +7564,7 @@
                   <a:schemeClr val="accent2"/>
                 </a:solidFill>
               </a:rPr>
-              <a:t>) analog development discourse ::</a:t>
+              <a:t>) analog development discourse &amp;&amp; </a:t>
             </a:r>
             <a:br>
               <a:rPr lang="en-US" sz="3200" dirty="0" smtClean="0">
@@ -7703,31 +7579,7 @@
                   <a:schemeClr val="accent2"/>
                 </a:solidFill>
               </a:rPr>
-              <a:t>			</a:t>
-            </a:r>
-            <a:r>
-              <a:rPr lang="en-US" sz="3200" dirty="0" smtClean="0">
-                <a:solidFill>
-                  <a:schemeClr val="accent2"/>
-                </a:solidFill>
-              </a:rPr>
-              <a:t>              differences from </a:t>
-            </a:r>
-            <a:r>
-              <a:rPr lang="en-US" sz="3200" dirty="0" err="1" smtClean="0">
-                <a:solidFill>
-                  <a:schemeClr val="accent2"/>
-                </a:solidFill>
-              </a:rPr>
-              <a:t>t.d.d</a:t>
-            </a:r>
-            <a:r>
-              <a:rPr lang="en-US" sz="3200" dirty="0" smtClean="0">
-                <a:solidFill>
-                  <a:schemeClr val="accent2"/>
-                </a:solidFill>
-              </a:rPr>
-              <a:t>.</a:t>
+              <a:t>			                   first order mapping</a:t>
             </a:r>
             <a:endParaRPr lang="en-US" sz="3200" dirty="0"/>
           </a:p>
@@ -7742,531 +7594,6 @@
 </file>
 
 <file path=ppt/slides/slide16.xml><?xml version="1.0" encoding="utf-8"?>
-<p:sld xmlns:a="http://schemas.openxmlformats.org/drawingml/2006/main" xmlns:r="http://schemas.openxmlformats.org/officeDocument/2006/relationships" xmlns:p="http://schemas.openxmlformats.org/presentationml/2006/main">
-  <p:cSld>
-    <p:spTree>
-      <p:nvGrpSpPr>
-        <p:cNvPr id="1" name=""/>
-        <p:cNvGrpSpPr/>
-        <p:nvPr/>
-      </p:nvGrpSpPr>
-      <p:grpSpPr>
-        <a:xfrm>
-          <a:off x="0" y="0"/>
-          <a:ext cx="0" cy="0"/>
-          <a:chOff x="0" y="0"/>
-          <a:chExt cx="0" cy="0"/>
-        </a:xfrm>
-      </p:grpSpPr>
-      <p:sp>
-        <p:nvSpPr>
-          <p:cNvPr id="2" name="Content Placeholder 1"/>
-          <p:cNvSpPr>
-            <a:spLocks noGrp="1"/>
-          </p:cNvSpPr>
-          <p:nvPr>
-            <p:ph idx="1"/>
-          </p:nvPr>
-        </p:nvSpPr>
-        <p:spPr/>
-        <p:txBody>
-          <a:bodyPr>
-            <a:normAutofit fontScale="92500" lnSpcReduction="10000"/>
-          </a:bodyPr>
-          <a:lstStyle/>
-          <a:p>
-            <a:r>
-              <a:rPr lang="en-US" sz="2600" dirty="0" smtClean="0">
-                <a:solidFill>
-                  <a:schemeClr val="accent4">
-                    <a:lumMod val="40000"/>
-                    <a:lumOff val="60000"/>
-                  </a:schemeClr>
-                </a:solidFill>
-              </a:rPr>
-              <a:t>initial question</a:t>
-            </a:r>
-          </a:p>
-          <a:p>
-            <a:pPr lvl="1"/>
-            <a:r>
-              <a:rPr lang="en-US" sz="1900" i="1" dirty="0" smtClean="0">
-                <a:solidFill>
-                  <a:schemeClr val="accent4">
-                    <a:lumMod val="40000"/>
-                    <a:lumOff val="60000"/>
-                  </a:schemeClr>
-                </a:solidFill>
-              </a:rPr>
-              <a:t>“how to an idea out of that guy’s head… and into this phone?”</a:t>
-            </a:r>
-            <a:endParaRPr lang="en-US" sz="1900" b="1" i="1" u="sng" dirty="0" smtClean="0">
-              <a:solidFill>
-                <a:schemeClr val="accent4">
-                  <a:lumMod val="40000"/>
-                  <a:lumOff val="60000"/>
-                </a:schemeClr>
-              </a:solidFill>
-            </a:endParaRPr>
-          </a:p>
-          <a:p>
-            <a:pPr lvl="2"/>
-            <a:r>
-              <a:rPr lang="en-US" sz="1700" b="1" u="sng" dirty="0" smtClean="0">
-                <a:solidFill>
-                  <a:schemeClr val="accent4">
-                    <a:lumMod val="40000"/>
-                    <a:lumOff val="60000"/>
-                  </a:schemeClr>
-                </a:solidFill>
-              </a:rPr>
-              <a:t>w</a:t>
-            </a:r>
-            <a:r>
-              <a:rPr lang="en-US" sz="1700" b="1" u="sng" dirty="0" smtClean="0">
-                <a:solidFill>
-                  <a:schemeClr val="accent4">
-                    <a:lumMod val="40000"/>
-                    <a:lumOff val="60000"/>
-                  </a:schemeClr>
-                </a:solidFill>
-              </a:rPr>
-              <a:t>hat</a:t>
-            </a:r>
-            <a:r>
-              <a:rPr lang="en-US" sz="1700" dirty="0" smtClean="0">
-                <a:solidFill>
-                  <a:schemeClr val="accent4">
-                    <a:lumMod val="40000"/>
-                    <a:lumOff val="60000"/>
-                  </a:schemeClr>
-                </a:solidFill>
-              </a:rPr>
-              <a:t> are we building? </a:t>
-            </a:r>
-            <a:r>
-              <a:rPr lang="en-US" sz="1700" b="1" i="1" u="sng" dirty="0" smtClean="0">
-                <a:solidFill>
-                  <a:schemeClr val="accent4">
-                    <a:lumMod val="40000"/>
-                    <a:lumOff val="60000"/>
-                  </a:schemeClr>
-                </a:solidFill>
-              </a:rPr>
-              <a:t>why</a:t>
-            </a:r>
-            <a:r>
-              <a:rPr lang="en-US" sz="1700" b="1" i="1" dirty="0" smtClean="0">
-                <a:solidFill>
-                  <a:schemeClr val="accent4">
-                    <a:lumMod val="40000"/>
-                    <a:lumOff val="60000"/>
-                  </a:schemeClr>
-                </a:solidFill>
-              </a:rPr>
-              <a:t>, </a:t>
-            </a:r>
-            <a:r>
-              <a:rPr lang="en-US" sz="1700" b="1" i="1" u="sng" dirty="0" smtClean="0">
-                <a:solidFill>
-                  <a:schemeClr val="accent4">
-                    <a:lumMod val="40000"/>
-                    <a:lumOff val="60000"/>
-                  </a:schemeClr>
-                </a:solidFill>
-              </a:rPr>
-              <a:t>why</a:t>
-            </a:r>
-            <a:r>
-              <a:rPr lang="en-US" sz="1700" dirty="0" smtClean="0">
-                <a:solidFill>
-                  <a:schemeClr val="accent4">
-                    <a:lumMod val="40000"/>
-                    <a:lumOff val="60000"/>
-                  </a:schemeClr>
-                </a:solidFill>
-              </a:rPr>
-              <a:t> are we building that? </a:t>
-            </a:r>
-          </a:p>
-          <a:p>
-            <a:pPr lvl="2"/>
-            <a:r>
-              <a:rPr lang="en-US" sz="1700" dirty="0" smtClean="0">
-                <a:solidFill>
-                  <a:schemeClr val="accent4">
-                    <a:lumMod val="40000"/>
-                    <a:lumOff val="60000"/>
-                  </a:schemeClr>
-                </a:solidFill>
-              </a:rPr>
-              <a:t>t</a:t>
-            </a:r>
-            <a:r>
-              <a:rPr lang="en-US" sz="1700" dirty="0" smtClean="0">
-                <a:solidFill>
-                  <a:schemeClr val="accent4">
-                    <a:lumMod val="40000"/>
-                    <a:lumOff val="60000"/>
-                  </a:schemeClr>
-                </a:solidFill>
-              </a:rPr>
-              <a:t>he bridge analogy</a:t>
-            </a:r>
-          </a:p>
-          <a:p>
-            <a:endParaRPr lang="en-US" sz="1700" i="1" dirty="0" smtClean="0">
-              <a:solidFill>
-                <a:schemeClr val="accent4">
-                  <a:lumMod val="40000"/>
-                  <a:lumOff val="60000"/>
-                </a:schemeClr>
-              </a:solidFill>
-            </a:endParaRPr>
-          </a:p>
-          <a:p>
-            <a:r>
-              <a:rPr lang="en-US" sz="2600" dirty="0" smtClean="0">
-                <a:solidFill>
-                  <a:schemeClr val="accent4">
-                    <a:lumMod val="40000"/>
-                    <a:lumOff val="60000"/>
-                  </a:schemeClr>
-                </a:solidFill>
-              </a:rPr>
-              <a:t>s</a:t>
-            </a:r>
-            <a:r>
-              <a:rPr lang="en-US" sz="2600" dirty="0" smtClean="0">
-                <a:solidFill>
-                  <a:schemeClr val="accent4">
-                    <a:lumMod val="40000"/>
-                    <a:lumOff val="60000"/>
-                  </a:schemeClr>
-                </a:solidFill>
-              </a:rPr>
-              <a:t>econdary question</a:t>
-            </a:r>
-          </a:p>
-          <a:p>
-            <a:pPr lvl="1"/>
-            <a:r>
-              <a:rPr lang="en-US" sz="1900" i="1" dirty="0" smtClean="0">
-                <a:solidFill>
-                  <a:schemeClr val="accent4">
-                    <a:lumMod val="40000"/>
-                    <a:lumOff val="60000"/>
-                  </a:schemeClr>
-                </a:solidFill>
-              </a:rPr>
-              <a:t>“what tools and materials do we have… and what do we need?”</a:t>
-            </a:r>
-          </a:p>
-          <a:p>
-            <a:pPr lvl="2"/>
-            <a:r>
-              <a:rPr lang="en-US" sz="1700" dirty="0" smtClean="0">
-                <a:solidFill>
-                  <a:schemeClr val="accent4">
-                    <a:lumMod val="40000"/>
-                    <a:lumOff val="60000"/>
-                  </a:schemeClr>
-                </a:solidFill>
-              </a:rPr>
-              <a:t>language(s) and </a:t>
-            </a:r>
-            <a:r>
-              <a:rPr lang="en-US" sz="1700" dirty="0" err="1" smtClean="0">
-                <a:solidFill>
-                  <a:schemeClr val="accent4">
-                    <a:lumMod val="40000"/>
-                    <a:lumOff val="60000"/>
-                  </a:schemeClr>
-                </a:solidFill>
-              </a:rPr>
-              <a:t>a.p.i</a:t>
-            </a:r>
-            <a:r>
-              <a:rPr lang="en-US" sz="1700" dirty="0" smtClean="0">
-                <a:solidFill>
-                  <a:schemeClr val="accent4">
-                    <a:lumMod val="40000"/>
-                    <a:lumOff val="60000"/>
-                  </a:schemeClr>
-                </a:solidFill>
-              </a:rPr>
-              <a:t>.</a:t>
-            </a:r>
-          </a:p>
-          <a:p>
-            <a:pPr lvl="2"/>
-            <a:r>
-              <a:rPr lang="en-US" sz="1700" dirty="0" smtClean="0">
-                <a:solidFill>
-                  <a:schemeClr val="accent4">
-                    <a:lumMod val="40000"/>
-                    <a:lumOff val="60000"/>
-                  </a:schemeClr>
-                </a:solidFill>
-              </a:rPr>
-              <a:t>e</a:t>
-            </a:r>
-            <a:r>
-              <a:rPr lang="en-US" sz="1700" dirty="0" smtClean="0">
-                <a:solidFill>
-                  <a:schemeClr val="accent4">
-                    <a:lumMod val="40000"/>
-                    <a:lumOff val="60000"/>
-                  </a:schemeClr>
-                </a:solidFill>
-              </a:rPr>
-              <a:t>xisting artifact and prototypes</a:t>
-            </a:r>
-          </a:p>
-          <a:p>
-            <a:pPr lvl="2"/>
-            <a:r>
-              <a:rPr lang="en-US" sz="1700" dirty="0" smtClean="0">
-                <a:solidFill>
-                  <a:schemeClr val="accent4">
-                    <a:lumMod val="40000"/>
-                    <a:lumOff val="60000"/>
-                  </a:schemeClr>
-                </a:solidFill>
-              </a:rPr>
-              <a:t>c</a:t>
-            </a:r>
-            <a:r>
-              <a:rPr lang="en-US" sz="1700" dirty="0" smtClean="0">
-                <a:solidFill>
-                  <a:schemeClr val="accent4">
-                    <a:lumMod val="40000"/>
-                    <a:lumOff val="60000"/>
-                  </a:schemeClr>
-                </a:solidFill>
-              </a:rPr>
-              <a:t>urrent project status</a:t>
-            </a:r>
-          </a:p>
-          <a:p>
-            <a:pPr lvl="2"/>
-            <a:endParaRPr lang="en-US" sz="1700" dirty="0" smtClean="0">
-              <a:solidFill>
-                <a:schemeClr val="accent4">
-                  <a:lumMod val="40000"/>
-                  <a:lumOff val="60000"/>
-                </a:schemeClr>
-              </a:solidFill>
-            </a:endParaRPr>
-          </a:p>
-          <a:p>
-            <a:r>
-              <a:rPr lang="en-US" sz="2600" dirty="0" smtClean="0">
-                <a:solidFill>
-                  <a:schemeClr val="accent4">
-                    <a:lumMod val="40000"/>
-                    <a:lumOff val="60000"/>
-                  </a:schemeClr>
-                </a:solidFill>
-              </a:rPr>
-              <a:t>t</a:t>
-            </a:r>
-            <a:r>
-              <a:rPr lang="en-US" sz="2600" dirty="0" smtClean="0">
-                <a:solidFill>
-                  <a:schemeClr val="accent4">
-                    <a:lumMod val="40000"/>
-                    <a:lumOff val="60000"/>
-                  </a:schemeClr>
-                </a:solidFill>
-              </a:rPr>
-              <a:t>ertiary question</a:t>
-            </a:r>
-          </a:p>
-          <a:p>
-            <a:pPr lvl="1"/>
-            <a:r>
-              <a:rPr lang="en-US" sz="1900" i="1" dirty="0" smtClean="0">
-                <a:solidFill>
-                  <a:schemeClr val="accent4">
-                    <a:lumMod val="40000"/>
-                    <a:lumOff val="60000"/>
-                  </a:schemeClr>
-                </a:solidFill>
-              </a:rPr>
-              <a:t>“how do we get from our current status to where we need to be?”</a:t>
-            </a:r>
-          </a:p>
-          <a:p>
-            <a:pPr lvl="2"/>
-            <a:r>
-              <a:rPr lang="en-US" sz="1700" dirty="0" smtClean="0">
-                <a:solidFill>
-                  <a:schemeClr val="accent4">
-                    <a:lumMod val="40000"/>
-                    <a:lumOff val="60000"/>
-                  </a:schemeClr>
-                </a:solidFill>
-              </a:rPr>
-              <a:t>v</a:t>
-            </a:r>
-            <a:r>
-              <a:rPr lang="en-US" sz="1700" dirty="0" smtClean="0">
-                <a:solidFill>
-                  <a:schemeClr val="accent4">
-                    <a:lumMod val="40000"/>
-                    <a:lumOff val="60000"/>
-                  </a:schemeClr>
-                </a:solidFill>
-              </a:rPr>
-              <a:t>ia first order mapping</a:t>
-            </a:r>
-          </a:p>
-          <a:p>
-            <a:pPr lvl="2"/>
-            <a:r>
-              <a:rPr lang="en-US" sz="1700" dirty="0" smtClean="0">
-                <a:solidFill>
-                  <a:schemeClr val="accent4">
-                    <a:lumMod val="40000"/>
-                    <a:lumOff val="60000"/>
-                  </a:schemeClr>
-                </a:solidFill>
-              </a:rPr>
-              <a:t>v</a:t>
-            </a:r>
-            <a:r>
-              <a:rPr lang="en-US" sz="1700" dirty="0" smtClean="0">
-                <a:solidFill>
-                  <a:schemeClr val="accent4">
-                    <a:lumMod val="40000"/>
-                    <a:lumOff val="60000"/>
-                  </a:schemeClr>
-                </a:solidFill>
-              </a:rPr>
-              <a:t>ia physical visualization and tinkering</a:t>
-            </a:r>
-            <a:endParaRPr lang="en-US" sz="1700" dirty="0">
-              <a:solidFill>
-                <a:schemeClr val="accent4">
-                  <a:lumMod val="40000"/>
-                  <a:lumOff val="60000"/>
-                </a:schemeClr>
-              </a:solidFill>
-            </a:endParaRPr>
-          </a:p>
-        </p:txBody>
-      </p:sp>
-      <p:sp>
-        <p:nvSpPr>
-          <p:cNvPr id="3" name="Title 2"/>
-          <p:cNvSpPr>
-            <a:spLocks noGrp="1"/>
-          </p:cNvSpPr>
-          <p:nvPr>
-            <p:ph type="title"/>
-          </p:nvPr>
-        </p:nvSpPr>
-        <p:spPr/>
-        <p:txBody>
-          <a:bodyPr>
-            <a:noAutofit/>
-          </a:bodyPr>
-          <a:lstStyle/>
-          <a:p>
-            <a:r>
-              <a:rPr lang="en-US" sz="3200" dirty="0" smtClean="0">
-                <a:solidFill>
-                  <a:schemeClr val="accent2"/>
-                </a:solidFill>
-              </a:rPr>
-              <a:t>( </a:t>
-            </a:r>
-            <a:r>
-              <a:rPr lang="en-US" sz="3200" dirty="0" smtClean="0">
-                <a:solidFill>
-                  <a:schemeClr val="accent2"/>
-                </a:solidFill>
-                <a:latin typeface="Symbol" pitchFamily="18" charset="2"/>
-              </a:rPr>
-              <a:t>d </a:t>
-            </a:r>
-            <a:r>
-              <a:rPr lang="en-US" sz="3200" dirty="0" smtClean="0">
-                <a:solidFill>
-                  <a:schemeClr val="accent2"/>
-                </a:solidFill>
-              </a:rPr>
-              <a:t>) analog development </a:t>
-            </a:r>
-            <a:r>
-              <a:rPr lang="en-US" sz="3200" dirty="0" smtClean="0">
-                <a:solidFill>
-                  <a:schemeClr val="accent2"/>
-                </a:solidFill>
-              </a:rPr>
-              <a:t>discourse </a:t>
-            </a:r>
-            <a:r>
-              <a:rPr lang="en-US" sz="3200" dirty="0" smtClean="0">
-                <a:solidFill>
-                  <a:schemeClr val="accent2"/>
-                </a:solidFill>
-              </a:rPr>
-              <a:t>&amp;&amp;</a:t>
-            </a:r>
-            <a:r>
-              <a:rPr lang="en-US" sz="3200" dirty="0" smtClean="0">
-                <a:solidFill>
-                  <a:schemeClr val="accent2"/>
-                </a:solidFill>
-              </a:rPr>
-              <a:t> </a:t>
-            </a:r>
-            <a:r>
-              <a:rPr lang="en-US" sz="3200" dirty="0" smtClean="0">
-                <a:solidFill>
-                  <a:schemeClr val="accent2"/>
-                </a:solidFill>
-              </a:rPr>
-              <a:t/>
-            </a:r>
-            <a:br>
-              <a:rPr lang="en-US" sz="3200" dirty="0" smtClean="0">
-                <a:solidFill>
-                  <a:schemeClr val="accent2"/>
-                </a:solidFill>
-              </a:rPr>
-            </a:br>
-            <a:r>
-              <a:rPr lang="en-US" sz="3200" dirty="0" smtClean="0">
-                <a:solidFill>
-                  <a:schemeClr val="accent2"/>
-                </a:solidFill>
-              </a:rPr>
-              <a:t>			 </a:t>
-            </a:r>
-            <a:r>
-              <a:rPr lang="en-US" sz="3200" dirty="0" smtClean="0">
-                <a:solidFill>
-                  <a:schemeClr val="accent2"/>
-                </a:solidFill>
-              </a:rPr>
-              <a:t>                  first order mapping</a:t>
-            </a:r>
-            <a:endParaRPr lang="en-US" sz="3200" dirty="0"/>
-          </a:p>
-        </p:txBody>
-      </p:sp>
-    </p:spTree>
-  </p:cSld>
-  <p:clrMapOvr>
-    <a:masterClrMapping/>
-  </p:clrMapOvr>
-</p:sld>
-</file>
-
-<file path=ppt/slides/slide17.xml><?xml version="1.0" encoding="utf-8"?>
 <p:sld xmlns:a="http://schemas.openxmlformats.org/drawingml/2006/main" xmlns:r="http://schemas.openxmlformats.org/officeDocument/2006/relationships" xmlns:p="http://schemas.openxmlformats.org/presentationml/2006/main">
   <p:cSld>
     <p:spTree>
@@ -8346,23 +7673,7 @@
                   <a:schemeClr val="accent2"/>
                 </a:solidFill>
               </a:rPr>
-              <a:t>) analog development </a:t>
-            </a:r>
-            <a:r>
-              <a:rPr lang="en-US" sz="3200" dirty="0" smtClean="0">
-                <a:solidFill>
-                  <a:schemeClr val="accent2"/>
-                </a:solidFill>
-              </a:rPr>
-              <a:t>evidence ::</a:t>
-            </a:r>
-            <a:r>
-              <a:rPr lang="en-US" sz="3200" dirty="0" smtClean="0">
-                <a:solidFill>
-                  <a:schemeClr val="accent2"/>
-                </a:solidFill>
-              </a:rPr>
-              <a:t/>
+              <a:t>) analog development evidence ::</a:t>
             </a:r>
             <a:br>
               <a:rPr lang="en-US" sz="3200" dirty="0" smtClean="0">
@@ -8407,7 +7718,7 @@
 </p:sld>
 </file>
 
-<file path=ppt/slides/slide18.xml><?xml version="1.0" encoding="utf-8"?>
+<file path=ppt/slides/slide17.xml><?xml version="1.0" encoding="utf-8"?>
 <p:sld xmlns:a="http://schemas.openxmlformats.org/drawingml/2006/main" xmlns:r="http://schemas.openxmlformats.org/officeDocument/2006/relationships" xmlns:p="http://schemas.openxmlformats.org/presentationml/2006/main">
   <p:cSld>
     <p:spTree>
@@ -8502,7 +7813,15 @@
                   <a:schemeClr val="accent2"/>
                 </a:solidFill>
               </a:rPr>
-              <a:t>test_collision_31_00_00_check </a:t>
+              <a:t>test_collision_31_00_00_check (</a:t>
+            </a:r>
+            <a:r>
+              <a:rPr lang="en-US" sz="3200" i="1" dirty="0" smtClean="0">
+                <a:solidFill>
+                  <a:schemeClr val="accent2"/>
+                </a:solidFill>
+              </a:rPr>
+              <a:t>digital aspect</a:t>
             </a:r>
             <a:r>
               <a:rPr lang="en-US" sz="3200" dirty="0" smtClean="0">
@@ -8510,31 +7829,335 @@
                   <a:schemeClr val="accent2"/>
                 </a:solidFill>
               </a:rPr>
-              <a:t>(</a:t>
-            </a:r>
-            <a:r>
-              <a:rPr lang="en-US" sz="3200" i="1" dirty="0" smtClean="0">
-                <a:solidFill>
-                  <a:schemeClr val="accent2"/>
-                </a:solidFill>
-              </a:rPr>
-              <a:t>digital </a:t>
-            </a:r>
-            <a:r>
-              <a:rPr lang="en-US" sz="3200" i="1" dirty="0" smtClean="0">
-                <a:solidFill>
-                  <a:schemeClr val="accent2"/>
-                </a:solidFill>
-              </a:rPr>
-              <a:t>aspect</a:t>
-            </a:r>
+              <a:t>)</a:t>
+            </a:r>
+            <a:endParaRPr lang="en-US" sz="3200" dirty="0"/>
+          </a:p>
+        </p:txBody>
+      </p:sp>
+    </p:spTree>
+  </p:cSld>
+  <p:clrMapOvr>
+    <a:masterClrMapping/>
+  </p:clrMapOvr>
+</p:sld>
+</file>
+
+<file path=ppt/slides/slide18.xml><?xml version="1.0" encoding="utf-8"?>
+<p:sld xmlns:a="http://schemas.openxmlformats.org/drawingml/2006/main" xmlns:r="http://schemas.openxmlformats.org/officeDocument/2006/relationships" xmlns:p="http://schemas.openxmlformats.org/presentationml/2006/main">
+  <p:cSld>
+    <p:spTree>
+      <p:nvGrpSpPr>
+        <p:cNvPr id="1" name=""/>
+        <p:cNvGrpSpPr/>
+        <p:nvPr/>
+      </p:nvGrpSpPr>
+      <p:grpSpPr>
+        <a:xfrm>
+          <a:off x="0" y="0"/>
+          <a:ext cx="0" cy="0"/>
+          <a:chOff x="0" y="0"/>
+          <a:chExt cx="0" cy="0"/>
+        </a:xfrm>
+      </p:grpSpPr>
+      <p:sp>
+        <p:nvSpPr>
+          <p:cNvPr id="2" name="Content Placeholder 1"/>
+          <p:cNvSpPr>
+            <a:spLocks noGrp="1"/>
+          </p:cNvSpPr>
+          <p:nvPr>
+            <p:ph idx="1"/>
+          </p:nvPr>
+        </p:nvSpPr>
+        <p:spPr/>
+        <p:txBody>
+          <a:bodyPr/>
+          <a:lstStyle/>
+          <a:p>
+            <a:r>
+              <a:rPr lang="en-US" sz="2400" dirty="0" smtClean="0">
+                <a:solidFill>
+                  <a:schemeClr val="accent4">
+                    <a:lumMod val="40000"/>
+                    <a:lumOff val="60000"/>
+                  </a:schemeClr>
+                </a:solidFill>
+              </a:rPr>
+              <a:t>the analog process – mental presence</a:t>
+            </a:r>
+          </a:p>
+          <a:p>
+            <a:pPr lvl="1"/>
+            <a:r>
+              <a:rPr lang="en-US" sz="1800" cap="small" dirty="0" err="1" smtClean="0">
+                <a:solidFill>
+                  <a:schemeClr val="accent4">
+                    <a:lumMod val="40000"/>
+                    <a:lumOff val="60000"/>
+                  </a:schemeClr>
+                </a:solidFill>
+              </a:rPr>
+              <a:t>i</a:t>
+            </a:r>
+            <a:r>
+              <a:rPr lang="en-US" sz="1800" dirty="0" smtClean="0">
+                <a:solidFill>
+                  <a:schemeClr val="accent4">
+                    <a:lumMod val="40000"/>
+                    <a:lumOff val="60000"/>
+                  </a:schemeClr>
+                </a:solidFill>
+              </a:rPr>
+              <a:t>  – escape technology</a:t>
+            </a:r>
+          </a:p>
+          <a:p>
+            <a:pPr lvl="3"/>
+            <a:r>
+              <a:rPr lang="en-US" sz="1600" dirty="0" smtClean="0">
+                <a:solidFill>
+                  <a:schemeClr val="accent4">
+                    <a:lumMod val="40000"/>
+                    <a:lumOff val="60000"/>
+                  </a:schemeClr>
+                </a:solidFill>
+              </a:rPr>
+              <a:t>removal of the computer </a:t>
+            </a:r>
+          </a:p>
+          <a:p>
+            <a:pPr lvl="4"/>
+            <a:r>
+              <a:rPr lang="en-US" sz="1400" dirty="0" smtClean="0">
+                <a:solidFill>
+                  <a:schemeClr val="accent4">
+                    <a:lumMod val="40000"/>
+                    <a:lumOff val="60000"/>
+                  </a:schemeClr>
+                </a:solidFill>
+              </a:rPr>
+              <a:t>remove the bias </a:t>
+            </a:r>
+          </a:p>
+          <a:p>
+            <a:pPr lvl="4"/>
+            <a:r>
+              <a:rPr lang="en-US" sz="1400" dirty="0" smtClean="0">
+                <a:solidFill>
+                  <a:schemeClr val="accent4">
+                    <a:lumMod val="40000"/>
+                    <a:lumOff val="60000"/>
+                  </a:schemeClr>
+                </a:solidFill>
+              </a:rPr>
+              <a:t>remove the crutch</a:t>
+            </a:r>
+          </a:p>
+          <a:p>
+            <a:pPr lvl="2"/>
+            <a:endParaRPr lang="en-US" sz="1400" dirty="0" smtClean="0">
+              <a:solidFill>
+                <a:schemeClr val="accent4">
+                  <a:lumMod val="40000"/>
+                  <a:lumOff val="60000"/>
+                </a:schemeClr>
+              </a:solidFill>
+            </a:endParaRPr>
+          </a:p>
+          <a:p>
+            <a:pPr lvl="1"/>
+            <a:r>
+              <a:rPr lang="en-US" sz="1800" cap="small" dirty="0" smtClean="0">
+                <a:solidFill>
+                  <a:schemeClr val="accent4">
+                    <a:lumMod val="40000"/>
+                    <a:lumOff val="60000"/>
+                  </a:schemeClr>
+                </a:solidFill>
+              </a:rPr>
+              <a:t>ii</a:t>
+            </a:r>
+            <a:r>
+              <a:rPr lang="en-US" sz="1800" dirty="0" smtClean="0">
+                <a:solidFill>
+                  <a:schemeClr val="accent4">
+                    <a:lumMod val="40000"/>
+                    <a:lumOff val="60000"/>
+                  </a:schemeClr>
+                </a:solidFill>
+              </a:rPr>
+              <a:t> – intellectually prepare</a:t>
+            </a:r>
+          </a:p>
+          <a:p>
+            <a:pPr lvl="3"/>
+            <a:r>
+              <a:rPr lang="en-US" sz="1800" dirty="0" smtClean="0">
+                <a:solidFill>
+                  <a:schemeClr val="accent4">
+                    <a:lumMod val="40000"/>
+                    <a:lumOff val="60000"/>
+                  </a:schemeClr>
+                </a:solidFill>
+              </a:rPr>
+              <a:t>b</a:t>
+            </a:r>
+            <a:r>
+              <a:rPr lang="en-US" sz="1600" dirty="0" smtClean="0">
+                <a:solidFill>
+                  <a:schemeClr val="accent4">
+                    <a:lumMod val="40000"/>
+                    <a:lumOff val="60000"/>
+                  </a:schemeClr>
+                </a:solidFill>
+              </a:rPr>
+              <a:t>egin churning cognitive inertia</a:t>
+            </a:r>
+          </a:p>
+          <a:p>
+            <a:pPr lvl="4"/>
+            <a:r>
+              <a:rPr lang="en-US" sz="1400" dirty="0" smtClean="0">
+                <a:solidFill>
+                  <a:schemeClr val="accent4">
+                    <a:lumMod val="40000"/>
+                    <a:lumOff val="60000"/>
+                  </a:schemeClr>
+                </a:solidFill>
+              </a:rPr>
+              <a:t>documentation and requirements</a:t>
+            </a:r>
+          </a:p>
+          <a:p>
+            <a:pPr lvl="4"/>
+            <a:r>
+              <a:rPr lang="en-US" sz="1400" dirty="0" smtClean="0">
+                <a:solidFill>
+                  <a:schemeClr val="accent4">
+                    <a:lumMod val="40000"/>
+                    <a:lumOff val="60000"/>
+                  </a:schemeClr>
+                </a:solidFill>
+              </a:rPr>
+              <a:t>engineering notes and design documents</a:t>
+            </a:r>
+          </a:p>
+          <a:p>
+            <a:pPr lvl="4"/>
+            <a:r>
+              <a:rPr lang="en-US" sz="1400" dirty="0" smtClean="0">
+                <a:solidFill>
+                  <a:schemeClr val="accent4">
+                    <a:lumMod val="40000"/>
+                    <a:lumOff val="60000"/>
+                  </a:schemeClr>
+                </a:solidFill>
+              </a:rPr>
+              <a:t>phone </a:t>
+            </a:r>
+            <a:r>
+              <a:rPr lang="en-US" sz="1400" dirty="0" smtClean="0">
+                <a:solidFill>
+                  <a:schemeClr val="accent4">
+                    <a:lumMod val="40000"/>
+                    <a:lumOff val="60000"/>
+                  </a:schemeClr>
+                </a:solidFill>
+              </a:rPr>
+              <a:t>call</a:t>
+            </a:r>
+          </a:p>
+          <a:p>
+            <a:pPr lvl="3"/>
+            <a:r>
+              <a:rPr lang="en-US" sz="1500" dirty="0" smtClean="0">
+                <a:solidFill>
+                  <a:schemeClr val="accent4">
+                    <a:lumMod val="40000"/>
+                    <a:lumOff val="60000"/>
+                  </a:schemeClr>
+                </a:solidFill>
+              </a:rPr>
+              <a:t>Stretch before the game</a:t>
+            </a:r>
+            <a:endParaRPr lang="en-US" sz="1500" dirty="0" smtClean="0">
+              <a:solidFill>
+                <a:schemeClr val="accent4">
+                  <a:lumMod val="40000"/>
+                  <a:lumOff val="60000"/>
+                </a:schemeClr>
+              </a:solidFill>
+            </a:endParaRPr>
+          </a:p>
+          <a:p>
+            <a:pPr lvl="3"/>
+            <a:endParaRPr lang="en-US" sz="1400" dirty="0" smtClean="0"/>
+          </a:p>
+          <a:p>
+            <a:pPr lvl="1">
+              <a:buNone/>
+            </a:pPr>
+            <a:endParaRPr lang="en-US" sz="1800" dirty="0"/>
+          </a:p>
+        </p:txBody>
+      </p:sp>
+      <p:sp>
+        <p:nvSpPr>
+          <p:cNvPr id="3" name="Title 2"/>
+          <p:cNvSpPr>
+            <a:spLocks noGrp="1"/>
+          </p:cNvSpPr>
+          <p:nvPr>
+            <p:ph type="title"/>
+          </p:nvPr>
+        </p:nvSpPr>
+        <p:spPr/>
+        <p:txBody>
+          <a:bodyPr>
+            <a:noAutofit/>
+          </a:bodyPr>
+          <a:lstStyle/>
+          <a:p>
             <a:r>
               <a:rPr lang="en-US" sz="3200" dirty="0" smtClean="0">
                 <a:solidFill>
                   <a:schemeClr val="accent2"/>
                 </a:solidFill>
               </a:rPr>
-              <a:t>)</a:t>
+              <a:t>( </a:t>
+            </a:r>
+            <a:r>
+              <a:rPr lang="en-US" sz="3200" dirty="0" smtClean="0">
+                <a:solidFill>
+                  <a:schemeClr val="accent2"/>
+                </a:solidFill>
+                <a:latin typeface="Symbol" pitchFamily="18" charset="2"/>
+              </a:rPr>
+              <a:t>d </a:t>
+            </a:r>
+            <a:r>
+              <a:rPr lang="en-US" sz="3200" dirty="0" smtClean="0">
+                <a:solidFill>
+                  <a:schemeClr val="accent2"/>
+                </a:solidFill>
+              </a:rPr>
+              <a:t>) analog development execution :: </a:t>
+            </a:r>
+            <a:br>
+              <a:rPr lang="en-US" sz="3200" dirty="0" smtClean="0">
+                <a:solidFill>
+                  <a:schemeClr val="accent2"/>
+                </a:solidFill>
+              </a:rPr>
+            </a:br>
+            <a:r>
+              <a:rPr lang="en-US" sz="3200" dirty="0" smtClean="0">
+                <a:solidFill>
+                  <a:schemeClr val="accent2"/>
+                </a:solidFill>
+              </a:rPr>
+              <a:t>		             the analog process, part one</a:t>
             </a:r>
             <a:endParaRPr lang="en-US" sz="3200" dirty="0"/>
           </a:p>
@@ -8581,118 +8204,266 @@
           <a:lstStyle/>
           <a:p>
             <a:r>
-              <a:rPr lang="en-US" sz="2400" dirty="0" smtClean="0"/>
-              <a:t>t</a:t>
-            </a:r>
-            <a:r>
-              <a:rPr lang="en-US" sz="2400" dirty="0" smtClean="0"/>
-              <a:t>he analog process – mental presence</a:t>
+              <a:rPr lang="en-US" sz="2400" dirty="0" smtClean="0">
+                <a:solidFill>
+                  <a:schemeClr val="accent4">
+                    <a:lumMod val="40000"/>
+                    <a:lumOff val="60000"/>
+                  </a:schemeClr>
+                </a:solidFill>
+              </a:rPr>
+              <a:t>the analog process – developmental process</a:t>
             </a:r>
           </a:p>
           <a:p>
             <a:pPr lvl="1"/>
             <a:r>
-              <a:rPr lang="en-US" sz="1800" cap="small" dirty="0" err="1" smtClean="0"/>
-              <a:t>i</a:t>
-            </a:r>
-            <a:r>
-              <a:rPr lang="en-US" sz="1800" dirty="0" smtClean="0"/>
-              <a:t>  – escape technology</a:t>
+              <a:rPr lang="en-US" sz="1800" cap="small" dirty="0" smtClean="0">
+                <a:solidFill>
+                  <a:schemeClr val="accent4">
+                    <a:lumMod val="40000"/>
+                    <a:lumOff val="60000"/>
+                  </a:schemeClr>
+                </a:solidFill>
+              </a:rPr>
+              <a:t>iii</a:t>
+            </a:r>
+            <a:r>
+              <a:rPr lang="en-US" sz="1800" dirty="0" smtClean="0">
+                <a:solidFill>
+                  <a:schemeClr val="accent4">
+                    <a:lumMod val="40000"/>
+                    <a:lumOff val="60000"/>
+                  </a:schemeClr>
+                </a:solidFill>
+              </a:rPr>
+              <a:t>  – sketch the problem and a potential solution</a:t>
             </a:r>
           </a:p>
           <a:p>
             <a:pPr lvl="3"/>
             <a:r>
-              <a:rPr lang="en-US" sz="1600" dirty="0" smtClean="0"/>
-              <a:t>r</a:t>
-            </a:r>
-            <a:r>
-              <a:rPr lang="en-US" sz="1600" dirty="0" smtClean="0"/>
-              <a:t>emoval of the computer </a:t>
+              <a:rPr lang="en-US" sz="1600" dirty="0" smtClean="0">
+                <a:solidFill>
+                  <a:schemeClr val="accent4">
+                    <a:lumMod val="40000"/>
+                    <a:lumOff val="60000"/>
+                  </a:schemeClr>
+                </a:solidFill>
+              </a:rPr>
+              <a:t>conceptually represent a solution</a:t>
             </a:r>
           </a:p>
           <a:p>
             <a:pPr lvl="4"/>
             <a:r>
-              <a:rPr lang="en-US" sz="1400" dirty="0" smtClean="0"/>
-              <a:t>remove the bias </a:t>
-            </a:r>
+              <a:rPr lang="en-US" sz="1400" dirty="0" smtClean="0">
+                <a:solidFill>
+                  <a:schemeClr val="accent4">
+                    <a:lumMod val="40000"/>
+                    <a:lumOff val="60000"/>
+                  </a:schemeClr>
+                </a:solidFill>
+              </a:rPr>
+              <a:t>reflection of developer’s working knowledge</a:t>
+            </a:r>
+          </a:p>
+          <a:p>
+            <a:pPr lvl="2"/>
+            <a:endParaRPr lang="en-US" sz="1400" dirty="0" smtClean="0">
+              <a:solidFill>
+                <a:schemeClr val="accent4">
+                  <a:lumMod val="40000"/>
+                  <a:lumOff val="60000"/>
+                </a:schemeClr>
+              </a:solidFill>
+            </a:endParaRPr>
+          </a:p>
+          <a:p>
+            <a:pPr lvl="1"/>
+            <a:r>
+              <a:rPr lang="en-US" sz="1800" cap="small" dirty="0" smtClean="0">
+                <a:solidFill>
+                  <a:schemeClr val="accent4">
+                    <a:lumMod val="40000"/>
+                    <a:lumOff val="60000"/>
+                  </a:schemeClr>
+                </a:solidFill>
+              </a:rPr>
+              <a:t>iv </a:t>
+            </a:r>
+            <a:r>
+              <a:rPr lang="en-US" sz="1800" dirty="0" smtClean="0">
+                <a:solidFill>
+                  <a:schemeClr val="accent4">
+                    <a:lumMod val="40000"/>
+                    <a:lumOff val="60000"/>
+                  </a:schemeClr>
+                </a:solidFill>
+              </a:rPr>
+              <a:t>– repair the sketch in light of requirements</a:t>
+            </a:r>
+          </a:p>
+          <a:p>
+            <a:pPr lvl="3"/>
+            <a:r>
+              <a:rPr lang="en-US" sz="1800" dirty="0" smtClean="0">
+                <a:solidFill>
+                  <a:schemeClr val="accent4">
+                    <a:lumMod val="40000"/>
+                    <a:lumOff val="60000"/>
+                  </a:schemeClr>
+                </a:solidFill>
+              </a:rPr>
+              <a:t>add missing use cases for the environment</a:t>
+            </a:r>
+            <a:endParaRPr lang="en-US" sz="1600" dirty="0" smtClean="0">
+              <a:solidFill>
+                <a:schemeClr val="accent4">
+                  <a:lumMod val="40000"/>
+                  <a:lumOff val="60000"/>
+                </a:schemeClr>
+              </a:solidFill>
+            </a:endParaRPr>
           </a:p>
           <a:p>
             <a:pPr lvl="4"/>
             <a:r>
-              <a:rPr lang="en-US" sz="1400" dirty="0" smtClean="0"/>
-              <a:t>remove the crutch</a:t>
-            </a:r>
-          </a:p>
-          <a:p>
-            <a:pPr lvl="2"/>
-            <a:endParaRPr lang="en-US" sz="1400" dirty="0" smtClean="0"/>
+              <a:rPr lang="en-US" sz="1400" dirty="0" smtClean="0">
+                <a:solidFill>
+                  <a:schemeClr val="accent4">
+                    <a:lumMod val="40000"/>
+                    <a:lumOff val="60000"/>
+                  </a:schemeClr>
+                </a:solidFill>
+              </a:rPr>
+              <a:t>reconcile working knowledge base with needed knowledge </a:t>
+            </a:r>
+          </a:p>
+          <a:p>
+            <a:pPr lvl="4"/>
+            <a:r>
+              <a:rPr lang="en-US" sz="1400" dirty="0" smtClean="0">
+                <a:solidFill>
+                  <a:schemeClr val="accent4">
+                    <a:lumMod val="40000"/>
+                    <a:lumOff val="60000"/>
+                  </a:schemeClr>
+                </a:solidFill>
+              </a:rPr>
+              <a:t>“what did we miss? what pieces aren’t we paying attention to?”</a:t>
+            </a:r>
+          </a:p>
+          <a:p>
+            <a:pPr lvl="4"/>
+            <a:endParaRPr lang="en-US" sz="1400" dirty="0" smtClean="0">
+              <a:solidFill>
+                <a:schemeClr val="accent4">
+                  <a:lumMod val="40000"/>
+                  <a:lumOff val="60000"/>
+                </a:schemeClr>
+              </a:solidFill>
+            </a:endParaRPr>
           </a:p>
           <a:p>
             <a:pPr lvl="1"/>
             <a:r>
-              <a:rPr lang="en-US" sz="1800" cap="small" dirty="0" smtClean="0"/>
-              <a:t>i</a:t>
-            </a:r>
-            <a:r>
-              <a:rPr lang="en-US" sz="1800" cap="small" dirty="0" smtClean="0"/>
-              <a:t>i</a:t>
-            </a:r>
-            <a:r>
-              <a:rPr lang="en-US" sz="1800" dirty="0" smtClean="0"/>
-              <a:t> – intellectually prepare</a:t>
+              <a:rPr lang="en-US" sz="1900" dirty="0" smtClean="0">
+                <a:solidFill>
+                  <a:schemeClr val="accent4">
+                    <a:lumMod val="40000"/>
+                    <a:lumOff val="60000"/>
+                  </a:schemeClr>
+                </a:solidFill>
+              </a:rPr>
+              <a:t>v  – pseudo-code the solution</a:t>
             </a:r>
           </a:p>
           <a:p>
             <a:pPr lvl="3"/>
             <a:r>
-              <a:rPr lang="en-US" sz="1800" dirty="0" smtClean="0"/>
-              <a:t>b</a:t>
-            </a:r>
-            <a:r>
-              <a:rPr lang="en-US" sz="1600" dirty="0" smtClean="0"/>
-              <a:t>egin churning cognitive inertia</a:t>
-            </a:r>
-          </a:p>
-          <a:p>
-            <a:pPr lvl="4"/>
-            <a:r>
-              <a:rPr lang="en-US" sz="1400" dirty="0" smtClean="0"/>
-              <a:t>documentation and requirements</a:t>
-            </a:r>
-          </a:p>
-          <a:p>
-            <a:pPr lvl="4"/>
-            <a:r>
-              <a:rPr lang="en-US" sz="1400" dirty="0" smtClean="0"/>
-              <a:t>e</a:t>
-            </a:r>
-            <a:r>
-              <a:rPr lang="en-US" sz="1400" dirty="0" smtClean="0"/>
-              <a:t>ngineering notes and design documents</a:t>
-            </a:r>
-          </a:p>
-          <a:p>
-            <a:pPr lvl="4"/>
-            <a:r>
-              <a:rPr lang="en-US" sz="1400" dirty="0" smtClean="0"/>
-              <a:t>p</a:t>
-            </a:r>
-            <a:r>
-              <a:rPr lang="en-US" sz="1400" dirty="0" smtClean="0"/>
-              <a:t>hone call</a:t>
+              <a:rPr lang="en-US" sz="1600" dirty="0" smtClean="0">
+                <a:solidFill>
+                  <a:schemeClr val="accent4">
+                    <a:lumMod val="40000"/>
+                    <a:lumOff val="60000"/>
+                  </a:schemeClr>
+                </a:solidFill>
+              </a:rPr>
+              <a:t>definition of algorithmic logic</a:t>
+            </a:r>
+            <a:r>
+              <a:rPr lang="en-US" sz="1500" dirty="0" smtClean="0">
+                <a:solidFill>
+                  <a:schemeClr val="accent4">
+                    <a:lumMod val="40000"/>
+                    <a:lumOff val="60000"/>
+                  </a:schemeClr>
+                </a:solidFill>
+              </a:rPr>
+              <a:t> </a:t>
             </a:r>
           </a:p>
           <a:p>
             <a:pPr lvl="3"/>
-            <a:endParaRPr lang="en-US" sz="1400" dirty="0" smtClean="0"/>
-          </a:p>
-          <a:p>
-            <a:pPr lvl="1">
-              <a:buNone/>
-            </a:pPr>
-            <a:endParaRPr lang="en-US" sz="1800" dirty="0"/>
+            <a:r>
+              <a:rPr lang="en-US" sz="1500" dirty="0" smtClean="0">
+                <a:solidFill>
+                  <a:schemeClr val="accent4">
+                    <a:lumMod val="40000"/>
+                    <a:lumOff val="60000"/>
+                  </a:schemeClr>
+                </a:solidFill>
+              </a:rPr>
+              <a:t>isolation of support logic </a:t>
+            </a:r>
+          </a:p>
+          <a:p>
+            <a:pPr lvl="3"/>
+            <a:r>
+              <a:rPr lang="en-US" sz="1500" dirty="0" smtClean="0">
+                <a:solidFill>
+                  <a:schemeClr val="accent4">
+                    <a:lumMod val="40000"/>
+                    <a:lumOff val="60000"/>
+                  </a:schemeClr>
+                </a:solidFill>
+              </a:rPr>
+              <a:t>bridge between the human mind and machine instruction</a:t>
+            </a:r>
+          </a:p>
+          <a:p>
+            <a:pPr lvl="3"/>
+            <a:endParaRPr lang="en-US" sz="1500" dirty="0" smtClean="0">
+              <a:solidFill>
+                <a:schemeClr val="accent4">
+                  <a:lumMod val="40000"/>
+                  <a:lumOff val="60000"/>
+                </a:schemeClr>
+              </a:solidFill>
+            </a:endParaRPr>
+          </a:p>
+          <a:p>
+            <a:pPr lvl="3"/>
+            <a:endParaRPr lang="en-US" sz="1500" dirty="0" smtClean="0">
+              <a:solidFill>
+                <a:schemeClr val="accent4">
+                  <a:lumMod val="40000"/>
+                  <a:lumOff val="60000"/>
+                </a:schemeClr>
+              </a:solidFill>
+            </a:endParaRPr>
+          </a:p>
+          <a:p>
+            <a:pPr lvl="3"/>
+            <a:endParaRPr lang="en-US" sz="1400" dirty="0" smtClean="0">
+              <a:solidFill>
+                <a:schemeClr val="accent4">
+                  <a:lumMod val="40000"/>
+                  <a:lumOff val="60000"/>
+                </a:schemeClr>
+              </a:solidFill>
+            </a:endParaRPr>
           </a:p>
         </p:txBody>
       </p:sp>
@@ -8736,23 +8507,7 @@
                   <a:schemeClr val="accent2"/>
                 </a:solidFill>
               </a:rPr>
-              <a:t>) analog development </a:t>
-            </a:r>
-            <a:r>
-              <a:rPr lang="en-US" sz="3200" dirty="0" smtClean="0">
-                <a:solidFill>
-                  <a:schemeClr val="accent2"/>
-                </a:solidFill>
-              </a:rPr>
-              <a:t>execution :: </a:t>
-            </a:r>
-            <a:r>
-              <a:rPr lang="en-US" sz="3200" dirty="0" smtClean="0">
-                <a:solidFill>
-                  <a:schemeClr val="accent2"/>
-                </a:solidFill>
-              </a:rPr>
-              <a:t/>
+              <a:t>) analog development execution :: </a:t>
             </a:r>
             <a:br>
               <a:rPr lang="en-US" sz="3200" dirty="0" smtClean="0">
@@ -8767,15 +8522,7 @@
                   <a:schemeClr val="accent2"/>
                 </a:solidFill>
               </a:rPr>
-              <a:t>		</a:t>
-            </a:r>
-            <a:r>
-              <a:rPr lang="en-US" sz="3200" dirty="0" smtClean="0">
-                <a:solidFill>
-                  <a:schemeClr val="accent2"/>
-                </a:solidFill>
-              </a:rPr>
-              <a:t>             the analog process, part one</a:t>
+              <a:t>		             the analog process, part two</a:t>
             </a:r>
             <a:endParaRPr lang="en-US" sz="3200" dirty="0"/>
           </a:p>
@@ -9181,7 +8928,7 @@
     </p:spTree>
     <p:extLst>
       <p:ext uri="{BB962C8B-B14F-4D97-AF65-F5344CB8AC3E}">
-        <p14:creationId xmlns:p14="http://schemas.microsoft.com/office/powerpoint/2010/main" xmlns="" val="1147154572"/>
+        <p14:creationId xmlns="" xmlns:p14="http://schemas.microsoft.com/office/powerpoint/2010/main" val="1147154572"/>
       </p:ext>
     </p:extLst>
   </p:cSld>
@@ -9199,282 +8946,6 @@
 </file>
 
 <file path=ppt/slides/slide20.xml><?xml version="1.0" encoding="utf-8"?>
-<p:sld xmlns:a="http://schemas.openxmlformats.org/drawingml/2006/main" xmlns:r="http://schemas.openxmlformats.org/officeDocument/2006/relationships" xmlns:p="http://schemas.openxmlformats.org/presentationml/2006/main">
-  <p:cSld>
-    <p:spTree>
-      <p:nvGrpSpPr>
-        <p:cNvPr id="1" name=""/>
-        <p:cNvGrpSpPr/>
-        <p:nvPr/>
-      </p:nvGrpSpPr>
-      <p:grpSpPr>
-        <a:xfrm>
-          <a:off x="0" y="0"/>
-          <a:ext cx="0" cy="0"/>
-          <a:chOff x="0" y="0"/>
-          <a:chExt cx="0" cy="0"/>
-        </a:xfrm>
-      </p:grpSpPr>
-      <p:sp>
-        <p:nvSpPr>
-          <p:cNvPr id="2" name="Content Placeholder 1"/>
-          <p:cNvSpPr>
-            <a:spLocks noGrp="1"/>
-          </p:cNvSpPr>
-          <p:nvPr>
-            <p:ph idx="1"/>
-          </p:nvPr>
-        </p:nvSpPr>
-        <p:spPr/>
-        <p:txBody>
-          <a:bodyPr/>
-          <a:lstStyle/>
-          <a:p>
-            <a:r>
-              <a:rPr lang="en-US" sz="2400" dirty="0" smtClean="0"/>
-              <a:t>the analog process – </a:t>
-            </a:r>
-            <a:r>
-              <a:rPr lang="en-US" sz="2400" dirty="0" smtClean="0"/>
-              <a:t>developmental process</a:t>
-            </a:r>
-            <a:endParaRPr lang="en-US" sz="2400" dirty="0" smtClean="0"/>
-          </a:p>
-          <a:p>
-            <a:pPr lvl="1"/>
-            <a:r>
-              <a:rPr lang="en-US" sz="1800" cap="small" dirty="0" smtClean="0"/>
-              <a:t>iii</a:t>
-            </a:r>
-            <a:r>
-              <a:rPr lang="en-US" sz="1800" dirty="0" smtClean="0"/>
-              <a:t>  </a:t>
-            </a:r>
-            <a:r>
-              <a:rPr lang="en-US" sz="1800" dirty="0" smtClean="0"/>
-              <a:t>– </a:t>
-            </a:r>
-            <a:r>
-              <a:rPr lang="en-US" sz="1800" dirty="0" smtClean="0"/>
-              <a:t>sketch the problem and a potential solution</a:t>
-            </a:r>
-            <a:endParaRPr lang="en-US" sz="1800" dirty="0" smtClean="0"/>
-          </a:p>
-          <a:p>
-            <a:pPr lvl="3"/>
-            <a:r>
-              <a:rPr lang="en-US" sz="1600" dirty="0" smtClean="0"/>
-              <a:t>c</a:t>
-            </a:r>
-            <a:r>
-              <a:rPr lang="en-US" sz="1600" dirty="0" smtClean="0"/>
-              <a:t>onceptually represent a solution</a:t>
-            </a:r>
-            <a:endParaRPr lang="en-US" sz="1600" dirty="0" smtClean="0"/>
-          </a:p>
-          <a:p>
-            <a:pPr lvl="4"/>
-            <a:r>
-              <a:rPr lang="en-US" sz="1400" dirty="0" smtClean="0"/>
-              <a:t>r</a:t>
-            </a:r>
-            <a:r>
-              <a:rPr lang="en-US" sz="1400" dirty="0" smtClean="0"/>
-              <a:t>eflection of developer’s working knowledge</a:t>
-            </a:r>
-            <a:endParaRPr lang="en-US" sz="1400" dirty="0" smtClean="0"/>
-          </a:p>
-          <a:p>
-            <a:pPr lvl="2"/>
-            <a:endParaRPr lang="en-US" sz="1400" dirty="0" smtClean="0"/>
-          </a:p>
-          <a:p>
-            <a:pPr lvl="1"/>
-            <a:r>
-              <a:rPr lang="en-US" sz="1800" cap="small" dirty="0" smtClean="0"/>
-              <a:t>i</a:t>
-            </a:r>
-            <a:r>
-              <a:rPr lang="en-US" sz="1800" cap="small" dirty="0" smtClean="0"/>
-              <a:t>v </a:t>
-            </a:r>
-            <a:r>
-              <a:rPr lang="en-US" sz="1800" dirty="0" smtClean="0"/>
-              <a:t>– repair the sketch in light of requirements</a:t>
-            </a:r>
-            <a:endParaRPr lang="en-US" sz="1800" dirty="0" smtClean="0"/>
-          </a:p>
-          <a:p>
-            <a:pPr lvl="3"/>
-            <a:r>
-              <a:rPr lang="en-US" sz="1800" dirty="0" smtClean="0"/>
-              <a:t>a</a:t>
-            </a:r>
-            <a:r>
-              <a:rPr lang="en-US" sz="1800" dirty="0" smtClean="0"/>
-              <a:t>dd missing use cases for the environment</a:t>
-            </a:r>
-            <a:endParaRPr lang="en-US" sz="1600" dirty="0" smtClean="0"/>
-          </a:p>
-          <a:p>
-            <a:pPr lvl="4"/>
-            <a:r>
-              <a:rPr lang="en-US" sz="1400" dirty="0" smtClean="0"/>
-              <a:t>reconcile working knowledge base with needed knowledge </a:t>
-            </a:r>
-            <a:endParaRPr lang="en-US" sz="1400" dirty="0" smtClean="0"/>
-          </a:p>
-          <a:p>
-            <a:pPr lvl="4"/>
-            <a:r>
-              <a:rPr lang="en-US" sz="1400" dirty="0" smtClean="0"/>
-              <a:t>“what did we miss? what pieces aren’t we paying attention to?”</a:t>
-            </a:r>
-          </a:p>
-          <a:p>
-            <a:pPr lvl="4"/>
-            <a:endParaRPr lang="en-US" sz="1400" dirty="0" smtClean="0"/>
-          </a:p>
-          <a:p>
-            <a:pPr lvl="1"/>
-            <a:r>
-              <a:rPr lang="en-US" sz="1900" dirty="0" smtClean="0"/>
-              <a:t>v</a:t>
-            </a:r>
-            <a:r>
-              <a:rPr lang="en-US" sz="1900" dirty="0" smtClean="0"/>
-              <a:t>  – pseudo-code the solution</a:t>
-            </a:r>
-          </a:p>
-          <a:p>
-            <a:pPr lvl="3"/>
-            <a:r>
-              <a:rPr lang="en-US" sz="1600" dirty="0" smtClean="0"/>
-              <a:t>d</a:t>
-            </a:r>
-            <a:r>
-              <a:rPr lang="en-US" sz="1600" dirty="0" smtClean="0"/>
-              <a:t>efinition of algorithmic logic</a:t>
-            </a:r>
-            <a:r>
-              <a:rPr lang="en-US" sz="1500" dirty="0" smtClean="0"/>
-              <a:t> </a:t>
-            </a:r>
-          </a:p>
-          <a:p>
-            <a:pPr lvl="3"/>
-            <a:r>
-              <a:rPr lang="en-US" sz="1500" dirty="0" smtClean="0"/>
-              <a:t>i</a:t>
-            </a:r>
-            <a:r>
-              <a:rPr lang="en-US" sz="1500" dirty="0" smtClean="0"/>
-              <a:t>solation of support logic </a:t>
-            </a:r>
-          </a:p>
-          <a:p>
-            <a:pPr lvl="3"/>
-            <a:r>
-              <a:rPr lang="en-US" sz="1500" dirty="0" smtClean="0"/>
-              <a:t>b</a:t>
-            </a:r>
-            <a:r>
-              <a:rPr lang="en-US" sz="1500" dirty="0" smtClean="0"/>
-              <a:t>ridge between the human mind and machine instruction</a:t>
-            </a:r>
-          </a:p>
-          <a:p>
-            <a:pPr lvl="3"/>
-            <a:endParaRPr lang="en-US" sz="1500" dirty="0" smtClean="0"/>
-          </a:p>
-          <a:p>
-            <a:pPr lvl="3"/>
-            <a:endParaRPr lang="en-US" sz="1500" dirty="0" smtClean="0"/>
-          </a:p>
-          <a:p>
-            <a:pPr lvl="3"/>
-            <a:endParaRPr lang="en-US" sz="1400" dirty="0" smtClean="0"/>
-          </a:p>
-        </p:txBody>
-      </p:sp>
-      <p:sp>
-        <p:nvSpPr>
-          <p:cNvPr id="3" name="Title 2"/>
-          <p:cNvSpPr>
-            <a:spLocks noGrp="1"/>
-          </p:cNvSpPr>
-          <p:nvPr>
-            <p:ph type="title"/>
-          </p:nvPr>
-        </p:nvSpPr>
-        <p:spPr/>
-        <p:txBody>
-          <a:bodyPr>
-            <a:noAutofit/>
-          </a:bodyPr>
-          <a:lstStyle/>
-          <a:p>
-            <a:r>
-              <a:rPr lang="en-US" sz="3200" dirty="0" smtClean="0">
-                <a:solidFill>
-                  <a:schemeClr val="accent2"/>
-                </a:solidFill>
-              </a:rPr>
-              <a:t>( </a:t>
-            </a:r>
-            <a:r>
-              <a:rPr lang="en-US" sz="3200" dirty="0" smtClean="0">
-                <a:solidFill>
-                  <a:schemeClr val="accent2"/>
-                </a:solidFill>
-                <a:latin typeface="Symbol" pitchFamily="18" charset="2"/>
-              </a:rPr>
-              <a:t>d </a:t>
-            </a:r>
-            <a:r>
-              <a:rPr lang="en-US" sz="3200" dirty="0" smtClean="0">
-                <a:solidFill>
-                  <a:schemeClr val="accent2"/>
-                </a:solidFill>
-              </a:rPr>
-              <a:t>) analog development execution :: </a:t>
-            </a:r>
-            <a:br>
-              <a:rPr lang="en-US" sz="3200" dirty="0" smtClean="0">
-                <a:solidFill>
-                  <a:schemeClr val="accent2"/>
-                </a:solidFill>
-              </a:rPr>
-            </a:br>
-            <a:r>
-              <a:rPr lang="en-US" sz="3200" dirty="0" smtClean="0">
-                <a:solidFill>
-                  <a:schemeClr val="accent2"/>
-                </a:solidFill>
-              </a:rPr>
-              <a:t>		             the analog process, part </a:t>
-            </a:r>
-            <a:r>
-              <a:rPr lang="en-US" sz="3200" dirty="0" smtClean="0">
-                <a:solidFill>
-                  <a:schemeClr val="accent2"/>
-                </a:solidFill>
-              </a:rPr>
-              <a:t>two</a:t>
-            </a:r>
-            <a:endParaRPr lang="en-US" sz="3200" dirty="0"/>
-          </a:p>
-        </p:txBody>
-      </p:sp>
-    </p:spTree>
-  </p:cSld>
-  <p:clrMapOvr>
-    <a:masterClrMapping/>
-  </p:clrMapOvr>
-</p:sld>
-</file>
-
-<file path=ppt/slides/slide21.xml><?xml version="1.0" encoding="utf-8"?>
 <p:sld xmlns:a="http://schemas.openxmlformats.org/drawingml/2006/main" xmlns:r="http://schemas.openxmlformats.org/officeDocument/2006/relationships" xmlns:p="http://schemas.openxmlformats.org/presentationml/2006/main">
   <p:cSld>
     <p:spTree>
@@ -9551,31 +9022,7 @@
                   <a:schemeClr val="accent2"/>
                 </a:solidFill>
               </a:rPr>
-              <a:t>		     </a:t>
-            </a:r>
-            <a:r>
-              <a:rPr lang="en-US" sz="3200" dirty="0" smtClean="0">
-                <a:solidFill>
-                  <a:schemeClr val="accent2"/>
-                </a:solidFill>
-              </a:rPr>
-              <a:t>     the </a:t>
-            </a:r>
-            <a:r>
-              <a:rPr lang="en-US" sz="3200" dirty="0" smtClean="0">
-                <a:solidFill>
-                  <a:schemeClr val="accent2"/>
-                </a:solidFill>
-              </a:rPr>
-              <a:t>analog </a:t>
-            </a:r>
-            <a:r>
-              <a:rPr lang="en-US" sz="3200" dirty="0" smtClean="0">
-                <a:solidFill>
-                  <a:schemeClr val="accent2"/>
-                </a:solidFill>
-              </a:rPr>
-              <a:t>process :: </a:t>
+              <a:t>		          the analog process :: </a:t>
             </a:r>
             <a:br>
               <a:rPr lang="en-US" sz="3200" dirty="0" smtClean="0">
@@ -9590,15 +9037,7 @@
                   <a:schemeClr val="accent2"/>
                 </a:solidFill>
               </a:rPr>
-              <a:t> </a:t>
-            </a:r>
-            <a:r>
-              <a:rPr lang="en-US" sz="3200" dirty="0" smtClean="0">
-                <a:solidFill>
-                  <a:schemeClr val="accent2"/>
-                </a:solidFill>
-              </a:rPr>
-              <a:t>                                        pseudo-code first pass</a:t>
+              <a:t>                                         pseudo-code first pass</a:t>
             </a:r>
             <a:endParaRPr lang="en-US" sz="3200" dirty="0"/>
           </a:p>
@@ -9635,7 +9074,7 @@
 </p:sld>
 </file>
 
-<file path=ppt/slides/slide22.xml><?xml version="1.0" encoding="utf-8"?>
+<file path=ppt/slides/slide21.xml><?xml version="1.0" encoding="utf-8"?>
 <p:sld xmlns:a="http://schemas.openxmlformats.org/drawingml/2006/main" xmlns:r="http://schemas.openxmlformats.org/officeDocument/2006/relationships" xmlns:p="http://schemas.openxmlformats.org/presentationml/2006/main">
   <p:cSld>
     <p:spTree>
@@ -9715,23 +9154,7 @@
                   <a:schemeClr val="accent2"/>
                 </a:solidFill>
               </a:rPr>
-              <a:t>) analog development </a:t>
-            </a:r>
-            <a:r>
-              <a:rPr lang="en-US" sz="3200" dirty="0" smtClean="0">
-                <a:solidFill>
-                  <a:schemeClr val="accent2"/>
-                </a:solidFill>
-              </a:rPr>
-              <a:t>execution :: </a:t>
-            </a:r>
-            <a:r>
-              <a:rPr lang="en-US" sz="3200" dirty="0" smtClean="0">
-                <a:solidFill>
-                  <a:schemeClr val="accent2"/>
-                </a:solidFill>
-              </a:rPr>
-              <a:t/>
+              <a:t>) analog development execution :: </a:t>
             </a:r>
             <a:br>
               <a:rPr lang="en-US" sz="3200" dirty="0" smtClean="0">
@@ -9746,23 +9169,7 @@
                   <a:schemeClr val="accent2"/>
                 </a:solidFill>
               </a:rPr>
-              <a:t>           the </a:t>
-            </a:r>
-            <a:r>
-              <a:rPr lang="en-US" sz="3200" dirty="0" smtClean="0">
-                <a:solidFill>
-                  <a:schemeClr val="accent2"/>
-                </a:solidFill>
-              </a:rPr>
-              <a:t>analog process, </a:t>
-            </a:r>
-            <a:r>
-              <a:rPr lang="en-US" sz="3200" dirty="0" smtClean="0">
-                <a:solidFill>
-                  <a:schemeClr val="accent2"/>
-                </a:solidFill>
-              </a:rPr>
-              <a:t>secondary discovery</a:t>
+              <a:t>           the analog process, secondary discovery</a:t>
             </a:r>
             <a:endParaRPr lang="en-US" sz="3200" dirty="0"/>
           </a:p>
@@ -9776,7 +9183,7 @@
 </p:sld>
 </file>
 
-<file path=ppt/slides/slide23.xml><?xml version="1.0" encoding="utf-8"?>
+<file path=ppt/slides/slide22.xml><?xml version="1.0" encoding="utf-8"?>
 <p:sld xmlns:a="http://schemas.openxmlformats.org/drawingml/2006/main" xmlns:r="http://schemas.openxmlformats.org/officeDocument/2006/relationships" xmlns:p="http://schemas.openxmlformats.org/presentationml/2006/main">
   <p:cSld>
     <p:spTree>
@@ -9856,23 +9263,7 @@
                   <a:schemeClr val="accent2"/>
                 </a:solidFill>
               </a:rPr>
-              <a:t>) analog development validation </a:t>
-            </a:r>
-            <a:r>
-              <a:rPr lang="en-US" sz="3200" dirty="0" smtClean="0">
-                <a:solidFill>
-                  <a:schemeClr val="accent2"/>
-                </a:solidFill>
-              </a:rPr>
-              <a:t>:: </a:t>
-            </a:r>
-            <a:r>
-              <a:rPr lang="en-US" sz="3200" dirty="0" smtClean="0">
-                <a:solidFill>
-                  <a:schemeClr val="accent2"/>
-                </a:solidFill>
-              </a:rPr>
-              <a:t/>
+              <a:t>) analog development validation :: </a:t>
             </a:r>
             <a:br>
               <a:rPr lang="en-US" sz="3200" dirty="0" smtClean="0">
@@ -9887,15 +9278,7 @@
                   <a:schemeClr val="accent2"/>
                 </a:solidFill>
               </a:rPr>
-              <a:t>           </a:t>
-            </a:r>
-            <a:r>
-              <a:rPr lang="en-US" sz="3200" dirty="0" smtClean="0">
-                <a:solidFill>
-                  <a:schemeClr val="accent2"/>
-                </a:solidFill>
-              </a:rPr>
-              <a:t>  class normalization and layered design</a:t>
+              <a:t>             class normalization and layered design</a:t>
             </a:r>
             <a:endParaRPr lang="en-US" sz="3200" dirty="0"/>
           </a:p>
@@ -9909,7 +9292,7 @@
 </p:sld>
 </file>
 
-<file path=ppt/slides/slide24.xml><?xml version="1.0" encoding="utf-8"?>
+<file path=ppt/slides/slide23.xml><?xml version="1.0" encoding="utf-8"?>
 <p:sld xmlns:a="http://schemas.openxmlformats.org/drawingml/2006/main" xmlns:r="http://schemas.openxmlformats.org/officeDocument/2006/relationships" xmlns:p="http://schemas.openxmlformats.org/presentationml/2006/main">
   <p:cSld>
     <p:spTree>
@@ -9982,7 +9365,7 @@
 </p:sld>
 </file>
 
-<file path=ppt/slides/slide25.xml><?xml version="1.0" encoding="utf-8"?>
+<file path=ppt/slides/slide24.xml><?xml version="1.0" encoding="utf-8"?>
 <p:sld xmlns:a="http://schemas.openxmlformats.org/drawingml/2006/main" xmlns:r="http://schemas.openxmlformats.org/officeDocument/2006/relationships" xmlns:p="http://schemas.openxmlformats.org/presentationml/2006/main">
   <p:cSld>
     <p:spTree>
@@ -10062,23 +9445,7 @@
                   <a:schemeClr val="accent2"/>
                 </a:solidFill>
               </a:rPr>
-              <a:t>) analog development validation </a:t>
-            </a:r>
-            <a:r>
-              <a:rPr lang="en-US" sz="3200" dirty="0" smtClean="0">
-                <a:solidFill>
-                  <a:schemeClr val="accent2"/>
-                </a:solidFill>
-              </a:rPr>
-              <a:t>:: </a:t>
-            </a:r>
-            <a:r>
-              <a:rPr lang="en-US" sz="3200" dirty="0" smtClean="0">
-                <a:solidFill>
-                  <a:schemeClr val="accent2"/>
-                </a:solidFill>
-              </a:rPr>
-              <a:t/>
+              <a:t>) analog development validation :: </a:t>
             </a:r>
             <a:br>
               <a:rPr lang="en-US" sz="3200" dirty="0" smtClean="0">
@@ -10093,15 +9460,7 @@
                   <a:schemeClr val="accent2"/>
                 </a:solidFill>
               </a:rPr>
-              <a:t>         </a:t>
-            </a:r>
-            <a:r>
-              <a:rPr lang="en-US" sz="3200" dirty="0" smtClean="0">
-                <a:solidFill>
-                  <a:schemeClr val="accent2"/>
-                </a:solidFill>
-              </a:rPr>
-              <a:t> relative math and test scenario flexibility</a:t>
+              <a:t>          relative math and test scenario flexibility</a:t>
             </a:r>
             <a:endParaRPr lang="en-US" sz="3200" dirty="0"/>
           </a:p>
@@ -10115,7 +9474,7 @@
 </p:sld>
 </file>
 
-<file path=ppt/slides/slide26.xml><?xml version="1.0" encoding="utf-8"?>
+<file path=ppt/slides/slide25.xml><?xml version="1.0" encoding="utf-8"?>
 <p:sld xmlns:a="http://schemas.openxmlformats.org/drawingml/2006/main" xmlns:r="http://schemas.openxmlformats.org/officeDocument/2006/relationships" xmlns:p="http://schemas.openxmlformats.org/presentationml/2006/main">
   <p:cSld>
     <p:spTree>
@@ -10171,164 +9530,7 @@
 </p:sld>
 </file>
 
-<file path=ppt/slides/slide27.xml><?xml version="1.0" encoding="utf-8"?>
-<p:sld xmlns:a="http://schemas.openxmlformats.org/drawingml/2006/main" xmlns:r="http://schemas.openxmlformats.org/officeDocument/2006/relationships" xmlns:p="http://schemas.openxmlformats.org/presentationml/2006/main">
-  <p:cSld>
-    <p:spTree>
-      <p:nvGrpSpPr>
-        <p:cNvPr id="1" name=""/>
-        <p:cNvGrpSpPr/>
-        <p:nvPr/>
-      </p:nvGrpSpPr>
-      <p:grpSpPr>
-        <a:xfrm>
-          <a:off x="0" y="0"/>
-          <a:ext cx="0" cy="0"/>
-          <a:chOff x="0" y="0"/>
-          <a:chExt cx="0" cy="0"/>
-        </a:xfrm>
-      </p:grpSpPr>
-      <p:sp>
-        <p:nvSpPr>
-          <p:cNvPr id="2" name="Content Placeholder 1"/>
-          <p:cNvSpPr>
-            <a:spLocks noGrp="1"/>
-          </p:cNvSpPr>
-          <p:nvPr>
-            <p:ph idx="1"/>
-          </p:nvPr>
-        </p:nvSpPr>
-        <p:spPr/>
-        <p:txBody>
-          <a:bodyPr/>
-          <a:lstStyle/>
-          <a:p>
-            <a:r>
-              <a:rPr lang="en-US" dirty="0" smtClean="0"/>
-              <a:t>Text and figures</a:t>
-            </a:r>
-            <a:endParaRPr lang="en-US" dirty="0"/>
-          </a:p>
-        </p:txBody>
-      </p:sp>
-      <p:sp>
-        <p:nvSpPr>
-          <p:cNvPr id="3" name="Title 2"/>
-          <p:cNvSpPr>
-            <a:spLocks noGrp="1"/>
-          </p:cNvSpPr>
-          <p:nvPr>
-            <p:ph type="title"/>
-          </p:nvPr>
-        </p:nvSpPr>
-        <p:spPr/>
-        <p:txBody>
-          <a:bodyPr>
-            <a:noAutofit/>
-          </a:bodyPr>
-          <a:lstStyle/>
-          <a:p>
-            <a:r>
-              <a:rPr lang="en-US" sz="3200" dirty="0" smtClean="0">
-                <a:solidFill>
-                  <a:schemeClr val="accent2"/>
-                </a:solidFill>
-              </a:rPr>
-              <a:t>( </a:t>
-            </a:r>
-            <a:r>
-              <a:rPr lang="en-US" sz="3200" dirty="0" smtClean="0">
-                <a:solidFill>
-                  <a:schemeClr val="accent2"/>
-                </a:solidFill>
-                <a:latin typeface="Symbol" pitchFamily="18" charset="2"/>
-              </a:rPr>
-              <a:t>d </a:t>
-            </a:r>
-            <a:r>
-              <a:rPr lang="en-US" sz="3200" dirty="0" smtClean="0">
-                <a:solidFill>
-                  <a:schemeClr val="accent2"/>
-                </a:solidFill>
-              </a:rPr>
-              <a:t>) analog development validation </a:t>
-            </a:r>
-            <a:r>
-              <a:rPr lang="en-US" sz="3200" dirty="0" smtClean="0">
-                <a:solidFill>
-                  <a:schemeClr val="accent2"/>
-                </a:solidFill>
-              </a:rPr>
-              <a:t>:: </a:t>
-            </a:r>
-            <a:r>
-              <a:rPr lang="en-US" sz="3200" dirty="0" smtClean="0">
-                <a:solidFill>
-                  <a:schemeClr val="accent2"/>
-                </a:solidFill>
-              </a:rPr>
-              <a:t/>
-            </a:r>
-            <a:br>
-              <a:rPr lang="en-US" sz="3200" dirty="0" smtClean="0">
-                <a:solidFill>
-                  <a:schemeClr val="accent2"/>
-                </a:solidFill>
-              </a:rPr>
-            </a:br>
-            <a:r>
-              <a:rPr lang="en-US" sz="3200" dirty="0" smtClean="0">
-                <a:solidFill>
-                  <a:schemeClr val="accent2"/>
-                </a:solidFill>
-              </a:rPr>
-              <a:t> </a:t>
-            </a:r>
-            <a:r>
-              <a:rPr lang="en-US" sz="3200" dirty="0" smtClean="0">
-                <a:solidFill>
-                  <a:schemeClr val="accent2"/>
-                </a:solidFill>
-              </a:rPr>
-              <a:t>                self reconnaissance and </a:t>
-            </a:r>
-            <a:r>
-              <a:rPr lang="en-US" sz="3200" dirty="0" err="1" smtClean="0">
-                <a:solidFill>
-                  <a:schemeClr val="accent2"/>
-                </a:solidFill>
-              </a:rPr>
-              <a:t>the</a:t>
-            </a:r>
-            <a:r>
-              <a:rPr lang="en-US" sz="3200" i="1" dirty="0" err="1" smtClean="0">
-                <a:solidFill>
-                  <a:schemeClr val="accent2"/>
-                </a:solidFill>
-              </a:rPr>
-              <a:t>won’t</a:t>
-            </a:r>
-            <a:r>
-              <a:rPr lang="en-US" sz="3200" i="1" dirty="0" smtClean="0">
-                <a:solidFill>
-                  <a:schemeClr val="accent2"/>
-                </a:solidFill>
-              </a:rPr>
-              <a:t> fix </a:t>
-            </a:r>
-            <a:endParaRPr lang="en-US" sz="3200" dirty="0"/>
-          </a:p>
-        </p:txBody>
-      </p:sp>
-    </p:spTree>
-  </p:cSld>
-  <p:clrMapOvr>
-    <a:masterClrMapping/>
-  </p:clrMapOvr>
-</p:sld>
-</file>
-
-<file path=ppt/slides/slide28.xml><?xml version="1.0" encoding="utf-8"?>
+<file path=ppt/slides/slide26.xml><?xml version="1.0" encoding="utf-8"?>
 <p:sld xmlns:a="http://schemas.openxmlformats.org/drawingml/2006/main" xmlns:r="http://schemas.openxmlformats.org/officeDocument/2006/relationships" xmlns:p="http://schemas.openxmlformats.org/presentationml/2006/main">
   <p:cSld>
     <p:spTree>
@@ -10408,23 +9610,7 @@
                   <a:schemeClr val="accent2"/>
                 </a:solidFill>
               </a:rPr>
-              <a:t>) analog development validation </a:t>
-            </a:r>
-            <a:r>
-              <a:rPr lang="en-US" sz="3200" dirty="0" smtClean="0">
-                <a:solidFill>
-                  <a:schemeClr val="accent2"/>
-                </a:solidFill>
-              </a:rPr>
-              <a:t>:: </a:t>
-            </a:r>
-            <a:r>
-              <a:rPr lang="en-US" sz="3200" dirty="0" smtClean="0">
-                <a:solidFill>
-                  <a:schemeClr val="accent2"/>
-                </a:solidFill>
-              </a:rPr>
-              <a:t/>
+              <a:t>) analog development validation :: </a:t>
             </a:r>
             <a:br>
               <a:rPr lang="en-US" sz="3200" dirty="0" smtClean="0">
@@ -10439,15 +9625,7 @@
                   <a:schemeClr val="accent2"/>
                 </a:solidFill>
               </a:rPr>
-              <a:t>          </a:t>
-            </a:r>
-            <a:r>
-              <a:rPr lang="en-US" sz="3200" dirty="0" smtClean="0">
-                <a:solidFill>
-                  <a:schemeClr val="accent2"/>
-                </a:solidFill>
-              </a:rPr>
-              <a:t>                                   self reconnaissance</a:t>
+              <a:t>                                             self reconnaissance</a:t>
             </a:r>
             <a:endParaRPr lang="en-US" sz="3200" dirty="0"/>
           </a:p>
@@ -10461,7 +9639,7 @@
 </p:sld>
 </file>
 
-<file path=ppt/slides/slide29.xml><?xml version="1.0" encoding="utf-8"?>
+<file path=ppt/slides/slide27.xml><?xml version="1.0" encoding="utf-8"?>
 <p:sld xmlns:a="http://schemas.openxmlformats.org/drawingml/2006/main" xmlns:r="http://schemas.openxmlformats.org/officeDocument/2006/relationships" xmlns:p="http://schemas.openxmlformats.org/presentationml/2006/main">
   <p:cSld>
     <p:spTree>
@@ -10541,23 +9719,7 @@
                   <a:schemeClr val="accent2"/>
                 </a:solidFill>
               </a:rPr>
-              <a:t>) analog development </a:t>
-            </a:r>
-            <a:r>
-              <a:rPr lang="en-US" sz="3200" dirty="0" smtClean="0">
-                <a:solidFill>
-                  <a:schemeClr val="accent2"/>
-                </a:solidFill>
-              </a:rPr>
-              <a:t>validation </a:t>
-            </a:r>
-            <a:r>
-              <a:rPr lang="en-US" sz="3200" dirty="0" smtClean="0">
-                <a:solidFill>
-                  <a:schemeClr val="accent2"/>
-                </a:solidFill>
-              </a:rPr>
-              <a:t>:: </a:t>
+              <a:t>) analog development validation :: </a:t>
             </a:r>
             <a:br>
               <a:rPr lang="en-US" sz="3200" dirty="0" smtClean="0">
@@ -10572,47 +9734,788 @@
                   <a:schemeClr val="accent2"/>
                 </a:solidFill>
               </a:rPr>
-              <a:t>           </a:t>
-            </a:r>
+              <a:t>                                                           </a:t>
+            </a:r>
+            <a:r>
+              <a:rPr lang="en-US" sz="3200" dirty="0" err="1" smtClean="0">
+                <a:solidFill>
+                  <a:schemeClr val="accent2"/>
+                </a:solidFill>
+              </a:rPr>
+              <a:t>the</a:t>
+            </a:r>
+            <a:r>
+              <a:rPr lang="en-US" sz="3200" i="1" dirty="0" err="1" smtClean="0">
+                <a:solidFill>
+                  <a:schemeClr val="accent2"/>
+                </a:solidFill>
+              </a:rPr>
+              <a:t>won’t</a:t>
+            </a:r>
+            <a:r>
+              <a:rPr lang="en-US" sz="3200" i="1" dirty="0" smtClean="0">
+                <a:solidFill>
+                  <a:schemeClr val="accent2"/>
+                </a:solidFill>
+              </a:rPr>
+              <a:t> fix </a:t>
+            </a:r>
+            <a:endParaRPr lang="en-US" sz="3200" dirty="0"/>
+          </a:p>
+        </p:txBody>
+      </p:sp>
+    </p:spTree>
+  </p:cSld>
+  <p:clrMapOvr>
+    <a:masterClrMapping/>
+  </p:clrMapOvr>
+</p:sld>
+</file>
+
+<file path=ppt/slides/slide28.xml><?xml version="1.0" encoding="utf-8"?>
+<p:sld xmlns:a="http://schemas.openxmlformats.org/drawingml/2006/main" xmlns:r="http://schemas.openxmlformats.org/officeDocument/2006/relationships" xmlns:p="http://schemas.openxmlformats.org/presentationml/2006/main">
+  <p:cSld>
+    <p:spTree>
+      <p:nvGrpSpPr>
+        <p:cNvPr id="1" name=""/>
+        <p:cNvGrpSpPr/>
+        <p:nvPr/>
+      </p:nvGrpSpPr>
+      <p:grpSpPr>
+        <a:xfrm>
+          <a:off x="0" y="0"/>
+          <a:ext cx="0" cy="0"/>
+          <a:chOff x="0" y="0"/>
+          <a:chExt cx="0" cy="0"/>
+        </a:xfrm>
+      </p:grpSpPr>
+      <p:sp>
+        <p:nvSpPr>
+          <p:cNvPr id="2" name="Content Placeholder 1"/>
+          <p:cNvSpPr>
+            <a:spLocks noGrp="1"/>
+          </p:cNvSpPr>
+          <p:nvPr>
+            <p:ph idx="1"/>
+          </p:nvPr>
+        </p:nvSpPr>
+        <p:spPr/>
+        <p:txBody>
+          <a:bodyPr/>
+          <a:lstStyle/>
+          <a:p>
+            <a:r>
+              <a:rPr lang="en-US" sz="2400" dirty="0" err="1" smtClean="0">
+                <a:solidFill>
+                  <a:schemeClr val="accent4">
+                    <a:lumMod val="40000"/>
+                    <a:lumOff val="60000"/>
+                  </a:schemeClr>
+                </a:solidFill>
+              </a:rPr>
+              <a:t>a.d.d</a:t>
+            </a:r>
+            <a:r>
+              <a:rPr lang="en-US" sz="2400" dirty="0" smtClean="0">
+                <a:solidFill>
+                  <a:schemeClr val="accent4">
+                    <a:lumMod val="40000"/>
+                    <a:lumOff val="60000"/>
+                  </a:schemeClr>
+                </a:solidFill>
+              </a:rPr>
+              <a:t>.  yields</a:t>
+            </a:r>
+          </a:p>
+          <a:p>
+            <a:pPr lvl="2"/>
+            <a:r>
+              <a:rPr lang="en-US" sz="1800" dirty="0" smtClean="0">
+                <a:solidFill>
+                  <a:schemeClr val="accent4">
+                    <a:lumMod val="40000"/>
+                    <a:lumOff val="60000"/>
+                  </a:schemeClr>
+                </a:solidFill>
+              </a:rPr>
+              <a:t>improved confidence in designed software artifact</a:t>
+            </a:r>
+          </a:p>
+          <a:p>
+            <a:pPr lvl="2"/>
+            <a:r>
+              <a:rPr lang="en-US" sz="1800" dirty="0" smtClean="0">
+                <a:solidFill>
+                  <a:schemeClr val="accent4">
+                    <a:lumMod val="40000"/>
+                    <a:lumOff val="60000"/>
+                  </a:schemeClr>
+                </a:solidFill>
+              </a:rPr>
+              <a:t>improved understanding </a:t>
+            </a:r>
+            <a:r>
+              <a:rPr lang="en-US" sz="1800" dirty="0" smtClean="0">
+                <a:solidFill>
+                  <a:schemeClr val="accent4">
+                    <a:lumMod val="40000"/>
+                    <a:lumOff val="60000"/>
+                  </a:schemeClr>
+                </a:solidFill>
+              </a:rPr>
+              <a:t>and intimate knowledge of </a:t>
+            </a:r>
+            <a:r>
+              <a:rPr lang="en-US" sz="1800" dirty="0" smtClean="0">
+                <a:solidFill>
+                  <a:schemeClr val="accent4">
+                    <a:lumMod val="40000"/>
+                    <a:lumOff val="60000"/>
+                  </a:schemeClr>
+                </a:solidFill>
+              </a:rPr>
+              <a:t>designed artifact status</a:t>
+            </a:r>
+          </a:p>
+          <a:p>
+            <a:pPr lvl="2"/>
+            <a:r>
+              <a:rPr lang="en-US" sz="1800" dirty="0" smtClean="0">
+                <a:solidFill>
+                  <a:schemeClr val="accent4">
+                    <a:lumMod val="40000"/>
+                    <a:lumOff val="60000"/>
+                  </a:schemeClr>
+                </a:solidFill>
+              </a:rPr>
+              <a:t>large scope assurance for minimum viable product</a:t>
+            </a:r>
+          </a:p>
+          <a:p>
+            <a:pPr lvl="2"/>
+            <a:r>
+              <a:rPr lang="en-US" sz="1800" dirty="0" smtClean="0">
+                <a:solidFill>
+                  <a:schemeClr val="accent4">
+                    <a:lumMod val="40000"/>
+                    <a:lumOff val="60000"/>
+                  </a:schemeClr>
+                </a:solidFill>
+              </a:rPr>
+              <a:t>early stage isolation of ‘ power ’ vs. ‘ support ’ functionality</a:t>
+            </a:r>
+          </a:p>
+          <a:p>
+            <a:pPr lvl="2"/>
+            <a:r>
+              <a:rPr lang="en-US" sz="1800" dirty="0" smtClean="0">
+                <a:solidFill>
+                  <a:schemeClr val="accent4">
+                    <a:lumMod val="40000"/>
+                    <a:lumOff val="60000"/>
+                  </a:schemeClr>
+                </a:solidFill>
+              </a:rPr>
+              <a:t>pre-emptive </a:t>
+            </a:r>
+            <a:r>
+              <a:rPr lang="en-US" sz="1800" dirty="0" smtClean="0">
+                <a:solidFill>
+                  <a:schemeClr val="accent4">
+                    <a:lumMod val="40000"/>
+                    <a:lumOff val="60000"/>
+                  </a:schemeClr>
+                </a:solidFill>
+              </a:rPr>
+              <a:t>refactoring</a:t>
+            </a:r>
+            <a:endParaRPr lang="en-US" sz="1800" dirty="0" smtClean="0">
+              <a:solidFill>
+                <a:schemeClr val="accent4">
+                  <a:lumMod val="40000"/>
+                  <a:lumOff val="60000"/>
+                </a:schemeClr>
+              </a:solidFill>
+            </a:endParaRPr>
+          </a:p>
+          <a:p>
+            <a:pPr lvl="2"/>
+            <a:r>
+              <a:rPr lang="en-US" sz="1800" dirty="0" smtClean="0">
+                <a:solidFill>
+                  <a:schemeClr val="accent4">
+                    <a:lumMod val="40000"/>
+                    <a:lumOff val="60000"/>
+                  </a:schemeClr>
+                </a:solidFill>
+              </a:rPr>
+              <a:t>pre-emptive </a:t>
+            </a:r>
+            <a:r>
+              <a:rPr lang="en-US" sz="1800" dirty="0" smtClean="0">
+                <a:solidFill>
+                  <a:schemeClr val="accent4">
+                    <a:lumMod val="40000"/>
+                    <a:lumOff val="60000"/>
+                  </a:schemeClr>
+                </a:solidFill>
+              </a:rPr>
+              <a:t>debugging </a:t>
+            </a:r>
+            <a:endParaRPr lang="en-US" sz="1800" dirty="0" smtClean="0">
+              <a:solidFill>
+                <a:schemeClr val="accent4">
+                  <a:lumMod val="40000"/>
+                  <a:lumOff val="60000"/>
+                </a:schemeClr>
+              </a:solidFill>
+            </a:endParaRPr>
+          </a:p>
+          <a:p>
+            <a:pPr lvl="2"/>
+            <a:endParaRPr lang="en-US" sz="1800" dirty="0" smtClean="0">
+              <a:solidFill>
+                <a:schemeClr val="accent4">
+                  <a:lumMod val="40000"/>
+                  <a:lumOff val="60000"/>
+                </a:schemeClr>
+              </a:solidFill>
+            </a:endParaRPr>
+          </a:p>
+          <a:p>
+            <a:r>
+              <a:rPr lang="en-US" sz="2000" i="1" dirty="0" smtClean="0">
+                <a:solidFill>
+                  <a:schemeClr val="accent4">
+                    <a:lumMod val="40000"/>
+                    <a:lumOff val="60000"/>
+                  </a:schemeClr>
+                </a:solidFill>
+              </a:rPr>
+              <a:t>“hey, if we want to install feature ‘x’, how’s that going to impact the current functionality? </a:t>
+            </a:r>
+            <a:r>
+              <a:rPr lang="en-US" sz="2000" i="1" dirty="0" smtClean="0">
+                <a:solidFill>
+                  <a:schemeClr val="accent4">
+                    <a:lumMod val="40000"/>
+                    <a:lumOff val="60000"/>
+                  </a:schemeClr>
+                </a:solidFill>
+              </a:rPr>
+              <a:t>w</a:t>
+            </a:r>
+            <a:r>
+              <a:rPr lang="en-US" sz="2000" i="1" dirty="0" smtClean="0">
+                <a:solidFill>
+                  <a:schemeClr val="accent4">
+                    <a:lumMod val="40000"/>
+                    <a:lumOff val="60000"/>
+                  </a:schemeClr>
+                </a:solidFill>
+              </a:rPr>
+              <a:t>ill it even fit it?”</a:t>
+            </a:r>
+          </a:p>
+          <a:p>
+            <a:endParaRPr lang="en-US" sz="2000" i="1" dirty="0" smtClean="0">
+              <a:solidFill>
+                <a:schemeClr val="accent4">
+                  <a:lumMod val="40000"/>
+                  <a:lumOff val="60000"/>
+                </a:schemeClr>
+              </a:solidFill>
+            </a:endParaRPr>
+          </a:p>
+          <a:p>
+            <a:r>
+              <a:rPr lang="en-US" sz="2000" i="1" dirty="0" smtClean="0">
+                <a:solidFill>
+                  <a:schemeClr val="accent4">
+                    <a:lumMod val="40000"/>
+                    <a:lumOff val="60000"/>
+                  </a:schemeClr>
+                </a:solidFill>
+              </a:rPr>
+              <a:t>“not sure, let me check the math on it.”</a:t>
+            </a:r>
+            <a:endParaRPr lang="en-US" sz="2000" i="1" dirty="0" smtClean="0">
+              <a:solidFill>
+                <a:schemeClr val="accent4">
+                  <a:lumMod val="40000"/>
+                  <a:lumOff val="60000"/>
+                </a:schemeClr>
+              </a:solidFill>
+            </a:endParaRPr>
+          </a:p>
+        </p:txBody>
+      </p:sp>
+      <p:sp>
+        <p:nvSpPr>
+          <p:cNvPr id="3" name="Title 2"/>
+          <p:cNvSpPr>
+            <a:spLocks noGrp="1"/>
+          </p:cNvSpPr>
+          <p:nvPr>
+            <p:ph type="title"/>
+          </p:nvPr>
+        </p:nvSpPr>
+        <p:spPr/>
+        <p:txBody>
+          <a:bodyPr>
+            <a:normAutofit/>
+          </a:bodyPr>
+          <a:lstStyle/>
+          <a:p>
             <a:r>
               <a:rPr lang="en-US" sz="3200" dirty="0" smtClean="0">
                 <a:solidFill>
-                  <a:schemeClr val="accent2"/>
-                </a:solidFill>
-              </a:rPr>
-              <a:t>                                                </a:t>
-            </a:r>
-            <a:r>
-              <a:rPr lang="en-US" sz="3200" dirty="0" err="1" smtClean="0">
-                <a:solidFill>
-                  <a:schemeClr val="accent2"/>
-                </a:solidFill>
-              </a:rPr>
-              <a:t>the</a:t>
-            </a:r>
-            <a:r>
-              <a:rPr lang="en-US" sz="3200" i="1" dirty="0" err="1" smtClean="0">
-                <a:solidFill>
-                  <a:schemeClr val="accent2"/>
-                </a:solidFill>
-              </a:rPr>
-              <a:t>won’t</a:t>
-            </a:r>
-            <a:r>
-              <a:rPr lang="en-US" sz="3200" i="1" dirty="0" smtClean="0">
-                <a:solidFill>
-                  <a:schemeClr val="accent2"/>
-                </a:solidFill>
-              </a:rPr>
-              <a:t> </a:t>
-            </a:r>
-            <a:r>
-              <a:rPr lang="en-US" sz="3200" i="1" dirty="0" smtClean="0">
-                <a:solidFill>
-                  <a:schemeClr val="accent2"/>
-                </a:solidFill>
-              </a:rPr>
-              <a:t>fix </a:t>
+                  <a:schemeClr val="accent4">
+                    <a:lumMod val="40000"/>
+                    <a:lumOff val="60000"/>
+                  </a:schemeClr>
+                </a:solidFill>
+              </a:rPr>
+              <a:t>( </a:t>
+            </a:r>
+            <a:r>
+              <a:rPr lang="en-US" sz="3200" dirty="0" smtClean="0">
+                <a:solidFill>
+                  <a:schemeClr val="accent4">
+                    <a:lumMod val="40000"/>
+                    <a:lumOff val="60000"/>
+                  </a:schemeClr>
+                </a:solidFill>
+                <a:latin typeface="Symbol" pitchFamily="18" charset="2"/>
+              </a:rPr>
+              <a:t>e </a:t>
+            </a:r>
+            <a:r>
+              <a:rPr lang="en-US" sz="3200" dirty="0" smtClean="0">
+                <a:solidFill>
+                  <a:schemeClr val="accent4">
+                    <a:lumMod val="40000"/>
+                    <a:lumOff val="60000"/>
+                  </a:schemeClr>
+                </a:solidFill>
+              </a:rPr>
+              <a:t>) conclusions :: </a:t>
+            </a:r>
+            <a:br>
+              <a:rPr lang="en-US" sz="3200" dirty="0" smtClean="0">
+                <a:solidFill>
+                  <a:schemeClr val="accent4">
+                    <a:lumMod val="40000"/>
+                    <a:lumOff val="60000"/>
+                  </a:schemeClr>
+                </a:solidFill>
+              </a:rPr>
+            </a:br>
+            <a:r>
+              <a:rPr lang="en-US" sz="3200" dirty="0" smtClean="0">
+                <a:solidFill>
+                  <a:schemeClr val="accent4">
+                    <a:lumMod val="40000"/>
+                    <a:lumOff val="60000"/>
+                  </a:schemeClr>
+                </a:solidFill>
+              </a:rPr>
+              <a:t>					             in summary</a:t>
+            </a:r>
+            <a:endParaRPr lang="en-US" sz="3200" dirty="0"/>
+          </a:p>
+        </p:txBody>
+      </p:sp>
+    </p:spTree>
+  </p:cSld>
+  <p:clrMapOvr>
+    <a:masterClrMapping/>
+  </p:clrMapOvr>
+</p:sld>
+</file>
+
+<file path=ppt/slides/slide29.xml><?xml version="1.0" encoding="utf-8"?>
+<p:sld xmlns:a="http://schemas.openxmlformats.org/drawingml/2006/main" xmlns:r="http://schemas.openxmlformats.org/officeDocument/2006/relationships" xmlns:p="http://schemas.openxmlformats.org/presentationml/2006/main">
+  <p:cSld>
+    <p:spTree>
+      <p:nvGrpSpPr>
+        <p:cNvPr id="1" name=""/>
+        <p:cNvGrpSpPr/>
+        <p:nvPr/>
+      </p:nvGrpSpPr>
+      <p:grpSpPr>
+        <a:xfrm>
+          <a:off x="0" y="0"/>
+          <a:ext cx="0" cy="0"/>
+          <a:chOff x="0" y="0"/>
+          <a:chExt cx="0" cy="0"/>
+        </a:xfrm>
+      </p:grpSpPr>
+      <p:sp>
+        <p:nvSpPr>
+          <p:cNvPr id="2" name="Content Placeholder 1"/>
+          <p:cNvSpPr>
+            <a:spLocks noGrp="1"/>
+          </p:cNvSpPr>
+          <p:nvPr>
+            <p:ph idx="1"/>
+          </p:nvPr>
+        </p:nvSpPr>
+        <p:spPr>
+          <a:xfrm>
+            <a:off x="457200" y="1481328"/>
+            <a:ext cx="8229600" cy="4919472"/>
+          </a:xfrm>
+        </p:spPr>
+        <p:txBody>
+          <a:bodyPr/>
+          <a:lstStyle/>
+          <a:p>
+            <a:r>
+              <a:rPr lang="en-US" sz="2400" dirty="0" smtClean="0">
+                <a:solidFill>
+                  <a:schemeClr val="accent4">
+                    <a:lumMod val="40000"/>
+                    <a:lumOff val="60000"/>
+                  </a:schemeClr>
+                </a:solidFill>
+              </a:rPr>
+              <a:t>f</a:t>
+            </a:r>
+            <a:r>
+              <a:rPr lang="en-US" sz="2400" dirty="0" smtClean="0">
+                <a:solidFill>
+                  <a:schemeClr val="accent4">
+                    <a:lumMod val="40000"/>
+                    <a:lumOff val="60000"/>
+                  </a:schemeClr>
+                </a:solidFill>
+              </a:rPr>
+              <a:t>urthering </a:t>
+            </a:r>
+            <a:r>
+              <a:rPr lang="en-US" sz="2400" dirty="0" err="1" smtClean="0">
+                <a:solidFill>
+                  <a:schemeClr val="accent4">
+                    <a:lumMod val="40000"/>
+                    <a:lumOff val="60000"/>
+                  </a:schemeClr>
+                </a:solidFill>
+              </a:rPr>
+              <a:t>a.d.d</a:t>
+            </a:r>
+            <a:r>
+              <a:rPr lang="en-US" sz="2400" dirty="0" smtClean="0">
+                <a:solidFill>
+                  <a:schemeClr val="accent4">
+                    <a:lumMod val="40000"/>
+                    <a:lumOff val="60000"/>
+                  </a:schemeClr>
+                </a:solidFill>
+              </a:rPr>
+              <a:t>.</a:t>
+            </a:r>
+          </a:p>
+          <a:p>
+            <a:pPr lvl="1"/>
+            <a:r>
+              <a:rPr lang="en-US" sz="1800" dirty="0" smtClean="0">
+                <a:solidFill>
+                  <a:schemeClr val="accent4">
+                    <a:lumMod val="40000"/>
+                    <a:lumOff val="60000"/>
+                  </a:schemeClr>
+                </a:solidFill>
+              </a:rPr>
+              <a:t>t</a:t>
+            </a:r>
+            <a:r>
+              <a:rPr lang="en-US" sz="1800" dirty="0" smtClean="0">
+                <a:solidFill>
+                  <a:schemeClr val="accent4">
+                    <a:lumMod val="40000"/>
+                    <a:lumOff val="60000"/>
+                  </a:schemeClr>
+                </a:solidFill>
+              </a:rPr>
+              <a:t>rue design limits – what can and cannot do</a:t>
+            </a:r>
+          </a:p>
+          <a:p>
+            <a:pPr lvl="1"/>
+            <a:r>
+              <a:rPr lang="en-US" sz="1800" dirty="0" smtClean="0">
+                <a:solidFill>
+                  <a:schemeClr val="accent4">
+                    <a:lumMod val="40000"/>
+                    <a:lumOff val="60000"/>
+                  </a:schemeClr>
+                </a:solidFill>
+              </a:rPr>
+              <a:t>p</a:t>
+            </a:r>
+            <a:r>
+              <a:rPr lang="en-US" sz="1800" dirty="0" smtClean="0">
+                <a:solidFill>
+                  <a:schemeClr val="accent4">
+                    <a:lumMod val="40000"/>
+                    <a:lumOff val="60000"/>
+                  </a:schemeClr>
+                </a:solidFill>
+              </a:rPr>
+              <a:t>ermutations of usage</a:t>
+            </a:r>
+          </a:p>
+          <a:p>
+            <a:endParaRPr lang="en-US" sz="2400" dirty="0" smtClean="0">
+              <a:solidFill>
+                <a:schemeClr val="accent4">
+                  <a:lumMod val="40000"/>
+                  <a:lumOff val="60000"/>
+                </a:schemeClr>
+              </a:solidFill>
+            </a:endParaRPr>
+          </a:p>
+          <a:p>
+            <a:r>
+              <a:rPr lang="en-US" sz="2400" dirty="0" smtClean="0">
+                <a:solidFill>
+                  <a:schemeClr val="accent4">
+                    <a:lumMod val="40000"/>
+                    <a:lumOff val="60000"/>
+                  </a:schemeClr>
+                </a:solidFill>
+              </a:rPr>
+              <a:t>d</a:t>
+            </a:r>
+            <a:r>
+              <a:rPr lang="en-US" sz="2400" dirty="0" smtClean="0">
+                <a:solidFill>
+                  <a:schemeClr val="accent4">
+                    <a:lumMod val="40000"/>
+                    <a:lumOff val="60000"/>
+                  </a:schemeClr>
+                </a:solidFill>
+              </a:rPr>
+              <a:t>atabase keying structures</a:t>
+            </a:r>
+          </a:p>
+          <a:p>
+            <a:endParaRPr lang="en-US" sz="2400" dirty="0" smtClean="0">
+              <a:solidFill>
+                <a:schemeClr val="accent4">
+                  <a:lumMod val="40000"/>
+                  <a:lumOff val="60000"/>
+                </a:schemeClr>
+              </a:solidFill>
+            </a:endParaRPr>
+          </a:p>
+          <a:p>
+            <a:r>
+              <a:rPr lang="en-US" sz="2400" dirty="0" smtClean="0">
+                <a:solidFill>
+                  <a:schemeClr val="accent4">
+                    <a:lumMod val="40000"/>
+                    <a:lumOff val="60000"/>
+                  </a:schemeClr>
+                </a:solidFill>
+              </a:rPr>
+              <a:t>s</a:t>
+            </a:r>
+            <a:r>
+              <a:rPr lang="en-US" sz="2400" dirty="0" smtClean="0">
+                <a:solidFill>
+                  <a:schemeClr val="accent4">
+                    <a:lumMod val="40000"/>
+                    <a:lumOff val="60000"/>
+                  </a:schemeClr>
+                </a:solidFill>
+              </a:rPr>
+              <a:t>tudent usage</a:t>
+            </a:r>
+          </a:p>
+          <a:p>
+            <a:pPr lvl="1"/>
+            <a:r>
+              <a:rPr lang="en-US" sz="1800" dirty="0" smtClean="0">
+                <a:solidFill>
+                  <a:schemeClr val="accent4">
+                    <a:lumMod val="40000"/>
+                    <a:lumOff val="60000"/>
+                  </a:schemeClr>
+                </a:solidFill>
+              </a:rPr>
+              <a:t>i</a:t>
+            </a:r>
+            <a:r>
+              <a:rPr lang="en-US" sz="1800" dirty="0" smtClean="0">
+                <a:solidFill>
+                  <a:schemeClr val="accent4">
+                    <a:lumMod val="40000"/>
+                    <a:lumOff val="60000"/>
+                  </a:schemeClr>
+                </a:solidFill>
+              </a:rPr>
+              <a:t>nexperienced student – see what will be created</a:t>
+            </a:r>
+          </a:p>
+          <a:p>
+            <a:pPr lvl="1"/>
+            <a:r>
+              <a:rPr lang="en-US" sz="1800" dirty="0" smtClean="0">
+                <a:solidFill>
+                  <a:schemeClr val="accent4">
+                    <a:lumMod val="40000"/>
+                    <a:lumOff val="60000"/>
+                  </a:schemeClr>
+                </a:solidFill>
+              </a:rPr>
+              <a:t>a</a:t>
+            </a:r>
+            <a:r>
+              <a:rPr lang="en-US" sz="1800" dirty="0" smtClean="0">
+                <a:solidFill>
+                  <a:schemeClr val="accent4">
+                    <a:lumMod val="40000"/>
+                    <a:lumOff val="60000"/>
+                  </a:schemeClr>
+                </a:solidFill>
+              </a:rPr>
+              <a:t>dvanced student – additional tool in the toolbox</a:t>
+            </a:r>
+          </a:p>
+          <a:p>
+            <a:endParaRPr lang="en-US" sz="2400" dirty="0" smtClean="0">
+              <a:solidFill>
+                <a:schemeClr val="accent4">
+                  <a:lumMod val="40000"/>
+                  <a:lumOff val="60000"/>
+                </a:schemeClr>
+              </a:solidFill>
+            </a:endParaRPr>
+          </a:p>
+          <a:p>
+            <a:r>
+              <a:rPr lang="en-US" sz="2400" dirty="0" smtClean="0">
+                <a:solidFill>
+                  <a:schemeClr val="accent4">
+                    <a:lumMod val="40000"/>
+                    <a:lumOff val="60000"/>
+                  </a:schemeClr>
+                </a:solidFill>
+              </a:rPr>
+              <a:t>e</a:t>
+            </a:r>
+            <a:r>
+              <a:rPr lang="en-US" sz="2400" dirty="0" smtClean="0">
+                <a:solidFill>
+                  <a:schemeClr val="accent4">
+                    <a:lumMod val="40000"/>
+                    <a:lumOff val="60000"/>
+                  </a:schemeClr>
+                </a:solidFill>
+              </a:rPr>
+              <a:t>xpert usage</a:t>
+            </a:r>
+          </a:p>
+          <a:p>
+            <a:pPr lvl="1"/>
+            <a:r>
+              <a:rPr lang="en-US" sz="1800" dirty="0" smtClean="0">
+                <a:solidFill>
+                  <a:schemeClr val="accent4">
+                    <a:lumMod val="40000"/>
+                    <a:lumOff val="60000"/>
+                  </a:schemeClr>
+                </a:solidFill>
+              </a:rPr>
+              <a:t>documentation; design tool; quality assurance; preparing source for test integration  </a:t>
+            </a:r>
+            <a:endParaRPr lang="en-US" sz="1800" dirty="0" smtClean="0">
+              <a:solidFill>
+                <a:schemeClr val="accent4">
+                  <a:lumMod val="40000"/>
+                  <a:lumOff val="60000"/>
+                </a:schemeClr>
+              </a:solidFill>
+            </a:endParaRPr>
+          </a:p>
+          <a:p>
+            <a:endParaRPr lang="en-US" dirty="0"/>
+          </a:p>
+        </p:txBody>
+      </p:sp>
+      <p:sp>
+        <p:nvSpPr>
+          <p:cNvPr id="3" name="Title 2"/>
+          <p:cNvSpPr>
+            <a:spLocks noGrp="1"/>
+          </p:cNvSpPr>
+          <p:nvPr>
+            <p:ph type="title"/>
+          </p:nvPr>
+        </p:nvSpPr>
+        <p:spPr/>
+        <p:txBody>
+          <a:bodyPr>
+            <a:noAutofit/>
+          </a:bodyPr>
+          <a:lstStyle/>
+          <a:p>
+            <a:r>
+              <a:rPr lang="en-US" sz="3200" dirty="0" smtClean="0">
+                <a:solidFill>
+                  <a:schemeClr val="accent4">
+                    <a:lumMod val="40000"/>
+                    <a:lumOff val="60000"/>
+                  </a:schemeClr>
+                </a:solidFill>
+              </a:rPr>
+              <a:t>( </a:t>
+            </a:r>
+            <a:r>
+              <a:rPr lang="en-US" sz="3200" dirty="0" smtClean="0">
+                <a:solidFill>
+                  <a:schemeClr val="accent4">
+                    <a:lumMod val="40000"/>
+                    <a:lumOff val="60000"/>
+                  </a:schemeClr>
+                </a:solidFill>
+                <a:latin typeface="Symbol" pitchFamily="18" charset="2"/>
+              </a:rPr>
+              <a:t>e </a:t>
+            </a:r>
+            <a:r>
+              <a:rPr lang="en-US" sz="3200" dirty="0" smtClean="0">
+                <a:solidFill>
+                  <a:schemeClr val="accent4">
+                    <a:lumMod val="40000"/>
+                    <a:lumOff val="60000"/>
+                  </a:schemeClr>
+                </a:solidFill>
+              </a:rPr>
+              <a:t>) conclusions :: </a:t>
+            </a:r>
+            <a:br>
+              <a:rPr lang="en-US" sz="3200" dirty="0" smtClean="0">
+                <a:solidFill>
+                  <a:schemeClr val="accent4">
+                    <a:lumMod val="40000"/>
+                    <a:lumOff val="60000"/>
+                  </a:schemeClr>
+                </a:solidFill>
+              </a:rPr>
+            </a:br>
+            <a:r>
+              <a:rPr lang="en-US" sz="3200" dirty="0" smtClean="0">
+                <a:solidFill>
+                  <a:schemeClr val="accent4">
+                    <a:lumMod val="40000"/>
+                    <a:lumOff val="60000"/>
+                  </a:schemeClr>
+                </a:solidFill>
+              </a:rPr>
+              <a:t>				        future consideration</a:t>
             </a:r>
             <a:endParaRPr lang="en-US" sz="3200" dirty="0"/>
           </a:p>
@@ -10659,39 +10562,365 @@
           <a:lstStyle/>
           <a:p>
             <a:r>
-              <a:rPr lang="en-US" dirty="0" smtClean="0"/>
-              <a:t>what is </a:t>
-            </a:r>
-            <a:r>
-              <a:rPr lang="en-US" dirty="0" err="1" smtClean="0"/>
-              <a:t>a.d.d</a:t>
-            </a:r>
-            <a:r>
-              <a:rPr lang="en-US" dirty="0" smtClean="0"/>
+              <a:rPr lang="en-US" sz="2400" dirty="0" err="1" smtClean="0">
+                <a:solidFill>
+                  <a:schemeClr val="accent4">
+                    <a:lumMod val="40000"/>
+                    <a:lumOff val="60000"/>
+                  </a:schemeClr>
+                </a:solidFill>
+              </a:rPr>
+              <a:t>a</a:t>
+            </a:r>
+            <a:r>
+              <a:rPr lang="en-US" sz="2400" dirty="0" err="1" smtClean="0">
+                <a:solidFill>
+                  <a:schemeClr val="accent4">
+                    <a:lumMod val="40000"/>
+                    <a:lumOff val="60000"/>
+                  </a:schemeClr>
+                </a:solidFill>
+              </a:rPr>
+              <a:t>.d.d</a:t>
+            </a:r>
+            <a:r>
+              <a:rPr lang="en-US" sz="2400" dirty="0" smtClean="0">
+                <a:solidFill>
+                  <a:schemeClr val="accent4">
+                    <a:lumMod val="40000"/>
+                    <a:lumOff val="60000"/>
+                  </a:schemeClr>
+                </a:solidFill>
+              </a:rPr>
+              <a:t>. – the what</a:t>
+            </a:r>
+          </a:p>
+          <a:p>
+            <a:pPr lvl="1"/>
+            <a:r>
+              <a:rPr lang="en-US" sz="1800" dirty="0" smtClean="0">
+                <a:solidFill>
+                  <a:schemeClr val="accent4">
+                    <a:lumMod val="40000"/>
+                    <a:lumOff val="60000"/>
+                  </a:schemeClr>
+                </a:solidFill>
+              </a:rPr>
+              <a:t>t</a:t>
+            </a:r>
+            <a:r>
+              <a:rPr lang="en-US" sz="1800" dirty="0" smtClean="0">
+                <a:solidFill>
+                  <a:schemeClr val="accent4">
+                    <a:lumMod val="40000"/>
+                    <a:lumOff val="60000"/>
+                  </a:schemeClr>
+                </a:solidFill>
+              </a:rPr>
+              <a:t>est first design paradigm</a:t>
+            </a:r>
+          </a:p>
+          <a:p>
+            <a:pPr lvl="2"/>
+            <a:r>
+              <a:rPr lang="en-US" sz="1600" dirty="0" smtClean="0">
+                <a:solidFill>
+                  <a:schemeClr val="accent4">
+                    <a:lumMod val="40000"/>
+                    <a:lumOff val="60000"/>
+                  </a:schemeClr>
+                </a:solidFill>
+              </a:rPr>
+              <a:t>e</a:t>
+            </a:r>
+            <a:r>
+              <a:rPr lang="en-US" sz="1600" dirty="0" smtClean="0">
+                <a:solidFill>
+                  <a:schemeClr val="accent4">
+                    <a:lumMod val="40000"/>
+                    <a:lumOff val="60000"/>
+                  </a:schemeClr>
+                </a:solidFill>
+              </a:rPr>
+              <a:t>volving from test driven development</a:t>
+            </a:r>
+          </a:p>
+          <a:p>
+            <a:pPr lvl="1"/>
+            <a:r>
+              <a:rPr lang="en-US" sz="1800" dirty="0" smtClean="0">
+                <a:solidFill>
+                  <a:schemeClr val="accent4">
+                    <a:lumMod val="40000"/>
+                    <a:lumOff val="60000"/>
+                  </a:schemeClr>
+                </a:solidFill>
+              </a:rPr>
+              <a:t>f</a:t>
+            </a:r>
+            <a:r>
+              <a:rPr lang="en-US" sz="1800" dirty="0" smtClean="0">
+                <a:solidFill>
+                  <a:schemeClr val="accent4">
+                    <a:lumMod val="40000"/>
+                    <a:lumOff val="60000"/>
+                  </a:schemeClr>
+                </a:solidFill>
+              </a:rPr>
+              <a:t>usion of two industries</a:t>
+            </a:r>
+          </a:p>
+          <a:p>
+            <a:pPr lvl="2"/>
+            <a:r>
+              <a:rPr lang="en-US" sz="1600" dirty="0" smtClean="0">
+                <a:solidFill>
+                  <a:schemeClr val="accent4">
+                    <a:lumMod val="40000"/>
+                    <a:lumOff val="60000"/>
+                  </a:schemeClr>
+                </a:solidFill>
+              </a:rPr>
+              <a:t>d</a:t>
+            </a:r>
+            <a:r>
+              <a:rPr lang="en-US" sz="1600" dirty="0" smtClean="0">
+                <a:solidFill>
+                  <a:schemeClr val="accent4">
+                    <a:lumMod val="40000"/>
+                    <a:lumOff val="60000"/>
+                  </a:schemeClr>
+                </a:solidFill>
+              </a:rPr>
+              <a:t>isciplined engineering </a:t>
+            </a:r>
+          </a:p>
+          <a:p>
+            <a:pPr lvl="3"/>
+            <a:r>
+              <a:rPr lang="en-US" sz="1400" dirty="0" smtClean="0">
+                <a:solidFill>
+                  <a:schemeClr val="accent4">
+                    <a:lumMod val="40000"/>
+                    <a:lumOff val="60000"/>
+                  </a:schemeClr>
+                </a:solidFill>
+              </a:rPr>
+              <a:t>a</a:t>
+            </a:r>
+            <a:r>
+              <a:rPr lang="en-US" sz="1400" dirty="0" smtClean="0">
+                <a:solidFill>
+                  <a:schemeClr val="accent4">
+                    <a:lumMod val="40000"/>
+                    <a:lumOff val="60000"/>
+                  </a:schemeClr>
+                </a:solidFill>
+              </a:rPr>
+              <a:t>pplied problem solving</a:t>
+            </a:r>
+          </a:p>
+          <a:p>
+            <a:pPr lvl="2"/>
+            <a:r>
+              <a:rPr lang="en-US" sz="1600" dirty="0" smtClean="0">
+                <a:solidFill>
+                  <a:schemeClr val="accent4">
+                    <a:lumMod val="40000"/>
+                    <a:lumOff val="60000"/>
+                  </a:schemeClr>
+                </a:solidFill>
+              </a:rPr>
+              <a:t>c</a:t>
+            </a:r>
+            <a:r>
+              <a:rPr lang="en-US" sz="1600" dirty="0" smtClean="0">
+                <a:solidFill>
+                  <a:schemeClr val="accent4">
+                    <a:lumMod val="40000"/>
+                    <a:lumOff val="60000"/>
+                  </a:schemeClr>
+                </a:solidFill>
+              </a:rPr>
+              <a:t>ognitive psychology</a:t>
+            </a:r>
+          </a:p>
+          <a:p>
+            <a:pPr lvl="3"/>
+            <a:r>
+              <a:rPr lang="en-US" sz="1400" dirty="0" smtClean="0">
+                <a:solidFill>
+                  <a:schemeClr val="accent4">
+                    <a:lumMod val="40000"/>
+                    <a:lumOff val="60000"/>
+                  </a:schemeClr>
+                </a:solidFill>
+              </a:rPr>
+              <a:t>n</a:t>
+            </a:r>
+            <a:r>
+              <a:rPr lang="en-US" sz="1400" dirty="0" smtClean="0">
+                <a:solidFill>
+                  <a:schemeClr val="accent4">
+                    <a:lumMod val="40000"/>
+                    <a:lumOff val="60000"/>
+                  </a:schemeClr>
+                </a:solidFill>
+              </a:rPr>
+              <a:t>ature of problem solving</a:t>
+            </a:r>
+            <a:r>
+              <a:rPr lang="en-US" sz="1600" dirty="0" smtClean="0">
+                <a:solidFill>
+                  <a:schemeClr val="accent4">
+                    <a:lumMod val="40000"/>
+                    <a:lumOff val="60000"/>
+                  </a:schemeClr>
+                </a:solidFill>
+              </a:rPr>
+              <a:t> </a:t>
+            </a:r>
+            <a:endParaRPr lang="en-US" sz="1600" dirty="0" smtClean="0">
+              <a:solidFill>
+                <a:schemeClr val="accent4">
+                  <a:lumMod val="40000"/>
+                  <a:lumOff val="60000"/>
+                </a:schemeClr>
+              </a:solidFill>
+            </a:endParaRPr>
+          </a:p>
+          <a:p>
+            <a:endParaRPr lang="en-US" sz="2400" dirty="0" smtClean="0">
+              <a:solidFill>
+                <a:schemeClr val="accent4">
+                  <a:lumMod val="40000"/>
+                  <a:lumOff val="60000"/>
+                </a:schemeClr>
+              </a:solidFill>
+            </a:endParaRPr>
+          </a:p>
+          <a:p>
+            <a:r>
+              <a:rPr lang="en-US" sz="2400" dirty="0" err="1" smtClean="0">
+                <a:solidFill>
+                  <a:schemeClr val="accent4">
+                    <a:lumMod val="40000"/>
+                    <a:lumOff val="60000"/>
+                  </a:schemeClr>
+                </a:solidFill>
+              </a:rPr>
+              <a:t>a</a:t>
+            </a:r>
+            <a:r>
+              <a:rPr lang="en-US" sz="2400" dirty="0" err="1" smtClean="0">
+                <a:solidFill>
+                  <a:schemeClr val="accent4">
+                    <a:lumMod val="40000"/>
+                    <a:lumOff val="60000"/>
+                  </a:schemeClr>
+                </a:solidFill>
+              </a:rPr>
               <a:t>.</a:t>
             </a:r>
-          </a:p>
-          <a:p>
-            <a:endParaRPr lang="en-US" dirty="0" smtClean="0"/>
-          </a:p>
-          <a:p>
-            <a:r>
-              <a:rPr lang="en-US" dirty="0" smtClean="0"/>
-              <a:t>w</a:t>
-            </a:r>
-            <a:r>
-              <a:rPr lang="en-US" dirty="0" smtClean="0"/>
-              <a:t>hy is </a:t>
-            </a:r>
-            <a:r>
-              <a:rPr lang="en-US" dirty="0" err="1" smtClean="0"/>
-              <a:t>a.d.d</a:t>
-            </a:r>
-            <a:r>
-              <a:rPr lang="en-US" dirty="0" smtClean="0"/>
-              <a:t>. </a:t>
-            </a:r>
-            <a:endParaRPr lang="en-US" dirty="0"/>
+            <a:r>
+              <a:rPr lang="en-US" sz="2400" dirty="0" err="1" smtClean="0">
+                <a:solidFill>
+                  <a:schemeClr val="accent4">
+                    <a:lumMod val="40000"/>
+                    <a:lumOff val="60000"/>
+                  </a:schemeClr>
+                </a:solidFill>
+              </a:rPr>
+              <a:t>d.d</a:t>
+            </a:r>
+            <a:r>
+              <a:rPr lang="en-US" sz="2400" dirty="0" smtClean="0">
+                <a:solidFill>
+                  <a:schemeClr val="accent4">
+                    <a:lumMod val="40000"/>
+                    <a:lumOff val="60000"/>
+                  </a:schemeClr>
+                </a:solidFill>
+              </a:rPr>
+              <a:t>. – the why</a:t>
+            </a:r>
+            <a:endParaRPr lang="en-US" dirty="0" smtClean="0">
+              <a:solidFill>
+                <a:schemeClr val="accent4">
+                  <a:lumMod val="40000"/>
+                  <a:lumOff val="60000"/>
+                </a:schemeClr>
+              </a:solidFill>
+            </a:endParaRPr>
+          </a:p>
+          <a:p>
+            <a:pPr lvl="1"/>
+            <a:r>
+              <a:rPr lang="en-US" sz="1800" dirty="0" smtClean="0">
+                <a:solidFill>
+                  <a:schemeClr val="accent4">
+                    <a:lumMod val="40000"/>
+                    <a:lumOff val="60000"/>
+                  </a:schemeClr>
+                </a:solidFill>
+              </a:rPr>
+              <a:t>s</a:t>
+            </a:r>
+            <a:r>
+              <a:rPr lang="en-US" sz="1800" dirty="0" smtClean="0">
+                <a:solidFill>
+                  <a:schemeClr val="accent4">
+                    <a:lumMod val="40000"/>
+                    <a:lumOff val="60000"/>
+                  </a:schemeClr>
+                </a:solidFill>
+              </a:rPr>
+              <a:t>implification</a:t>
+            </a:r>
+          </a:p>
+          <a:p>
+            <a:pPr lvl="2"/>
+            <a:r>
+              <a:rPr lang="en-US" sz="1600" i="1" dirty="0" smtClean="0">
+                <a:solidFill>
+                  <a:schemeClr val="accent4">
+                    <a:lumMod val="40000"/>
+                    <a:lumOff val="60000"/>
+                  </a:schemeClr>
+                </a:solidFill>
+              </a:rPr>
+              <a:t>“how to keep this all straight in my head?”</a:t>
+            </a:r>
+            <a:r>
+              <a:rPr lang="en-US" sz="1600" dirty="0" smtClean="0">
+                <a:solidFill>
+                  <a:schemeClr val="accent4">
+                    <a:lumMod val="40000"/>
+                    <a:lumOff val="60000"/>
+                  </a:schemeClr>
+                </a:solidFill>
+              </a:rPr>
+              <a:t> </a:t>
+            </a:r>
+            <a:r>
+              <a:rPr lang="en-US" sz="1600" dirty="0" smtClean="0">
+                <a:solidFill>
+                  <a:schemeClr val="accent4">
+                    <a:lumMod val="40000"/>
+                    <a:lumOff val="60000"/>
+                  </a:schemeClr>
+                </a:solidFill>
+              </a:rPr>
+              <a:t> </a:t>
+            </a:r>
+            <a:endParaRPr lang="en-US" sz="1600" dirty="0">
+              <a:solidFill>
+                <a:schemeClr val="accent4">
+                  <a:lumMod val="40000"/>
+                  <a:lumOff val="60000"/>
+                </a:schemeClr>
+              </a:solidFill>
+            </a:endParaRPr>
           </a:p>
         </p:txBody>
       </p:sp>
@@ -10767,111 +10996,24 @@
           <a:lstStyle/>
           <a:p>
             <a:r>
-              <a:rPr lang="en-US" sz="2400" dirty="0" err="1" smtClean="0">
-                <a:solidFill>
-                  <a:schemeClr val="accent4">
-                    <a:lumMod val="40000"/>
-                    <a:lumOff val="60000"/>
-                  </a:schemeClr>
-                </a:solidFill>
-              </a:rPr>
-              <a:t>a.d.d</a:t>
-            </a:r>
-            <a:r>
-              <a:rPr lang="en-US" sz="2400" dirty="0" smtClean="0">
-                <a:solidFill>
-                  <a:schemeClr val="accent4">
-                    <a:lumMod val="40000"/>
-                    <a:lumOff val="60000"/>
-                  </a:schemeClr>
-                </a:solidFill>
-              </a:rPr>
-              <a:t>.  yields</a:t>
-            </a:r>
-          </a:p>
-          <a:p>
-            <a:pPr lvl="2"/>
-            <a:r>
-              <a:rPr lang="en-US" sz="1800" dirty="0" smtClean="0">
-                <a:solidFill>
-                  <a:schemeClr val="accent4">
-                    <a:lumMod val="40000"/>
-                    <a:lumOff val="60000"/>
-                  </a:schemeClr>
-                </a:solidFill>
-              </a:rPr>
-              <a:t>improved confidence in designed software artifact</a:t>
-            </a:r>
-          </a:p>
-          <a:p>
-            <a:pPr lvl="2"/>
-            <a:r>
-              <a:rPr lang="en-US" sz="1800" dirty="0" smtClean="0">
-                <a:solidFill>
-                  <a:schemeClr val="accent4">
-                    <a:lumMod val="40000"/>
-                    <a:lumOff val="60000"/>
-                  </a:schemeClr>
-                </a:solidFill>
-              </a:rPr>
-              <a:t>improved understanding of designed artifact status</a:t>
-            </a:r>
-          </a:p>
-          <a:p>
-            <a:pPr lvl="2"/>
-            <a:r>
-              <a:rPr lang="en-US" sz="1800" dirty="0" smtClean="0">
-                <a:solidFill>
-                  <a:schemeClr val="accent4">
-                    <a:lumMod val="40000"/>
-                    <a:lumOff val="60000"/>
-                  </a:schemeClr>
-                </a:solidFill>
-              </a:rPr>
-              <a:t>large scope assurance for minimum viable product</a:t>
-            </a:r>
-          </a:p>
-          <a:p>
-            <a:pPr lvl="2"/>
-            <a:r>
-              <a:rPr lang="en-US" sz="1800" dirty="0" smtClean="0">
-                <a:solidFill>
-                  <a:schemeClr val="accent4">
-                    <a:lumMod val="40000"/>
-                    <a:lumOff val="60000"/>
-                  </a:schemeClr>
-                </a:solidFill>
-              </a:rPr>
-              <a:t>early stage isolation of ‘ power ’ vs. ‘ support ’ functionality</a:t>
-            </a:r>
-          </a:p>
-          <a:p>
-            <a:pPr lvl="2"/>
-            <a:r>
-              <a:rPr lang="en-US" sz="1800" dirty="0" smtClean="0">
-                <a:solidFill>
-                  <a:schemeClr val="accent4">
-                    <a:lumMod val="40000"/>
-                    <a:lumOff val="60000"/>
-                  </a:schemeClr>
-                </a:solidFill>
-              </a:rPr>
-              <a:t>pre-emptive debugging</a:t>
-            </a:r>
-          </a:p>
-          <a:p>
-            <a:pPr lvl="2"/>
-            <a:r>
-              <a:rPr lang="en-US" sz="1800" dirty="0" smtClean="0">
-                <a:solidFill>
-                  <a:schemeClr val="accent4">
-                    <a:lumMod val="40000"/>
-                    <a:lumOff val="60000"/>
-                  </a:schemeClr>
-                </a:solidFill>
-              </a:rPr>
-              <a:t>pre-emptive refactoring</a:t>
-            </a:r>
+              <a:rPr lang="en-US" dirty="0" smtClean="0">
+                <a:solidFill>
+                  <a:schemeClr val="accent4">
+                    <a:lumMod val="40000"/>
+                    <a:lumOff val="60000"/>
+                  </a:schemeClr>
+                </a:solidFill>
+              </a:rPr>
+              <a:t>your turn…</a:t>
+            </a:r>
+            <a:endParaRPr lang="en-US" dirty="0">
+              <a:solidFill>
+                <a:schemeClr val="accent4">
+                  <a:lumMod val="40000"/>
+                  <a:lumOff val="60000"/>
+                </a:schemeClr>
+              </a:solidFill>
+            </a:endParaRPr>
           </a:p>
         </p:txBody>
       </p:sp>
@@ -10913,7 +11055,7 @@
                 </a:solidFill>
                 <a:latin typeface="Symbol" pitchFamily="18" charset="2"/>
               </a:rPr>
-              <a:t>e </a:t>
+              <a:t>w </a:t>
             </a:r>
             <a:r>
               <a:rPr lang="en-US" sz="3200" dirty="0" smtClean="0">
@@ -10924,39 +11066,7 @@
                   </a:schemeClr>
                 </a:solidFill>
               </a:rPr>
-              <a:t>) </a:t>
-            </a:r>
-            <a:r>
-              <a:rPr lang="en-US" sz="3200" dirty="0" smtClean="0">
-                <a:solidFill>
-                  <a:schemeClr val="accent4">
-                    <a:lumMod val="40000"/>
-                    <a:lumOff val="60000"/>
-                  </a:schemeClr>
-                </a:solidFill>
-              </a:rPr>
-              <a:t>conclusions :: </a:t>
-            </a:r>
-            <a:br>
-              <a:rPr lang="en-US" sz="3200" dirty="0" smtClean="0">
-                <a:solidFill>
-                  <a:schemeClr val="accent4">
-                    <a:lumMod val="40000"/>
-                    <a:lumOff val="60000"/>
-                  </a:schemeClr>
-                </a:solidFill>
-              </a:rPr>
-            </a:br>
-            <a:r>
-              <a:rPr lang="en-US" sz="3200" dirty="0" smtClean="0">
-                <a:solidFill>
-                  <a:schemeClr val="accent4">
-                    <a:lumMod val="40000"/>
-                    <a:lumOff val="60000"/>
-                  </a:schemeClr>
-                </a:solidFill>
-              </a:rPr>
-              <a:t>					             in summary</a:t>
+              <a:t>) frequently asked questions</a:t>
             </a:r>
             <a:endParaRPr lang="en-US" sz="3200" dirty="0"/>
           </a:p>
@@ -10967,672 +11077,6 @@
   <p:clrMapOvr>
     <a:masterClrMapping/>
   </p:clrMapOvr>
-</p:sld>
-</file>
-
-<file path=ppt/slides/slide31.xml><?xml version="1.0" encoding="utf-8"?>
-<p:sld xmlns:a="http://schemas.openxmlformats.org/drawingml/2006/main" xmlns:r="http://schemas.openxmlformats.org/officeDocument/2006/relationships" xmlns:p="http://schemas.openxmlformats.org/presentationml/2006/main">
-  <p:cSld>
-    <p:spTree>
-      <p:nvGrpSpPr>
-        <p:cNvPr id="1" name=""/>
-        <p:cNvGrpSpPr/>
-        <p:nvPr/>
-      </p:nvGrpSpPr>
-      <p:grpSpPr>
-        <a:xfrm>
-          <a:off x="0" y="0"/>
-          <a:ext cx="0" cy="0"/>
-          <a:chOff x="0" y="0"/>
-          <a:chExt cx="0" cy="0"/>
-        </a:xfrm>
-      </p:grpSpPr>
-      <p:sp>
-        <p:nvSpPr>
-          <p:cNvPr id="2" name="Content Placeholder 1"/>
-          <p:cNvSpPr>
-            <a:spLocks noGrp="1"/>
-          </p:cNvSpPr>
-          <p:nvPr>
-            <p:ph idx="1"/>
-          </p:nvPr>
-        </p:nvSpPr>
-        <p:spPr/>
-        <p:txBody>
-          <a:bodyPr/>
-          <a:lstStyle/>
-          <a:p>
-            <a:r>
-              <a:rPr lang="en-US" dirty="0" smtClean="0"/>
-              <a:t>stuff</a:t>
-            </a:r>
-            <a:endParaRPr lang="en-US" dirty="0"/>
-          </a:p>
-        </p:txBody>
-      </p:sp>
-      <p:sp>
-        <p:nvSpPr>
-          <p:cNvPr id="3" name="Title 2"/>
-          <p:cNvSpPr>
-            <a:spLocks noGrp="1"/>
-          </p:cNvSpPr>
-          <p:nvPr>
-            <p:ph type="title"/>
-          </p:nvPr>
-        </p:nvSpPr>
-        <p:spPr/>
-        <p:txBody>
-          <a:bodyPr>
-            <a:noAutofit/>
-          </a:bodyPr>
-          <a:lstStyle/>
-          <a:p>
-            <a:r>
-              <a:rPr lang="en-US" sz="3200" dirty="0" smtClean="0">
-                <a:solidFill>
-                  <a:schemeClr val="accent4">
-                    <a:lumMod val="40000"/>
-                    <a:lumOff val="60000"/>
-                  </a:schemeClr>
-                </a:solidFill>
-              </a:rPr>
-              <a:t>( </a:t>
-            </a:r>
-            <a:r>
-              <a:rPr lang="en-US" sz="3200" dirty="0" smtClean="0">
-                <a:solidFill>
-                  <a:schemeClr val="accent4">
-                    <a:lumMod val="40000"/>
-                    <a:lumOff val="60000"/>
-                  </a:schemeClr>
-                </a:solidFill>
-                <a:latin typeface="Symbol" pitchFamily="18" charset="2"/>
-              </a:rPr>
-              <a:t>e </a:t>
-            </a:r>
-            <a:r>
-              <a:rPr lang="en-US" sz="3200" dirty="0" smtClean="0">
-                <a:solidFill>
-                  <a:schemeClr val="accent4">
-                    <a:lumMod val="40000"/>
-                    <a:lumOff val="60000"/>
-                  </a:schemeClr>
-                </a:solidFill>
-              </a:rPr>
-              <a:t>) conclusions :: </a:t>
-            </a:r>
-            <a:br>
-              <a:rPr lang="en-US" sz="3200" dirty="0" smtClean="0">
-                <a:solidFill>
-                  <a:schemeClr val="accent4">
-                    <a:lumMod val="40000"/>
-                    <a:lumOff val="60000"/>
-                  </a:schemeClr>
-                </a:solidFill>
-              </a:rPr>
-            </a:br>
-            <a:r>
-              <a:rPr lang="en-US" sz="3200" dirty="0" smtClean="0">
-                <a:solidFill>
-                  <a:schemeClr val="accent4">
-                    <a:lumMod val="40000"/>
-                    <a:lumOff val="60000"/>
-                  </a:schemeClr>
-                </a:solidFill>
-              </a:rPr>
-              <a:t>				</a:t>
-            </a:r>
-            <a:r>
-              <a:rPr lang="en-US" sz="3200" dirty="0" smtClean="0">
-                <a:solidFill>
-                  <a:schemeClr val="accent4">
-                    <a:lumMod val="40000"/>
-                    <a:lumOff val="60000"/>
-                  </a:schemeClr>
-                </a:solidFill>
-              </a:rPr>
-              <a:t>        future consideration</a:t>
-            </a:r>
-            <a:endParaRPr lang="en-US" sz="3200" dirty="0"/>
-          </a:p>
-        </p:txBody>
-      </p:sp>
-    </p:spTree>
-  </p:cSld>
-  <p:clrMapOvr>
-    <a:masterClrMapping/>
-  </p:clrMapOvr>
-</p:sld>
-</file>
-
-<file path=ppt/slides/slide32.xml><?xml version="1.0" encoding="utf-8"?>
-<p:sld xmlns:a="http://schemas.openxmlformats.org/drawingml/2006/main" xmlns:r="http://schemas.openxmlformats.org/officeDocument/2006/relationships" xmlns:p="http://schemas.openxmlformats.org/presentationml/2006/main">
-  <p:cSld>
-    <p:spTree>
-      <p:nvGrpSpPr>
-        <p:cNvPr id="1" name=""/>
-        <p:cNvGrpSpPr/>
-        <p:nvPr/>
-      </p:nvGrpSpPr>
-      <p:grpSpPr>
-        <a:xfrm>
-          <a:off x="0" y="0"/>
-          <a:ext cx="0" cy="0"/>
-          <a:chOff x="0" y="0"/>
-          <a:chExt cx="0" cy="0"/>
-        </a:xfrm>
-      </p:grpSpPr>
-      <p:sp>
-        <p:nvSpPr>
-          <p:cNvPr id="2" name="Content Placeholder 1"/>
-          <p:cNvSpPr>
-            <a:spLocks noGrp="1"/>
-          </p:cNvSpPr>
-          <p:nvPr>
-            <p:ph idx="1"/>
-          </p:nvPr>
-        </p:nvSpPr>
-        <p:spPr/>
-        <p:txBody>
-          <a:bodyPr/>
-          <a:lstStyle/>
-          <a:p>
-            <a:r>
-              <a:rPr lang="en-US" dirty="0" smtClean="0"/>
-              <a:t>h</a:t>
-            </a:r>
-            <a:r>
-              <a:rPr lang="en-US" dirty="0" smtClean="0"/>
-              <a:t>ave at it</a:t>
-            </a:r>
-            <a:endParaRPr lang="en-US" dirty="0"/>
-          </a:p>
-        </p:txBody>
-      </p:sp>
-      <p:sp>
-        <p:nvSpPr>
-          <p:cNvPr id="3" name="Title 2"/>
-          <p:cNvSpPr>
-            <a:spLocks noGrp="1"/>
-          </p:cNvSpPr>
-          <p:nvPr>
-            <p:ph type="title"/>
-          </p:nvPr>
-        </p:nvSpPr>
-        <p:spPr/>
-        <p:txBody>
-          <a:bodyPr>
-            <a:normAutofit/>
-          </a:bodyPr>
-          <a:lstStyle/>
-          <a:p>
-            <a:r>
-              <a:rPr lang="en-US" sz="3200" dirty="0" smtClean="0">
-                <a:solidFill>
-                  <a:schemeClr val="accent4">
-                    <a:lumMod val="40000"/>
-                    <a:lumOff val="60000"/>
-                  </a:schemeClr>
-                </a:solidFill>
-              </a:rPr>
-              <a:t>( </a:t>
-            </a:r>
-            <a:r>
-              <a:rPr lang="en-US" sz="3200" dirty="0" smtClean="0">
-                <a:solidFill>
-                  <a:schemeClr val="accent4">
-                    <a:lumMod val="40000"/>
-                    <a:lumOff val="60000"/>
-                  </a:schemeClr>
-                </a:solidFill>
-                <a:latin typeface="Symbol" pitchFamily="18" charset="2"/>
-              </a:rPr>
-              <a:t>w </a:t>
-            </a:r>
-            <a:r>
-              <a:rPr lang="en-US" sz="3200" dirty="0" smtClean="0">
-                <a:solidFill>
-                  <a:schemeClr val="accent4">
-                    <a:lumMod val="40000"/>
-                    <a:lumOff val="60000"/>
-                  </a:schemeClr>
-                </a:solidFill>
-              </a:rPr>
-              <a:t>) </a:t>
-            </a:r>
-            <a:r>
-              <a:rPr lang="en-US" sz="3200" dirty="0" smtClean="0">
-                <a:solidFill>
-                  <a:schemeClr val="accent4">
-                    <a:lumMod val="40000"/>
-                    <a:lumOff val="60000"/>
-                  </a:schemeClr>
-                </a:solidFill>
-              </a:rPr>
-              <a:t>frequently asked questions</a:t>
-            </a:r>
-            <a:endParaRPr lang="en-US" sz="3200" dirty="0"/>
-          </a:p>
-        </p:txBody>
-      </p:sp>
-    </p:spTree>
-  </p:cSld>
-  <p:clrMapOvr>
-    <a:masterClrMapping/>
-  </p:clrMapOvr>
-</p:sld>
-</file>
-
-<file path=ppt/slides/slide33.xml><?xml version="1.0" encoding="utf-8"?>
-<p:sld xmlns:a="http://schemas.openxmlformats.org/drawingml/2006/main" xmlns:r="http://schemas.openxmlformats.org/officeDocument/2006/relationships" xmlns:p="http://schemas.openxmlformats.org/presentationml/2006/main">
-  <p:cSld>
-    <p:spTree>
-      <p:nvGrpSpPr>
-        <p:cNvPr id="1" name=""/>
-        <p:cNvGrpSpPr/>
-        <p:nvPr/>
-      </p:nvGrpSpPr>
-      <p:grpSpPr>
-        <a:xfrm>
-          <a:off x="0" y="0"/>
-          <a:ext cx="0" cy="0"/>
-          <a:chOff x="0" y="0"/>
-          <a:chExt cx="0" cy="0"/>
-        </a:xfrm>
-      </p:grpSpPr>
-      <p:sp>
-        <p:nvSpPr>
-          <p:cNvPr id="2" name="Content Placeholder 1"/>
-          <p:cNvSpPr>
-            <a:spLocks noGrp="1"/>
-          </p:cNvSpPr>
-          <p:nvPr>
-            <p:ph idx="1"/>
-          </p:nvPr>
-        </p:nvSpPr>
-        <p:spPr>
-          <a:xfrm>
-            <a:off x="457200" y="304800"/>
-            <a:ext cx="8229600" cy="5702491"/>
-          </a:xfrm>
-        </p:spPr>
-        <p:txBody>
-          <a:bodyPr/>
-          <a:lstStyle/>
-          <a:p>
-            <a:r>
-              <a:rPr lang="en-US" dirty="0" err="1">
-                <a:solidFill>
-                  <a:schemeClr val="accent4">
-                    <a:lumMod val="40000"/>
-                    <a:lumOff val="60000"/>
-                  </a:schemeClr>
-                </a:solidFill>
-              </a:rPr>
-              <a:t>t</a:t>
-            </a:r>
-            <a:r>
-              <a:rPr lang="en-US" dirty="0" err="1" smtClean="0">
-                <a:solidFill>
-                  <a:schemeClr val="accent4">
-                    <a:lumMod val="40000"/>
-                    <a:lumOff val="60000"/>
-                  </a:schemeClr>
-                </a:solidFill>
-              </a:rPr>
-              <a:t>.d.d</a:t>
-            </a:r>
-            <a:r>
-              <a:rPr lang="en-US" dirty="0" smtClean="0">
-                <a:solidFill>
-                  <a:schemeClr val="accent4">
-                    <a:lumMod val="40000"/>
-                    <a:lumOff val="60000"/>
-                  </a:schemeClr>
-                </a:solidFill>
-              </a:rPr>
-              <a:t>.  yields</a:t>
-            </a:r>
-          </a:p>
-          <a:p>
-            <a:pPr lvl="2"/>
-            <a:r>
-              <a:rPr lang="en-US" dirty="0">
-                <a:solidFill>
-                  <a:schemeClr val="accent4">
-                    <a:lumMod val="40000"/>
-                    <a:lumOff val="60000"/>
-                  </a:schemeClr>
-                </a:solidFill>
-              </a:rPr>
-              <a:t>i</a:t>
-            </a:r>
-            <a:r>
-              <a:rPr lang="en-US" dirty="0" smtClean="0">
-                <a:solidFill>
-                  <a:schemeClr val="accent4">
-                    <a:lumMod val="40000"/>
-                    <a:lumOff val="60000"/>
-                  </a:schemeClr>
-                </a:solidFill>
-              </a:rPr>
-              <a:t>mproved confidence in existing software artifact</a:t>
-            </a:r>
-          </a:p>
-          <a:p>
-            <a:pPr lvl="2"/>
-            <a:r>
-              <a:rPr lang="en-US" dirty="0">
-                <a:solidFill>
-                  <a:schemeClr val="accent4">
-                    <a:lumMod val="40000"/>
-                    <a:lumOff val="60000"/>
-                  </a:schemeClr>
-                </a:solidFill>
-              </a:rPr>
-              <a:t>i</a:t>
-            </a:r>
-            <a:r>
-              <a:rPr lang="en-US" dirty="0" smtClean="0">
-                <a:solidFill>
-                  <a:schemeClr val="accent4">
-                    <a:lumMod val="40000"/>
-                    <a:lumOff val="60000"/>
-                  </a:schemeClr>
-                </a:solidFill>
-              </a:rPr>
-              <a:t>mproved understanding of existing artifact status</a:t>
-            </a:r>
-          </a:p>
-          <a:p>
-            <a:pPr lvl="2"/>
-            <a:r>
-              <a:rPr lang="en-US" dirty="0">
-                <a:solidFill>
-                  <a:schemeClr val="accent4">
-                    <a:lumMod val="40000"/>
-                    <a:lumOff val="60000"/>
-                  </a:schemeClr>
-                </a:solidFill>
-              </a:rPr>
-              <a:t>t</a:t>
-            </a:r>
-            <a:r>
-              <a:rPr lang="en-US" dirty="0" smtClean="0">
-                <a:solidFill>
-                  <a:schemeClr val="accent4">
-                    <a:lumMod val="40000"/>
-                    <a:lumOff val="60000"/>
-                  </a:schemeClr>
-                </a:solidFill>
-              </a:rPr>
-              <a:t>est harness existence for any refactoring or requirement changes</a:t>
-            </a:r>
-          </a:p>
-          <a:p>
-            <a:pPr lvl="2"/>
-            <a:r>
-              <a:rPr lang="en-US" dirty="0">
-                <a:solidFill>
-                  <a:schemeClr val="accent4">
-                    <a:lumMod val="40000"/>
-                    <a:lumOff val="60000"/>
-                  </a:schemeClr>
-                </a:solidFill>
-              </a:rPr>
-              <a:t>s</a:t>
-            </a:r>
-            <a:r>
-              <a:rPr lang="en-US" dirty="0" smtClean="0">
-                <a:solidFill>
-                  <a:schemeClr val="accent4">
-                    <a:lumMod val="40000"/>
-                    <a:lumOff val="60000"/>
-                  </a:schemeClr>
-                </a:solidFill>
-              </a:rPr>
-              <a:t>mall scope assurance for minimum viable product </a:t>
-            </a:r>
-          </a:p>
-          <a:p>
-            <a:pPr lvl="2"/>
-            <a:r>
-              <a:rPr lang="en-US" dirty="0">
-                <a:solidFill>
-                  <a:schemeClr val="accent4">
-                    <a:lumMod val="40000"/>
-                    <a:lumOff val="60000"/>
-                  </a:schemeClr>
-                </a:solidFill>
-              </a:rPr>
-              <a:t>s</a:t>
-            </a:r>
-            <a:r>
-              <a:rPr lang="en-US" dirty="0" smtClean="0">
-                <a:solidFill>
-                  <a:schemeClr val="accent4">
-                    <a:lumMod val="40000"/>
-                    <a:lumOff val="60000"/>
-                  </a:schemeClr>
-                </a:solidFill>
-              </a:rPr>
-              <a:t>mall scope debugging</a:t>
-            </a:r>
-          </a:p>
-          <a:p>
-            <a:endParaRPr lang="en-US" dirty="0">
-              <a:solidFill>
-                <a:schemeClr val="accent4">
-                  <a:lumMod val="40000"/>
-                  <a:lumOff val="60000"/>
-                </a:schemeClr>
-              </a:solidFill>
-            </a:endParaRPr>
-          </a:p>
-          <a:p>
-            <a:r>
-              <a:rPr lang="en-US" dirty="0" err="1">
-                <a:solidFill>
-                  <a:schemeClr val="accent4">
-                    <a:lumMod val="40000"/>
-                    <a:lumOff val="60000"/>
-                  </a:schemeClr>
-                </a:solidFill>
-              </a:rPr>
-              <a:t>a</a:t>
-            </a:r>
-            <a:r>
-              <a:rPr lang="en-US" dirty="0" err="1" smtClean="0">
-                <a:solidFill>
-                  <a:schemeClr val="accent4">
-                    <a:lumMod val="40000"/>
-                    <a:lumOff val="60000"/>
-                  </a:schemeClr>
-                </a:solidFill>
-              </a:rPr>
-              <a:t>.t.d.d</a:t>
-            </a:r>
-            <a:r>
-              <a:rPr lang="en-US" dirty="0" smtClean="0">
-                <a:solidFill>
-                  <a:schemeClr val="accent4">
-                    <a:lumMod val="40000"/>
-                    <a:lumOff val="60000"/>
-                  </a:schemeClr>
-                </a:solidFill>
-              </a:rPr>
-              <a:t>.  yields</a:t>
-            </a:r>
-          </a:p>
-          <a:p>
-            <a:pPr lvl="2"/>
-            <a:r>
-              <a:rPr lang="en-US" dirty="0">
-                <a:solidFill>
-                  <a:schemeClr val="accent4">
-                    <a:lumMod val="40000"/>
-                    <a:lumOff val="60000"/>
-                  </a:schemeClr>
-                </a:solidFill>
-              </a:rPr>
-              <a:t>i</a:t>
-            </a:r>
-            <a:r>
-              <a:rPr lang="en-US" dirty="0" smtClean="0">
-                <a:solidFill>
-                  <a:schemeClr val="accent4">
-                    <a:lumMod val="40000"/>
-                    <a:lumOff val="60000"/>
-                  </a:schemeClr>
-                </a:solidFill>
-              </a:rPr>
-              <a:t>mproved confidence in designed software artifact</a:t>
-            </a:r>
-          </a:p>
-          <a:p>
-            <a:pPr lvl="2"/>
-            <a:r>
-              <a:rPr lang="en-US" dirty="0">
-                <a:solidFill>
-                  <a:schemeClr val="accent4">
-                    <a:lumMod val="40000"/>
-                    <a:lumOff val="60000"/>
-                  </a:schemeClr>
-                </a:solidFill>
-              </a:rPr>
-              <a:t>i</a:t>
-            </a:r>
-            <a:r>
-              <a:rPr lang="en-US" dirty="0" smtClean="0">
-                <a:solidFill>
-                  <a:schemeClr val="accent4">
-                    <a:lumMod val="40000"/>
-                    <a:lumOff val="60000"/>
-                  </a:schemeClr>
-                </a:solidFill>
-              </a:rPr>
-              <a:t>mproved understanding of designed artifact status</a:t>
-            </a:r>
-          </a:p>
-          <a:p>
-            <a:pPr lvl="2"/>
-            <a:r>
-              <a:rPr lang="en-US" dirty="0">
-                <a:solidFill>
-                  <a:schemeClr val="accent4">
-                    <a:lumMod val="40000"/>
-                    <a:lumOff val="60000"/>
-                  </a:schemeClr>
-                </a:solidFill>
-              </a:rPr>
-              <a:t>l</a:t>
-            </a:r>
-            <a:r>
-              <a:rPr lang="en-US" dirty="0" smtClean="0">
-                <a:solidFill>
-                  <a:schemeClr val="accent4">
-                    <a:lumMod val="40000"/>
-                    <a:lumOff val="60000"/>
-                  </a:schemeClr>
-                </a:solidFill>
-              </a:rPr>
-              <a:t>arge scope assurance for minimum viable product</a:t>
-            </a:r>
-          </a:p>
-          <a:p>
-            <a:pPr lvl="2"/>
-            <a:r>
-              <a:rPr lang="en-US" dirty="0">
-                <a:solidFill>
-                  <a:schemeClr val="accent4">
-                    <a:lumMod val="40000"/>
-                    <a:lumOff val="60000"/>
-                  </a:schemeClr>
-                </a:solidFill>
-              </a:rPr>
-              <a:t>e</a:t>
-            </a:r>
-            <a:r>
-              <a:rPr lang="en-US" dirty="0" smtClean="0">
-                <a:solidFill>
-                  <a:schemeClr val="accent4">
-                    <a:lumMod val="40000"/>
-                    <a:lumOff val="60000"/>
-                  </a:schemeClr>
-                </a:solidFill>
-              </a:rPr>
-              <a:t>arly stage isolation of ‘ power ’ vs. ‘ support ’ functionality</a:t>
-            </a:r>
-          </a:p>
-          <a:p>
-            <a:pPr lvl="2"/>
-            <a:r>
-              <a:rPr lang="en-US" dirty="0">
-                <a:solidFill>
-                  <a:schemeClr val="accent4">
-                    <a:lumMod val="40000"/>
-                    <a:lumOff val="60000"/>
-                  </a:schemeClr>
-                </a:solidFill>
-              </a:rPr>
-              <a:t>p</a:t>
-            </a:r>
-            <a:r>
-              <a:rPr lang="en-US" dirty="0" smtClean="0">
-                <a:solidFill>
-                  <a:schemeClr val="accent4">
-                    <a:lumMod val="40000"/>
-                    <a:lumOff val="60000"/>
-                  </a:schemeClr>
-                </a:solidFill>
-              </a:rPr>
-              <a:t>re-emptive debugging</a:t>
-            </a:r>
-          </a:p>
-          <a:p>
-            <a:pPr lvl="2"/>
-            <a:r>
-              <a:rPr lang="en-US" dirty="0">
-                <a:solidFill>
-                  <a:schemeClr val="accent4">
-                    <a:lumMod val="40000"/>
-                    <a:lumOff val="60000"/>
-                  </a:schemeClr>
-                </a:solidFill>
-              </a:rPr>
-              <a:t>p</a:t>
-            </a:r>
-            <a:r>
-              <a:rPr lang="en-US" dirty="0" smtClean="0">
-                <a:solidFill>
-                  <a:schemeClr val="accent4">
-                    <a:lumMod val="40000"/>
-                    <a:lumOff val="60000"/>
-                  </a:schemeClr>
-                </a:solidFill>
-              </a:rPr>
-              <a:t>re-emptive refactoring</a:t>
-            </a:r>
-          </a:p>
-        </p:txBody>
-      </p:sp>
-    </p:spTree>
-    <p:extLst>
-      <p:ext uri="{BB962C8B-B14F-4D97-AF65-F5344CB8AC3E}">
-        <p14:creationId xmlns:p14="http://schemas.microsoft.com/office/powerpoint/2010/main" xmlns="" val="1951265445"/>
-      </p:ext>
-    </p:extLst>
-  </p:cSld>
-  <p:clrMapOvr>
-    <a:masterClrMapping/>
-  </p:clrMapOvr>
-  <p:timing>
-    <p:tnLst>
-      <p:par>
-        <p:cTn id="1" dur="indefinite" restart="never" nodeType="tmRoot"/>
-      </p:par>
-    </p:tnLst>
-  </p:timing>
 </p:sld>
 </file>
 
@@ -11813,17 +11257,6 @@
           <a:p>
             <a:pPr lvl="1"/>
             <a:r>
-              <a:rPr lang="en-US" sz="1800" dirty="0" err="1" smtClean="0">
-                <a:solidFill>
-                  <a:schemeClr val="accent4">
-                    <a:lumMod val="40000"/>
-                    <a:lumOff val="60000"/>
-                  </a:schemeClr>
-                </a:solidFill>
-              </a:rPr>
-              <a:t>reversioned</a:t>
-            </a:r>
-            <a:r>
               <a:rPr lang="en-US" sz="1800" dirty="0" smtClean="0">
                 <a:solidFill>
                   <a:schemeClr val="accent4">
@@ -11832,18 +11265,7 @@
                   </a:schemeClr>
                 </a:solidFill>
               </a:rPr>
-              <a:t> and </a:t>
-            </a:r>
-            <a:r>
-              <a:rPr lang="en-US" sz="1800" dirty="0" err="1" smtClean="0">
-                <a:solidFill>
-                  <a:schemeClr val="accent4">
-                    <a:lumMod val="40000"/>
-                    <a:lumOff val="60000"/>
-                  </a:schemeClr>
-                </a:solidFill>
-              </a:rPr>
-              <a:t>revisioned</a:t>
+              <a:t>r</a:t>
             </a:r>
             <a:r>
               <a:rPr lang="en-US" sz="1800" dirty="0" smtClean="0">
@@ -11854,7 +11276,18 @@
                   </a:schemeClr>
                 </a:solidFill>
               </a:rPr>
-              <a:t> retaining intention</a:t>
+              <a:t>ecreated software retaining </a:t>
+            </a:r>
+            <a:r>
+              <a:rPr lang="en-US" sz="1800" dirty="0" smtClean="0">
+                <a:solidFill>
+                  <a:schemeClr val="accent4">
+                    <a:lumMod val="40000"/>
+                    <a:lumOff val="60000"/>
+                  </a:schemeClr>
+                </a:solidFill>
+              </a:rPr>
+              <a:t>intention</a:t>
             </a:r>
           </a:p>
         </p:txBody>
@@ -11938,23 +11371,7 @@
                   <a:schemeClr val="accent2"/>
                 </a:solidFill>
               </a:rPr>
-              <a:t>		</a:t>
-            </a:r>
-            <a:r>
-              <a:rPr lang="en-US" sz="3200" dirty="0" smtClean="0">
-                <a:solidFill>
-                  <a:schemeClr val="accent2"/>
-                </a:solidFill>
-              </a:rPr>
-              <a:t>       the </a:t>
-            </a:r>
-            <a:r>
-              <a:rPr lang="en-US" sz="3200" dirty="0" smtClean="0">
-                <a:solidFill>
-                  <a:schemeClr val="accent2"/>
-                </a:solidFill>
-              </a:rPr>
-              <a:t>venue of advancement</a:t>
+              <a:t>		       the venue of advancement</a:t>
             </a:r>
             <a:endParaRPr lang="en-US" sz="3200" dirty="0">
               <a:solidFill>
@@ -12094,15 +11511,7 @@
                   <a:schemeClr val="accent2"/>
                 </a:solidFill>
               </a:rPr>
-              <a:t>	</a:t>
-            </a:r>
-            <a:r>
-              <a:rPr lang="en-US" sz="3200" dirty="0" smtClean="0">
-                <a:solidFill>
-                  <a:schemeClr val="accent2"/>
-                </a:solidFill>
-              </a:rPr>
-              <a:t>       the </a:t>
+              <a:t>	       the </a:t>
             </a:r>
             <a:r>
               <a:rPr lang="en-US" sz="3200" dirty="0">
@@ -12118,7 +11527,7 @@
     </p:spTree>
     <p:extLst>
       <p:ext uri="{BB962C8B-B14F-4D97-AF65-F5344CB8AC3E}">
-        <p14:creationId xmlns:p14="http://schemas.microsoft.com/office/powerpoint/2010/main" xmlns="" val="1635578240"/>
+        <p14:creationId xmlns="" xmlns:p14="http://schemas.microsoft.com/office/powerpoint/2010/main" val="1635578240"/>
       </p:ext>
     </p:extLst>
   </p:cSld>
@@ -12250,15 +11659,7 @@
                   <a:schemeClr val="accent2"/>
                 </a:solidFill>
               </a:rPr>
-              <a:t>	</a:t>
-            </a:r>
-            <a:r>
-              <a:rPr lang="en-US" sz="3200" dirty="0" smtClean="0">
-                <a:solidFill>
-                  <a:schemeClr val="accent2"/>
-                </a:solidFill>
-              </a:rPr>
-              <a:t>       the </a:t>
+              <a:t>	       the </a:t>
             </a:r>
             <a:r>
               <a:rPr lang="en-US" sz="3200" dirty="0">
@@ -12275,7 +11676,7 @@
     </p:spTree>
     <p:extLst>
       <p:ext uri="{BB962C8B-B14F-4D97-AF65-F5344CB8AC3E}">
-        <p14:creationId xmlns:p14="http://schemas.microsoft.com/office/powerpoint/2010/main" xmlns="" val="1756280764"/>
+        <p14:creationId xmlns="" xmlns:p14="http://schemas.microsoft.com/office/powerpoint/2010/main" val="1756280764"/>
       </p:ext>
     </p:extLst>
   </p:cSld>
@@ -12543,15 +11944,7 @@
                   <a:schemeClr val="accent2"/>
                 </a:solidFill>
               </a:rPr>
-              <a:t>    first </a:t>
-            </a:r>
-            <a:r>
-              <a:rPr lang="en-US" sz="3200" dirty="0" smtClean="0">
-                <a:solidFill>
-                  <a:schemeClr val="accent2"/>
-                </a:solidFill>
-              </a:rPr>
-              <a:t>baseline – structure and discipline</a:t>
+              <a:t>    first baseline – structure and discipline</a:t>
             </a:r>
             <a:endParaRPr lang="en-US" sz="3200" dirty="0">
               <a:solidFill>
@@ -13036,23 +12429,7 @@
                   <a:schemeClr val="accent2"/>
                 </a:solidFill>
               </a:rPr>
-              <a:t>	</a:t>
-            </a:r>
-            <a:r>
-              <a:rPr lang="en-US" sz="3200" dirty="0" smtClean="0">
-                <a:solidFill>
-                  <a:schemeClr val="accent2"/>
-                </a:solidFill>
-              </a:rPr>
-              <a:t>    first </a:t>
-            </a:r>
-            <a:r>
-              <a:rPr lang="en-US" sz="3200" dirty="0" smtClean="0">
-                <a:solidFill>
-                  <a:schemeClr val="accent2"/>
-                </a:solidFill>
-              </a:rPr>
-              <a:t>baseline – structure and discipline</a:t>
+              <a:t>	    first baseline – structure and discipline</a:t>
             </a:r>
             <a:endParaRPr lang="en-US" sz="3200" dirty="0">
               <a:solidFill>
@@ -13065,7 +12442,7 @@
     </p:spTree>
     <p:extLst>
       <p:ext uri="{BB962C8B-B14F-4D97-AF65-F5344CB8AC3E}">
-        <p14:creationId xmlns:p14="http://schemas.microsoft.com/office/powerpoint/2010/main" xmlns="" val="2774147809"/>
+        <p14:creationId xmlns="" xmlns:p14="http://schemas.microsoft.com/office/powerpoint/2010/main" val="2774147809"/>
       </p:ext>
     </p:extLst>
   </p:cSld>
@@ -13101,6 +12478,231 @@
       </p:grpSpPr>
       <p:sp>
         <p:nvSpPr>
+          <p:cNvPr id="2" name="Content Placeholder 1"/>
+          <p:cNvSpPr>
+            <a:spLocks noGrp="1"/>
+          </p:cNvSpPr>
+          <p:nvPr>
+            <p:ph idx="1"/>
+          </p:nvPr>
+        </p:nvSpPr>
+        <p:spPr/>
+        <p:txBody>
+          <a:bodyPr>
+            <a:normAutofit fontScale="92500" lnSpcReduction="10000"/>
+          </a:bodyPr>
+          <a:lstStyle/>
+          <a:p>
+            <a:r>
+              <a:rPr lang="en-US" sz="2600" dirty="0">
+                <a:solidFill>
+                  <a:schemeClr val="accent4">
+                    <a:lumMod val="40000"/>
+                    <a:lumOff val="60000"/>
+                  </a:schemeClr>
+                </a:solidFill>
+              </a:rPr>
+              <a:t>greater purpose</a:t>
+            </a:r>
+          </a:p>
+          <a:p>
+            <a:pPr lvl="2"/>
+            <a:r>
+              <a:rPr lang="en-US" sz="1900" dirty="0">
+                <a:solidFill>
+                  <a:schemeClr val="accent4">
+                    <a:lumMod val="40000"/>
+                    <a:lumOff val="60000"/>
+                  </a:schemeClr>
+                </a:solidFill>
+              </a:rPr>
+              <a:t>to answer questions regarding development status</a:t>
+            </a:r>
+          </a:p>
+          <a:p>
+            <a:pPr lvl="2"/>
+            <a:endParaRPr lang="en-US" dirty="0">
+              <a:solidFill>
+                <a:schemeClr val="accent4">
+                  <a:lumMod val="40000"/>
+                  <a:lumOff val="60000"/>
+                </a:schemeClr>
+              </a:solidFill>
+            </a:endParaRPr>
+          </a:p>
+          <a:p>
+            <a:pPr lvl="2"/>
+            <a:endParaRPr lang="en-US" dirty="0">
+              <a:solidFill>
+                <a:schemeClr val="accent4">
+                  <a:lumMod val="40000"/>
+                  <a:lumOff val="60000"/>
+                </a:schemeClr>
+              </a:solidFill>
+            </a:endParaRPr>
+          </a:p>
+          <a:p>
+            <a:pPr lvl="2"/>
+            <a:r>
+              <a:rPr lang="en-US" sz="1900" dirty="0">
+                <a:solidFill>
+                  <a:schemeClr val="accent4">
+                    <a:lumMod val="40000"/>
+                    <a:lumOff val="60000"/>
+                  </a:schemeClr>
+                </a:solidFill>
+              </a:rPr>
+              <a:t>“ how confident am I that this piece of code actually works? ”</a:t>
+            </a:r>
+          </a:p>
+          <a:p>
+            <a:pPr lvl="4"/>
+            <a:r>
+              <a:rPr lang="en-US" sz="1700" dirty="0">
+                <a:solidFill>
+                  <a:schemeClr val="accent4">
+                    <a:lumMod val="40000"/>
+                    <a:lumOff val="60000"/>
+                  </a:schemeClr>
+                </a:solidFill>
+              </a:rPr>
+              <a:t>input verification		</a:t>
+            </a:r>
+            <a:r>
+              <a:rPr lang="en-US" sz="1700" dirty="0" smtClean="0">
+                <a:solidFill>
+                  <a:schemeClr val="accent4">
+                    <a:lumMod val="40000"/>
+                    <a:lumOff val="60000"/>
+                  </a:schemeClr>
+                </a:solidFill>
+              </a:rPr>
+              <a:t>	initialization</a:t>
+            </a:r>
+            <a:endParaRPr lang="en-US" sz="1700" dirty="0">
+              <a:solidFill>
+                <a:schemeClr val="accent4">
+                  <a:lumMod val="40000"/>
+                  <a:lumOff val="60000"/>
+                </a:schemeClr>
+              </a:solidFill>
+            </a:endParaRPr>
+          </a:p>
+          <a:p>
+            <a:pPr lvl="4"/>
+            <a:r>
+              <a:rPr lang="en-US" sz="1700" dirty="0">
+                <a:solidFill>
+                  <a:schemeClr val="accent4">
+                    <a:lumMod val="40000"/>
+                    <a:lumOff val="60000"/>
+                  </a:schemeClr>
+                </a:solidFill>
+              </a:rPr>
+              <a:t>internal logic mechanics 		algorithmic behavior ( white box )</a:t>
+            </a:r>
+          </a:p>
+          <a:p>
+            <a:pPr lvl="4"/>
+            <a:r>
+              <a:rPr lang="en-US" sz="1700" dirty="0">
+                <a:solidFill>
+                  <a:schemeClr val="accent4">
+                    <a:lumMod val="40000"/>
+                    <a:lumOff val="60000"/>
+                  </a:schemeClr>
+                </a:solidFill>
+              </a:rPr>
+              <a:t>error handling logic 		graceful failures</a:t>
+            </a:r>
+          </a:p>
+          <a:p>
+            <a:pPr lvl="4"/>
+            <a:r>
+              <a:rPr lang="en-US" sz="1700" dirty="0">
+                <a:solidFill>
+                  <a:schemeClr val="accent4">
+                    <a:lumMod val="40000"/>
+                    <a:lumOff val="60000"/>
+                  </a:schemeClr>
+                </a:solidFill>
+              </a:rPr>
+              <a:t>output verification		algorithmic return ( black box )</a:t>
+            </a:r>
+          </a:p>
+          <a:p>
+            <a:pPr lvl="2"/>
+            <a:endParaRPr lang="en-US" dirty="0">
+              <a:solidFill>
+                <a:schemeClr val="accent4">
+                  <a:lumMod val="40000"/>
+                  <a:lumOff val="60000"/>
+                </a:schemeClr>
+              </a:solidFill>
+            </a:endParaRPr>
+          </a:p>
+          <a:p>
+            <a:pPr lvl="2"/>
+            <a:endParaRPr lang="en-US" dirty="0">
+              <a:solidFill>
+                <a:schemeClr val="accent4">
+                  <a:lumMod val="40000"/>
+                  <a:lumOff val="60000"/>
+                </a:schemeClr>
+              </a:solidFill>
+            </a:endParaRPr>
+          </a:p>
+          <a:p>
+            <a:pPr lvl="2"/>
+            <a:r>
+              <a:rPr lang="en-US" sz="1900" dirty="0">
+                <a:solidFill>
+                  <a:schemeClr val="accent4">
+                    <a:lumMod val="40000"/>
+                    <a:lumOff val="60000"/>
+                  </a:schemeClr>
+                </a:solidFill>
+              </a:rPr>
+              <a:t>“ is the piece of code actually finished? ”</a:t>
+            </a:r>
+          </a:p>
+          <a:p>
+            <a:pPr lvl="4"/>
+            <a:r>
+              <a:rPr lang="en-US" sz="1700" i="1" dirty="0">
+                <a:solidFill>
+                  <a:schemeClr val="accent4">
+                    <a:lumMod val="40000"/>
+                    <a:lumOff val="60000"/>
+                  </a:schemeClr>
+                </a:solidFill>
+              </a:rPr>
+              <a:t>… if I know I’ve built rigorous tests from use cases, </a:t>
+            </a:r>
+          </a:p>
+          <a:p>
+            <a:pPr marL="1371600" lvl="5" indent="0">
+              <a:buNone/>
+            </a:pPr>
+            <a:r>
+              <a:rPr lang="en-US" sz="1700" i="1" dirty="0">
+                <a:solidFill>
+                  <a:schemeClr val="accent4">
+                    <a:lumMod val="40000"/>
+                    <a:lumOff val="60000"/>
+                  </a:schemeClr>
+                </a:solidFill>
+              </a:rPr>
+              <a:t>				and my source passes those tests…</a:t>
+            </a:r>
+          </a:p>
+          <a:p>
+            <a:endParaRPr lang="en-US" dirty="0"/>
+          </a:p>
+        </p:txBody>
+      </p:sp>
+      <p:sp>
+        <p:nvSpPr>
           <p:cNvPr id="3" name="Title 2"/>
           <p:cNvSpPr>
             <a:spLocks noGrp="1"/>
@@ -13156,117 +12758,14 @@
               </a:rPr>
               <a:t>	    first baseline – structure and discipline</a:t>
             </a:r>
-            <a:endParaRPr lang="en-US" sz="3200" dirty="0">
-              <a:solidFill>
-                <a:schemeClr val="accent2"/>
-              </a:solidFill>
-            </a:endParaRPr>
-          </a:p>
-        </p:txBody>
-      </p:sp>
-      <p:pic>
-        <p:nvPicPr>
-          <p:cNvPr id="4" name="Picture 2" descr="C:\Users\mjs0031\Desktop\Test-driven_development.PNG"/>
-          <p:cNvPicPr>
-            <a:picLocks noGrp="1" noChangeAspect="1" noChangeArrowheads="1"/>
-          </p:cNvPicPr>
-          <p:nvPr>
-            <p:ph idx="1"/>
-          </p:nvPr>
-        </p:nvPicPr>
-        <p:blipFill>
-          <a:blip r:embed="rId2" cstate="print">
-            <a:extLst>
-              <a:ext uri="{28A0092B-C50C-407E-A947-70E740481C1C}">
-                <a14:useLocalDpi xmlns:a14="http://schemas.microsoft.com/office/drawing/2010/main" xmlns="" val="0"/>
-              </a:ext>
-            </a:extLst>
-          </a:blip>
-          <a:srcRect/>
-          <a:stretch>
-            <a:fillRect/>
-          </a:stretch>
-        </p:blipFill>
-        <p:spPr bwMode="auto">
-          <a:xfrm>
-            <a:off x="1447800" y="1447800"/>
-            <a:ext cx="5824038" cy="4178300"/>
-          </a:xfrm>
-          <a:prstGeom prst="rect">
-            <a:avLst/>
-          </a:prstGeom>
-          <a:noFill/>
-          <a:extLst>
-            <a:ext uri="{909E8E84-426E-40DD-AFC4-6F175D3DCCD1}">
-              <a14:hiddenFill xmlns:a14="http://schemas.microsoft.com/office/drawing/2010/main" xmlns="">
-                <a:solidFill>
-                  <a:srgbClr val="FFFFFF"/>
-                </a:solidFill>
-              </a14:hiddenFill>
-            </a:ext>
-          </a:extLst>
-        </p:spPr>
-      </p:pic>
-      <p:sp>
-        <p:nvSpPr>
-          <p:cNvPr id="5" name="TextBox 4"/>
-          <p:cNvSpPr txBox="1"/>
-          <p:nvPr/>
-        </p:nvSpPr>
-        <p:spPr>
-          <a:xfrm>
-            <a:off x="2438400" y="5791200"/>
-            <a:ext cx="6547248" cy="369332"/>
-          </a:xfrm>
-          <a:prstGeom prst="rect">
-            <a:avLst/>
-          </a:prstGeom>
-          <a:noFill/>
-        </p:spPr>
-        <p:txBody>
-          <a:bodyPr wrap="square" rtlCol="0">
-            <a:spAutoFit/>
-          </a:bodyPr>
-          <a:lstStyle/>
-          <a:p>
-            <a:r>
-              <a:rPr lang="en-US" dirty="0" smtClean="0">
-                <a:solidFill>
-                  <a:schemeClr val="accent2"/>
-                </a:solidFill>
-              </a:rPr>
-              <a:t>~source  ::   </a:t>
-            </a:r>
-            <a:r>
-              <a:rPr lang="en-US" dirty="0" smtClean="0">
-                <a:solidFill>
-                  <a:schemeClr val="accent2"/>
-                </a:solidFill>
-                <a:hlinkClick r:id="rId3"/>
-              </a:rPr>
-              <a:t>http</a:t>
-            </a:r>
-            <a:r>
-              <a:rPr lang="en-US" dirty="0">
-                <a:solidFill>
-                  <a:schemeClr val="accent2"/>
-                </a:solidFill>
-                <a:hlinkClick r:id="rId3"/>
-              </a:rPr>
-              <a:t>://en.wikipedia.org/wiki/Test-driven_development</a:t>
-            </a:r>
-            <a:endParaRPr lang="en-US" dirty="0">
-              <a:solidFill>
-                <a:schemeClr val="accent2"/>
-              </a:solidFill>
-            </a:endParaRPr>
+            <a:endParaRPr lang="en-US" sz="3200" dirty="0"/>
           </a:p>
         </p:txBody>
       </p:sp>
     </p:spTree>
     <p:extLst>
       <p:ext uri="{BB962C8B-B14F-4D97-AF65-F5344CB8AC3E}">
-        <p14:creationId xmlns:p14="http://schemas.microsoft.com/office/powerpoint/2010/main" xmlns="" val="1950736782"/>
+        <p14:creationId xmlns="" xmlns:p14="http://schemas.microsoft.com/office/powerpoint/2010/main" val="3063391366"/>
       </p:ext>
     </p:extLst>
   </p:cSld>

--- a/the_defense.pptx
+++ b/the_defense.pptx
@@ -762,7 +762,7 @@
             <a:fld id="{A49D504B-9B0C-4FC4-88A1-E434BC3E90F8}" type="datetimeFigureOut">
               <a:rPr lang="en-US" smtClean="0"/>
               <a:pPr/>
-              <a:t>4/22/2014</a:t>
+              <a:t>4/24/2014</a:t>
             </a:fld>
             <a:endParaRPr lang="en-US"/>
           </a:p>
@@ -960,7 +960,7 @@
             <a:fld id="{A49D504B-9B0C-4FC4-88A1-E434BC3E90F8}" type="datetimeFigureOut">
               <a:rPr lang="en-US" smtClean="0"/>
               <a:pPr/>
-              <a:t>4/22/2014</a:t>
+              <a:t>4/24/2014</a:t>
             </a:fld>
             <a:endParaRPr lang="en-US"/>
           </a:p>
@@ -1147,7 +1147,7 @@
             <a:fld id="{A49D504B-9B0C-4FC4-88A1-E434BC3E90F8}" type="datetimeFigureOut">
               <a:rPr lang="en-US" smtClean="0"/>
               <a:pPr/>
-              <a:t>4/22/2014</a:t>
+              <a:t>4/24/2014</a:t>
             </a:fld>
             <a:endParaRPr lang="en-US"/>
           </a:p>
@@ -1299,7 +1299,7 @@
             <a:fld id="{A49D504B-9B0C-4FC4-88A1-E434BC3E90F8}" type="datetimeFigureOut">
               <a:rPr lang="en-US" smtClean="0"/>
               <a:pPr/>
-              <a:t>4/22/2014</a:t>
+              <a:t>4/24/2014</a:t>
             </a:fld>
             <a:endParaRPr lang="en-US"/>
           </a:p>
@@ -1551,7 +1551,7 @@
             <a:fld id="{A49D504B-9B0C-4FC4-88A1-E434BC3E90F8}" type="datetimeFigureOut">
               <a:rPr lang="en-US" smtClean="0"/>
               <a:pPr/>
-              <a:t>4/22/2014</a:t>
+              <a:t>4/24/2014</a:t>
             </a:fld>
             <a:endParaRPr lang="en-US"/>
           </a:p>
@@ -1957,7 +1957,7 @@
             <a:fld id="{A49D504B-9B0C-4FC4-88A1-E434BC3E90F8}" type="datetimeFigureOut">
               <a:rPr lang="en-US" smtClean="0"/>
               <a:pPr/>
-              <a:t>4/22/2014</a:t>
+              <a:t>4/24/2014</a:t>
             </a:fld>
             <a:endParaRPr lang="en-US"/>
           </a:p>
@@ -2400,7 +2400,7 @@
             <a:fld id="{A49D504B-9B0C-4FC4-88A1-E434BC3E90F8}" type="datetimeFigureOut">
               <a:rPr lang="en-US" smtClean="0"/>
               <a:pPr/>
-              <a:t>4/22/2014</a:t>
+              <a:t>4/24/2014</a:t>
             </a:fld>
             <a:endParaRPr lang="en-US"/>
           </a:p>
@@ -2498,7 +2498,7 @@
             <a:fld id="{A49D504B-9B0C-4FC4-88A1-E434BC3E90F8}" type="datetimeFigureOut">
               <a:rPr lang="en-US" smtClean="0"/>
               <a:pPr/>
-              <a:t>4/22/2014</a:t>
+              <a:t>4/24/2014</a:t>
             </a:fld>
             <a:endParaRPr lang="en-US"/>
           </a:p>
@@ -2621,7 +2621,7 @@
             <a:fld id="{A49D504B-9B0C-4FC4-88A1-E434BC3E90F8}" type="datetimeFigureOut">
               <a:rPr lang="en-US" smtClean="0"/>
               <a:pPr/>
-              <a:t>4/22/2014</a:t>
+              <a:t>4/24/2014</a:t>
             </a:fld>
             <a:endParaRPr lang="en-US"/>
           </a:p>
@@ -2892,7 +2892,7 @@
             <a:fld id="{A49D504B-9B0C-4FC4-88A1-E434BC3E90F8}" type="datetimeFigureOut">
               <a:rPr lang="en-US" smtClean="0"/>
               <a:pPr/>
-              <a:t>4/22/2014</a:t>
+              <a:t>4/24/2014</a:t>
             </a:fld>
             <a:endParaRPr lang="en-US"/>
           </a:p>
@@ -3094,7 +3094,7 @@
             <a:fld id="{A49D504B-9B0C-4FC4-88A1-E434BC3E90F8}" type="datetimeFigureOut">
               <a:rPr lang="en-US" smtClean="0"/>
               <a:pPr/>
-              <a:t>4/22/2014</a:t>
+              <a:t>4/24/2014</a:t>
             </a:fld>
             <a:endParaRPr lang="en-US"/>
           </a:p>
@@ -4205,7 +4205,7 @@
             <a:fld id="{A49D504B-9B0C-4FC4-88A1-E434BC3E90F8}" type="datetimeFigureOut">
               <a:rPr lang="en-US" smtClean="0"/>
               <a:pPr/>
-              <a:t>4/22/2014</a:t>
+              <a:t>4/24/2014</a:t>
             </a:fld>
             <a:endParaRPr lang="en-US"/>
           </a:p>
@@ -4696,6 +4696,48 @@
               </a:rPr>
               <a:t>2014-04-29</a:t>
             </a:r>
+          </a:p>
+          <a:p>
+            <a:r>
+              <a:rPr lang="en-US" sz="2400" dirty="0" err="1" smtClean="0">
+                <a:solidFill>
+                  <a:schemeClr val="accent2"/>
+                </a:solidFill>
+              </a:rPr>
+              <a:t>matthew</a:t>
+            </a:r>
+            <a:r>
+              <a:rPr lang="en-US" sz="2400" dirty="0" smtClean="0">
+                <a:solidFill>
+                  <a:schemeClr val="accent2"/>
+                </a:solidFill>
+              </a:rPr>
+              <a:t> </a:t>
+            </a:r>
+            <a:r>
+              <a:rPr lang="en-US" sz="2400" dirty="0" err="1" smtClean="0">
+                <a:solidFill>
+                  <a:schemeClr val="accent2"/>
+                </a:solidFill>
+              </a:rPr>
+              <a:t>james</a:t>
+            </a:r>
+            <a:r>
+              <a:rPr lang="en-US" sz="2400" dirty="0" smtClean="0">
+                <a:solidFill>
+                  <a:schemeClr val="accent2"/>
+                </a:solidFill>
+              </a:rPr>
+              <a:t> </a:t>
+            </a:r>
+            <a:r>
+              <a:rPr lang="en-US" sz="2400" dirty="0" err="1" smtClean="0">
+                <a:solidFill>
+                  <a:schemeClr val="accent2"/>
+                </a:solidFill>
+              </a:rPr>
+              <a:t>swann</a:t>
+            </a:r>
             <a:endParaRPr lang="en-US" sz="2400" dirty="0" smtClean="0">
               <a:solidFill>
                 <a:schemeClr val="accent2"/>
@@ -4704,53 +4746,6 @@
           </a:p>
           <a:p>
             <a:r>
-              <a:rPr lang="en-US" sz="2400" dirty="0" err="1" smtClean="0">
-                <a:solidFill>
-                  <a:schemeClr val="accent2"/>
-                </a:solidFill>
-              </a:rPr>
-              <a:t>matthew</a:t>
-            </a:r>
-            <a:r>
-              <a:rPr lang="en-US" sz="2400" dirty="0" smtClean="0">
-                <a:solidFill>
-                  <a:schemeClr val="accent2"/>
-                </a:solidFill>
-              </a:rPr>
-              <a:t> </a:t>
-            </a:r>
-            <a:r>
-              <a:rPr lang="en-US" sz="2400" dirty="0" err="1" smtClean="0">
-                <a:solidFill>
-                  <a:schemeClr val="accent2"/>
-                </a:solidFill>
-              </a:rPr>
-              <a:t>james</a:t>
-            </a:r>
-            <a:r>
-              <a:rPr lang="en-US" sz="2400" dirty="0" smtClean="0">
-                <a:solidFill>
-                  <a:schemeClr val="accent2"/>
-                </a:solidFill>
-              </a:rPr>
-              <a:t> </a:t>
-            </a:r>
-            <a:r>
-              <a:rPr lang="en-US" sz="2400" dirty="0" err="1" smtClean="0">
-                <a:solidFill>
-                  <a:schemeClr val="accent2"/>
-                </a:solidFill>
-              </a:rPr>
-              <a:t>swann</a:t>
-            </a:r>
-            <a:endParaRPr lang="en-US" sz="2400" dirty="0" smtClean="0">
-              <a:solidFill>
-                <a:schemeClr val="accent2"/>
-              </a:solidFill>
-            </a:endParaRPr>
-          </a:p>
-          <a:p>
-            <a:r>
               <a:rPr lang="en-US" sz="2400" dirty="0" smtClean="0">
                 <a:solidFill>
                   <a:schemeClr val="accent2"/>
@@ -4771,7 +4766,7 @@
     </p:spTree>
     <p:extLst>
       <p:ext uri="{BB962C8B-B14F-4D97-AF65-F5344CB8AC3E}">
-        <p14:creationId xmlns="" xmlns:p14="http://schemas.microsoft.com/office/powerpoint/2010/main" val="2182576695"/>
+        <p14:creationId xmlns:p14="http://schemas.microsoft.com/office/powerpoint/2010/main" xmlns="" val="2182576695"/>
       </p:ext>
     </p:extLst>
   </p:cSld>
@@ -5215,7 +5210,7 @@
     </p:spTree>
     <p:extLst>
       <p:ext uri="{BB962C8B-B14F-4D97-AF65-F5344CB8AC3E}">
-        <p14:creationId xmlns="" xmlns:p14="http://schemas.microsoft.com/office/powerpoint/2010/main" val="584452262"/>
+        <p14:creationId xmlns:p14="http://schemas.microsoft.com/office/powerpoint/2010/main" xmlns="" val="584452262"/>
       </p:ext>
     </p:extLst>
   </p:cSld>
@@ -5487,29 +5482,7 @@
                   </a:schemeClr>
                 </a:solidFill>
               </a:rPr>
-              <a:t>bound literary work </a:t>
-            </a:r>
-            <a:r>
-              <a:rPr lang="en-US" sz="1600" dirty="0" smtClean="0">
-                <a:solidFill>
-                  <a:schemeClr val="accent4">
-                    <a:lumMod val="40000"/>
-                    <a:lumOff val="60000"/>
-                  </a:schemeClr>
-                </a:solidFill>
-              </a:rPr>
-              <a:t>comprised </a:t>
-            </a:r>
-            <a:r>
-              <a:rPr lang="en-US" sz="1600" dirty="0" smtClean="0">
-                <a:solidFill>
-                  <a:schemeClr val="accent4">
-                    <a:lumMod val="40000"/>
-                    <a:lumOff val="60000"/>
-                  </a:schemeClr>
-                </a:solidFill>
-              </a:rPr>
-              <a:t>of printed words on paper </a:t>
+              <a:t>bound literary work comprised of printed words on paper </a:t>
             </a:r>
           </a:p>
           <a:p>
@@ -6069,7 +6042,7 @@
     </p:spTree>
     <p:extLst>
       <p:ext uri="{BB962C8B-B14F-4D97-AF65-F5344CB8AC3E}">
-        <p14:creationId xmlns="" xmlns:p14="http://schemas.microsoft.com/office/powerpoint/2010/main" val="210330892"/>
+        <p14:creationId xmlns:p14="http://schemas.microsoft.com/office/powerpoint/2010/main" xmlns="" val="210330892"/>
       </p:ext>
     </p:extLst>
   </p:cSld>
@@ -6453,7 +6426,7 @@
     </p:spTree>
     <p:extLst>
       <p:ext uri="{BB962C8B-B14F-4D97-AF65-F5344CB8AC3E}">
-        <p14:creationId xmlns="" xmlns:p14="http://schemas.microsoft.com/office/powerpoint/2010/main" val="1815301827"/>
+        <p14:creationId xmlns:p14="http://schemas.microsoft.com/office/powerpoint/2010/main" xmlns="" val="1815301827"/>
       </p:ext>
     </p:extLst>
   </p:cSld>
@@ -6943,27 +6916,8 @@
                   </a:schemeClr>
                 </a:solidFill>
               </a:rPr>
-              <a:t>i</a:t>
-            </a:r>
-            <a:r>
-              <a:rPr lang="en-US" sz="2400" dirty="0" smtClean="0">
-                <a:solidFill>
-                  <a:schemeClr val="accent4">
-                    <a:lumMod val="40000"/>
-                    <a:lumOff val="60000"/>
-                  </a:schemeClr>
-                </a:solidFill>
-              </a:rPr>
-              <a:t>nsight – sight: to see</a:t>
-            </a:r>
-            <a:endParaRPr lang="en-US" sz="2400" dirty="0" smtClean="0">
-              <a:solidFill>
-                <a:schemeClr val="accent4">
-                  <a:lumMod val="40000"/>
-                  <a:lumOff val="60000"/>
-                </a:schemeClr>
-              </a:solidFill>
-            </a:endParaRPr>
+              <a:t>insight – sight: to see</a:t>
+            </a:r>
           </a:p>
           <a:p>
             <a:pPr lvl="1"/>
@@ -8054,18 +8008,7 @@
                   </a:schemeClr>
                 </a:solidFill>
               </a:rPr>
-              <a:t>phone </a:t>
-            </a:r>
-            <a:r>
-              <a:rPr lang="en-US" sz="1400" dirty="0" smtClean="0">
-                <a:solidFill>
-                  <a:schemeClr val="accent4">
-                    <a:lumMod val="40000"/>
-                    <a:lumOff val="60000"/>
-                  </a:schemeClr>
-                </a:solidFill>
-              </a:rPr>
-              <a:t>call</a:t>
+              <a:t>phone call</a:t>
             </a:r>
           </a:p>
           <a:p>
@@ -8081,14 +8024,6 @@
               </a:rPr>
               <a:t>Stretch before the game</a:t>
             </a:r>
-            <a:endParaRPr lang="en-US" sz="1500" dirty="0" smtClean="0">
-              <a:solidFill>
-                <a:schemeClr val="accent4">
-                  <a:lumMod val="40000"/>
-                  <a:lumOff val="60000"/>
-                </a:schemeClr>
-              </a:solidFill>
-            </a:endParaRPr>
           </a:p>
           <a:p>
             <a:pPr lvl="3"/>
@@ -8928,7 +8863,7 @@
     </p:spTree>
     <p:extLst>
       <p:ext uri="{BB962C8B-B14F-4D97-AF65-F5344CB8AC3E}">
-        <p14:creationId xmlns="" xmlns:p14="http://schemas.microsoft.com/office/powerpoint/2010/main" val="1147154572"/>
+        <p14:creationId xmlns:p14="http://schemas.microsoft.com/office/powerpoint/2010/main" xmlns="" val="1147154572"/>
       </p:ext>
     </p:extLst>
   </p:cSld>
@@ -9180,6 +9115,13 @@
   <p:clrMapOvr>
     <a:masterClrMapping/>
   </p:clrMapOvr>
+  <p:timing>
+    <p:tnLst>
+      <p:par>
+        <p:cTn id="1" dur="indefinite" restart="never" nodeType="tmRoot"/>
+      </p:par>
+    </p:tnLst>
+  </p:timing>
 </p:sld>
 </file>
 
@@ -9200,29 +9142,512 @@
           <a:chExt cx="0" cy="0"/>
         </a:xfrm>
       </p:grpSpPr>
-      <p:sp>
-        <p:nvSpPr>
-          <p:cNvPr id="2" name="Content Placeholder 1"/>
-          <p:cNvSpPr>
-            <a:spLocks noGrp="1"/>
-          </p:cNvSpPr>
+      <p:graphicFrame>
+        <p:nvGraphicFramePr>
+          <p:cNvPr id="4" name="Content Placeholder 3"/>
+          <p:cNvGraphicFramePr>
+            <a:graphicFrameLocks noGrp="1"/>
+          </p:cNvGraphicFramePr>
           <p:nvPr>
             <p:ph idx="1"/>
           </p:nvPr>
-        </p:nvSpPr>
-        <p:spPr/>
-        <p:txBody>
-          <a:bodyPr/>
-          <a:lstStyle/>
-          <a:p>
-            <a:r>
-              <a:rPr lang="en-US" dirty="0" smtClean="0"/>
-              <a:t>Text and figure?</a:t>
-            </a:r>
-            <a:endParaRPr lang="en-US" dirty="0"/>
-          </a:p>
-        </p:txBody>
-      </p:sp>
+        </p:nvGraphicFramePr>
+        <p:xfrm>
+          <a:off x="457200" y="1752600"/>
+          <a:ext cx="8305800" cy="4191000"/>
+        </p:xfrm>
+        <a:graphic>
+          <a:graphicData uri="http://schemas.openxmlformats.org/drawingml/2006/table">
+            <a:tbl>
+              <a:tblPr firstRow="1" bandRow="1">
+                <a:tableStyleId>{08FB837D-C827-4EFA-A057-4D05807E0F7C}</a:tableStyleId>
+              </a:tblPr>
+              <a:tblGrid>
+                <a:gridCol w="1066800"/>
+                <a:gridCol w="2362200"/>
+                <a:gridCol w="4876800"/>
+              </a:tblGrid>
+              <a:tr h="533400">
+                <a:tc>
+                  <a:txBody>
+                    <a:bodyPr/>
+                    <a:lstStyle/>
+                    <a:p>
+                      <a:pPr marL="0" marR="0" algn="ctr">
+                        <a:lnSpc>
+                          <a:spcPct val="115000"/>
+                        </a:lnSpc>
+                        <a:spcBef>
+                          <a:spcPts val="0"/>
+                        </a:spcBef>
+                        <a:spcAft>
+                          <a:spcPts val="0"/>
+                        </a:spcAft>
+                      </a:pPr>
+                      <a:r>
+                        <a:rPr lang="en-US" sz="1400" dirty="0"/>
+                        <a:t>Name in </a:t>
+                      </a:r>
+                      <a:endParaRPr lang="en-US" sz="1400" dirty="0" smtClean="0"/>
+                    </a:p>
+                    <a:p>
+                      <a:pPr marL="0" marR="0" algn="ctr">
+                        <a:lnSpc>
+                          <a:spcPct val="115000"/>
+                        </a:lnSpc>
+                        <a:spcBef>
+                          <a:spcPts val="0"/>
+                        </a:spcBef>
+                        <a:spcAft>
+                          <a:spcPts val="0"/>
+                        </a:spcAft>
+                      </a:pPr>
+                      <a:r>
+                        <a:rPr lang="en-US" sz="1400" dirty="0" smtClean="0"/>
+                        <a:t>Figure </a:t>
+                      </a:r>
+                      <a:r>
+                        <a:rPr lang="en-US" sz="1400" dirty="0"/>
+                        <a:t>4.1</a:t>
+                      </a:r>
+                      <a:endParaRPr lang="en-US" sz="1400" dirty="0">
+                        <a:latin typeface="Times New Roman"/>
+                        <a:ea typeface="Calibri"/>
+                        <a:cs typeface="Times New Roman"/>
+                      </a:endParaRPr>
+                    </a:p>
+                  </a:txBody>
+                  <a:tcPr marL="68580" marR="68580" marT="0" marB="0"/>
+                </a:tc>
+                <a:tc>
+                  <a:txBody>
+                    <a:bodyPr/>
+                    <a:lstStyle/>
+                    <a:p>
+                      <a:pPr marL="0" marR="0" algn="ctr">
+                        <a:lnSpc>
+                          <a:spcPct val="115000"/>
+                        </a:lnSpc>
+                        <a:spcBef>
+                          <a:spcPts val="0"/>
+                        </a:spcBef>
+                        <a:spcAft>
+                          <a:spcPts val="0"/>
+                        </a:spcAft>
+                      </a:pPr>
+                      <a:r>
+                        <a:rPr lang="en-US" sz="1400" dirty="0"/>
+                        <a:t>Implemented </a:t>
+                      </a:r>
+                      <a:endParaRPr lang="en-US" sz="1400" dirty="0" smtClean="0"/>
+                    </a:p>
+                    <a:p>
+                      <a:pPr marL="0" marR="0" algn="ctr">
+                        <a:lnSpc>
+                          <a:spcPct val="115000"/>
+                        </a:lnSpc>
+                        <a:spcBef>
+                          <a:spcPts val="0"/>
+                        </a:spcBef>
+                        <a:spcAft>
+                          <a:spcPts val="0"/>
+                        </a:spcAft>
+                      </a:pPr>
+                      <a:r>
+                        <a:rPr lang="en-US" sz="1400" dirty="0" smtClean="0"/>
+                        <a:t>Class </a:t>
+                      </a:r>
+                      <a:r>
+                        <a:rPr lang="en-US" sz="1400" dirty="0"/>
+                        <a:t>Name</a:t>
+                      </a:r>
+                      <a:endParaRPr lang="en-US" sz="1400" dirty="0">
+                        <a:latin typeface="Times New Roman"/>
+                        <a:ea typeface="Calibri"/>
+                        <a:cs typeface="Times New Roman"/>
+                      </a:endParaRPr>
+                    </a:p>
+                  </a:txBody>
+                  <a:tcPr marL="68580" marR="68580" marT="0" marB="0"/>
+                </a:tc>
+                <a:tc>
+                  <a:txBody>
+                    <a:bodyPr/>
+                    <a:lstStyle/>
+                    <a:p>
+                      <a:pPr marL="0" marR="0" algn="ctr">
+                        <a:lnSpc>
+                          <a:spcPct val="115000"/>
+                        </a:lnSpc>
+                        <a:spcBef>
+                          <a:spcPts val="0"/>
+                        </a:spcBef>
+                        <a:spcAft>
+                          <a:spcPts val="0"/>
+                        </a:spcAft>
+                      </a:pPr>
+                      <a:r>
+                        <a:rPr lang="en-US" sz="1400" dirty="0"/>
+                        <a:t>Functionality</a:t>
+                      </a:r>
+                      <a:endParaRPr lang="en-US" sz="1400" dirty="0">
+                        <a:latin typeface="Times New Roman"/>
+                        <a:ea typeface="Calibri"/>
+                        <a:cs typeface="Times New Roman"/>
+                      </a:endParaRPr>
+                    </a:p>
+                  </a:txBody>
+                  <a:tcPr marL="68580" marR="68580" marT="0" marB="0"/>
+                </a:tc>
+              </a:tr>
+              <a:tr h="762000">
+                <a:tc>
+                  <a:txBody>
+                    <a:bodyPr/>
+                    <a:lstStyle/>
+                    <a:p>
+                      <a:pPr marL="0" marR="0" algn="ctr">
+                        <a:lnSpc>
+                          <a:spcPct val="115000"/>
+                        </a:lnSpc>
+                        <a:spcBef>
+                          <a:spcPts val="0"/>
+                        </a:spcBef>
+                        <a:spcAft>
+                          <a:spcPts val="0"/>
+                        </a:spcAft>
+                      </a:pPr>
+                      <a:r>
+                        <a:rPr lang="en-US" sz="1500" dirty="0">
+                          <a:latin typeface="Symbol" pitchFamily="18" charset="2"/>
+                        </a:rPr>
+                        <a:t>a</a:t>
+                      </a:r>
+                      <a:r>
+                        <a:rPr lang="en-US" sz="1500" dirty="0"/>
+                        <a:t> Barrier</a:t>
+                      </a:r>
+                      <a:endParaRPr lang="en-US" sz="1500" dirty="0">
+                        <a:latin typeface="Times New Roman"/>
+                        <a:ea typeface="Calibri"/>
+                        <a:cs typeface="Times New Roman"/>
+                      </a:endParaRPr>
+                    </a:p>
+                  </a:txBody>
+                  <a:tcPr marL="68580" marR="68580" marT="0" marB="0"/>
+                </a:tc>
+                <a:tc>
+                  <a:txBody>
+                    <a:bodyPr/>
+                    <a:lstStyle/>
+                    <a:p>
+                      <a:pPr marL="0" marR="0" algn="ctr">
+                        <a:lnSpc>
+                          <a:spcPct val="115000"/>
+                        </a:lnSpc>
+                        <a:spcBef>
+                          <a:spcPts val="0"/>
+                        </a:spcBef>
+                        <a:spcAft>
+                          <a:spcPts val="0"/>
+                        </a:spcAft>
+                      </a:pPr>
+                      <a:r>
+                        <a:rPr lang="en-US" sz="1500" dirty="0" err="1"/>
+                        <a:t>Bounce_Barrier_Event</a:t>
+                      </a:r>
+                      <a:endParaRPr lang="en-US" sz="1500" dirty="0">
+                        <a:latin typeface="Times New Roman"/>
+                        <a:ea typeface="Calibri"/>
+                        <a:cs typeface="Times New Roman"/>
+                      </a:endParaRPr>
+                    </a:p>
+                  </a:txBody>
+                  <a:tcPr marL="68580" marR="68580" marT="0" marB="0"/>
+                </a:tc>
+                <a:tc>
+                  <a:txBody>
+                    <a:bodyPr/>
+                    <a:lstStyle/>
+                    <a:p>
+                      <a:pPr marL="0" marR="0" algn="just">
+                        <a:lnSpc>
+                          <a:spcPct val="115000"/>
+                        </a:lnSpc>
+                        <a:spcBef>
+                          <a:spcPts val="0"/>
+                        </a:spcBef>
+                        <a:spcAft>
+                          <a:spcPts val="0"/>
+                        </a:spcAft>
+                      </a:pPr>
+                      <a:r>
+                        <a:rPr lang="en-US" sz="1500" dirty="0"/>
+                        <a:t>Objects colliding with this Barrier should bounce backwards.</a:t>
+                      </a:r>
+                    </a:p>
+                    <a:p>
+                      <a:pPr marL="0" marR="0" algn="just">
+                        <a:lnSpc>
+                          <a:spcPct val="115000"/>
+                        </a:lnSpc>
+                        <a:spcBef>
+                          <a:spcPts val="600"/>
+                        </a:spcBef>
+                        <a:spcAft>
+                          <a:spcPts val="0"/>
+                        </a:spcAft>
+                      </a:pPr>
+                      <a:r>
+                        <a:rPr lang="en-US" sz="1500" i="1" dirty="0"/>
+                        <a:t>( i.e. A ball hitting the ground should bounce back into the air)</a:t>
+                      </a:r>
+                      <a:endParaRPr lang="en-US" sz="1500" i="1" dirty="0">
+                        <a:latin typeface="Times New Roman"/>
+                        <a:ea typeface="Calibri"/>
+                        <a:cs typeface="Times New Roman"/>
+                      </a:endParaRPr>
+                    </a:p>
+                  </a:txBody>
+                  <a:tcPr marL="68580" marR="68580" marT="0" marB="0"/>
+                </a:tc>
+              </a:tr>
+              <a:tr h="1295400">
+                <a:tc>
+                  <a:txBody>
+                    <a:bodyPr/>
+                    <a:lstStyle/>
+                    <a:p>
+                      <a:pPr marL="0" marR="0" algn="ctr">
+                        <a:lnSpc>
+                          <a:spcPct val="115000"/>
+                        </a:lnSpc>
+                        <a:spcBef>
+                          <a:spcPts val="0"/>
+                        </a:spcBef>
+                        <a:spcAft>
+                          <a:spcPts val="0"/>
+                        </a:spcAft>
+                      </a:pPr>
+                      <a:r>
+                        <a:rPr lang="en-US" sz="1500" dirty="0">
+                          <a:latin typeface="Symbol" pitchFamily="18" charset="2"/>
+                        </a:rPr>
+                        <a:t>b</a:t>
+                      </a:r>
+                      <a:r>
+                        <a:rPr lang="en-US" sz="1500" dirty="0"/>
+                        <a:t> Barrier</a:t>
+                      </a:r>
+                      <a:endParaRPr lang="en-US" sz="1500" dirty="0">
+                        <a:latin typeface="Times New Roman"/>
+                        <a:ea typeface="Calibri"/>
+                        <a:cs typeface="Times New Roman"/>
+                      </a:endParaRPr>
+                    </a:p>
+                  </a:txBody>
+                  <a:tcPr marL="68580" marR="68580" marT="0" marB="0"/>
+                </a:tc>
+                <a:tc>
+                  <a:txBody>
+                    <a:bodyPr/>
+                    <a:lstStyle/>
+                    <a:p>
+                      <a:pPr marL="0" marR="0" algn="ctr">
+                        <a:lnSpc>
+                          <a:spcPct val="115000"/>
+                        </a:lnSpc>
+                        <a:spcBef>
+                          <a:spcPts val="0"/>
+                        </a:spcBef>
+                        <a:spcAft>
+                          <a:spcPts val="0"/>
+                        </a:spcAft>
+                      </a:pPr>
+                      <a:r>
+                        <a:rPr lang="en-US" sz="1500" dirty="0" err="1"/>
+                        <a:t>Pass_Through_Barrier_Event</a:t>
+                      </a:r>
+                      <a:endParaRPr lang="en-US" sz="1500" dirty="0">
+                        <a:latin typeface="Times New Roman"/>
+                        <a:ea typeface="Calibri"/>
+                        <a:cs typeface="Times New Roman"/>
+                      </a:endParaRPr>
+                    </a:p>
+                  </a:txBody>
+                  <a:tcPr marL="68580" marR="68580" marT="0" marB="0"/>
+                </a:tc>
+                <a:tc>
+                  <a:txBody>
+                    <a:bodyPr/>
+                    <a:lstStyle/>
+                    <a:p>
+                      <a:pPr marL="0" marR="0" algn="just">
+                        <a:lnSpc>
+                          <a:spcPct val="115000"/>
+                        </a:lnSpc>
+                        <a:spcBef>
+                          <a:spcPts val="0"/>
+                        </a:spcBef>
+                        <a:spcAft>
+                          <a:spcPts val="0"/>
+                        </a:spcAft>
+                      </a:pPr>
+                      <a:r>
+                        <a:rPr lang="en-US" sz="1500" dirty="0"/>
+                        <a:t>When an object’s center point hits this Barrier, it should be reflected across the simulation space.</a:t>
+                      </a:r>
+                    </a:p>
+                    <a:p>
+                      <a:pPr marL="0" marR="0" algn="just">
+                        <a:lnSpc>
+                          <a:spcPct val="115000"/>
+                        </a:lnSpc>
+                        <a:spcBef>
+                          <a:spcPts val="600"/>
+                        </a:spcBef>
+                        <a:spcAft>
+                          <a:spcPts val="0"/>
+                        </a:spcAft>
+                      </a:pPr>
+                      <a:r>
+                        <a:rPr lang="en-US" sz="1500" i="1" dirty="0"/>
+                        <a:t>(i.e. A ball hitting this wall would wrap around the environment to the other side.)</a:t>
+                      </a:r>
+                      <a:endParaRPr lang="en-US" sz="1500" i="1" dirty="0">
+                        <a:latin typeface="Times New Roman"/>
+                        <a:ea typeface="Calibri"/>
+                        <a:cs typeface="Times New Roman"/>
+                      </a:endParaRPr>
+                    </a:p>
+                  </a:txBody>
+                  <a:tcPr marL="68580" marR="68580" marT="0" marB="0"/>
+                </a:tc>
+              </a:tr>
+              <a:tr h="1600200">
+                <a:tc>
+                  <a:txBody>
+                    <a:bodyPr/>
+                    <a:lstStyle/>
+                    <a:p>
+                      <a:pPr marL="0" marR="0" algn="ctr">
+                        <a:lnSpc>
+                          <a:spcPct val="115000"/>
+                        </a:lnSpc>
+                        <a:spcBef>
+                          <a:spcPts val="0"/>
+                        </a:spcBef>
+                        <a:spcAft>
+                          <a:spcPts val="0"/>
+                        </a:spcAft>
+                      </a:pPr>
+                      <a:r>
+                        <a:rPr lang="en-US" sz="1500" dirty="0">
+                          <a:latin typeface="Symbol" pitchFamily="18" charset="2"/>
+                        </a:rPr>
+                        <a:t>d</a:t>
+                      </a:r>
+                      <a:r>
+                        <a:rPr lang="en-US" sz="1500" dirty="0"/>
+                        <a:t> Barrier</a:t>
+                      </a:r>
+                      <a:endParaRPr lang="en-US" sz="1500" dirty="0">
+                        <a:latin typeface="Times New Roman"/>
+                        <a:ea typeface="Calibri"/>
+                        <a:cs typeface="Times New Roman"/>
+                      </a:endParaRPr>
+                    </a:p>
+                  </a:txBody>
+                  <a:tcPr marL="68580" marR="68580" marT="0" marB="0"/>
+                </a:tc>
+                <a:tc>
+                  <a:txBody>
+                    <a:bodyPr/>
+                    <a:lstStyle/>
+                    <a:p>
+                      <a:pPr marL="0" marR="0" algn="ctr">
+                        <a:lnSpc>
+                          <a:spcPct val="115000"/>
+                        </a:lnSpc>
+                        <a:spcBef>
+                          <a:spcPts val="0"/>
+                        </a:spcBef>
+                        <a:spcAft>
+                          <a:spcPts val="0"/>
+                        </a:spcAft>
+                      </a:pPr>
+                      <a:r>
+                        <a:rPr lang="en-US" sz="1500" dirty="0" err="1"/>
+                        <a:t>Non_Render_Barrier_Event</a:t>
+                      </a:r>
+                      <a:endParaRPr lang="en-US" sz="1500" dirty="0">
+                        <a:latin typeface="Times New Roman"/>
+                        <a:ea typeface="Calibri"/>
+                        <a:cs typeface="Times New Roman"/>
+                      </a:endParaRPr>
+                    </a:p>
+                  </a:txBody>
+                  <a:tcPr marL="68580" marR="68580" marT="0" marB="0"/>
+                </a:tc>
+                <a:tc>
+                  <a:txBody>
+                    <a:bodyPr/>
+                    <a:lstStyle/>
+                    <a:p>
+                      <a:pPr marL="0" marR="0" algn="just">
+                        <a:lnSpc>
+                          <a:spcPct val="115000"/>
+                        </a:lnSpc>
+                        <a:spcBef>
+                          <a:spcPts val="0"/>
+                        </a:spcBef>
+                        <a:spcAft>
+                          <a:spcPts val="0"/>
+                        </a:spcAft>
+                      </a:pPr>
+                      <a:r>
+                        <a:rPr lang="en-US" sz="1500" dirty="0"/>
+                        <a:t>When an object hits this Barrier, it should become invisible and no longer be rendered by the Android device.</a:t>
+                      </a:r>
+                    </a:p>
+                    <a:p>
+                      <a:pPr marL="0" marR="0" algn="just">
+                        <a:lnSpc>
+                          <a:spcPct val="115000"/>
+                        </a:lnSpc>
+                        <a:spcBef>
+                          <a:spcPts val="600"/>
+                        </a:spcBef>
+                        <a:spcAft>
+                          <a:spcPts val="0"/>
+                        </a:spcAft>
+                      </a:pPr>
+                      <a:r>
+                        <a:rPr lang="en-US" sz="1500" i="1" dirty="0"/>
+                        <a:t>(i.e. A ball escaping the current view port of the simulation space would disappear from </a:t>
+                      </a:r>
+                      <a:r>
+                        <a:rPr lang="en-US" sz="1500" i="1" dirty="0" smtClean="0"/>
+                        <a:t>visual </a:t>
+                      </a:r>
+                      <a:r>
+                        <a:rPr lang="en-US" sz="1500" i="1" dirty="0"/>
+                        <a:t>processing, but continue being evaluated for collisions, etc.)</a:t>
+                      </a:r>
+                      <a:endParaRPr lang="en-US" sz="1500" i="1" dirty="0">
+                        <a:latin typeface="Times New Roman"/>
+                        <a:ea typeface="Calibri"/>
+                        <a:cs typeface="Times New Roman"/>
+                      </a:endParaRPr>
+                    </a:p>
+                  </a:txBody>
+                  <a:tcPr marL="68580" marR="68580" marT="0" marB="0"/>
+                </a:tc>
+              </a:tr>
+            </a:tbl>
+          </a:graphicData>
+        </a:graphic>
+      </p:graphicFrame>
       <p:sp>
         <p:nvSpPr>
           <p:cNvPr id="3" name="Title 2"/>
@@ -9289,6 +9714,13 @@
   <p:clrMapOvr>
     <a:masterClrMapping/>
   </p:clrMapOvr>
+  <p:timing>
+    <p:tnLst>
+      <p:par>
+        <p:cTn id="1" dur="indefinite" restart="never" nodeType="tmRoot"/>
+      </p:par>
+    </p:tnLst>
+  </p:timing>
 </p:sld>
 </file>
 
@@ -9362,6 +9794,13 @@
   <p:clrMapOvr>
     <a:masterClrMapping/>
   </p:clrMapOvr>
+  <p:timing>
+    <p:tnLst>
+      <p:par>
+        <p:cTn id="1" dur="indefinite" restart="never" nodeType="tmRoot"/>
+      </p:par>
+    </p:tnLst>
+  </p:timing>
 </p:sld>
 </file>
 
@@ -9397,10 +9836,9 @@
           <a:bodyPr/>
           <a:lstStyle/>
           <a:p>
-            <a:r>
-              <a:rPr lang="en-US" dirty="0" smtClean="0"/>
-              <a:t>Text and figures</a:t>
-            </a:r>
+            <a:endParaRPr lang="en-US" dirty="0" smtClean="0"/>
+          </a:p>
+          <a:p>
             <a:endParaRPr lang="en-US" dirty="0"/>
           </a:p>
         </p:txBody>
@@ -9466,6 +9904,686 @@
           </a:p>
         </p:txBody>
       </p:sp>
+      <p:sp>
+        <p:nvSpPr>
+          <p:cNvPr id="7170" name="Rectangle 2"/>
+          <p:cNvSpPr>
+            <a:spLocks noChangeArrowheads="1"/>
+          </p:cNvSpPr>
+          <p:nvPr/>
+        </p:nvSpPr>
+        <p:spPr bwMode="auto">
+          <a:xfrm>
+            <a:off x="0" y="0"/>
+            <a:ext cx="9144000" cy="0"/>
+          </a:xfrm>
+          <a:prstGeom prst="rect">
+            <a:avLst/>
+          </a:prstGeom>
+          <a:noFill/>
+          <a:ln w="9525">
+            <a:noFill/>
+            <a:miter lim="800000"/>
+            <a:headEnd/>
+            <a:tailEnd/>
+          </a:ln>
+          <a:effectLst/>
+        </p:spPr>
+        <p:txBody>
+          <a:bodyPr vert="horz" wrap="none" lIns="91440" tIns="45720" rIns="91440" bIns="45720" numCol="1" anchor="ctr" anchorCtr="0" compatLnSpc="1">
+            <a:prstTxWarp prst="textNoShape">
+              <a:avLst/>
+            </a:prstTxWarp>
+            <a:spAutoFit/>
+          </a:bodyPr>
+          <a:lstStyle/>
+          <a:p>
+            <a:endParaRPr lang="en-US"/>
+          </a:p>
+        </p:txBody>
+      </p:sp>
+      <p:graphicFrame>
+        <p:nvGraphicFramePr>
+          <p:cNvPr id="6" name="Table 5"/>
+          <p:cNvGraphicFramePr>
+            <a:graphicFrameLocks noGrp="1"/>
+          </p:cNvGraphicFramePr>
+          <p:nvPr/>
+        </p:nvGraphicFramePr>
+        <p:xfrm>
+          <a:off x="1524000" y="1524000"/>
+          <a:ext cx="6096000" cy="1854200"/>
+        </p:xfrm>
+        <a:graphic>
+          <a:graphicData uri="http://schemas.openxmlformats.org/drawingml/2006/table">
+            <a:tbl>
+              <a:tblPr firstRow="1" bandRow="1">
+                <a:tableStyleId>{93296810-A885-4BE3-A3E7-6D5BEEA58F35}</a:tableStyleId>
+              </a:tblPr>
+              <a:tblGrid>
+                <a:gridCol w="1524000"/>
+                <a:gridCol w="1524000"/>
+                <a:gridCol w="1524000"/>
+                <a:gridCol w="1524000"/>
+              </a:tblGrid>
+              <a:tr h="370840">
+                <a:tc>
+                  <a:txBody>
+                    <a:bodyPr/>
+                    <a:lstStyle/>
+                    <a:p>
+                      <a:pPr marL="0" marR="0" algn="ctr">
+                        <a:lnSpc>
+                          <a:spcPct val="115000"/>
+                        </a:lnSpc>
+                        <a:spcBef>
+                          <a:spcPts val="0"/>
+                        </a:spcBef>
+                        <a:spcAft>
+                          <a:spcPts val="0"/>
+                        </a:spcAft>
+                      </a:pPr>
+                      <a:r>
+                        <a:rPr lang="en-US" sz="1500" i="1" dirty="0"/>
+                        <a:t>Component</a:t>
+                      </a:r>
+                      <a:endParaRPr lang="en-US" sz="1500" i="1" dirty="0">
+                        <a:latin typeface="Times New Roman"/>
+                        <a:ea typeface="Calibri"/>
+                        <a:cs typeface="Times New Roman"/>
+                      </a:endParaRPr>
+                    </a:p>
+                  </a:txBody>
+                  <a:tcPr marL="68580" marR="68580" marT="0" marB="0"/>
+                </a:tc>
+                <a:tc>
+                  <a:txBody>
+                    <a:bodyPr/>
+                    <a:lstStyle/>
+                    <a:p>
+                      <a:pPr marL="0" marR="0" algn="ctr">
+                        <a:lnSpc>
+                          <a:spcPct val="115000"/>
+                        </a:lnSpc>
+                        <a:spcBef>
+                          <a:spcPts val="0"/>
+                        </a:spcBef>
+                        <a:spcAft>
+                          <a:spcPts val="0"/>
+                        </a:spcAft>
+                      </a:pPr>
+                      <a:r>
+                        <a:rPr lang="en-US" sz="1500" i="1"/>
+                        <a:t>Variable Name</a:t>
+                      </a:r>
+                      <a:endParaRPr lang="en-US" sz="1500" i="1">
+                        <a:latin typeface="Times New Roman"/>
+                        <a:ea typeface="Calibri"/>
+                        <a:cs typeface="Times New Roman"/>
+                      </a:endParaRPr>
+                    </a:p>
+                  </a:txBody>
+                  <a:tcPr marL="68580" marR="68580" marT="0" marB="0"/>
+                </a:tc>
+                <a:tc>
+                  <a:txBody>
+                    <a:bodyPr/>
+                    <a:lstStyle/>
+                    <a:p>
+                      <a:pPr marL="0" marR="0" algn="ctr">
+                        <a:lnSpc>
+                          <a:spcPct val="115000"/>
+                        </a:lnSpc>
+                        <a:spcBef>
+                          <a:spcPts val="0"/>
+                        </a:spcBef>
+                        <a:spcAft>
+                          <a:spcPts val="0"/>
+                        </a:spcAft>
+                      </a:pPr>
+                      <a:r>
+                        <a:rPr lang="en-US" sz="1500" i="1"/>
+                        <a:t>Variable Value</a:t>
+                      </a:r>
+                      <a:endParaRPr lang="en-US" sz="1500" i="1">
+                        <a:latin typeface="Times New Roman"/>
+                        <a:ea typeface="Calibri"/>
+                        <a:cs typeface="Times New Roman"/>
+                      </a:endParaRPr>
+                    </a:p>
+                  </a:txBody>
+                  <a:tcPr marL="68580" marR="68580" marT="0" marB="0"/>
+                </a:tc>
+                <a:tc>
+                  <a:txBody>
+                    <a:bodyPr/>
+                    <a:lstStyle/>
+                    <a:p>
+                      <a:pPr marL="0" marR="0" algn="ctr">
+                        <a:lnSpc>
+                          <a:spcPct val="115000"/>
+                        </a:lnSpc>
+                        <a:spcBef>
+                          <a:spcPts val="0"/>
+                        </a:spcBef>
+                        <a:spcAft>
+                          <a:spcPts val="0"/>
+                        </a:spcAft>
+                      </a:pPr>
+                      <a:r>
+                        <a:rPr lang="en-US" sz="1500" i="1" dirty="0"/>
+                        <a:t>Component</a:t>
+                      </a:r>
+                      <a:endParaRPr lang="en-US" sz="1500" i="1" dirty="0">
+                        <a:latin typeface="Times New Roman"/>
+                        <a:ea typeface="Calibri"/>
+                        <a:cs typeface="Times New Roman"/>
+                      </a:endParaRPr>
+                    </a:p>
+                  </a:txBody>
+                  <a:tcPr marL="68580" marR="68580" marT="0" marB="0"/>
+                </a:tc>
+              </a:tr>
+              <a:tr h="370840">
+                <a:tc>
+                  <a:txBody>
+                    <a:bodyPr/>
+                    <a:lstStyle/>
+                    <a:p>
+                      <a:pPr marL="0" marR="0" algn="ctr">
+                        <a:lnSpc>
+                          <a:spcPct val="115000"/>
+                        </a:lnSpc>
+                        <a:spcBef>
+                          <a:spcPts val="0"/>
+                        </a:spcBef>
+                        <a:spcAft>
+                          <a:spcPts val="0"/>
+                        </a:spcAft>
+                      </a:pPr>
+                      <a:r>
+                        <a:rPr lang="en-US" sz="1500"/>
+                        <a:t>Drop_Tower</a:t>
+                      </a:r>
+                      <a:endParaRPr lang="en-US" sz="1500">
+                        <a:latin typeface="Times New Roman"/>
+                        <a:ea typeface="Calibri"/>
+                        <a:cs typeface="Times New Roman"/>
+                      </a:endParaRPr>
+                    </a:p>
+                  </a:txBody>
+                  <a:tcPr marL="68580" marR="68580" marT="0" marB="0"/>
+                </a:tc>
+                <a:tc>
+                  <a:txBody>
+                    <a:bodyPr/>
+                    <a:lstStyle/>
+                    <a:p>
+                      <a:pPr marL="0" marR="0" algn="ctr">
+                        <a:lnSpc>
+                          <a:spcPct val="115000"/>
+                        </a:lnSpc>
+                        <a:spcBef>
+                          <a:spcPts val="0"/>
+                        </a:spcBef>
+                        <a:spcAft>
+                          <a:spcPts val="0"/>
+                        </a:spcAft>
+                      </a:pPr>
+                      <a:r>
+                        <a:rPr lang="en-US" sz="1500" dirty="0" err="1"/>
+                        <a:t>Tower_Height</a:t>
+                      </a:r>
+                      <a:endParaRPr lang="en-US" sz="1500" dirty="0">
+                        <a:latin typeface="Times New Roman"/>
+                        <a:ea typeface="Calibri"/>
+                        <a:cs typeface="Times New Roman"/>
+                      </a:endParaRPr>
+                    </a:p>
+                  </a:txBody>
+                  <a:tcPr marL="68580" marR="68580" marT="0" marB="0"/>
+                </a:tc>
+                <a:tc>
+                  <a:txBody>
+                    <a:bodyPr/>
+                    <a:lstStyle/>
+                    <a:p>
+                      <a:pPr marL="0" marR="0" algn="ctr">
+                        <a:lnSpc>
+                          <a:spcPct val="115000"/>
+                        </a:lnSpc>
+                        <a:spcBef>
+                          <a:spcPts val="0"/>
+                        </a:spcBef>
+                        <a:spcAft>
+                          <a:spcPts val="0"/>
+                        </a:spcAft>
+                      </a:pPr>
+                      <a:r>
+                        <a:rPr lang="en-US" sz="1500"/>
+                        <a:t>20</a:t>
+                      </a:r>
+                      <a:endParaRPr lang="en-US" sz="1500">
+                        <a:latin typeface="Times New Roman"/>
+                        <a:ea typeface="Calibri"/>
+                        <a:cs typeface="Times New Roman"/>
+                      </a:endParaRPr>
+                    </a:p>
+                  </a:txBody>
+                  <a:tcPr marL="68580" marR="68580" marT="0" marB="0"/>
+                </a:tc>
+                <a:tc>
+                  <a:txBody>
+                    <a:bodyPr/>
+                    <a:lstStyle/>
+                    <a:p>
+                      <a:pPr marL="0" marR="0" algn="ctr">
+                        <a:lnSpc>
+                          <a:spcPct val="115000"/>
+                        </a:lnSpc>
+                        <a:spcBef>
+                          <a:spcPts val="0"/>
+                        </a:spcBef>
+                        <a:spcAft>
+                          <a:spcPts val="0"/>
+                        </a:spcAft>
+                      </a:pPr>
+                      <a:r>
+                        <a:rPr lang="en-US" sz="1500"/>
+                        <a:t>Drop_Tower</a:t>
+                      </a:r>
+                      <a:endParaRPr lang="en-US" sz="1500">
+                        <a:latin typeface="Times New Roman"/>
+                        <a:ea typeface="Calibri"/>
+                        <a:cs typeface="Times New Roman"/>
+                      </a:endParaRPr>
+                    </a:p>
+                  </a:txBody>
+                  <a:tcPr marL="68580" marR="68580" marT="0" marB="0"/>
+                </a:tc>
+              </a:tr>
+              <a:tr h="370840">
+                <a:tc>
+                  <a:txBody>
+                    <a:bodyPr/>
+                    <a:lstStyle/>
+                    <a:p>
+                      <a:pPr marL="0" marR="0" algn="ctr">
+                        <a:lnSpc>
+                          <a:spcPct val="115000"/>
+                        </a:lnSpc>
+                        <a:spcBef>
+                          <a:spcPts val="0"/>
+                        </a:spcBef>
+                        <a:spcAft>
+                          <a:spcPts val="0"/>
+                        </a:spcAft>
+                      </a:pPr>
+                      <a:r>
+                        <a:rPr lang="en-US" sz="1500"/>
+                        <a:t>Drop_Tower</a:t>
+                      </a:r>
+                      <a:endParaRPr lang="en-US" sz="1500">
+                        <a:latin typeface="Times New Roman"/>
+                        <a:ea typeface="Calibri"/>
+                        <a:cs typeface="Times New Roman"/>
+                      </a:endParaRPr>
+                    </a:p>
+                  </a:txBody>
+                  <a:tcPr marL="68580" marR="68580" marT="0" marB="0"/>
+                </a:tc>
+                <a:tc>
+                  <a:txBody>
+                    <a:bodyPr/>
+                    <a:lstStyle/>
+                    <a:p>
+                      <a:pPr marL="0" marR="0" algn="ctr">
+                        <a:lnSpc>
+                          <a:spcPct val="115000"/>
+                        </a:lnSpc>
+                        <a:spcBef>
+                          <a:spcPts val="0"/>
+                        </a:spcBef>
+                        <a:spcAft>
+                          <a:spcPts val="0"/>
+                        </a:spcAft>
+                      </a:pPr>
+                      <a:r>
+                        <a:rPr lang="en-US" sz="1500"/>
+                        <a:t>Tower_Width</a:t>
+                      </a:r>
+                      <a:endParaRPr lang="en-US" sz="1500">
+                        <a:latin typeface="Times New Roman"/>
+                        <a:ea typeface="Calibri"/>
+                        <a:cs typeface="Times New Roman"/>
+                      </a:endParaRPr>
+                    </a:p>
+                  </a:txBody>
+                  <a:tcPr marL="68580" marR="68580" marT="0" marB="0"/>
+                </a:tc>
+                <a:tc>
+                  <a:txBody>
+                    <a:bodyPr/>
+                    <a:lstStyle/>
+                    <a:p>
+                      <a:pPr marL="0" marR="0" algn="ctr">
+                        <a:lnSpc>
+                          <a:spcPct val="115000"/>
+                        </a:lnSpc>
+                        <a:spcBef>
+                          <a:spcPts val="0"/>
+                        </a:spcBef>
+                        <a:spcAft>
+                          <a:spcPts val="0"/>
+                        </a:spcAft>
+                      </a:pPr>
+                      <a:r>
+                        <a:rPr lang="en-US" sz="1500"/>
+                        <a:t>5</a:t>
+                      </a:r>
+                      <a:endParaRPr lang="en-US" sz="1500">
+                        <a:latin typeface="Times New Roman"/>
+                        <a:ea typeface="Calibri"/>
+                        <a:cs typeface="Times New Roman"/>
+                      </a:endParaRPr>
+                    </a:p>
+                  </a:txBody>
+                  <a:tcPr marL="68580" marR="68580" marT="0" marB="0"/>
+                </a:tc>
+                <a:tc>
+                  <a:txBody>
+                    <a:bodyPr/>
+                    <a:lstStyle/>
+                    <a:p>
+                      <a:pPr marL="0" marR="0" algn="ctr">
+                        <a:lnSpc>
+                          <a:spcPct val="115000"/>
+                        </a:lnSpc>
+                        <a:spcBef>
+                          <a:spcPts val="0"/>
+                        </a:spcBef>
+                        <a:spcAft>
+                          <a:spcPts val="0"/>
+                        </a:spcAft>
+                      </a:pPr>
+                      <a:r>
+                        <a:rPr lang="en-US" sz="1500"/>
+                        <a:t>Drop_Tower</a:t>
+                      </a:r>
+                      <a:endParaRPr lang="en-US" sz="1500">
+                        <a:latin typeface="Times New Roman"/>
+                        <a:ea typeface="Calibri"/>
+                        <a:cs typeface="Times New Roman"/>
+                      </a:endParaRPr>
+                    </a:p>
+                  </a:txBody>
+                  <a:tcPr marL="68580" marR="68580" marT="0" marB="0"/>
+                </a:tc>
+              </a:tr>
+              <a:tr h="370840">
+                <a:tc>
+                  <a:txBody>
+                    <a:bodyPr/>
+                    <a:lstStyle/>
+                    <a:p>
+                      <a:pPr marL="0" marR="0" algn="ctr">
+                        <a:lnSpc>
+                          <a:spcPct val="115000"/>
+                        </a:lnSpc>
+                        <a:spcBef>
+                          <a:spcPts val="0"/>
+                        </a:spcBef>
+                        <a:spcAft>
+                          <a:spcPts val="0"/>
+                        </a:spcAft>
+                      </a:pPr>
+                      <a:r>
+                        <a:rPr lang="en-US" sz="1500"/>
+                        <a:t>Swing_Arm</a:t>
+                      </a:r>
+                      <a:endParaRPr lang="en-US" sz="1500">
+                        <a:latin typeface="Times New Roman"/>
+                        <a:ea typeface="Calibri"/>
+                        <a:cs typeface="Times New Roman"/>
+                      </a:endParaRPr>
+                    </a:p>
+                  </a:txBody>
+                  <a:tcPr marL="68580" marR="68580" marT="0" marB="0"/>
+                </a:tc>
+                <a:tc>
+                  <a:txBody>
+                    <a:bodyPr/>
+                    <a:lstStyle/>
+                    <a:p>
+                      <a:pPr marL="0" marR="0" algn="ctr">
+                        <a:lnSpc>
+                          <a:spcPct val="115000"/>
+                        </a:lnSpc>
+                        <a:spcBef>
+                          <a:spcPts val="0"/>
+                        </a:spcBef>
+                        <a:spcAft>
+                          <a:spcPts val="0"/>
+                        </a:spcAft>
+                      </a:pPr>
+                      <a:r>
+                        <a:rPr lang="en-US" sz="1500" dirty="0" err="1"/>
+                        <a:t>Arm_Height</a:t>
+                      </a:r>
+                      <a:endParaRPr lang="en-US" sz="1500" dirty="0">
+                        <a:latin typeface="Times New Roman"/>
+                        <a:ea typeface="Calibri"/>
+                        <a:cs typeface="Times New Roman"/>
+                      </a:endParaRPr>
+                    </a:p>
+                  </a:txBody>
+                  <a:tcPr marL="68580" marR="68580" marT="0" marB="0"/>
+                </a:tc>
+                <a:tc>
+                  <a:txBody>
+                    <a:bodyPr/>
+                    <a:lstStyle/>
+                    <a:p>
+                      <a:pPr marL="0" marR="0" algn="ctr">
+                        <a:lnSpc>
+                          <a:spcPct val="115000"/>
+                        </a:lnSpc>
+                        <a:spcBef>
+                          <a:spcPts val="0"/>
+                        </a:spcBef>
+                        <a:spcAft>
+                          <a:spcPts val="0"/>
+                        </a:spcAft>
+                      </a:pPr>
+                      <a:r>
+                        <a:rPr lang="en-US" sz="1500" dirty="0"/>
+                        <a:t>3</a:t>
+                      </a:r>
+                      <a:endParaRPr lang="en-US" sz="1500" dirty="0">
+                        <a:latin typeface="Times New Roman"/>
+                        <a:ea typeface="Calibri"/>
+                        <a:cs typeface="Times New Roman"/>
+                      </a:endParaRPr>
+                    </a:p>
+                  </a:txBody>
+                  <a:tcPr marL="68580" marR="68580" marT="0" marB="0"/>
+                </a:tc>
+                <a:tc>
+                  <a:txBody>
+                    <a:bodyPr/>
+                    <a:lstStyle/>
+                    <a:p>
+                      <a:pPr marL="0" marR="0" algn="ctr">
+                        <a:lnSpc>
+                          <a:spcPct val="115000"/>
+                        </a:lnSpc>
+                        <a:spcBef>
+                          <a:spcPts val="0"/>
+                        </a:spcBef>
+                        <a:spcAft>
+                          <a:spcPts val="0"/>
+                        </a:spcAft>
+                      </a:pPr>
+                      <a:r>
+                        <a:rPr lang="en-US" sz="1500" dirty="0" err="1"/>
+                        <a:t>Swing_Arm</a:t>
+                      </a:r>
+                      <a:endParaRPr lang="en-US" sz="1500" dirty="0">
+                        <a:latin typeface="Times New Roman"/>
+                        <a:ea typeface="Calibri"/>
+                        <a:cs typeface="Times New Roman"/>
+                      </a:endParaRPr>
+                    </a:p>
+                  </a:txBody>
+                  <a:tcPr marL="68580" marR="68580" marT="0" marB="0"/>
+                </a:tc>
+              </a:tr>
+              <a:tr h="370840">
+                <a:tc>
+                  <a:txBody>
+                    <a:bodyPr/>
+                    <a:lstStyle/>
+                    <a:p>
+                      <a:pPr marL="0" marR="0" algn="ctr">
+                        <a:lnSpc>
+                          <a:spcPct val="115000"/>
+                        </a:lnSpc>
+                        <a:spcBef>
+                          <a:spcPts val="0"/>
+                        </a:spcBef>
+                        <a:spcAft>
+                          <a:spcPts val="0"/>
+                        </a:spcAft>
+                      </a:pPr>
+                      <a:r>
+                        <a:rPr lang="en-US" sz="1500"/>
+                        <a:t>Swing_Arm</a:t>
+                      </a:r>
+                      <a:endParaRPr lang="en-US" sz="1500">
+                        <a:latin typeface="Times New Roman"/>
+                        <a:ea typeface="Calibri"/>
+                        <a:cs typeface="Times New Roman"/>
+                      </a:endParaRPr>
+                    </a:p>
+                  </a:txBody>
+                  <a:tcPr marL="68580" marR="68580" marT="0" marB="0"/>
+                </a:tc>
+                <a:tc>
+                  <a:txBody>
+                    <a:bodyPr/>
+                    <a:lstStyle/>
+                    <a:p>
+                      <a:pPr marL="0" marR="0" algn="ctr">
+                        <a:lnSpc>
+                          <a:spcPct val="115000"/>
+                        </a:lnSpc>
+                        <a:spcBef>
+                          <a:spcPts val="0"/>
+                        </a:spcBef>
+                        <a:spcAft>
+                          <a:spcPts val="0"/>
+                        </a:spcAft>
+                      </a:pPr>
+                      <a:r>
+                        <a:rPr lang="en-US" sz="1500"/>
+                        <a:t>Arm_Width</a:t>
+                      </a:r>
+                      <a:endParaRPr lang="en-US" sz="1500">
+                        <a:latin typeface="Times New Roman"/>
+                        <a:ea typeface="Calibri"/>
+                        <a:cs typeface="Times New Roman"/>
+                      </a:endParaRPr>
+                    </a:p>
+                  </a:txBody>
+                  <a:tcPr marL="68580" marR="68580" marT="0" marB="0"/>
+                </a:tc>
+                <a:tc>
+                  <a:txBody>
+                    <a:bodyPr/>
+                    <a:lstStyle/>
+                    <a:p>
+                      <a:pPr marL="0" marR="0" algn="ctr">
+                        <a:lnSpc>
+                          <a:spcPct val="115000"/>
+                        </a:lnSpc>
+                        <a:spcBef>
+                          <a:spcPts val="0"/>
+                        </a:spcBef>
+                        <a:spcAft>
+                          <a:spcPts val="0"/>
+                        </a:spcAft>
+                      </a:pPr>
+                      <a:r>
+                        <a:rPr lang="en-US" sz="1500"/>
+                        <a:t>5</a:t>
+                      </a:r>
+                      <a:endParaRPr lang="en-US" sz="1500">
+                        <a:latin typeface="Times New Roman"/>
+                        <a:ea typeface="Calibri"/>
+                        <a:cs typeface="Times New Roman"/>
+                      </a:endParaRPr>
+                    </a:p>
+                  </a:txBody>
+                  <a:tcPr marL="68580" marR="68580" marT="0" marB="0"/>
+                </a:tc>
+                <a:tc>
+                  <a:txBody>
+                    <a:bodyPr/>
+                    <a:lstStyle/>
+                    <a:p>
+                      <a:pPr marL="0" marR="0" algn="ctr">
+                        <a:lnSpc>
+                          <a:spcPct val="115000"/>
+                        </a:lnSpc>
+                        <a:spcBef>
+                          <a:spcPts val="0"/>
+                        </a:spcBef>
+                        <a:spcAft>
+                          <a:spcPts val="0"/>
+                        </a:spcAft>
+                      </a:pPr>
+                      <a:r>
+                        <a:rPr lang="en-US" sz="1500" dirty="0" err="1"/>
+                        <a:t>Swing_Arm</a:t>
+                      </a:r>
+                      <a:endParaRPr lang="en-US" sz="1500" dirty="0">
+                        <a:latin typeface="Times New Roman"/>
+                        <a:ea typeface="Calibri"/>
+                        <a:cs typeface="Times New Roman"/>
+                      </a:endParaRPr>
+                    </a:p>
+                  </a:txBody>
+                  <a:tcPr marL="68580" marR="68580" marT="0" marB="0"/>
+                </a:tc>
+              </a:tr>
+            </a:tbl>
+          </a:graphicData>
+        </a:graphic>
+      </p:graphicFrame>
+      <p:pic>
+        <p:nvPicPr>
+          <p:cNvPr id="7" name="Picture 6" descr="formula.JPG"/>
+          <p:cNvPicPr>
+            <a:picLocks noChangeAspect="1"/>
+          </p:cNvPicPr>
+          <p:nvPr/>
+        </p:nvPicPr>
+        <p:blipFill>
+          <a:blip r:embed="rId2" cstate="print"/>
+          <a:stretch>
+            <a:fillRect/>
+          </a:stretch>
+        </p:blipFill>
+        <p:spPr>
+          <a:xfrm>
+            <a:off x="1828800" y="3886199"/>
+            <a:ext cx="5486400" cy="1967113"/>
+          </a:xfrm>
+          <a:prstGeom prst="rect">
+            <a:avLst/>
+          </a:prstGeom>
+        </p:spPr>
+      </p:pic>
     </p:spTree>
   </p:cSld>
   <p:clrMapOvr>
@@ -9799,9 +10917,16 @@
             <p:ph idx="1"/>
           </p:nvPr>
         </p:nvSpPr>
-        <p:spPr/>
+        <p:spPr>
+          <a:xfrm>
+            <a:off x="457200" y="1481328"/>
+            <a:ext cx="8229600" cy="4690872"/>
+          </a:xfrm>
+        </p:spPr>
         <p:txBody>
-          <a:bodyPr/>
+          <a:bodyPr>
+            <a:normAutofit lnSpcReduction="10000"/>
+          </a:bodyPr>
           <a:lstStyle/>
           <a:p>
             <a:r>
@@ -9852,8 +10977,11 @@
                   </a:schemeClr>
                 </a:solidFill>
               </a:rPr>
-              <a:t>improved understanding </a:t>
-            </a:r>
+              <a:t>improved understanding and intimate knowledge of designed artifact status</a:t>
+            </a:r>
+          </a:p>
+          <a:p>
+            <a:pPr lvl="2"/>
             <a:r>
               <a:rPr lang="en-US" sz="1800" dirty="0" smtClean="0">
                 <a:solidFill>
@@ -9863,8 +10991,11 @@
                   </a:schemeClr>
                 </a:solidFill>
               </a:rPr>
-              <a:t>and intimate knowledge of </a:t>
-            </a:r>
+              <a:t>large scope assurance for minimum viable product</a:t>
+            </a:r>
+          </a:p>
+          <a:p>
+            <a:pPr lvl="2"/>
             <a:r>
               <a:rPr lang="en-US" sz="1800" dirty="0" smtClean="0">
                 <a:solidFill>
@@ -9874,7 +11005,7 @@
                   </a:schemeClr>
                 </a:solidFill>
               </a:rPr>
-              <a:t>designed artifact status</a:t>
+              <a:t>early stage isolation of ‘ power ’ vs. ‘ support ’ functionality</a:t>
             </a:r>
           </a:p>
           <a:p>
@@ -9888,7 +11019,7 @@
                   </a:schemeClr>
                 </a:solidFill>
               </a:rPr>
-              <a:t>large scope assurance for minimum viable product</a:t>
+              <a:t>pre-emptive refactoring</a:t>
             </a:r>
           </a:p>
           <a:p>
@@ -9902,74 +11033,8 @@
                   </a:schemeClr>
                 </a:solidFill>
               </a:rPr>
-              <a:t>early stage isolation of ‘ power ’ vs. ‘ support ’ functionality</a:t>
-            </a:r>
-          </a:p>
-          <a:p>
-            <a:pPr lvl="2"/>
-            <a:r>
-              <a:rPr lang="en-US" sz="1800" dirty="0" smtClean="0">
-                <a:solidFill>
-                  <a:schemeClr val="accent4">
-                    <a:lumMod val="40000"/>
-                    <a:lumOff val="60000"/>
-                  </a:schemeClr>
-                </a:solidFill>
-              </a:rPr>
-              <a:t>pre-emptive </a:t>
-            </a:r>
-            <a:r>
-              <a:rPr lang="en-US" sz="1800" dirty="0" smtClean="0">
-                <a:solidFill>
-                  <a:schemeClr val="accent4">
-                    <a:lumMod val="40000"/>
-                    <a:lumOff val="60000"/>
-                  </a:schemeClr>
-                </a:solidFill>
-              </a:rPr>
-              <a:t>refactoring</a:t>
-            </a:r>
-            <a:endParaRPr lang="en-US" sz="1800" dirty="0" smtClean="0">
-              <a:solidFill>
-                <a:schemeClr val="accent4">
-                  <a:lumMod val="40000"/>
-                  <a:lumOff val="60000"/>
-                </a:schemeClr>
-              </a:solidFill>
-            </a:endParaRPr>
-          </a:p>
-          <a:p>
-            <a:pPr lvl="2"/>
-            <a:r>
-              <a:rPr lang="en-US" sz="1800" dirty="0" smtClean="0">
-                <a:solidFill>
-                  <a:schemeClr val="accent4">
-                    <a:lumMod val="40000"/>
-                    <a:lumOff val="60000"/>
-                  </a:schemeClr>
-                </a:solidFill>
-              </a:rPr>
-              <a:t>pre-emptive </a:t>
-            </a:r>
-            <a:r>
-              <a:rPr lang="en-US" sz="1800" dirty="0" smtClean="0">
-                <a:solidFill>
-                  <a:schemeClr val="accent4">
-                    <a:lumMod val="40000"/>
-                    <a:lumOff val="60000"/>
-                  </a:schemeClr>
-                </a:solidFill>
-              </a:rPr>
-              <a:t>debugging </a:t>
-            </a:r>
-            <a:endParaRPr lang="en-US" sz="1800" dirty="0" smtClean="0">
-              <a:solidFill>
-                <a:schemeClr val="accent4">
-                  <a:lumMod val="40000"/>
-                  <a:lumOff val="60000"/>
-                </a:schemeClr>
-              </a:solidFill>
-            </a:endParaRPr>
+              <a:t>pre-emptive debugging </a:t>
+            </a:r>
           </a:p>
           <a:p>
             <a:pPr lvl="2"/>
@@ -9992,7 +11057,7 @@
                   </a:schemeClr>
                 </a:solidFill>
               </a:rPr>
-              <a:t>“hey, if we want to install feature ‘x’, how’s that going to impact the current functionality? </a:t>
+              <a:t>“hey, if </a:t>
             </a:r>
             <a:r>
               <a:rPr lang="en-US" sz="2000" i="1" dirty="0" smtClean="0">
@@ -10003,7 +11068,7 @@
                   </a:schemeClr>
                 </a:solidFill>
               </a:rPr>
-              <a:t>w</a:t>
+              <a:t>you</a:t>
             </a:r>
             <a:r>
               <a:rPr lang="en-US" sz="2000" i="1" dirty="0" smtClean="0">
@@ -10014,10 +11079,19 @@
                   </a:schemeClr>
                 </a:solidFill>
               </a:rPr>
-              <a:t>ill it even fit it?”</a:t>
-            </a:r>
-          </a:p>
-          <a:p>
+              <a:t> </a:t>
+            </a:r>
+            <a:r>
+              <a:rPr lang="en-US" sz="2000" i="1" dirty="0" smtClean="0">
+                <a:solidFill>
+                  <a:schemeClr val="accent4">
+                    <a:lumMod val="40000"/>
+                    <a:lumOff val="60000"/>
+                  </a:schemeClr>
+                </a:solidFill>
+              </a:rPr>
+              <a:t>want to install feature ‘x’, </a:t>
+            </a:r>
             <a:endParaRPr lang="en-US" sz="2000" i="1" dirty="0" smtClean="0">
               <a:solidFill>
                 <a:schemeClr val="accent4">
@@ -10028,6 +11102,9 @@
             </a:endParaRPr>
           </a:p>
           <a:p>
+            <a:pPr>
+              <a:buNone/>
+            </a:pPr>
             <a:r>
               <a:rPr lang="en-US" sz="2000" i="1" dirty="0" smtClean="0">
                 <a:solidFill>
@@ -10037,9 +11114,215 @@
                   </a:schemeClr>
                 </a:solidFill>
               </a:rPr>
-              <a:t>“not sure, let me check the math on it.”</a:t>
-            </a:r>
+              <a:t>	</a:t>
+            </a:r>
+            <a:r>
+              <a:rPr lang="en-US" sz="2000" i="1" dirty="0" smtClean="0">
+                <a:solidFill>
+                  <a:schemeClr val="accent4">
+                    <a:lumMod val="40000"/>
+                    <a:lumOff val="60000"/>
+                  </a:schemeClr>
+                </a:solidFill>
+              </a:rPr>
+              <a:t>	</a:t>
+            </a:r>
+            <a:r>
+              <a:rPr lang="en-US" sz="2000" i="1" dirty="0" smtClean="0">
+                <a:solidFill>
+                  <a:schemeClr val="accent4">
+                    <a:lumMod val="40000"/>
+                    <a:lumOff val="60000"/>
+                  </a:schemeClr>
+                </a:solidFill>
+              </a:rPr>
+              <a:t> how’s that going to impact the current functionality? </a:t>
+            </a:r>
+            <a:r>
+              <a:rPr lang="en-US" sz="2000" i="1" dirty="0" smtClean="0">
+                <a:solidFill>
+                  <a:schemeClr val="accent4">
+                    <a:lumMod val="40000"/>
+                    <a:lumOff val="60000"/>
+                  </a:schemeClr>
+                </a:solidFill>
+              </a:rPr>
+              <a:t> will </a:t>
+            </a:r>
+            <a:r>
+              <a:rPr lang="en-US" sz="2000" i="1" dirty="0" smtClean="0">
+                <a:solidFill>
+                  <a:schemeClr val="accent4">
+                    <a:lumMod val="40000"/>
+                    <a:lumOff val="60000"/>
+                  </a:schemeClr>
+                </a:solidFill>
+              </a:rPr>
+              <a:t>it even fit it</a:t>
+            </a:r>
+            <a:r>
+              <a:rPr lang="en-US" sz="2000" i="1" dirty="0" smtClean="0">
+                <a:solidFill>
+                  <a:schemeClr val="accent4">
+                    <a:lumMod val="40000"/>
+                    <a:lumOff val="60000"/>
+                  </a:schemeClr>
+                </a:solidFill>
+              </a:rPr>
+              <a:t>?”</a:t>
+            </a:r>
+          </a:p>
+          <a:p>
+            <a:pPr lvl="1">
+              <a:buNone/>
+            </a:pPr>
+            <a:r>
+              <a:rPr lang="en-US" sz="1600" i="1" dirty="0" smtClean="0">
+                <a:solidFill>
+                  <a:schemeClr val="accent4">
+                    <a:lumMod val="40000"/>
+                    <a:lumOff val="60000"/>
+                  </a:schemeClr>
+                </a:solidFill>
+              </a:rPr>
+              <a:t>	~ </a:t>
+            </a:r>
+            <a:r>
+              <a:rPr lang="en-US" sz="1600" dirty="0" smtClean="0">
+                <a:solidFill>
+                  <a:schemeClr val="accent4">
+                    <a:lumMod val="40000"/>
+                    <a:lumOff val="60000"/>
+                  </a:schemeClr>
+                </a:solidFill>
+              </a:rPr>
+              <a:t>someone</a:t>
+            </a:r>
+            <a:endParaRPr lang="en-US" sz="1600" dirty="0" smtClean="0">
+              <a:solidFill>
+                <a:schemeClr val="accent4">
+                  <a:lumMod val="40000"/>
+                  <a:lumOff val="60000"/>
+                </a:schemeClr>
+              </a:solidFill>
+            </a:endParaRPr>
+          </a:p>
+          <a:p>
             <a:endParaRPr lang="en-US" sz="2000" i="1" dirty="0" smtClean="0">
+              <a:solidFill>
+                <a:schemeClr val="accent4">
+                  <a:lumMod val="40000"/>
+                  <a:lumOff val="60000"/>
+                </a:schemeClr>
+              </a:solidFill>
+            </a:endParaRPr>
+          </a:p>
+          <a:p>
+            <a:r>
+              <a:rPr lang="en-US" sz="2000" i="1" dirty="0" smtClean="0">
+                <a:solidFill>
+                  <a:schemeClr val="accent4">
+                    <a:lumMod val="40000"/>
+                    <a:lumOff val="60000"/>
+                  </a:schemeClr>
+                </a:solidFill>
+              </a:rPr>
+              <a:t>“not </a:t>
+            </a:r>
+            <a:r>
+              <a:rPr lang="en-US" sz="2000" i="1" dirty="0" smtClean="0">
+                <a:solidFill>
+                  <a:schemeClr val="accent4">
+                    <a:lumMod val="40000"/>
+                    <a:lumOff val="60000"/>
+                  </a:schemeClr>
+                </a:solidFill>
+              </a:rPr>
+              <a:t>sure</a:t>
+            </a:r>
+            <a:r>
+              <a:rPr lang="en-US" sz="2000" i="1" dirty="0" smtClean="0">
+                <a:solidFill>
+                  <a:schemeClr val="accent4">
+                    <a:lumMod val="40000"/>
+                    <a:lumOff val="60000"/>
+                  </a:schemeClr>
+                </a:solidFill>
+              </a:rPr>
+              <a:t>. give us a second,</a:t>
+            </a:r>
+            <a:r>
+              <a:rPr lang="en-US" sz="2000" i="1" dirty="0" smtClean="0">
+                <a:solidFill>
+                  <a:schemeClr val="accent4">
+                    <a:lumMod val="40000"/>
+                    <a:lumOff val="60000"/>
+                  </a:schemeClr>
+                </a:solidFill>
+              </a:rPr>
+              <a:t> we’ll check </a:t>
+            </a:r>
+            <a:r>
+              <a:rPr lang="en-US" sz="2000" i="1" dirty="0" smtClean="0">
+                <a:solidFill>
+                  <a:schemeClr val="accent4">
+                    <a:lumMod val="40000"/>
+                    <a:lumOff val="60000"/>
+                  </a:schemeClr>
+                </a:solidFill>
+              </a:rPr>
+              <a:t>the math on it</a:t>
+            </a:r>
+            <a:r>
+              <a:rPr lang="en-US" sz="2000" i="1" dirty="0" smtClean="0">
+                <a:solidFill>
+                  <a:schemeClr val="accent4">
+                    <a:lumMod val="40000"/>
+                    <a:lumOff val="60000"/>
+                  </a:schemeClr>
+                </a:solidFill>
+              </a:rPr>
+              <a:t>.”</a:t>
+            </a:r>
+          </a:p>
+          <a:p>
+            <a:pPr lvl="1">
+              <a:buNone/>
+            </a:pPr>
+            <a:r>
+              <a:rPr lang="en-US" sz="1600" i="1" dirty="0" smtClean="0">
+                <a:solidFill>
+                  <a:schemeClr val="accent4">
+                    <a:lumMod val="40000"/>
+                    <a:lumOff val="60000"/>
+                  </a:schemeClr>
+                </a:solidFill>
+              </a:rPr>
+              <a:t>	~ </a:t>
+            </a:r>
+            <a:r>
+              <a:rPr lang="en-US" sz="1600" dirty="0" smtClean="0">
+                <a:solidFill>
+                  <a:schemeClr val="accent4">
+                    <a:lumMod val="40000"/>
+                    <a:lumOff val="60000"/>
+                  </a:schemeClr>
+                </a:solidFill>
+              </a:rPr>
+              <a:t>our team</a:t>
+            </a:r>
+            <a:endParaRPr lang="en-US" sz="1600" i="1" dirty="0" smtClean="0">
+              <a:solidFill>
+                <a:schemeClr val="accent4">
+                  <a:lumMod val="40000"/>
+                  <a:lumOff val="60000"/>
+                </a:schemeClr>
+              </a:solidFill>
+            </a:endParaRPr>
+          </a:p>
+          <a:p>
+            <a:pPr lvl="1"/>
+            <a:endParaRPr lang="en-US" sz="1600" i="1" dirty="0" smtClean="0">
               <a:solidFill>
                 <a:schemeClr val="accent4">
                   <a:lumMod val="40000"/>
@@ -10131,6 +11414,13 @@
   <p:clrMapOvr>
     <a:masterClrMapping/>
   </p:clrMapOvr>
+  <p:timing>
+    <p:tnLst>
+      <p:par>
+        <p:cTn id="1" dur="indefinite" restart="never" nodeType="tmRoot"/>
+      </p:par>
+    </p:tnLst>
+  </p:timing>
 </p:sld>
 </file>
 
@@ -10164,11 +11454,13 @@
         <p:spPr>
           <a:xfrm>
             <a:off x="457200" y="1481328"/>
-            <a:ext cx="8229600" cy="4919472"/>
+            <a:ext cx="8229600" cy="4614672"/>
           </a:xfrm>
         </p:spPr>
         <p:txBody>
-          <a:bodyPr/>
+          <a:bodyPr>
+            <a:normAutofit lnSpcReduction="10000"/>
+          </a:bodyPr>
           <a:lstStyle/>
           <a:p>
             <a:r>
@@ -10180,7 +11472,18 @@
                   </a:schemeClr>
                 </a:solidFill>
               </a:rPr>
-              <a:t>f</a:t>
+              <a:t>furthering </a:t>
+            </a:r>
+            <a:r>
+              <a:rPr lang="en-US" sz="2400" dirty="0" err="1" smtClean="0">
+                <a:solidFill>
+                  <a:schemeClr val="accent4">
+                    <a:lumMod val="40000"/>
+                    <a:lumOff val="60000"/>
+                  </a:schemeClr>
+                </a:solidFill>
+              </a:rPr>
+              <a:t>a.d.d</a:t>
             </a:r>
             <a:r>
               <a:rPr lang="en-US" sz="2400" dirty="0" smtClean="0">
@@ -10191,28 +11494,6 @@
                   </a:schemeClr>
                 </a:solidFill>
               </a:rPr>
-              <a:t>urthering </a:t>
-            </a:r>
-            <a:r>
-              <a:rPr lang="en-US" sz="2400" dirty="0" err="1" smtClean="0">
-                <a:solidFill>
-                  <a:schemeClr val="accent4">
-                    <a:lumMod val="40000"/>
-                    <a:lumOff val="60000"/>
-                  </a:schemeClr>
-                </a:solidFill>
-              </a:rPr>
-              <a:t>a.d.d</a:t>
-            </a:r>
-            <a:r>
-              <a:rPr lang="en-US" sz="2400" dirty="0" smtClean="0">
-                <a:solidFill>
-                  <a:schemeClr val="accent4">
-                    <a:lumMod val="40000"/>
-                    <a:lumOff val="60000"/>
-                  </a:schemeClr>
-                </a:solidFill>
-              </a:rPr>
               <a:t>.</a:t>
             </a:r>
           </a:p>
@@ -10227,8 +11508,11 @@
                   </a:schemeClr>
                 </a:solidFill>
               </a:rPr>
-              <a:t>t</a:t>
-            </a:r>
+              <a:t>true design limits – what can and cannot do</a:t>
+            </a:r>
+          </a:p>
+          <a:p>
+            <a:pPr lvl="1"/>
             <a:r>
               <a:rPr lang="en-US" sz="1800" dirty="0" smtClean="0">
                 <a:solidFill>
@@ -10238,32 +11522,7 @@
                   </a:schemeClr>
                 </a:solidFill>
               </a:rPr>
-              <a:t>rue design limits – what can and cannot do</a:t>
-            </a:r>
-          </a:p>
-          <a:p>
-            <a:pPr lvl="1"/>
-            <a:r>
-              <a:rPr lang="en-US" sz="1800" dirty="0" smtClean="0">
-                <a:solidFill>
-                  <a:schemeClr val="accent4">
-                    <a:lumMod val="40000"/>
-                    <a:lumOff val="60000"/>
-                  </a:schemeClr>
-                </a:solidFill>
-              </a:rPr>
-              <a:t>p</a:t>
-            </a:r>
-            <a:r>
-              <a:rPr lang="en-US" sz="1800" dirty="0" smtClean="0">
-                <a:solidFill>
-                  <a:schemeClr val="accent4">
-                    <a:lumMod val="40000"/>
-                    <a:lumOff val="60000"/>
-                  </a:schemeClr>
-                </a:solidFill>
-              </a:rPr>
-              <a:t>ermutations of usage</a:t>
+              <a:t>permutations of usage</a:t>
             </a:r>
           </a:p>
           <a:p>
@@ -10286,7 +11545,7 @@
                   </a:schemeClr>
                 </a:solidFill>
               </a:rPr>
-              <a:t>d</a:t>
+              <a:t>database keying </a:t>
             </a:r>
             <a:r>
               <a:rPr lang="en-US" sz="2400" dirty="0" smtClean="0">
@@ -10297,8 +11556,30 @@
                   </a:schemeClr>
                 </a:solidFill>
               </a:rPr>
-              <a:t>atabase keying structures</a:t>
-            </a:r>
+              <a:t>structures</a:t>
+            </a:r>
+          </a:p>
+          <a:p>
+            <a:pPr lvl="1"/>
+            <a:r>
+              <a:rPr lang="en-US" sz="2000" dirty="0" smtClean="0">
+                <a:solidFill>
+                  <a:schemeClr val="accent4">
+                    <a:lumMod val="40000"/>
+                    <a:lumOff val="60000"/>
+                  </a:schemeClr>
+                </a:solidFill>
+              </a:rPr>
+              <a:t>visual representations of keying logic</a:t>
+            </a:r>
+            <a:endParaRPr lang="en-US" sz="2000" dirty="0" smtClean="0">
+              <a:solidFill>
+                <a:schemeClr val="accent4">
+                  <a:lumMod val="40000"/>
+                  <a:lumOff val="60000"/>
+                </a:schemeClr>
+              </a:solidFill>
+            </a:endParaRPr>
           </a:p>
           <a:p>
             <a:endParaRPr lang="en-US" sz="2400" dirty="0" smtClean="0">
@@ -10320,18 +11601,7 @@
                   </a:schemeClr>
                 </a:solidFill>
               </a:rPr>
-              <a:t>s</a:t>
-            </a:r>
-            <a:r>
-              <a:rPr lang="en-US" sz="2400" dirty="0" smtClean="0">
-                <a:solidFill>
-                  <a:schemeClr val="accent4">
-                    <a:lumMod val="40000"/>
-                    <a:lumOff val="60000"/>
-                  </a:schemeClr>
-                </a:solidFill>
-              </a:rPr>
-              <a:t>tudent usage</a:t>
+              <a:t>student usage</a:t>
             </a:r>
           </a:p>
           <a:p>
@@ -10345,8 +11615,11 @@
                   </a:schemeClr>
                 </a:solidFill>
               </a:rPr>
-              <a:t>i</a:t>
-            </a:r>
+              <a:t>inexperienced student – see what will be created</a:t>
+            </a:r>
+          </a:p>
+          <a:p>
+            <a:pPr lvl="1"/>
             <a:r>
               <a:rPr lang="en-US" sz="1800" dirty="0" smtClean="0">
                 <a:solidFill>
@@ -10356,32 +11629,7 @@
                   </a:schemeClr>
                 </a:solidFill>
               </a:rPr>
-              <a:t>nexperienced student – see what will be created</a:t>
-            </a:r>
-          </a:p>
-          <a:p>
-            <a:pPr lvl="1"/>
-            <a:r>
-              <a:rPr lang="en-US" sz="1800" dirty="0" smtClean="0">
-                <a:solidFill>
-                  <a:schemeClr val="accent4">
-                    <a:lumMod val="40000"/>
-                    <a:lumOff val="60000"/>
-                  </a:schemeClr>
-                </a:solidFill>
-              </a:rPr>
-              <a:t>a</a:t>
-            </a:r>
-            <a:r>
-              <a:rPr lang="en-US" sz="1800" dirty="0" smtClean="0">
-                <a:solidFill>
-                  <a:schemeClr val="accent4">
-                    <a:lumMod val="40000"/>
-                    <a:lumOff val="60000"/>
-                  </a:schemeClr>
-                </a:solidFill>
-              </a:rPr>
-              <a:t>dvanced student – additional tool in the toolbox</a:t>
+              <a:t>advanced student – additional tool in the toolbox</a:t>
             </a:r>
           </a:p>
           <a:p>
@@ -10404,18 +11652,7 @@
                   </a:schemeClr>
                 </a:solidFill>
               </a:rPr>
-              <a:t>e</a:t>
-            </a:r>
-            <a:r>
-              <a:rPr lang="en-US" sz="2400" dirty="0" smtClean="0">
-                <a:solidFill>
-                  <a:schemeClr val="accent4">
-                    <a:lumMod val="40000"/>
-                    <a:lumOff val="60000"/>
-                  </a:schemeClr>
-                </a:solidFill>
-              </a:rPr>
-              <a:t>xpert usage</a:t>
+              <a:t>expert usage</a:t>
             </a:r>
           </a:p>
           <a:p>
@@ -10431,14 +11668,6 @@
               </a:rPr>
               <a:t>documentation; design tool; quality assurance; preparing source for test integration  </a:t>
             </a:r>
-            <a:endParaRPr lang="en-US" sz="1800" dirty="0" smtClean="0">
-              <a:solidFill>
-                <a:schemeClr val="accent4">
-                  <a:lumMod val="40000"/>
-                  <a:lumOff val="60000"/>
-                </a:schemeClr>
-              </a:solidFill>
-            </a:endParaRPr>
           </a:p>
           <a:p>
             <a:endParaRPr lang="en-US" dirty="0"/>
@@ -10526,6 +11755,13 @@
   <p:clrMapOvr>
     <a:masterClrMapping/>
   </p:clrMapOvr>
+  <p:timing>
+    <p:tnLst>
+      <p:par>
+        <p:cTn id="1" dur="indefinite" restart="never" nodeType="tmRoot"/>
+      </p:par>
+    </p:tnLst>
+  </p:timing>
 </p:sld>
 </file>
 
@@ -10570,18 +11806,7 @@
                   </a:schemeClr>
                 </a:solidFill>
               </a:rPr>
-              <a:t>a</a:t>
-            </a:r>
-            <a:r>
-              <a:rPr lang="en-US" sz="2400" dirty="0" err="1" smtClean="0">
-                <a:solidFill>
-                  <a:schemeClr val="accent4">
-                    <a:lumMod val="40000"/>
-                    <a:lumOff val="60000"/>
-                  </a:schemeClr>
-                </a:solidFill>
-              </a:rPr>
-              <a:t>.d.d</a:t>
+              <a:t>a.d.d</a:t>
             </a:r>
             <a:r>
               <a:rPr lang="en-US" sz="2400" dirty="0" smtClean="0">
@@ -10606,8 +11831,25 @@
                   </a:schemeClr>
                 </a:solidFill>
               </a:rPr>
-              <a:t>t</a:t>
-            </a:r>
+              <a:t>test first design paradigm</a:t>
+            </a:r>
+          </a:p>
+          <a:p>
+            <a:pPr lvl="2"/>
+            <a:r>
+              <a:rPr lang="en-US" sz="1600" dirty="0" smtClean="0">
+                <a:solidFill>
+                  <a:schemeClr val="accent4">
+                    <a:lumMod val="40000"/>
+                    <a:lumOff val="60000"/>
+                  </a:schemeClr>
+                </a:solidFill>
+              </a:rPr>
+              <a:t>evolving from test driven development</a:t>
+            </a:r>
+          </a:p>
+          <a:p>
+            <a:pPr lvl="1"/>
             <a:r>
               <a:rPr lang="en-US" sz="1800" dirty="0" smtClean="0">
                 <a:solidFill>
@@ -10617,7 +11859,7 @@
                   </a:schemeClr>
                 </a:solidFill>
               </a:rPr>
-              <a:t>est first design paradigm</a:t>
+              <a:t>fusion of two industries</a:t>
             </a:r>
           </a:p>
           <a:p>
@@ -10631,8 +11873,25 @@
                   </a:schemeClr>
                 </a:solidFill>
               </a:rPr>
-              <a:t>e</a:t>
-            </a:r>
+              <a:t>disciplined engineering </a:t>
+            </a:r>
+          </a:p>
+          <a:p>
+            <a:pPr lvl="3"/>
+            <a:r>
+              <a:rPr lang="en-US" sz="1400" dirty="0" smtClean="0">
+                <a:solidFill>
+                  <a:schemeClr val="accent4">
+                    <a:lumMod val="40000"/>
+                    <a:lumOff val="60000"/>
+                  </a:schemeClr>
+                </a:solidFill>
+              </a:rPr>
+              <a:t>applied problem solving</a:t>
+            </a:r>
+          </a:p>
+          <a:p>
+            <a:pPr lvl="2"/>
             <a:r>
               <a:rPr lang="en-US" sz="1600" dirty="0" smtClean="0">
                 <a:solidFill>
@@ -10642,36 +11901,22 @@
                   </a:schemeClr>
                 </a:solidFill>
               </a:rPr>
-              <a:t>volving from test driven development</a:t>
-            </a:r>
-          </a:p>
-          <a:p>
-            <a:pPr lvl="1"/>
-            <a:r>
-              <a:rPr lang="en-US" sz="1800" dirty="0" smtClean="0">
-                <a:solidFill>
-                  <a:schemeClr val="accent4">
-                    <a:lumMod val="40000"/>
-                    <a:lumOff val="60000"/>
-                  </a:schemeClr>
-                </a:solidFill>
-              </a:rPr>
-              <a:t>f</a:t>
-            </a:r>
-            <a:r>
-              <a:rPr lang="en-US" sz="1800" dirty="0" smtClean="0">
-                <a:solidFill>
-                  <a:schemeClr val="accent4">
-                    <a:lumMod val="40000"/>
-                    <a:lumOff val="60000"/>
-                  </a:schemeClr>
-                </a:solidFill>
-              </a:rPr>
-              <a:t>usion of two industries</a:t>
-            </a:r>
-          </a:p>
-          <a:p>
-            <a:pPr lvl="2"/>
+              <a:t>cognitive psychology</a:t>
+            </a:r>
+          </a:p>
+          <a:p>
+            <a:pPr lvl="3"/>
+            <a:r>
+              <a:rPr lang="en-US" sz="1400" dirty="0" smtClean="0">
+                <a:solidFill>
+                  <a:schemeClr val="accent4">
+                    <a:lumMod val="40000"/>
+                    <a:lumOff val="60000"/>
+                  </a:schemeClr>
+                </a:solidFill>
+              </a:rPr>
+              <a:t>nature of problem solving</a:t>
+            </a:r>
             <a:r>
               <a:rPr lang="en-US" sz="1600" dirty="0" smtClean="0">
                 <a:solidFill>
@@ -10681,113 +11926,8 @@
                   </a:schemeClr>
                 </a:solidFill>
               </a:rPr>
-              <a:t>d</a:t>
-            </a:r>
-            <a:r>
-              <a:rPr lang="en-US" sz="1600" dirty="0" smtClean="0">
-                <a:solidFill>
-                  <a:schemeClr val="accent4">
-                    <a:lumMod val="40000"/>
-                    <a:lumOff val="60000"/>
-                  </a:schemeClr>
-                </a:solidFill>
-              </a:rPr>
-              <a:t>isciplined engineering </a:t>
-            </a:r>
-          </a:p>
-          <a:p>
-            <a:pPr lvl="3"/>
-            <a:r>
-              <a:rPr lang="en-US" sz="1400" dirty="0" smtClean="0">
-                <a:solidFill>
-                  <a:schemeClr val="accent4">
-                    <a:lumMod val="40000"/>
-                    <a:lumOff val="60000"/>
-                  </a:schemeClr>
-                </a:solidFill>
-              </a:rPr>
-              <a:t>a</a:t>
-            </a:r>
-            <a:r>
-              <a:rPr lang="en-US" sz="1400" dirty="0" smtClean="0">
-                <a:solidFill>
-                  <a:schemeClr val="accent4">
-                    <a:lumMod val="40000"/>
-                    <a:lumOff val="60000"/>
-                  </a:schemeClr>
-                </a:solidFill>
-              </a:rPr>
-              <a:t>pplied problem solving</a:t>
-            </a:r>
-          </a:p>
-          <a:p>
-            <a:pPr lvl="2"/>
-            <a:r>
-              <a:rPr lang="en-US" sz="1600" dirty="0" smtClean="0">
-                <a:solidFill>
-                  <a:schemeClr val="accent4">
-                    <a:lumMod val="40000"/>
-                    <a:lumOff val="60000"/>
-                  </a:schemeClr>
-                </a:solidFill>
-              </a:rPr>
-              <a:t>c</a:t>
-            </a:r>
-            <a:r>
-              <a:rPr lang="en-US" sz="1600" dirty="0" smtClean="0">
-                <a:solidFill>
-                  <a:schemeClr val="accent4">
-                    <a:lumMod val="40000"/>
-                    <a:lumOff val="60000"/>
-                  </a:schemeClr>
-                </a:solidFill>
-              </a:rPr>
-              <a:t>ognitive psychology</a:t>
-            </a:r>
-          </a:p>
-          <a:p>
-            <a:pPr lvl="3"/>
-            <a:r>
-              <a:rPr lang="en-US" sz="1400" dirty="0" smtClean="0">
-                <a:solidFill>
-                  <a:schemeClr val="accent4">
-                    <a:lumMod val="40000"/>
-                    <a:lumOff val="60000"/>
-                  </a:schemeClr>
-                </a:solidFill>
-              </a:rPr>
-              <a:t>n</a:t>
-            </a:r>
-            <a:r>
-              <a:rPr lang="en-US" sz="1400" dirty="0" smtClean="0">
-                <a:solidFill>
-                  <a:schemeClr val="accent4">
-                    <a:lumMod val="40000"/>
-                    <a:lumOff val="60000"/>
-                  </a:schemeClr>
-                </a:solidFill>
-              </a:rPr>
-              <a:t>ature of problem solving</a:t>
-            </a:r>
-            <a:r>
-              <a:rPr lang="en-US" sz="1600" dirty="0" smtClean="0">
-                <a:solidFill>
-                  <a:schemeClr val="accent4">
-                    <a:lumMod val="40000"/>
-                    <a:lumOff val="60000"/>
-                  </a:schemeClr>
-                </a:solidFill>
-              </a:rPr>
               <a:t> </a:t>
             </a:r>
-            <a:endParaRPr lang="en-US" sz="1600" dirty="0" smtClean="0">
-              <a:solidFill>
-                <a:schemeClr val="accent4">
-                  <a:lumMod val="40000"/>
-                  <a:lumOff val="60000"/>
-                </a:schemeClr>
-              </a:solidFill>
-            </a:endParaRPr>
           </a:p>
           <a:p>
             <a:endParaRPr lang="en-US" sz="2400" dirty="0" smtClean="0">
@@ -10809,29 +11949,7 @@
                   </a:schemeClr>
                 </a:solidFill>
               </a:rPr>
-              <a:t>a</a:t>
-            </a:r>
-            <a:r>
-              <a:rPr lang="en-US" sz="2400" dirty="0" err="1" smtClean="0">
-                <a:solidFill>
-                  <a:schemeClr val="accent4">
-                    <a:lumMod val="40000"/>
-                    <a:lumOff val="60000"/>
-                  </a:schemeClr>
-                </a:solidFill>
-              </a:rPr>
-              <a:t>.</a:t>
-            </a:r>
-            <a:r>
-              <a:rPr lang="en-US" sz="2400" dirty="0" err="1" smtClean="0">
-                <a:solidFill>
-                  <a:schemeClr val="accent4">
-                    <a:lumMod val="40000"/>
-                    <a:lumOff val="60000"/>
-                  </a:schemeClr>
-                </a:solidFill>
-              </a:rPr>
-              <a:t>d.d</a:t>
+              <a:t>a.d.d</a:t>
             </a:r>
             <a:r>
               <a:rPr lang="en-US" sz="2400" dirty="0" smtClean="0">
@@ -10864,18 +11982,7 @@
                   </a:schemeClr>
                 </a:solidFill>
               </a:rPr>
-              <a:t>s</a:t>
-            </a:r>
-            <a:r>
-              <a:rPr lang="en-US" sz="1800" dirty="0" smtClean="0">
-                <a:solidFill>
-                  <a:schemeClr val="accent4">
-                    <a:lumMod val="40000"/>
-                    <a:lumOff val="60000"/>
-                  </a:schemeClr>
-                </a:solidFill>
-              </a:rPr>
-              <a:t>implification</a:t>
+              <a:t>simplification</a:t>
             </a:r>
           </a:p>
           <a:p>
@@ -10900,18 +12007,7 @@
                   </a:schemeClr>
                 </a:solidFill>
               </a:rPr>
-              <a:t> </a:t>
-            </a:r>
-            <a:r>
-              <a:rPr lang="en-US" sz="1600" dirty="0" smtClean="0">
-                <a:solidFill>
-                  <a:schemeClr val="accent4">
-                    <a:lumMod val="40000"/>
-                    <a:lumOff val="60000"/>
-                  </a:schemeClr>
-                </a:solidFill>
-              </a:rPr>
-              <a:t> </a:t>
+              <a:t>  </a:t>
             </a:r>
             <a:endParaRPr lang="en-US" sz="1600" dirty="0">
               <a:solidFill>
@@ -11265,29 +12361,7 @@
                   </a:schemeClr>
                 </a:solidFill>
               </a:rPr>
-              <a:t>r</a:t>
-            </a:r>
-            <a:r>
-              <a:rPr lang="en-US" sz="1800" dirty="0" smtClean="0">
-                <a:solidFill>
-                  <a:schemeClr val="accent4">
-                    <a:lumMod val="40000"/>
-                    <a:lumOff val="60000"/>
-                  </a:schemeClr>
-                </a:solidFill>
-              </a:rPr>
-              <a:t>ecreated software retaining </a:t>
-            </a:r>
-            <a:r>
-              <a:rPr lang="en-US" sz="1800" dirty="0" smtClean="0">
-                <a:solidFill>
-                  <a:schemeClr val="accent4">
-                    <a:lumMod val="40000"/>
-                    <a:lumOff val="60000"/>
-                  </a:schemeClr>
-                </a:solidFill>
-              </a:rPr>
-              <a:t>intention</a:t>
+              <a:t>recreated software retaining intention</a:t>
             </a:r>
           </a:p>
         </p:txBody>
@@ -11527,7 +12601,7 @@
     </p:spTree>
     <p:extLst>
       <p:ext uri="{BB962C8B-B14F-4D97-AF65-F5344CB8AC3E}">
-        <p14:creationId xmlns="" xmlns:p14="http://schemas.microsoft.com/office/powerpoint/2010/main" val="1635578240"/>
+        <p14:creationId xmlns:p14="http://schemas.microsoft.com/office/powerpoint/2010/main" xmlns="" val="1635578240"/>
       </p:ext>
     </p:extLst>
   </p:cSld>
@@ -11676,7 +12750,7 @@
     </p:spTree>
     <p:extLst>
       <p:ext uri="{BB962C8B-B14F-4D97-AF65-F5344CB8AC3E}">
-        <p14:creationId xmlns="" xmlns:p14="http://schemas.microsoft.com/office/powerpoint/2010/main" val="1756280764"/>
+        <p14:creationId xmlns:p14="http://schemas.microsoft.com/office/powerpoint/2010/main" xmlns="" val="1756280764"/>
       </p:ext>
     </p:extLst>
   </p:cSld>
@@ -12442,7 +13516,7 @@
     </p:spTree>
     <p:extLst>
       <p:ext uri="{BB962C8B-B14F-4D97-AF65-F5344CB8AC3E}">
-        <p14:creationId xmlns="" xmlns:p14="http://schemas.microsoft.com/office/powerpoint/2010/main" val="2774147809"/>
+        <p14:creationId xmlns:p14="http://schemas.microsoft.com/office/powerpoint/2010/main" xmlns="" val="2774147809"/>
       </p:ext>
     </p:extLst>
   </p:cSld>
@@ -12765,7 +13839,7 @@
     </p:spTree>
     <p:extLst>
       <p:ext uri="{BB962C8B-B14F-4D97-AF65-F5344CB8AC3E}">
-        <p14:creationId xmlns="" xmlns:p14="http://schemas.microsoft.com/office/powerpoint/2010/main" val="3063391366"/>
+        <p14:creationId xmlns:p14="http://schemas.microsoft.com/office/powerpoint/2010/main" xmlns="" val="3063391366"/>
       </p:ext>
     </p:extLst>
   </p:cSld>
